--- a/trunk/Intro_to_ElectroPsych_Toolbox.pptx
+++ b/trunk/Intro_to_ElectroPsych_Toolbox.pptx
@@ -5,7 +5,7 @@
     <p:sldMasterId id="2147483678" r:id="rId1"/>
   </p:sldMasterIdLst>
   <p:notesMasterIdLst>
-    <p:notesMasterId r:id="rId30"/>
+    <p:notesMasterId r:id="rId31"/>
   </p:notesMasterIdLst>
   <p:sldIdLst>
     <p:sldId id="259" r:id="rId2"/>
@@ -32,10 +32,11 @@
     <p:sldId id="263" r:id="rId23"/>
     <p:sldId id="284" r:id="rId24"/>
     <p:sldId id="286" r:id="rId25"/>
-    <p:sldId id="287" r:id="rId26"/>
-    <p:sldId id="283" r:id="rId27"/>
-    <p:sldId id="285" r:id="rId28"/>
-    <p:sldId id="288" r:id="rId29"/>
+    <p:sldId id="289" r:id="rId26"/>
+    <p:sldId id="287" r:id="rId27"/>
+    <p:sldId id="283" r:id="rId28"/>
+    <p:sldId id="285" r:id="rId29"/>
+    <p:sldId id="288" r:id="rId30"/>
   </p:sldIdLst>
   <p:sldSz cx="9144000" cy="6858000" type="screen4x3"/>
   <p:notesSz cx="6858000" cy="9144000"/>
@@ -179,12 +180,17 @@
           <p14:sldIdLst>
             <p14:sldId id="284"/>
             <p14:sldId id="286"/>
+            <p14:sldId id="289"/>
             <p14:sldId id="287"/>
           </p14:sldIdLst>
         </p14:section>
         <p14:section name="Misc" id="{DCDDA515-E747-40DF-A9AB-CDDAE1464A8E}">
           <p14:sldIdLst>
             <p14:sldId id="283"/>
+          </p14:sldIdLst>
+        </p14:section>
+        <p14:section name="MySQL Database Integration" id="{10271A5E-3995-4B8F-939F-9D4F46E872DA}">
+          <p14:sldIdLst>
             <p14:sldId id="285"/>
             <p14:sldId id="288"/>
           </p14:sldIdLst>
@@ -3783,11 +3789,7 @@
             </a:r>
             <a:r>
               <a:rPr lang="en-CA" sz="4000" dirty="0" smtClean="0"/>
-              <a:t>) </a:t>
-            </a:r>
-            <a:r>
-              <a:rPr lang="en-CA" sz="4000" dirty="0" smtClean="0"/>
-              <a:t>Matlab Toolbox</a:t>
+              <a:t>) Matlab Toolbox</a:t>
             </a:r>
             <a:endParaRPr lang="en-CA" sz="4000" dirty="0"/>
           </a:p>
@@ -5382,6 +5384,75 @@
           </a:prstGeom>
         </p:spPr>
       </p:pic>
+      <p:sp>
+        <p:nvSpPr>
+          <p:cNvPr id="8" name="TextBox 7"/>
+          <p:cNvSpPr txBox="1"/>
+          <p:nvPr/>
+        </p:nvSpPr>
+        <p:spPr>
+          <a:xfrm>
+            <a:off x="3429000" y="4316740"/>
+            <a:ext cx="5715000" cy="2031325"/>
+          </a:xfrm>
+          <a:prstGeom prst="rect">
+            <a:avLst/>
+          </a:prstGeom>
+          <a:noFill/>
+        </p:spPr>
+        <p:txBody>
+          <a:bodyPr wrap="square" rtlCol="0">
+            <a:spAutoFit/>
+          </a:bodyPr>
+          <a:lstStyle/>
+          <a:p>
+            <a:pPr marL="285750" indent="-285750">
+              <a:buFont typeface="Arial" panose="020B0604020202020204" pitchFamily="34" charset="0"/>
+              <a:buChar char="•"/>
+            </a:pPr>
+            <a:r>
+              <a:rPr lang="en-CA" dirty="0" smtClean="0"/>
+              <a:t>Begin with “$” to prompt for values when beginning an experiment.  ex:   $</a:t>
+            </a:r>
+            <a:r>
+              <a:rPr lang="en-CA" dirty="0" err="1" smtClean="0"/>
+              <a:t>Freq</a:t>
+            </a:r>
+            <a:endParaRPr lang="en-CA" dirty="0" smtClean="0"/>
+          </a:p>
+          <a:p>
+            <a:pPr marL="285750" indent="-285750">
+              <a:buFont typeface="Arial" panose="020B0604020202020204" pitchFamily="34" charset="0"/>
+              <a:buChar char="•"/>
+            </a:pPr>
+            <a:endParaRPr lang="en-CA" dirty="0"/>
+          </a:p>
+          <a:p>
+            <a:pPr marL="285750" indent="-285750">
+              <a:buFont typeface="Arial" panose="020B0604020202020204" pitchFamily="34" charset="0"/>
+              <a:buChar char="•"/>
+            </a:pPr>
+            <a:r>
+              <a:rPr lang="en-CA" dirty="0" smtClean="0"/>
+              <a:t>Begin with “*” to have the parameter be ignored by the updater during runtime.  ex:   *Tag</a:t>
+            </a:r>
+          </a:p>
+          <a:p>
+            <a:pPr marL="742950" lvl="1" indent="-285750">
+              <a:buFont typeface="Arial" panose="020B0604020202020204" pitchFamily="34" charset="0"/>
+              <a:buChar char="•"/>
+            </a:pPr>
+            <a:r>
+              <a:rPr lang="en-CA" dirty="0" smtClean="0"/>
+              <a:t>Useful when using custom trial selection functions.</a:t>
+            </a:r>
+          </a:p>
+          <a:p>
+            <a:pPr lvl="1"/>
+            <a:endParaRPr lang="en-CA" dirty="0"/>
+          </a:p>
+        </p:txBody>
+      </p:sp>
     </p:spTree>
     <p:extLst>
       <p:ext uri="{BB962C8B-B14F-4D97-AF65-F5344CB8AC3E}">
@@ -8791,7 +8862,6 @@
               <a:rPr lang="en-US" sz="1400" dirty="0" smtClean="0"/>
               <a:t>Behavior/Electrophysiology</a:t>
             </a:r>
-            <a:endParaRPr lang="en-US" sz="1400" dirty="0" smtClean="0"/>
           </a:p>
           <a:p>
             <a:pPr algn="ctr"/>
@@ -9728,86 +9798,357 @@
           <a:chExt cx="0" cy="0"/>
         </a:xfrm>
       </p:grpSpPr>
-      <p:pic>
-        <p:nvPicPr>
-          <p:cNvPr id="2" name="Picture 1"/>
-          <p:cNvPicPr>
-            <a:picLocks noChangeAspect="1"/>
-          </p:cNvPicPr>
-          <p:nvPr/>
-        </p:nvPicPr>
-        <p:blipFill rotWithShape="1">
-          <a:blip r:embed="rId2"/>
-          <a:srcRect l="25926" t="23333" r="56667" b="33889"/>
-          <a:stretch/>
-        </p:blipFill>
-        <p:spPr>
-          <a:xfrm>
-            <a:off x="4800600" y="685800"/>
-            <a:ext cx="3581400" cy="5867400"/>
+      <p:sp>
+        <p:nvSpPr>
+          <p:cNvPr id="2" name="Rectangle 1"/>
+          <p:cNvSpPr/>
+          <p:nvPr/>
+        </p:nvSpPr>
+        <p:spPr>
+          <a:xfrm>
+            <a:off x="228600" y="1887040"/>
+            <a:ext cx="8686800" cy="3392724"/>
           </a:xfrm>
           <a:prstGeom prst="rect">
             <a:avLst/>
           </a:prstGeom>
         </p:spPr>
-      </p:pic>
-      <p:sp>
-        <p:nvSpPr>
-          <p:cNvPr id="3" name="Oval 2"/>
-          <p:cNvSpPr/>
-          <p:nvPr/>
-        </p:nvSpPr>
-        <p:spPr>
-          <a:xfrm>
-            <a:off x="4775200" y="2133600"/>
-            <a:ext cx="2514600" cy="457200"/>
-          </a:xfrm>
-          <a:prstGeom prst="ellipse">
-            <a:avLst/>
-          </a:prstGeom>
-          <a:noFill/>
-          <a:ln w="28575">
-            <a:solidFill>
-              <a:srgbClr val="FF0000"/>
-            </a:solidFill>
-            <a:prstDash val="dash"/>
-          </a:ln>
-        </p:spPr>
-        <p:style>
-          <a:lnRef idx="2">
-            <a:schemeClr val="accent1">
-              <a:shade val="50000"/>
-            </a:schemeClr>
-          </a:lnRef>
-          <a:fillRef idx="1">
-            <a:schemeClr val="accent1"/>
-          </a:fillRef>
-          <a:effectRef idx="0">
-            <a:schemeClr val="accent1"/>
-          </a:effectRef>
-          <a:fontRef idx="minor">
-            <a:schemeClr val="lt1"/>
-          </a:fontRef>
-        </p:style>
-        <p:txBody>
-          <a:bodyPr rtlCol="0" anchor="ctr"/>
-          <a:lstStyle/>
-          <a:p>
-            <a:pPr algn="ctr"/>
-            <a:endParaRPr lang="en-CA"/>
-          </a:p>
-        </p:txBody>
-      </p:sp>
-      <p:sp>
-        <p:nvSpPr>
-          <p:cNvPr id="4" name="TextBox 3"/>
+        <p:txBody>
+          <a:bodyPr wrap="square">
+            <a:spAutoFit/>
+          </a:bodyPr>
+          <a:lstStyle/>
+          <a:p>
+            <a:pPr marL="285750" indent="-285750">
+              <a:lnSpc>
+                <a:spcPct val="120000"/>
+              </a:lnSpc>
+              <a:spcAft>
+                <a:spcPts val="1000"/>
+              </a:spcAft>
+              <a:buFont typeface="Arial" panose="020B0604020202020204" pitchFamily="34" charset="0"/>
+              <a:buChar char="•"/>
+            </a:pPr>
+            <a:r>
+              <a:rPr lang="en-US" sz="1600" dirty="0">
+                <a:latin typeface="Calibri" panose="020F0502020204030204" pitchFamily="34" charset="0"/>
+                <a:ea typeface="Times New Roman" panose="02020603050405020304" pitchFamily="18" charset="0"/>
+                <a:cs typeface="Times New Roman" panose="02020603050405020304" pitchFamily="18" charset="0"/>
+              </a:rPr>
+              <a:t>To make sure MATLAB recognizes the software, open MATLAB, type </a:t>
+            </a:r>
+            <a:r>
+              <a:rPr lang="en-US" sz="1600" dirty="0" err="1">
+                <a:solidFill>
+                  <a:srgbClr val="0070C0"/>
+                </a:solidFill>
+                <a:latin typeface="Courier New" panose="02070309020205020404" pitchFamily="49" charset="0"/>
+                <a:ea typeface="Times New Roman" panose="02020603050405020304" pitchFamily="18" charset="0"/>
+                <a:cs typeface="Times New Roman" panose="02020603050405020304" pitchFamily="18" charset="0"/>
+              </a:rPr>
+              <a:t>pathtool</a:t>
+            </a:r>
+            <a:r>
+              <a:rPr lang="en-US" sz="1600" dirty="0">
+                <a:solidFill>
+                  <a:srgbClr val="0070C0"/>
+                </a:solidFill>
+                <a:latin typeface="Calibri" panose="020F0502020204030204" pitchFamily="34" charset="0"/>
+                <a:ea typeface="Times New Roman" panose="02020603050405020304" pitchFamily="18" charset="0"/>
+                <a:cs typeface="Times New Roman" panose="02020603050405020304" pitchFamily="18" charset="0"/>
+              </a:rPr>
+              <a:t> </a:t>
+            </a:r>
+            <a:r>
+              <a:rPr lang="en-US" sz="1600" dirty="0">
+                <a:latin typeface="Calibri" panose="020F0502020204030204" pitchFamily="34" charset="0"/>
+                <a:ea typeface="Times New Roman" panose="02020603050405020304" pitchFamily="18" charset="0"/>
+                <a:cs typeface="Times New Roman" panose="02020603050405020304" pitchFamily="18" charset="0"/>
+              </a:rPr>
+              <a:t>in the command window, and add the directory of the </a:t>
+            </a:r>
+            <a:r>
+              <a:rPr lang="en-US" sz="1600" dirty="0" err="1">
+                <a:latin typeface="Calibri" panose="020F0502020204030204" pitchFamily="34" charset="0"/>
+                <a:ea typeface="Times New Roman" panose="02020603050405020304" pitchFamily="18" charset="0"/>
+                <a:cs typeface="Times New Roman" panose="02020603050405020304" pitchFamily="18" charset="0"/>
+              </a:rPr>
+              <a:t>ephys</a:t>
+            </a:r>
+            <a:r>
+              <a:rPr lang="en-US" sz="1600" dirty="0">
+                <a:latin typeface="Calibri" panose="020F0502020204030204" pitchFamily="34" charset="0"/>
+                <a:ea typeface="Times New Roman" panose="02020603050405020304" pitchFamily="18" charset="0"/>
+                <a:cs typeface="Times New Roman" panose="02020603050405020304" pitchFamily="18" charset="0"/>
+              </a:rPr>
+              <a:t> </a:t>
+            </a:r>
+            <a:r>
+              <a:rPr lang="en-US" sz="1600" dirty="0" err="1">
+                <a:latin typeface="Calibri" panose="020F0502020204030204" pitchFamily="34" charset="0"/>
+                <a:ea typeface="Times New Roman" panose="02020603050405020304" pitchFamily="18" charset="0"/>
+                <a:cs typeface="Times New Roman" panose="02020603050405020304" pitchFamily="18" charset="0"/>
+              </a:rPr>
+              <a:t>svn</a:t>
+            </a:r>
+            <a:r>
+              <a:rPr lang="en-US" sz="1600" dirty="0">
+                <a:latin typeface="Calibri" panose="020F0502020204030204" pitchFamily="34" charset="0"/>
+                <a:ea typeface="Times New Roman" panose="02020603050405020304" pitchFamily="18" charset="0"/>
+                <a:cs typeface="Times New Roman" panose="02020603050405020304" pitchFamily="18" charset="0"/>
+              </a:rPr>
+              <a:t> checkout (suggested, C:\</a:t>
+            </a:r>
+            <a:r>
+              <a:rPr lang="en-US" sz="1600" dirty="0" smtClean="0">
+                <a:latin typeface="Calibri" panose="020F0502020204030204" pitchFamily="34" charset="0"/>
+                <a:ea typeface="Times New Roman" panose="02020603050405020304" pitchFamily="18" charset="0"/>
+                <a:cs typeface="Times New Roman" panose="02020603050405020304" pitchFamily="18" charset="0"/>
+              </a:rPr>
+              <a:t>MATLAB\work\epsych).  </a:t>
+            </a:r>
+          </a:p>
+          <a:p>
+            <a:pPr marL="285750" indent="-285750">
+              <a:lnSpc>
+                <a:spcPct val="120000"/>
+              </a:lnSpc>
+              <a:spcAft>
+                <a:spcPts val="1000"/>
+              </a:spcAft>
+              <a:buFont typeface="Arial" panose="020B0604020202020204" pitchFamily="34" charset="0"/>
+              <a:buChar char="•"/>
+            </a:pPr>
+            <a:r>
+              <a:rPr lang="en-US" sz="1600" dirty="0" smtClean="0">
+                <a:latin typeface="Calibri" panose="020F0502020204030204" pitchFamily="34" charset="0"/>
+                <a:ea typeface="Times New Roman" panose="02020603050405020304" pitchFamily="18" charset="0"/>
+                <a:cs typeface="Times New Roman" panose="02020603050405020304" pitchFamily="18" charset="0"/>
+              </a:rPr>
+              <a:t>Click </a:t>
+            </a:r>
+            <a:r>
+              <a:rPr lang="en-US" sz="1600" dirty="0">
+                <a:latin typeface="Calibri" panose="020F0502020204030204" pitchFamily="34" charset="0"/>
+                <a:ea typeface="Times New Roman" panose="02020603050405020304" pitchFamily="18" charset="0"/>
+                <a:cs typeface="Times New Roman" panose="02020603050405020304" pitchFamily="18" charset="0"/>
+              </a:rPr>
+              <a:t>the Save  button and close the path tool dialog.  </a:t>
+            </a:r>
+            <a:endParaRPr lang="en-US" sz="1600" dirty="0" smtClean="0">
+              <a:latin typeface="Calibri" panose="020F0502020204030204" pitchFamily="34" charset="0"/>
+              <a:ea typeface="Times New Roman" panose="02020603050405020304" pitchFamily="18" charset="0"/>
+              <a:cs typeface="Times New Roman" panose="02020603050405020304" pitchFamily="18" charset="0"/>
+            </a:endParaRPr>
+          </a:p>
+          <a:p>
+            <a:pPr marL="285750" indent="-285750">
+              <a:lnSpc>
+                <a:spcPct val="120000"/>
+              </a:lnSpc>
+              <a:spcAft>
+                <a:spcPts val="1000"/>
+              </a:spcAft>
+              <a:buFont typeface="Arial" panose="020B0604020202020204" pitchFamily="34" charset="0"/>
+              <a:buChar char="•"/>
+            </a:pPr>
+            <a:r>
+              <a:rPr lang="en-US" sz="1600" dirty="0" smtClean="0">
+                <a:latin typeface="Calibri" panose="020F0502020204030204" pitchFamily="34" charset="0"/>
+                <a:ea typeface="Times New Roman" panose="02020603050405020304" pitchFamily="18" charset="0"/>
+                <a:cs typeface="Times New Roman" panose="02020603050405020304" pitchFamily="18" charset="0"/>
+              </a:rPr>
+              <a:t>Finally</a:t>
+            </a:r>
+            <a:r>
+              <a:rPr lang="en-US" sz="1600" dirty="0">
+                <a:latin typeface="Calibri" panose="020F0502020204030204" pitchFamily="34" charset="0"/>
+                <a:ea typeface="Times New Roman" panose="02020603050405020304" pitchFamily="18" charset="0"/>
+                <a:cs typeface="Times New Roman" panose="02020603050405020304" pitchFamily="18" charset="0"/>
+              </a:rPr>
+              <a:t>, type the command </a:t>
+            </a:r>
+            <a:r>
+              <a:rPr lang="en-US" sz="1600" dirty="0" err="1" smtClean="0">
+                <a:solidFill>
+                  <a:srgbClr val="0070C0"/>
+                </a:solidFill>
+                <a:latin typeface="Courier New" panose="02070309020205020404" pitchFamily="49" charset="0"/>
+                <a:ea typeface="Times New Roman" panose="02020603050405020304" pitchFamily="18" charset="0"/>
+                <a:cs typeface="Courier New" panose="02070309020205020404" pitchFamily="49" charset="0"/>
+              </a:rPr>
+              <a:t>esych_startup</a:t>
+            </a:r>
+            <a:r>
+              <a:rPr lang="en-US" sz="1600" dirty="0" smtClean="0">
+                <a:solidFill>
+                  <a:srgbClr val="0070C0"/>
+                </a:solidFill>
+                <a:latin typeface="Courier New" panose="02070309020205020404" pitchFamily="49" charset="0"/>
+                <a:ea typeface="Times New Roman" panose="02020603050405020304" pitchFamily="18" charset="0"/>
+                <a:cs typeface="Courier New" panose="02070309020205020404" pitchFamily="49" charset="0"/>
+              </a:rPr>
+              <a:t>(‘C:\MATLAB\work\</a:t>
+            </a:r>
+            <a:r>
+              <a:rPr lang="en-US" sz="1600" dirty="0" err="1" smtClean="0">
+                <a:solidFill>
+                  <a:srgbClr val="0070C0"/>
+                </a:solidFill>
+                <a:latin typeface="Courier New" panose="02070309020205020404" pitchFamily="49" charset="0"/>
+                <a:ea typeface="Times New Roman" panose="02020603050405020304" pitchFamily="18" charset="0"/>
+                <a:cs typeface="Courier New" panose="02070309020205020404" pitchFamily="49" charset="0"/>
+              </a:rPr>
+              <a:t>epsych</a:t>
+            </a:r>
+            <a:r>
+              <a:rPr lang="en-US" sz="1600" dirty="0" smtClean="0">
+                <a:solidFill>
+                  <a:srgbClr val="0070C0"/>
+                </a:solidFill>
+                <a:latin typeface="Courier New" panose="02070309020205020404" pitchFamily="49" charset="0"/>
+                <a:ea typeface="Times New Roman" panose="02020603050405020304" pitchFamily="18" charset="0"/>
+                <a:cs typeface="Courier New" panose="02070309020205020404" pitchFamily="49" charset="0"/>
+              </a:rPr>
+              <a:t>’);</a:t>
+            </a:r>
+            <a:r>
+              <a:rPr lang="en-US" sz="1600" dirty="0" smtClean="0">
+                <a:latin typeface="Courier New" panose="02070309020205020404" pitchFamily="49" charset="0"/>
+                <a:ea typeface="Times New Roman" panose="02020603050405020304" pitchFamily="18" charset="0"/>
+                <a:cs typeface="Courier New" panose="02070309020205020404" pitchFamily="49" charset="0"/>
+              </a:rPr>
+              <a:t> </a:t>
+            </a:r>
+            <a:r>
+              <a:rPr lang="en-US" sz="1600" dirty="0">
+                <a:latin typeface="Calibri" panose="020F0502020204030204" pitchFamily="34" charset="0"/>
+                <a:ea typeface="Times New Roman" panose="02020603050405020304" pitchFamily="18" charset="0"/>
+                <a:cs typeface="Times New Roman" panose="02020603050405020304" pitchFamily="18" charset="0"/>
+              </a:rPr>
+              <a:t>in the command window and appropriate paths will automatically be added to the path</a:t>
+            </a:r>
+            <a:r>
+              <a:rPr lang="en-US" sz="1600" dirty="0" smtClean="0">
+                <a:latin typeface="Calibri" panose="020F0502020204030204" pitchFamily="34" charset="0"/>
+                <a:ea typeface="Times New Roman" panose="02020603050405020304" pitchFamily="18" charset="0"/>
+                <a:cs typeface="Times New Roman" panose="02020603050405020304" pitchFamily="18" charset="0"/>
+              </a:rPr>
+              <a:t>.</a:t>
+            </a:r>
+          </a:p>
+          <a:p>
+            <a:pPr marL="285750" indent="-285750">
+              <a:lnSpc>
+                <a:spcPct val="120000"/>
+              </a:lnSpc>
+              <a:spcAft>
+                <a:spcPts val="1000"/>
+              </a:spcAft>
+              <a:buFont typeface="Arial" panose="020B0604020202020204" pitchFamily="34" charset="0"/>
+              <a:buChar char="•"/>
+            </a:pPr>
+            <a:endParaRPr lang="en-US" sz="1600" dirty="0">
+              <a:effectLst/>
+              <a:latin typeface="Calibri" panose="020F0502020204030204" pitchFamily="34" charset="0"/>
+              <a:ea typeface="Times New Roman" panose="02020603050405020304" pitchFamily="18" charset="0"/>
+              <a:cs typeface="Times New Roman" panose="02020603050405020304" pitchFamily="18" charset="0"/>
+            </a:endParaRPr>
+          </a:p>
+          <a:p>
+            <a:pPr marL="285750" indent="-285750">
+              <a:lnSpc>
+                <a:spcPct val="120000"/>
+              </a:lnSpc>
+              <a:spcAft>
+                <a:spcPts val="1000"/>
+              </a:spcAft>
+              <a:buFont typeface="Arial" panose="020B0604020202020204" pitchFamily="34" charset="0"/>
+              <a:buChar char="•"/>
+            </a:pPr>
+            <a:r>
+              <a:rPr lang="en-US" sz="1600" dirty="0" smtClean="0">
+                <a:latin typeface="Calibri" panose="020F0502020204030204" pitchFamily="34" charset="0"/>
+                <a:ea typeface="Times New Roman" panose="02020603050405020304" pitchFamily="18" charset="0"/>
+                <a:cs typeface="Times New Roman" panose="02020603050405020304" pitchFamily="18" charset="0"/>
+              </a:rPr>
+              <a:t>It is recommended that you modify the “</a:t>
+            </a:r>
+            <a:r>
+              <a:rPr lang="en-US" sz="1600" dirty="0" err="1" smtClean="0">
+                <a:latin typeface="Calibri" panose="020F0502020204030204" pitchFamily="34" charset="0"/>
+                <a:ea typeface="Times New Roman" panose="02020603050405020304" pitchFamily="18" charset="0"/>
+                <a:cs typeface="Times New Roman" panose="02020603050405020304" pitchFamily="18" charset="0"/>
+              </a:rPr>
+              <a:t>startup.m</a:t>
+            </a:r>
+            <a:r>
+              <a:rPr lang="en-US" sz="1600" dirty="0" smtClean="0">
+                <a:latin typeface="Calibri" panose="020F0502020204030204" pitchFamily="34" charset="0"/>
+                <a:ea typeface="Times New Roman" panose="02020603050405020304" pitchFamily="18" charset="0"/>
+                <a:cs typeface="Times New Roman" panose="02020603050405020304" pitchFamily="18" charset="0"/>
+              </a:rPr>
+              <a:t>” file (in the command window, type: </a:t>
+            </a:r>
+            <a:r>
+              <a:rPr lang="en-US" sz="1600" dirty="0" smtClean="0">
+                <a:solidFill>
+                  <a:srgbClr val="0070C0"/>
+                </a:solidFill>
+                <a:latin typeface="Courier New" panose="02070309020205020404" pitchFamily="49" charset="0"/>
+                <a:ea typeface="Times New Roman" panose="02020603050405020304" pitchFamily="18" charset="0"/>
+                <a:cs typeface="Courier New" panose="02070309020205020404" pitchFamily="49" charset="0"/>
+              </a:rPr>
+              <a:t>edit </a:t>
+            </a:r>
+            <a:r>
+              <a:rPr lang="en-US" sz="1600" dirty="0" err="1" smtClean="0">
+                <a:solidFill>
+                  <a:srgbClr val="0070C0"/>
+                </a:solidFill>
+                <a:latin typeface="Courier New" panose="02070309020205020404" pitchFamily="49" charset="0"/>
+                <a:ea typeface="Times New Roman" panose="02020603050405020304" pitchFamily="18" charset="0"/>
+                <a:cs typeface="Courier New" panose="02070309020205020404" pitchFamily="49" charset="0"/>
+              </a:rPr>
+              <a:t>startup.m</a:t>
+            </a:r>
+            <a:r>
+              <a:rPr lang="en-US" sz="1600" dirty="0" smtClean="0">
+                <a:latin typeface="Calibri" panose="020F0502020204030204" pitchFamily="34" charset="0"/>
+                <a:ea typeface="Times New Roman" panose="02020603050405020304" pitchFamily="18" charset="0"/>
+                <a:cs typeface="Times New Roman" panose="02020603050405020304" pitchFamily="18" charset="0"/>
+              </a:rPr>
+              <a:t>) so that the correct paths are set every time Matlab is started.</a:t>
+            </a:r>
+          </a:p>
+          <a:p>
+            <a:pPr>
+              <a:lnSpc>
+                <a:spcPct val="120000"/>
+              </a:lnSpc>
+              <a:spcAft>
+                <a:spcPts val="1000"/>
+              </a:spcAft>
+            </a:pPr>
+            <a:endParaRPr lang="en-CA" sz="1600" dirty="0">
+              <a:effectLst/>
+              <a:latin typeface="Calibri" panose="020F0502020204030204" pitchFamily="34" charset="0"/>
+              <a:ea typeface="Times New Roman" panose="02020603050405020304" pitchFamily="18" charset="0"/>
+              <a:cs typeface="Times New Roman" panose="02020603050405020304" pitchFamily="18" charset="0"/>
+            </a:endParaRPr>
+          </a:p>
+        </p:txBody>
+      </p:sp>
+      <p:sp>
+        <p:nvSpPr>
+          <p:cNvPr id="3" name="TextBox 2"/>
           <p:cNvSpPr txBox="1"/>
           <p:nvPr/>
         </p:nvSpPr>
         <p:spPr>
           <a:xfrm>
             <a:off x="304800" y="304800"/>
-            <a:ext cx="1521442" cy="523220"/>
+            <a:ext cx="1799980" cy="523220"/>
           </a:xfrm>
           <a:prstGeom prst="rect">
             <a:avLst/>
@@ -9822,7 +10163,7 @@
           <a:p>
             <a:r>
               <a:rPr lang="en-CA" sz="2800" dirty="0" smtClean="0"/>
-              <a:t>Updating</a:t>
+              <a:t>Installation</a:t>
             </a:r>
             <a:endParaRPr lang="en-CA" sz="2800" dirty="0"/>
           </a:p>
@@ -9830,14 +10171,14 @@
       </p:sp>
       <p:sp>
         <p:nvSpPr>
-          <p:cNvPr id="5" name="TextBox 4"/>
+          <p:cNvPr id="4" name="TextBox 3"/>
           <p:cNvSpPr txBox="1"/>
           <p:nvPr/>
         </p:nvSpPr>
         <p:spPr>
           <a:xfrm>
-            <a:off x="381001" y="1676400"/>
-            <a:ext cx="4343400" cy="1754326"/>
+            <a:off x="1653573" y="5279764"/>
+            <a:ext cx="5836854" cy="646331"/>
           </a:xfrm>
           <a:prstGeom prst="rect">
             <a:avLst/>
@@ -9845,78 +10186,106 @@
           <a:noFill/>
         </p:spPr>
         <p:txBody>
-          <a:bodyPr wrap="square" rtlCol="0">
+          <a:bodyPr wrap="none" rtlCol="0">
             <a:spAutoFit/>
           </a:bodyPr>
           <a:lstStyle/>
           <a:p>
-            <a:pPr marL="342900" indent="-342900">
-              <a:buFont typeface="+mj-lt"/>
-              <a:buAutoNum type="arabicPeriod"/>
-            </a:pPr>
-            <a:r>
-              <a:rPr lang="en-CA" dirty="0" smtClean="0"/>
-              <a:t>Right-click “</a:t>
-            </a:r>
-            <a:r>
-              <a:rPr lang="en-CA" dirty="0" err="1" smtClean="0"/>
+            <a:r>
+              <a:rPr lang="en-CA" dirty="0" err="1">
+                <a:solidFill>
+                  <a:srgbClr val="0070C0"/>
+                </a:solidFill>
+                <a:latin typeface="Courier New" panose="02070309020205020404" pitchFamily="49" charset="0"/>
+                <a:cs typeface="Courier New" panose="02070309020205020404" pitchFamily="49" charset="0"/>
+              </a:rPr>
+              <a:t>addpath</a:t>
+            </a:r>
+            <a:r>
+              <a:rPr lang="en-CA" dirty="0">
+                <a:solidFill>
+                  <a:srgbClr val="0070C0"/>
+                </a:solidFill>
+                <a:latin typeface="Courier New" panose="02070309020205020404" pitchFamily="49" charset="0"/>
+                <a:cs typeface="Courier New" panose="02070309020205020404" pitchFamily="49" charset="0"/>
+              </a:rPr>
+              <a:t>('C:\MATLAB\work\</a:t>
+            </a:r>
+            <a:r>
+              <a:rPr lang="en-CA" dirty="0" err="1">
+                <a:solidFill>
+                  <a:srgbClr val="0070C0"/>
+                </a:solidFill>
+                <a:latin typeface="Courier New" panose="02070309020205020404" pitchFamily="49" charset="0"/>
+                <a:cs typeface="Courier New" panose="02070309020205020404" pitchFamily="49" charset="0"/>
+              </a:rPr>
               <a:t>epsych</a:t>
             </a:r>
             <a:r>
-              <a:rPr lang="en-CA" dirty="0" smtClean="0"/>
-              <a:t>” folder in Windows Explorer.</a:t>
-            </a:r>
-          </a:p>
-          <a:p>
-            <a:pPr marL="342900" indent="-342900">
-              <a:buFont typeface="+mj-lt"/>
-              <a:buAutoNum type="arabicPeriod"/>
-            </a:pPr>
-            <a:endParaRPr lang="en-CA" dirty="0"/>
-          </a:p>
-          <a:p>
-            <a:pPr marL="342900" indent="-342900">
-              <a:buFont typeface="+mj-lt"/>
-              <a:buAutoNum type="arabicPeriod"/>
-            </a:pPr>
-            <a:r>
-              <a:rPr lang="en-CA" dirty="0" smtClean="0"/>
-              <a:t>Click “SVN Update”</a:t>
-            </a:r>
-          </a:p>
-          <a:p>
-            <a:pPr marL="342900" indent="-342900">
-              <a:buFont typeface="+mj-lt"/>
-              <a:buAutoNum type="arabicPeriod"/>
-            </a:pPr>
-            <a:endParaRPr lang="en-CA" dirty="0"/>
-          </a:p>
-          <a:p>
-            <a:r>
-              <a:rPr lang="en-CA" dirty="0" smtClean="0"/>
-              <a:t>You should see a list of files being updated.</a:t>
-            </a:r>
-            <a:endParaRPr lang="en-CA" dirty="0"/>
+              <a:rPr lang="en-CA" dirty="0">
+                <a:solidFill>
+                  <a:srgbClr val="0070C0"/>
+                </a:solidFill>
+                <a:latin typeface="Courier New" panose="02070309020205020404" pitchFamily="49" charset="0"/>
+                <a:cs typeface="Courier New" panose="02070309020205020404" pitchFamily="49" charset="0"/>
+              </a:rPr>
+              <a:t>\');</a:t>
+            </a:r>
+          </a:p>
+          <a:p>
+            <a:r>
+              <a:rPr lang="en-CA" dirty="0" err="1">
+                <a:solidFill>
+                  <a:srgbClr val="0070C0"/>
+                </a:solidFill>
+                <a:latin typeface="Courier New" panose="02070309020205020404" pitchFamily="49" charset="0"/>
+                <a:cs typeface="Courier New" panose="02070309020205020404" pitchFamily="49" charset="0"/>
+              </a:rPr>
+              <a:t>epsych_startup</a:t>
+            </a:r>
+            <a:r>
+              <a:rPr lang="en-CA" dirty="0">
+                <a:solidFill>
+                  <a:srgbClr val="0070C0"/>
+                </a:solidFill>
+                <a:latin typeface="Courier New" panose="02070309020205020404" pitchFamily="49" charset="0"/>
+                <a:cs typeface="Courier New" panose="02070309020205020404" pitchFamily="49" charset="0"/>
+              </a:rPr>
+              <a:t>('C:\MATLAB\work\</a:t>
+            </a:r>
+            <a:r>
+              <a:rPr lang="en-CA" dirty="0" err="1">
+                <a:solidFill>
+                  <a:srgbClr val="0070C0"/>
+                </a:solidFill>
+                <a:latin typeface="Courier New" panose="02070309020205020404" pitchFamily="49" charset="0"/>
+                <a:cs typeface="Courier New" panose="02070309020205020404" pitchFamily="49" charset="0"/>
+              </a:rPr>
+              <a:t>epsych</a:t>
+            </a:r>
+            <a:r>
+              <a:rPr lang="en-CA" dirty="0">
+                <a:solidFill>
+                  <a:srgbClr val="0070C0"/>
+                </a:solidFill>
+                <a:latin typeface="Courier New" panose="02070309020205020404" pitchFamily="49" charset="0"/>
+                <a:cs typeface="Courier New" panose="02070309020205020404" pitchFamily="49" charset="0"/>
+              </a:rPr>
+              <a:t>\');</a:t>
+            </a:r>
           </a:p>
         </p:txBody>
       </p:sp>
     </p:spTree>
     <p:extLst>
       <p:ext uri="{BB962C8B-B14F-4D97-AF65-F5344CB8AC3E}">
-        <p14:creationId xmlns:p14="http://schemas.microsoft.com/office/powerpoint/2010/main" val="476859443"/>
+        <p14:creationId xmlns:p14="http://schemas.microsoft.com/office/powerpoint/2010/main" val="3832211085"/>
       </p:ext>
     </p:extLst>
   </p:cSld>
   <p:clrMapOvr>
     <a:masterClrMapping/>
   </p:clrMapOvr>
-  <p:timing>
-    <p:tnLst>
-      <p:par>
-        <p:cTn id="1" dur="indefinite" restart="never" nodeType="tmRoot"/>
-      </p:par>
-    </p:tnLst>
-  </p:timing>
 </p:sld>
 </file>
 
@@ -9937,16 +10306,86 @@
           <a:chExt cx="0" cy="0"/>
         </a:xfrm>
       </p:grpSpPr>
-      <p:sp>
-        <p:nvSpPr>
-          <p:cNvPr id="2" name="TextBox 1"/>
+      <p:pic>
+        <p:nvPicPr>
+          <p:cNvPr id="2" name="Picture 1"/>
+          <p:cNvPicPr>
+            <a:picLocks noChangeAspect="1"/>
+          </p:cNvPicPr>
+          <p:nvPr/>
+        </p:nvPicPr>
+        <p:blipFill rotWithShape="1">
+          <a:blip r:embed="rId2"/>
+          <a:srcRect l="25926" t="23333" r="56667" b="33889"/>
+          <a:stretch/>
+        </p:blipFill>
+        <p:spPr>
+          <a:xfrm>
+            <a:off x="4800600" y="685800"/>
+            <a:ext cx="3581400" cy="5867400"/>
+          </a:xfrm>
+          <a:prstGeom prst="rect">
+            <a:avLst/>
+          </a:prstGeom>
+        </p:spPr>
+      </p:pic>
+      <p:sp>
+        <p:nvSpPr>
+          <p:cNvPr id="3" name="Oval 2"/>
+          <p:cNvSpPr/>
+          <p:nvPr/>
+        </p:nvSpPr>
+        <p:spPr>
+          <a:xfrm>
+            <a:off x="4775200" y="2133600"/>
+            <a:ext cx="2514600" cy="457200"/>
+          </a:xfrm>
+          <a:prstGeom prst="ellipse">
+            <a:avLst/>
+          </a:prstGeom>
+          <a:noFill/>
+          <a:ln w="28575">
+            <a:solidFill>
+              <a:srgbClr val="FF0000"/>
+            </a:solidFill>
+            <a:prstDash val="dash"/>
+          </a:ln>
+        </p:spPr>
+        <p:style>
+          <a:lnRef idx="2">
+            <a:schemeClr val="accent1">
+              <a:shade val="50000"/>
+            </a:schemeClr>
+          </a:lnRef>
+          <a:fillRef idx="1">
+            <a:schemeClr val="accent1"/>
+          </a:fillRef>
+          <a:effectRef idx="0">
+            <a:schemeClr val="accent1"/>
+          </a:effectRef>
+          <a:fontRef idx="minor">
+            <a:schemeClr val="lt1"/>
+          </a:fontRef>
+        </p:style>
+        <p:txBody>
+          <a:bodyPr rtlCol="0" anchor="ctr"/>
+          <a:lstStyle/>
+          <a:p>
+            <a:pPr algn="ctr"/>
+            <a:endParaRPr lang="en-CA"/>
+          </a:p>
+        </p:txBody>
+      </p:sp>
+      <p:sp>
+        <p:nvSpPr>
+          <p:cNvPr id="4" name="TextBox 3"/>
           <p:cNvSpPr txBox="1"/>
           <p:nvPr/>
         </p:nvSpPr>
         <p:spPr>
           <a:xfrm>
-            <a:off x="1600200" y="1143000"/>
-            <a:ext cx="6359433" cy="4801314"/>
+            <a:off x="304800" y="304800"/>
+            <a:ext cx="1521442" cy="523220"/>
           </a:xfrm>
           <a:prstGeom prst="rect">
             <a:avLst/>
@@ -9960,364 +10399,23 @@
           <a:lstStyle/>
           <a:p>
             <a:r>
-              <a:rPr lang="en-CA" u="sng" dirty="0" smtClean="0"/>
-              <a:t>GUIs</a:t>
-            </a:r>
-          </a:p>
-          <a:p>
-            <a:pPr marL="285750" indent="-285750">
-              <a:buFont typeface="Arial" panose="020B0604020202020204" pitchFamily="34" charset="0"/>
-              <a:buChar char="•"/>
-            </a:pPr>
-            <a:r>
-              <a:rPr lang="en-CA" dirty="0" smtClean="0"/>
-              <a:t>Calibration of stimuli 	…	</a:t>
-            </a:r>
-            <a:r>
-              <a:rPr lang="en-CA" dirty="0" err="1" smtClean="0">
-                <a:solidFill>
-                  <a:schemeClr val="accent1">
-                    <a:lumMod val="75000"/>
-                  </a:schemeClr>
-                </a:solidFill>
-                <a:latin typeface="Courier New" panose="02070309020205020404" pitchFamily="49" charset="0"/>
-                <a:cs typeface="Courier New" panose="02070309020205020404" pitchFamily="49" charset="0"/>
-              </a:rPr>
-              <a:t>ep_CalibrationUtil</a:t>
-            </a:r>
-            <a:endParaRPr lang="en-CA" dirty="0" smtClean="0">
-              <a:solidFill>
-                <a:schemeClr val="accent1">
-                  <a:lumMod val="75000"/>
-                </a:schemeClr>
-              </a:solidFill>
-              <a:latin typeface="Courier New" panose="02070309020205020404" pitchFamily="49" charset="0"/>
-              <a:cs typeface="Courier New" panose="02070309020205020404" pitchFamily="49" charset="0"/>
-            </a:endParaRPr>
-          </a:p>
-          <a:p>
-            <a:pPr marL="285750" indent="-285750">
-              <a:buFont typeface="Arial" panose="020B0604020202020204" pitchFamily="34" charset="0"/>
-              <a:buChar char="•"/>
-            </a:pPr>
-            <a:r>
-              <a:rPr lang="en-CA" dirty="0" smtClean="0"/>
-              <a:t>Display Preferences 	…	</a:t>
-            </a:r>
-            <a:r>
-              <a:rPr lang="en-CA" dirty="0" err="1" smtClean="0">
-                <a:solidFill>
-                  <a:schemeClr val="accent1">
-                    <a:lumMod val="75000"/>
-                  </a:schemeClr>
-                </a:solidFill>
-                <a:latin typeface="Courier New" panose="02070309020205020404" pitchFamily="49" charset="0"/>
-                <a:cs typeface="Courier New" panose="02070309020205020404" pitchFamily="49" charset="0"/>
-              </a:rPr>
-              <a:t>ep_DisplayPrefs</a:t>
-            </a:r>
-            <a:endParaRPr lang="en-CA" dirty="0" smtClean="0">
-              <a:solidFill>
-                <a:schemeClr val="accent1">
-                  <a:lumMod val="75000"/>
-                </a:schemeClr>
-              </a:solidFill>
-              <a:latin typeface="Courier New" panose="02070309020205020404" pitchFamily="49" charset="0"/>
-              <a:cs typeface="Courier New" panose="02070309020205020404" pitchFamily="49" charset="0"/>
-            </a:endParaRPr>
-          </a:p>
-          <a:p>
-            <a:pPr marL="285750" indent="-285750">
-              <a:buFont typeface="Arial" panose="020B0604020202020204" pitchFamily="34" charset="0"/>
-              <a:buChar char="•"/>
-            </a:pPr>
-            <a:r>
-              <a:rPr lang="en-CA" dirty="0" smtClean="0"/>
-              <a:t>Generate Bitmasks	…	</a:t>
-            </a:r>
-            <a:r>
-              <a:rPr lang="en-CA" dirty="0" err="1" smtClean="0">
-                <a:solidFill>
-                  <a:schemeClr val="accent1">
-                    <a:lumMod val="75000"/>
-                  </a:schemeClr>
-                </a:solidFill>
-                <a:latin typeface="Courier New" panose="02070309020205020404" pitchFamily="49" charset="0"/>
-                <a:cs typeface="Courier New" panose="02070309020205020404" pitchFamily="49" charset="0"/>
-              </a:rPr>
-              <a:t>ep_DisplayPrefs</a:t>
-            </a:r>
-            <a:endParaRPr lang="en-CA" dirty="0" smtClean="0">
-              <a:solidFill>
-                <a:schemeClr val="accent1">
-                  <a:lumMod val="75000"/>
-                </a:schemeClr>
-              </a:solidFill>
-              <a:latin typeface="Courier New" panose="02070309020205020404" pitchFamily="49" charset="0"/>
-              <a:cs typeface="Courier New" panose="02070309020205020404" pitchFamily="49" charset="0"/>
-            </a:endParaRPr>
-          </a:p>
-          <a:p>
-            <a:pPr marL="285750" indent="-285750">
-              <a:buFont typeface="Arial" panose="020B0604020202020204" pitchFamily="34" charset="0"/>
-              <a:buChar char="•"/>
-            </a:pPr>
-            <a:endParaRPr lang="en-CA" dirty="0" smtClean="0"/>
-          </a:p>
-          <a:p>
-            <a:r>
-              <a:rPr lang="en-CA" u="sng" dirty="0" smtClean="0"/>
-              <a:t>Helpful Functions</a:t>
-            </a:r>
-          </a:p>
-          <a:p>
-            <a:pPr marL="285750" indent="-285750">
-              <a:buFont typeface="Arial" panose="020B0604020202020204" pitchFamily="34" charset="0"/>
-              <a:buChar char="•"/>
-            </a:pPr>
-            <a:r>
-              <a:rPr lang="en-CA" dirty="0" smtClean="0"/>
-              <a:t>Retrieve Tank Data 	… 	</a:t>
-            </a:r>
-            <a:r>
-              <a:rPr lang="en-CA" dirty="0" smtClean="0">
-                <a:solidFill>
-                  <a:schemeClr val="accent1">
-                    <a:lumMod val="75000"/>
-                  </a:schemeClr>
-                </a:solidFill>
-                <a:latin typeface="Courier New" panose="02070309020205020404" pitchFamily="49" charset="0"/>
-                <a:cs typeface="Courier New" panose="02070309020205020404" pitchFamily="49" charset="0"/>
-              </a:rPr>
-              <a:t>TDT2mat</a:t>
-            </a:r>
-          </a:p>
-          <a:p>
-            <a:pPr marL="285750" indent="-285750">
-              <a:buFont typeface="Arial" panose="020B0604020202020204" pitchFamily="34" charset="0"/>
-              <a:buChar char="•"/>
-            </a:pPr>
-            <a:r>
-              <a:rPr lang="en-CA" dirty="0" smtClean="0"/>
-              <a:t>TDT to </a:t>
-            </a:r>
-            <a:r>
-              <a:rPr lang="en-CA" dirty="0" err="1" smtClean="0"/>
-              <a:t>Plexon</a:t>
-            </a:r>
-            <a:r>
-              <a:rPr lang="en-CA" dirty="0" smtClean="0"/>
-              <a:t> (PLX)	…	</a:t>
-            </a:r>
-            <a:r>
-              <a:rPr lang="en-CA" dirty="0" smtClean="0">
-                <a:solidFill>
-                  <a:schemeClr val="accent1">
-                    <a:lumMod val="75000"/>
-                  </a:schemeClr>
-                </a:solidFill>
-                <a:latin typeface="Courier New" panose="02070309020205020404" pitchFamily="49" charset="0"/>
-                <a:cs typeface="Courier New" panose="02070309020205020404" pitchFamily="49" charset="0"/>
-              </a:rPr>
-              <a:t>TDT2PLX</a:t>
-            </a:r>
-          </a:p>
-          <a:p>
-            <a:pPr marL="285750" indent="-285750">
-              <a:buFont typeface="Arial" panose="020B0604020202020204" pitchFamily="34" charset="0"/>
-              <a:buChar char="•"/>
-            </a:pPr>
-            <a:r>
-              <a:rPr lang="en-CA" dirty="0" err="1" smtClean="0"/>
-              <a:t>Plexon</a:t>
-            </a:r>
-            <a:r>
-              <a:rPr lang="en-CA" dirty="0" smtClean="0"/>
-              <a:t> to TDT		…	</a:t>
-            </a:r>
-            <a:r>
-              <a:rPr lang="en-CA" dirty="0" smtClean="0">
-                <a:solidFill>
-                  <a:schemeClr val="accent1">
-                    <a:lumMod val="75000"/>
-                  </a:schemeClr>
-                </a:solidFill>
-                <a:latin typeface="Courier New" panose="02070309020205020404" pitchFamily="49" charset="0"/>
-                <a:cs typeface="Courier New" panose="02070309020205020404" pitchFamily="49" charset="0"/>
-              </a:rPr>
-              <a:t>PLX2TDT</a:t>
-            </a:r>
-          </a:p>
-          <a:p>
-            <a:endParaRPr lang="en-CA" dirty="0" smtClean="0"/>
-          </a:p>
-          <a:p>
-            <a:r>
-              <a:rPr lang="en-CA" u="sng" dirty="0" smtClean="0"/>
-              <a:t>Resources</a:t>
-            </a:r>
-            <a:endParaRPr lang="en-CA" u="sng" dirty="0"/>
-          </a:p>
-          <a:p>
-            <a:pPr marL="285750" indent="-285750">
-              <a:buFont typeface="Arial" panose="020B0604020202020204" pitchFamily="34" charset="0"/>
-              <a:buChar char="•"/>
-            </a:pPr>
-            <a:r>
-              <a:rPr lang="en-CA" dirty="0" smtClean="0"/>
-              <a:t>Examples </a:t>
-            </a:r>
-            <a:r>
-              <a:rPr lang="en-CA" dirty="0"/>
-              <a:t>			</a:t>
-            </a:r>
-            <a:r>
-              <a:rPr lang="en-CA" dirty="0" smtClean="0"/>
-              <a:t>..\</a:t>
-            </a:r>
-            <a:r>
-              <a:rPr lang="en-CA" dirty="0" err="1"/>
-              <a:t>epsych</a:t>
-            </a:r>
-            <a:r>
-              <a:rPr lang="en-CA" dirty="0"/>
-              <a:t>\.</a:t>
-            </a:r>
-            <a:r>
-              <a:rPr lang="en-CA" dirty="0" smtClean="0"/>
-              <a:t>examples</a:t>
-            </a:r>
-          </a:p>
-          <a:p>
-            <a:pPr marL="285750" indent="-285750">
-              <a:buFont typeface="Arial" panose="020B0604020202020204" pitchFamily="34" charset="0"/>
-              <a:buChar char="•"/>
-            </a:pPr>
-            <a:r>
-              <a:rPr lang="en-CA" dirty="0" err="1" smtClean="0"/>
-              <a:t>RPvds</a:t>
-            </a:r>
-            <a:r>
-              <a:rPr lang="en-CA" dirty="0"/>
-              <a:t> Macros			</a:t>
-            </a:r>
-            <a:r>
-              <a:rPr lang="en-CA" dirty="0" smtClean="0"/>
-              <a:t>..\</a:t>
-            </a:r>
-            <a:r>
-              <a:rPr lang="en-CA" dirty="0" err="1"/>
-              <a:t>epsych</a:t>
-            </a:r>
-            <a:r>
-              <a:rPr lang="en-CA" dirty="0"/>
-              <a:t>\.</a:t>
-            </a:r>
-            <a:r>
-              <a:rPr lang="en-CA" dirty="0" err="1" smtClean="0"/>
-              <a:t>circuit_macros</a:t>
-            </a:r>
-            <a:endParaRPr lang="en-CA" dirty="0" smtClean="0"/>
-          </a:p>
-          <a:p>
-            <a:pPr marL="285750" indent="-285750">
-              <a:buFont typeface="Arial" panose="020B0604020202020204" pitchFamily="34" charset="0"/>
-              <a:buChar char="•"/>
-            </a:pPr>
-            <a:endParaRPr lang="en-CA" dirty="0"/>
-          </a:p>
-          <a:p>
-            <a:r>
-              <a:rPr lang="en-CA" u="sng" dirty="0"/>
-              <a:t>Integration with MySQL Database </a:t>
-            </a:r>
-            <a:r>
-              <a:rPr lang="en-CA" dirty="0"/>
-              <a:t>	..\</a:t>
-            </a:r>
-            <a:r>
-              <a:rPr lang="en-CA" dirty="0" err="1"/>
-              <a:t>epsych</a:t>
-            </a:r>
-            <a:r>
-              <a:rPr lang="en-CA" dirty="0"/>
-              <a:t>\database</a:t>
-            </a:r>
-          </a:p>
-          <a:p>
-            <a:pPr marL="285750" indent="-285750">
-              <a:buFont typeface="Arial" panose="020B0604020202020204" pitchFamily="34" charset="0"/>
-              <a:buChar char="•"/>
-            </a:pPr>
-            <a:r>
-              <a:rPr lang="en-CA" dirty="0" smtClean="0"/>
-              <a:t>Uploading 		… 	</a:t>
-            </a:r>
-            <a:r>
-              <a:rPr lang="en-CA" dirty="0" err="1" smtClean="0">
-                <a:solidFill>
-                  <a:schemeClr val="accent1">
-                    <a:lumMod val="75000"/>
-                  </a:schemeClr>
-                </a:solidFill>
-                <a:latin typeface="Courier New" panose="02070309020205020404" pitchFamily="49" charset="0"/>
-                <a:cs typeface="Courier New" panose="02070309020205020404" pitchFamily="49" charset="0"/>
-              </a:rPr>
-              <a:t>DB_UploadUtility</a:t>
-            </a:r>
-            <a:endParaRPr lang="en-CA" dirty="0" smtClean="0">
-              <a:solidFill>
-                <a:schemeClr val="accent1">
-                  <a:lumMod val="75000"/>
-                </a:schemeClr>
-              </a:solidFill>
-              <a:latin typeface="Courier New" panose="02070309020205020404" pitchFamily="49" charset="0"/>
-              <a:cs typeface="Courier New" panose="02070309020205020404" pitchFamily="49" charset="0"/>
-            </a:endParaRPr>
-          </a:p>
-          <a:p>
-            <a:pPr marL="285750" indent="-285750">
-              <a:buFont typeface="Arial" panose="020B0604020202020204" pitchFamily="34" charset="0"/>
-              <a:buChar char="•"/>
-            </a:pPr>
-            <a:r>
-              <a:rPr lang="en-CA" dirty="0" smtClean="0"/>
-              <a:t>Accessing/Browsing 	…	</a:t>
-            </a:r>
-            <a:r>
-              <a:rPr lang="en-CA" dirty="0" err="1" smtClean="0">
-                <a:solidFill>
-                  <a:schemeClr val="accent1">
-                    <a:lumMod val="75000"/>
-                  </a:schemeClr>
-                </a:solidFill>
-                <a:latin typeface="Courier New" panose="02070309020205020404" pitchFamily="49" charset="0"/>
-                <a:cs typeface="Courier New" panose="02070309020205020404" pitchFamily="49" charset="0"/>
-              </a:rPr>
-              <a:t>DB_Browser</a:t>
-            </a:r>
-            <a:endParaRPr lang="en-CA" dirty="0">
-              <a:solidFill>
-                <a:schemeClr val="accent1">
-                  <a:lumMod val="75000"/>
-                </a:schemeClr>
-              </a:solidFill>
-              <a:latin typeface="Courier New" panose="02070309020205020404" pitchFamily="49" charset="0"/>
-              <a:cs typeface="Courier New" panose="02070309020205020404" pitchFamily="49" charset="0"/>
-            </a:endParaRPr>
-          </a:p>
-        </p:txBody>
-      </p:sp>
-      <p:sp>
-        <p:nvSpPr>
-          <p:cNvPr id="3" name="TextBox 2"/>
+              <a:rPr lang="en-CA" sz="2800" dirty="0" smtClean="0"/>
+              <a:t>Updating</a:t>
+            </a:r>
+            <a:endParaRPr lang="en-CA" sz="2800" dirty="0"/>
+          </a:p>
+        </p:txBody>
+      </p:sp>
+      <p:sp>
+        <p:nvSpPr>
+          <p:cNvPr id="5" name="TextBox 4"/>
           <p:cNvSpPr txBox="1"/>
           <p:nvPr/>
         </p:nvSpPr>
         <p:spPr>
           <a:xfrm>
-            <a:off x="685800" y="457200"/>
-            <a:ext cx="1612942" cy="461665"/>
+            <a:off x="381001" y="1676400"/>
+            <a:ext cx="4343400" cy="1754326"/>
           </a:xfrm>
           <a:prstGeom prst="rect">
             <a:avLst/>
@@ -10325,23 +10423,65 @@
           <a:noFill/>
         </p:spPr>
         <p:txBody>
-          <a:bodyPr wrap="none" rtlCol="0">
+          <a:bodyPr wrap="square" rtlCol="0">
             <a:spAutoFit/>
           </a:bodyPr>
           <a:lstStyle/>
           <a:p>
-            <a:r>
-              <a:rPr lang="en-CA" sz="2400" b="1" dirty="0" smtClean="0"/>
-              <a:t>Other Stuff</a:t>
-            </a:r>
-            <a:endParaRPr lang="en-CA" sz="2400" b="1" dirty="0"/>
+            <a:pPr marL="342900" indent="-342900">
+              <a:buFont typeface="+mj-lt"/>
+              <a:buAutoNum type="arabicPeriod"/>
+            </a:pPr>
+            <a:r>
+              <a:rPr lang="en-CA" dirty="0" smtClean="0"/>
+              <a:t>Right-click “</a:t>
+            </a:r>
+            <a:r>
+              <a:rPr lang="en-CA" dirty="0" err="1" smtClean="0"/>
+              <a:t>epsych</a:t>
+            </a:r>
+            <a:r>
+              <a:rPr lang="en-CA" dirty="0" smtClean="0"/>
+              <a:t>” folder in Windows Explorer.</a:t>
+            </a:r>
+          </a:p>
+          <a:p>
+            <a:pPr marL="342900" indent="-342900">
+              <a:buFont typeface="+mj-lt"/>
+              <a:buAutoNum type="arabicPeriod"/>
+            </a:pPr>
+            <a:endParaRPr lang="en-CA" dirty="0"/>
+          </a:p>
+          <a:p>
+            <a:pPr marL="342900" indent="-342900">
+              <a:buFont typeface="+mj-lt"/>
+              <a:buAutoNum type="arabicPeriod"/>
+            </a:pPr>
+            <a:r>
+              <a:rPr lang="en-CA" dirty="0" smtClean="0"/>
+              <a:t>Click “SVN Update”</a:t>
+            </a:r>
+          </a:p>
+          <a:p>
+            <a:pPr marL="342900" indent="-342900">
+              <a:buFont typeface="+mj-lt"/>
+              <a:buAutoNum type="arabicPeriod"/>
+            </a:pPr>
+            <a:endParaRPr lang="en-CA" dirty="0"/>
+          </a:p>
+          <a:p>
+            <a:r>
+              <a:rPr lang="en-CA" dirty="0" smtClean="0"/>
+              <a:t>You should see a list of files being updated.</a:t>
+            </a:r>
+            <a:endParaRPr lang="en-CA" dirty="0"/>
           </a:p>
         </p:txBody>
       </p:sp>
     </p:spTree>
     <p:extLst>
       <p:ext uri="{BB962C8B-B14F-4D97-AF65-F5344CB8AC3E}">
-        <p14:creationId xmlns:p14="http://schemas.microsoft.com/office/powerpoint/2010/main" val="3777478140"/>
+        <p14:creationId xmlns:p14="http://schemas.microsoft.com/office/powerpoint/2010/main" val="476859443"/>
       </p:ext>
     </p:extLst>
   </p:cSld>
@@ -10377,6 +10517,444 @@
       </p:grpSpPr>
       <p:sp>
         <p:nvSpPr>
+          <p:cNvPr id="2" name="TextBox 1"/>
+          <p:cNvSpPr txBox="1"/>
+          <p:nvPr/>
+        </p:nvSpPr>
+        <p:spPr>
+          <a:xfrm>
+            <a:off x="1600200" y="1143000"/>
+            <a:ext cx="6359433" cy="4801314"/>
+          </a:xfrm>
+          <a:prstGeom prst="rect">
+            <a:avLst/>
+          </a:prstGeom>
+          <a:noFill/>
+        </p:spPr>
+        <p:txBody>
+          <a:bodyPr wrap="none" rtlCol="0">
+            <a:spAutoFit/>
+          </a:bodyPr>
+          <a:lstStyle/>
+          <a:p>
+            <a:r>
+              <a:rPr lang="en-CA" u="sng" dirty="0" smtClean="0"/>
+              <a:t>GUIs</a:t>
+            </a:r>
+          </a:p>
+          <a:p>
+            <a:pPr marL="285750" indent="-285750">
+              <a:buFont typeface="Arial" panose="020B0604020202020204" pitchFamily="34" charset="0"/>
+              <a:buChar char="•"/>
+            </a:pPr>
+            <a:r>
+              <a:rPr lang="en-CA" dirty="0" smtClean="0"/>
+              <a:t>Calibration of stimuli 	…	</a:t>
+            </a:r>
+            <a:r>
+              <a:rPr lang="en-CA" dirty="0" err="1" smtClean="0">
+                <a:solidFill>
+                  <a:schemeClr val="accent1">
+                    <a:lumMod val="75000"/>
+                  </a:schemeClr>
+                </a:solidFill>
+                <a:latin typeface="Courier New" panose="02070309020205020404" pitchFamily="49" charset="0"/>
+                <a:cs typeface="Courier New" panose="02070309020205020404" pitchFamily="49" charset="0"/>
+              </a:rPr>
+              <a:t>ep_CalibrationUtil</a:t>
+            </a:r>
+            <a:endParaRPr lang="en-CA" dirty="0" smtClean="0">
+              <a:solidFill>
+                <a:schemeClr val="accent1">
+                  <a:lumMod val="75000"/>
+                </a:schemeClr>
+              </a:solidFill>
+              <a:latin typeface="Courier New" panose="02070309020205020404" pitchFamily="49" charset="0"/>
+              <a:cs typeface="Courier New" panose="02070309020205020404" pitchFamily="49" charset="0"/>
+            </a:endParaRPr>
+          </a:p>
+          <a:p>
+            <a:pPr marL="285750" indent="-285750">
+              <a:buFont typeface="Arial" panose="020B0604020202020204" pitchFamily="34" charset="0"/>
+              <a:buChar char="•"/>
+            </a:pPr>
+            <a:r>
+              <a:rPr lang="en-CA" dirty="0" smtClean="0"/>
+              <a:t>Display Preferences 	…	</a:t>
+            </a:r>
+            <a:r>
+              <a:rPr lang="en-CA" dirty="0" err="1" smtClean="0">
+                <a:solidFill>
+                  <a:schemeClr val="accent1">
+                    <a:lumMod val="75000"/>
+                  </a:schemeClr>
+                </a:solidFill>
+                <a:latin typeface="Courier New" panose="02070309020205020404" pitchFamily="49" charset="0"/>
+                <a:cs typeface="Courier New" panose="02070309020205020404" pitchFamily="49" charset="0"/>
+              </a:rPr>
+              <a:t>ep_DisplayPrefs</a:t>
+            </a:r>
+            <a:endParaRPr lang="en-CA" dirty="0" smtClean="0">
+              <a:solidFill>
+                <a:schemeClr val="accent1">
+                  <a:lumMod val="75000"/>
+                </a:schemeClr>
+              </a:solidFill>
+              <a:latin typeface="Courier New" panose="02070309020205020404" pitchFamily="49" charset="0"/>
+              <a:cs typeface="Courier New" panose="02070309020205020404" pitchFamily="49" charset="0"/>
+            </a:endParaRPr>
+          </a:p>
+          <a:p>
+            <a:pPr marL="285750" indent="-285750">
+              <a:buFont typeface="Arial" panose="020B0604020202020204" pitchFamily="34" charset="0"/>
+              <a:buChar char="•"/>
+            </a:pPr>
+            <a:r>
+              <a:rPr lang="en-CA" dirty="0" smtClean="0"/>
+              <a:t>Generate Bitmasks	…	</a:t>
+            </a:r>
+            <a:r>
+              <a:rPr lang="en-CA" dirty="0" err="1" smtClean="0">
+                <a:solidFill>
+                  <a:schemeClr val="accent1">
+                    <a:lumMod val="75000"/>
+                  </a:schemeClr>
+                </a:solidFill>
+                <a:latin typeface="Courier New" panose="02070309020205020404" pitchFamily="49" charset="0"/>
+                <a:cs typeface="Courier New" panose="02070309020205020404" pitchFamily="49" charset="0"/>
+              </a:rPr>
+              <a:t>ep_DisplayPrefs</a:t>
+            </a:r>
+            <a:endParaRPr lang="en-CA" dirty="0" smtClean="0">
+              <a:solidFill>
+                <a:schemeClr val="accent1">
+                  <a:lumMod val="75000"/>
+                </a:schemeClr>
+              </a:solidFill>
+              <a:latin typeface="Courier New" panose="02070309020205020404" pitchFamily="49" charset="0"/>
+              <a:cs typeface="Courier New" panose="02070309020205020404" pitchFamily="49" charset="0"/>
+            </a:endParaRPr>
+          </a:p>
+          <a:p>
+            <a:pPr marL="285750" indent="-285750">
+              <a:buFont typeface="Arial" panose="020B0604020202020204" pitchFamily="34" charset="0"/>
+              <a:buChar char="•"/>
+            </a:pPr>
+            <a:endParaRPr lang="en-CA" dirty="0" smtClean="0"/>
+          </a:p>
+          <a:p>
+            <a:r>
+              <a:rPr lang="en-CA" u="sng" dirty="0" smtClean="0"/>
+              <a:t>Helpful Functions</a:t>
+            </a:r>
+          </a:p>
+          <a:p>
+            <a:pPr marL="285750" indent="-285750">
+              <a:buFont typeface="Arial" panose="020B0604020202020204" pitchFamily="34" charset="0"/>
+              <a:buChar char="•"/>
+            </a:pPr>
+            <a:r>
+              <a:rPr lang="en-CA" dirty="0" smtClean="0"/>
+              <a:t>Retrieve Tank Data 	… 	</a:t>
+            </a:r>
+            <a:r>
+              <a:rPr lang="en-CA" dirty="0" smtClean="0">
+                <a:solidFill>
+                  <a:schemeClr val="accent1">
+                    <a:lumMod val="75000"/>
+                  </a:schemeClr>
+                </a:solidFill>
+                <a:latin typeface="Courier New" panose="02070309020205020404" pitchFamily="49" charset="0"/>
+                <a:cs typeface="Courier New" panose="02070309020205020404" pitchFamily="49" charset="0"/>
+              </a:rPr>
+              <a:t>TDT2mat</a:t>
+            </a:r>
+          </a:p>
+          <a:p>
+            <a:pPr marL="285750" indent="-285750">
+              <a:buFont typeface="Arial" panose="020B0604020202020204" pitchFamily="34" charset="0"/>
+              <a:buChar char="•"/>
+            </a:pPr>
+            <a:r>
+              <a:rPr lang="en-CA" dirty="0" smtClean="0"/>
+              <a:t>TDT to </a:t>
+            </a:r>
+            <a:r>
+              <a:rPr lang="en-CA" dirty="0" err="1" smtClean="0"/>
+              <a:t>Plexon</a:t>
+            </a:r>
+            <a:r>
+              <a:rPr lang="en-CA" dirty="0" smtClean="0"/>
+              <a:t> (PLX)	…	</a:t>
+            </a:r>
+            <a:r>
+              <a:rPr lang="en-CA" dirty="0" smtClean="0">
+                <a:solidFill>
+                  <a:schemeClr val="accent1">
+                    <a:lumMod val="75000"/>
+                  </a:schemeClr>
+                </a:solidFill>
+                <a:latin typeface="Courier New" panose="02070309020205020404" pitchFamily="49" charset="0"/>
+                <a:cs typeface="Courier New" panose="02070309020205020404" pitchFamily="49" charset="0"/>
+              </a:rPr>
+              <a:t>TDT2PLX</a:t>
+            </a:r>
+          </a:p>
+          <a:p>
+            <a:pPr marL="285750" indent="-285750">
+              <a:buFont typeface="Arial" panose="020B0604020202020204" pitchFamily="34" charset="0"/>
+              <a:buChar char="•"/>
+            </a:pPr>
+            <a:r>
+              <a:rPr lang="en-CA" dirty="0" err="1" smtClean="0"/>
+              <a:t>Plexon</a:t>
+            </a:r>
+            <a:r>
+              <a:rPr lang="en-CA" dirty="0" smtClean="0"/>
+              <a:t> to TDT		…	</a:t>
+            </a:r>
+            <a:r>
+              <a:rPr lang="en-CA" dirty="0" smtClean="0">
+                <a:solidFill>
+                  <a:schemeClr val="accent1">
+                    <a:lumMod val="75000"/>
+                  </a:schemeClr>
+                </a:solidFill>
+                <a:latin typeface="Courier New" panose="02070309020205020404" pitchFamily="49" charset="0"/>
+                <a:cs typeface="Courier New" panose="02070309020205020404" pitchFamily="49" charset="0"/>
+              </a:rPr>
+              <a:t>PLX2TDT</a:t>
+            </a:r>
+          </a:p>
+          <a:p>
+            <a:endParaRPr lang="en-CA" dirty="0" smtClean="0"/>
+          </a:p>
+          <a:p>
+            <a:r>
+              <a:rPr lang="en-CA" u="sng" dirty="0" smtClean="0"/>
+              <a:t>Resources</a:t>
+            </a:r>
+            <a:endParaRPr lang="en-CA" u="sng" dirty="0"/>
+          </a:p>
+          <a:p>
+            <a:pPr marL="285750" indent="-285750">
+              <a:buFont typeface="Arial" panose="020B0604020202020204" pitchFamily="34" charset="0"/>
+              <a:buChar char="•"/>
+            </a:pPr>
+            <a:r>
+              <a:rPr lang="en-CA" dirty="0" smtClean="0"/>
+              <a:t>Examples </a:t>
+            </a:r>
+            <a:r>
+              <a:rPr lang="en-CA" dirty="0"/>
+              <a:t>			</a:t>
+            </a:r>
+            <a:r>
+              <a:rPr lang="en-CA" dirty="0" smtClean="0"/>
+              <a:t>..\</a:t>
+            </a:r>
+            <a:r>
+              <a:rPr lang="en-CA" dirty="0" err="1"/>
+              <a:t>epsych</a:t>
+            </a:r>
+            <a:r>
+              <a:rPr lang="en-CA" dirty="0"/>
+              <a:t>\.</a:t>
+            </a:r>
+            <a:r>
+              <a:rPr lang="en-CA" dirty="0" smtClean="0"/>
+              <a:t>examples</a:t>
+            </a:r>
+          </a:p>
+          <a:p>
+            <a:pPr marL="285750" indent="-285750">
+              <a:buFont typeface="Arial" panose="020B0604020202020204" pitchFamily="34" charset="0"/>
+              <a:buChar char="•"/>
+            </a:pPr>
+            <a:r>
+              <a:rPr lang="en-CA" dirty="0" err="1" smtClean="0"/>
+              <a:t>RPvds</a:t>
+            </a:r>
+            <a:r>
+              <a:rPr lang="en-CA" dirty="0"/>
+              <a:t> Macros			</a:t>
+            </a:r>
+            <a:r>
+              <a:rPr lang="en-CA" dirty="0" smtClean="0"/>
+              <a:t>..\</a:t>
+            </a:r>
+            <a:r>
+              <a:rPr lang="en-CA" dirty="0" err="1"/>
+              <a:t>epsych</a:t>
+            </a:r>
+            <a:r>
+              <a:rPr lang="en-CA" dirty="0"/>
+              <a:t>\.</a:t>
+            </a:r>
+            <a:r>
+              <a:rPr lang="en-CA" dirty="0" err="1" smtClean="0"/>
+              <a:t>circuit_macros</a:t>
+            </a:r>
+            <a:endParaRPr lang="en-CA" dirty="0" smtClean="0"/>
+          </a:p>
+          <a:p>
+            <a:pPr marL="285750" indent="-285750">
+              <a:buFont typeface="Arial" panose="020B0604020202020204" pitchFamily="34" charset="0"/>
+              <a:buChar char="•"/>
+            </a:pPr>
+            <a:endParaRPr lang="en-CA" dirty="0"/>
+          </a:p>
+          <a:p>
+            <a:r>
+              <a:rPr lang="en-CA" u="sng" dirty="0"/>
+              <a:t>Integration with MySQL Database </a:t>
+            </a:r>
+            <a:r>
+              <a:rPr lang="en-CA" dirty="0"/>
+              <a:t>	..\</a:t>
+            </a:r>
+            <a:r>
+              <a:rPr lang="en-CA" dirty="0" err="1"/>
+              <a:t>epsych</a:t>
+            </a:r>
+            <a:r>
+              <a:rPr lang="en-CA" dirty="0"/>
+              <a:t>\database</a:t>
+            </a:r>
+          </a:p>
+          <a:p>
+            <a:pPr marL="285750" indent="-285750">
+              <a:buFont typeface="Arial" panose="020B0604020202020204" pitchFamily="34" charset="0"/>
+              <a:buChar char="•"/>
+            </a:pPr>
+            <a:r>
+              <a:rPr lang="en-CA" dirty="0" smtClean="0"/>
+              <a:t>Uploading 		… 	</a:t>
+            </a:r>
+            <a:r>
+              <a:rPr lang="en-CA" dirty="0" err="1" smtClean="0">
+                <a:solidFill>
+                  <a:schemeClr val="accent1">
+                    <a:lumMod val="75000"/>
+                  </a:schemeClr>
+                </a:solidFill>
+                <a:latin typeface="Courier New" panose="02070309020205020404" pitchFamily="49" charset="0"/>
+                <a:cs typeface="Courier New" panose="02070309020205020404" pitchFamily="49" charset="0"/>
+              </a:rPr>
+              <a:t>DB_UploadUtility</a:t>
+            </a:r>
+            <a:endParaRPr lang="en-CA" dirty="0" smtClean="0">
+              <a:solidFill>
+                <a:schemeClr val="accent1">
+                  <a:lumMod val="75000"/>
+                </a:schemeClr>
+              </a:solidFill>
+              <a:latin typeface="Courier New" panose="02070309020205020404" pitchFamily="49" charset="0"/>
+              <a:cs typeface="Courier New" panose="02070309020205020404" pitchFamily="49" charset="0"/>
+            </a:endParaRPr>
+          </a:p>
+          <a:p>
+            <a:pPr marL="285750" indent="-285750">
+              <a:buFont typeface="Arial" panose="020B0604020202020204" pitchFamily="34" charset="0"/>
+              <a:buChar char="•"/>
+            </a:pPr>
+            <a:r>
+              <a:rPr lang="en-CA" dirty="0" smtClean="0"/>
+              <a:t>Accessing/Browsing 	…	</a:t>
+            </a:r>
+            <a:r>
+              <a:rPr lang="en-CA" dirty="0" err="1" smtClean="0">
+                <a:solidFill>
+                  <a:schemeClr val="accent1">
+                    <a:lumMod val="75000"/>
+                  </a:schemeClr>
+                </a:solidFill>
+                <a:latin typeface="Courier New" panose="02070309020205020404" pitchFamily="49" charset="0"/>
+                <a:cs typeface="Courier New" panose="02070309020205020404" pitchFamily="49" charset="0"/>
+              </a:rPr>
+              <a:t>DB_Browser</a:t>
+            </a:r>
+            <a:endParaRPr lang="en-CA" dirty="0">
+              <a:solidFill>
+                <a:schemeClr val="accent1">
+                  <a:lumMod val="75000"/>
+                </a:schemeClr>
+              </a:solidFill>
+              <a:latin typeface="Courier New" panose="02070309020205020404" pitchFamily="49" charset="0"/>
+              <a:cs typeface="Courier New" panose="02070309020205020404" pitchFamily="49" charset="0"/>
+            </a:endParaRPr>
+          </a:p>
+        </p:txBody>
+      </p:sp>
+      <p:sp>
+        <p:nvSpPr>
+          <p:cNvPr id="3" name="TextBox 2"/>
+          <p:cNvSpPr txBox="1"/>
+          <p:nvPr/>
+        </p:nvSpPr>
+        <p:spPr>
+          <a:xfrm>
+            <a:off x="685800" y="457200"/>
+            <a:ext cx="1612942" cy="461665"/>
+          </a:xfrm>
+          <a:prstGeom prst="rect">
+            <a:avLst/>
+          </a:prstGeom>
+          <a:noFill/>
+        </p:spPr>
+        <p:txBody>
+          <a:bodyPr wrap="none" rtlCol="0">
+            <a:spAutoFit/>
+          </a:bodyPr>
+          <a:lstStyle/>
+          <a:p>
+            <a:r>
+              <a:rPr lang="en-CA" sz="2400" b="1" dirty="0" smtClean="0"/>
+              <a:t>Other Stuff</a:t>
+            </a:r>
+            <a:endParaRPr lang="en-CA" sz="2400" b="1" dirty="0"/>
+          </a:p>
+        </p:txBody>
+      </p:sp>
+    </p:spTree>
+    <p:extLst>
+      <p:ext uri="{BB962C8B-B14F-4D97-AF65-F5344CB8AC3E}">
+        <p14:creationId xmlns:p14="http://schemas.microsoft.com/office/powerpoint/2010/main" val="3777478140"/>
+      </p:ext>
+    </p:extLst>
+  </p:cSld>
+  <p:clrMapOvr>
+    <a:masterClrMapping/>
+  </p:clrMapOvr>
+  <p:timing>
+    <p:tnLst>
+      <p:par>
+        <p:cTn id="1" dur="indefinite" restart="never" nodeType="tmRoot"/>
+      </p:par>
+    </p:tnLst>
+  </p:timing>
+</p:sld>
+</file>
+
+<file path=ppt/slides/slide28.xml><?xml version="1.0" encoding="utf-8"?>
+<p:sld xmlns:a="http://schemas.openxmlformats.org/drawingml/2006/main" xmlns:r="http://schemas.openxmlformats.org/officeDocument/2006/relationships" xmlns:p="http://schemas.openxmlformats.org/presentationml/2006/main">
+  <p:cSld>
+    <p:spTree>
+      <p:nvGrpSpPr>
+        <p:cNvPr id="1" name=""/>
+        <p:cNvGrpSpPr/>
+        <p:nvPr/>
+      </p:nvGrpSpPr>
+      <p:grpSpPr>
+        <a:xfrm>
+          <a:off x="0" y="0"/>
+          <a:ext cx="0" cy="0"/>
+          <a:chOff x="0" y="0"/>
+          <a:chExt cx="0" cy="0"/>
+        </a:xfrm>
+      </p:grpSpPr>
+      <p:sp>
+        <p:nvSpPr>
           <p:cNvPr id="2" name="Flowchart: Process 1"/>
           <p:cNvSpPr/>
           <p:nvPr/>
@@ -10810,7 +11388,7 @@
 </p:sld>
 </file>
 
-<file path=ppt/slides/slide28.xml><?xml version="1.0" encoding="utf-8"?>
+<file path=ppt/slides/slide29.xml><?xml version="1.0" encoding="utf-8"?>
 <p:sld xmlns:a="http://schemas.openxmlformats.org/drawingml/2006/main" xmlns:r="http://schemas.openxmlformats.org/officeDocument/2006/relationships" xmlns:p="http://schemas.openxmlformats.org/presentationml/2006/main">
   <p:cSld>
     <p:spTree>
@@ -10960,11 +11538,7 @@
             </a:r>
             <a:r>
               <a:rPr lang="en-US" dirty="0" smtClean="0"/>
-              <a:t> </a:t>
-            </a:r>
-            <a:r>
-              <a:rPr lang="en-US" dirty="0" smtClean="0"/>
-              <a:t>circuits</a:t>
+              <a:t> circuits</a:t>
             </a:r>
           </a:p>
           <a:p>
@@ -10976,7 +11550,6 @@
               <a:rPr lang="en-US" dirty="0" smtClean="0"/>
               <a:t>Parameterize experiments</a:t>
             </a:r>
-            <a:endParaRPr lang="en-US" dirty="0" smtClean="0"/>
           </a:p>
           <a:p>
             <a:pPr marL="122238" indent="-122238">
@@ -11019,15 +11592,7 @@
             </a:pPr>
             <a:r>
               <a:rPr lang="en-US" dirty="0" smtClean="0"/>
-              <a:t>Runs </a:t>
-            </a:r>
-            <a:r>
-              <a:rPr lang="en-US" dirty="0" smtClean="0"/>
-              <a:t>behavior/electrophysiology </a:t>
-            </a:r>
-            <a:r>
-              <a:rPr lang="en-US" dirty="0" smtClean="0"/>
-              <a:t>experiment by controlling </a:t>
+              <a:t>Runs behavior/electrophysiology experiment by controlling </a:t>
             </a:r>
             <a:r>
               <a:rPr lang="en-US" dirty="0" err="1" smtClean="0"/>
@@ -13589,7 +14154,6 @@
                 <a:rPr lang="en-CA" sz="1600" dirty="0"/>
                 <a:t> must be selected using the setup tab.</a:t>
               </a:r>
-              <a:endParaRPr lang="en-CA" sz="1600" dirty="0"/>
             </a:p>
           </p:txBody>
         </p:sp>
@@ -14112,7 +14676,6 @@
                 <a:rPr lang="en-CA" sz="1600" dirty="0"/>
                 <a:t> must be selected using the setup tab.</a:t>
               </a:r>
-              <a:endParaRPr lang="en-CA" sz="1600" dirty="0"/>
             </a:p>
           </p:txBody>
         </p:sp>
@@ -14435,7 +14998,6 @@
               <a:rPr lang="en-CA" sz="2400" u="sng" dirty="0"/>
               <a:t>)</a:t>
             </a:r>
-            <a:endParaRPr lang="en-CA" sz="2400" u="sng" dirty="0"/>
           </a:p>
         </p:txBody>
       </p:sp>

--- a/trunk/Intro_to_ElectroPsych_Toolbox.pptx
+++ b/trunk/Intro_to_ElectroPsych_Toolbox.pptx
@@ -5,7 +5,7 @@
     <p:sldMasterId id="2147483678" r:id="rId1"/>
   </p:sldMasterIdLst>
   <p:notesMasterIdLst>
-    <p:notesMasterId r:id="rId33"/>
+    <p:notesMasterId r:id="rId36"/>
   </p:notesMasterIdLst>
   <p:sldIdLst>
     <p:sldId id="259" r:id="rId2"/>
@@ -36,9 +36,12 @@
     <p:sldId id="271" r:id="rId27"/>
     <p:sldId id="274" r:id="rId28"/>
     <p:sldId id="263" r:id="rId29"/>
-    <p:sldId id="283" r:id="rId30"/>
-    <p:sldId id="285" r:id="rId31"/>
-    <p:sldId id="288" r:id="rId32"/>
+    <p:sldId id="294" r:id="rId30"/>
+    <p:sldId id="293" r:id="rId31"/>
+    <p:sldId id="292" r:id="rId32"/>
+    <p:sldId id="283" r:id="rId33"/>
+    <p:sldId id="285" r:id="rId34"/>
+    <p:sldId id="288" r:id="rId35"/>
   </p:sldIdLst>
   <p:sldSz cx="9144000" cy="6858000" type="screen4x3"/>
   <p:notesSz cx="6858000" cy="9144000"/>
@@ -186,6 +189,13 @@
           <p14:sldIdLst>
             <p14:sldId id="274"/>
             <p14:sldId id="263"/>
+            <p14:sldId id="294"/>
+            <p14:sldId id="293"/>
+          </p14:sldIdLst>
+        </p14:section>
+        <p14:section name="Display Prefs/Bitmask" id="{7FB3BAF5-B11A-4E2B-954B-A93C99BC6737}">
+          <p14:sldIdLst>
+            <p14:sldId id="292"/>
           </p14:sldIdLst>
         </p14:section>
         <p14:section name="Misc" id="{DCDDA515-E747-40DF-A9AB-CDDAE1464A8E}">
@@ -301,7 +311,7 @@
           <a:p>
             <a:fld id="{5B1F1AE8-169A-448B-8F06-14A9CDED5B93}" type="datetimeFigureOut">
               <a:rPr lang="en-CA" smtClean="0"/>
-              <a:t>2014-10-18</a:t>
+              <a:t>2014-10-19</a:t>
             </a:fld>
             <a:endParaRPr lang="en-CA"/>
           </a:p>
@@ -1036,7 +1046,7 @@
           <a:p>
             <a:fld id="{BD11ADD5-E14D-449A-83D5-794C8D646EDC}" type="datetimeFigureOut">
               <a:rPr lang="en-CA" smtClean="0"/>
-              <a:t>2014-10-18</a:t>
+              <a:t>2014-10-19</a:t>
             </a:fld>
             <a:endParaRPr lang="en-CA"/>
           </a:p>
@@ -1206,7 +1216,7 @@
           <a:p>
             <a:fld id="{BD11ADD5-E14D-449A-83D5-794C8D646EDC}" type="datetimeFigureOut">
               <a:rPr lang="en-CA" smtClean="0"/>
-              <a:t>2014-10-18</a:t>
+              <a:t>2014-10-19</a:t>
             </a:fld>
             <a:endParaRPr lang="en-CA"/>
           </a:p>
@@ -1386,7 +1396,7 @@
           <a:p>
             <a:fld id="{BD11ADD5-E14D-449A-83D5-794C8D646EDC}" type="datetimeFigureOut">
               <a:rPr lang="en-CA" smtClean="0"/>
-              <a:t>2014-10-18</a:t>
+              <a:t>2014-10-19</a:t>
             </a:fld>
             <a:endParaRPr lang="en-CA"/>
           </a:p>
@@ -1556,7 +1566,7 @@
           <a:p>
             <a:fld id="{BD11ADD5-E14D-449A-83D5-794C8D646EDC}" type="datetimeFigureOut">
               <a:rPr lang="en-CA" smtClean="0"/>
-              <a:t>2014-10-18</a:t>
+              <a:t>2014-10-19</a:t>
             </a:fld>
             <a:endParaRPr lang="en-CA"/>
           </a:p>
@@ -1802,7 +1812,7 @@
           <a:p>
             <a:fld id="{BD11ADD5-E14D-449A-83D5-794C8D646EDC}" type="datetimeFigureOut">
               <a:rPr lang="en-CA" smtClean="0"/>
-              <a:t>2014-10-18</a:t>
+              <a:t>2014-10-19</a:t>
             </a:fld>
             <a:endParaRPr lang="en-CA"/>
           </a:p>
@@ -2034,7 +2044,7 @@
           <a:p>
             <a:fld id="{BD11ADD5-E14D-449A-83D5-794C8D646EDC}" type="datetimeFigureOut">
               <a:rPr lang="en-CA" smtClean="0"/>
-              <a:t>2014-10-18</a:t>
+              <a:t>2014-10-19</a:t>
             </a:fld>
             <a:endParaRPr lang="en-CA"/>
           </a:p>
@@ -2401,7 +2411,7 @@
           <a:p>
             <a:fld id="{BD11ADD5-E14D-449A-83D5-794C8D646EDC}" type="datetimeFigureOut">
               <a:rPr lang="en-CA" smtClean="0"/>
-              <a:t>2014-10-18</a:t>
+              <a:t>2014-10-19</a:t>
             </a:fld>
             <a:endParaRPr lang="en-CA"/>
           </a:p>
@@ -2519,7 +2529,7 @@
           <a:p>
             <a:fld id="{BD11ADD5-E14D-449A-83D5-794C8D646EDC}" type="datetimeFigureOut">
               <a:rPr lang="en-CA" smtClean="0"/>
-              <a:t>2014-10-18</a:t>
+              <a:t>2014-10-19</a:t>
             </a:fld>
             <a:endParaRPr lang="en-CA"/>
           </a:p>
@@ -2614,7 +2624,7 @@
           <a:p>
             <a:fld id="{BD11ADD5-E14D-449A-83D5-794C8D646EDC}" type="datetimeFigureOut">
               <a:rPr lang="en-CA" smtClean="0"/>
-              <a:t>2014-10-18</a:t>
+              <a:t>2014-10-19</a:t>
             </a:fld>
             <a:endParaRPr lang="en-CA"/>
           </a:p>
@@ -2891,7 +2901,7 @@
           <a:p>
             <a:fld id="{BD11ADD5-E14D-449A-83D5-794C8D646EDC}" type="datetimeFigureOut">
               <a:rPr lang="en-CA" smtClean="0"/>
-              <a:t>2014-10-18</a:t>
+              <a:t>2014-10-19</a:t>
             </a:fld>
             <a:endParaRPr lang="en-CA"/>
           </a:p>
@@ -3144,7 +3154,7 @@
           <a:p>
             <a:fld id="{BD11ADD5-E14D-449A-83D5-794C8D646EDC}" type="datetimeFigureOut">
               <a:rPr lang="en-CA" smtClean="0"/>
-              <a:t>2014-10-18</a:t>
+              <a:t>2014-10-19</a:t>
             </a:fld>
             <a:endParaRPr lang="en-CA"/>
           </a:p>
@@ -3357,7 +3367,7 @@
           <a:p>
             <a:fld id="{BD11ADD5-E14D-449A-83D5-794C8D646EDC}" type="datetimeFigureOut">
               <a:rPr lang="en-CA" smtClean="0"/>
-              <a:t>2014-10-18</a:t>
+              <a:t>2014-10-19</a:t>
             </a:fld>
             <a:endParaRPr lang="en-CA"/>
           </a:p>
@@ -3774,7 +3784,7 @@
         </p:nvSpPr>
         <p:spPr>
           <a:xfrm>
-            <a:off x="623888" y="1143000"/>
+            <a:off x="623888" y="1524000"/>
             <a:ext cx="7886700" cy="719137"/>
           </a:xfrm>
         </p:spPr>
@@ -3816,7 +3826,7 @@
         </p:nvSpPr>
         <p:spPr>
           <a:xfrm>
-            <a:off x="623888" y="1889125"/>
+            <a:off x="623888" y="2270125"/>
             <a:ext cx="7886700" cy="396875"/>
           </a:xfrm>
         </p:spPr>
@@ -3876,6 +3886,58 @@
           </a:p>
         </p:txBody>
       </p:sp>
+      <p:pic>
+        <p:nvPicPr>
+          <p:cNvPr id="6" name="Picture 5"/>
+          <p:cNvPicPr>
+            <a:picLocks noChangeAspect="1"/>
+          </p:cNvPicPr>
+          <p:nvPr/>
+        </p:nvPicPr>
+        <p:blipFill>
+          <a:blip r:embed="rId3">
+            <a:clrChange>
+              <a:clrFrom>
+                <a:srgbClr val="FFFFFF"/>
+              </a:clrFrom>
+              <a:clrTo>
+                <a:srgbClr val="FFFFFF">
+                  <a:alpha val="0"/>
+                </a:srgbClr>
+              </a:clrTo>
+            </a:clrChange>
+            <a:extLst>
+              <a:ext uri="{28A0092B-C50C-407E-A947-70E740481C1C}">
+                <a14:useLocalDpi xmlns:a14="http://schemas.microsoft.com/office/drawing/2010/main" val="0"/>
+              </a:ext>
+            </a:extLst>
+          </a:blip>
+          <a:stretch>
+            <a:fillRect/>
+          </a:stretch>
+        </p:blipFill>
+        <p:spPr>
+          <a:xfrm>
+            <a:off x="3601917" y="3427321"/>
+            <a:ext cx="4908671" cy="2213158"/>
+          </a:xfrm>
+          <a:prstGeom prst="rect">
+            <a:avLst/>
+          </a:prstGeom>
+          <a:effectLst>
+            <a:outerShdw blurRad="266700" dist="127000" dir="5400000" sx="102000" sy="102000" algn="t" rotWithShape="0">
+              <a:prstClr val="black">
+                <a:alpha val="40000"/>
+              </a:prstClr>
+            </a:outerShdw>
+          </a:effectLst>
+          <a:scene3d>
+            <a:camera prst="orthographicFront"/>
+            <a:lightRig rig="threePt" dir="t"/>
+          </a:scene3d>
+          <a:sp3d prstMaterial="dkEdge"/>
+        </p:spPr>
+      </p:pic>
     </p:spTree>
     <p:extLst>
       <p:ext uri="{BB962C8B-B14F-4D97-AF65-F5344CB8AC3E}">
@@ -13564,16 +13626,81 @@
           <a:chExt cx="0" cy="0"/>
         </a:xfrm>
       </p:grpSpPr>
-      <p:sp>
-        <p:nvSpPr>
-          <p:cNvPr id="2" name="TextBox 1"/>
+      <p:pic>
+        <p:nvPicPr>
+          <p:cNvPr id="2" name="Picture 1" descr="EPhys"/>
+          <p:cNvPicPr>
+            <a:picLocks noChangeAspect="1"/>
+          </p:cNvPicPr>
+          <p:nvPr/>
+        </p:nvPicPr>
+        <p:blipFill rotWithShape="1">
+          <a:blip r:embed="rId2">
+            <a:extLst>
+              <a:ext uri="{28A0092B-C50C-407E-A947-70E740481C1C}">
+                <a14:useLocalDpi xmlns:a14="http://schemas.microsoft.com/office/drawing/2010/main" val="0"/>
+              </a:ext>
+            </a:extLst>
+          </a:blip>
+          <a:srcRect r="33376" b="34275"/>
+          <a:stretch/>
+        </p:blipFill>
+        <p:spPr>
+          <a:xfrm>
+            <a:off x="533400" y="914400"/>
+            <a:ext cx="4654679" cy="5736960"/>
+          </a:xfrm>
+          <a:prstGeom prst="rect">
+            <a:avLst/>
+          </a:prstGeom>
+        </p:spPr>
+      </p:pic>
+      <p:pic>
+        <p:nvPicPr>
+          <p:cNvPr id="3" name="Picture 2" descr="TDT_TTankInterface"/>
+          <p:cNvPicPr>
+            <a:picLocks noChangeAspect="1"/>
+          </p:cNvPicPr>
+          <p:nvPr/>
+        </p:nvPicPr>
+        <p:blipFill rotWithShape="1">
+          <a:blip r:embed="rId3">
+            <a:extLst>
+              <a:ext uri="{28A0092B-C50C-407E-A947-70E740481C1C}">
+                <a14:useLocalDpi xmlns:a14="http://schemas.microsoft.com/office/drawing/2010/main" val="0"/>
+              </a:ext>
+            </a:extLst>
+          </a:blip>
+          <a:srcRect r="33576" b="33658"/>
+          <a:stretch/>
+        </p:blipFill>
+        <p:spPr>
+          <a:xfrm>
+            <a:off x="4191000" y="990600"/>
+            <a:ext cx="4356974" cy="5735101"/>
+          </a:xfrm>
+          <a:prstGeom prst="rect">
+            <a:avLst/>
+          </a:prstGeom>
+          <a:effectLst>
+            <a:outerShdw blurRad="50800" dist="38100" dir="8100000" algn="tr" rotWithShape="0">
+              <a:prstClr val="black">
+                <a:alpha val="40000"/>
+              </a:prstClr>
+            </a:outerShdw>
+          </a:effectLst>
+        </p:spPr>
+      </p:pic>
+      <p:sp>
+        <p:nvSpPr>
+          <p:cNvPr id="4" name="TextBox 3"/>
           <p:cNvSpPr txBox="1"/>
           <p:nvPr/>
         </p:nvSpPr>
         <p:spPr>
           <a:xfrm>
-            <a:off x="1600200" y="1143000"/>
-            <a:ext cx="6359433" cy="4801314"/>
+            <a:off x="1752600" y="37228"/>
+            <a:ext cx="2712719" cy="646331"/>
           </a:xfrm>
           <a:prstGeom prst="rect">
             <a:avLst/>
@@ -13581,394 +13708,82 @@
           <a:noFill/>
         </p:spPr>
         <p:txBody>
-          <a:bodyPr wrap="none" rtlCol="0">
+          <a:bodyPr wrap="square" rtlCol="0">
             <a:spAutoFit/>
           </a:bodyPr>
           <a:lstStyle/>
           <a:p>
             <a:r>
-              <a:rPr lang="en-CA" u="sng" dirty="0" smtClean="0"/>
-              <a:t>GUIs</a:t>
-            </a:r>
-          </a:p>
-          <a:p>
-            <a:pPr marL="285750" indent="-285750">
-              <a:buFont typeface="Arial" panose="020B0604020202020204" pitchFamily="34" charset="0"/>
-              <a:buChar char="•"/>
-            </a:pPr>
-            <a:r>
-              <a:rPr lang="en-CA" dirty="0" smtClean="0"/>
-              <a:t>Calibration of stimuli 	…	</a:t>
-            </a:r>
-            <a:r>
-              <a:rPr lang="en-CA" dirty="0" err="1" smtClean="0">
+              <a:rPr lang="en-CA" sz="3600" dirty="0" err="1" smtClean="0">
                 <a:solidFill>
-                  <a:schemeClr val="accent1">
-                    <a:lumMod val="75000"/>
-                  </a:schemeClr>
+                  <a:schemeClr val="accent1"/>
                 </a:solidFill>
                 <a:latin typeface="Courier New" panose="02070309020205020404" pitchFamily="49" charset="0"/>
                 <a:cs typeface="Courier New" panose="02070309020205020404" pitchFamily="49" charset="0"/>
               </a:rPr>
-              <a:t>ep_CalibrationUtil</a:t>
-            </a:r>
-            <a:endParaRPr lang="en-CA" dirty="0" smtClean="0">
+              <a:t>ep_EPhys</a:t>
+            </a:r>
+            <a:endParaRPr lang="en-CA" sz="3600" dirty="0">
               <a:solidFill>
-                <a:schemeClr val="accent1">
-                  <a:lumMod val="75000"/>
-                </a:schemeClr>
+                <a:schemeClr val="accent1"/>
               </a:solidFill>
               <a:latin typeface="Courier New" panose="02070309020205020404" pitchFamily="49" charset="0"/>
               <a:cs typeface="Courier New" panose="02070309020205020404" pitchFamily="49" charset="0"/>
             </a:endParaRPr>
           </a:p>
-          <a:p>
-            <a:pPr marL="285750" indent="-285750">
-              <a:buFont typeface="Arial" panose="020B0604020202020204" pitchFamily="34" charset="0"/>
-              <a:buChar char="•"/>
-            </a:pPr>
-            <a:r>
-              <a:rPr lang="en-CA" dirty="0" smtClean="0"/>
-              <a:t>Display Preferences 	…	</a:t>
-            </a:r>
-            <a:r>
-              <a:rPr lang="en-CA" dirty="0" err="1" smtClean="0">
-                <a:solidFill>
-                  <a:schemeClr val="accent1">
-                    <a:lumMod val="75000"/>
-                  </a:schemeClr>
-                </a:solidFill>
-                <a:latin typeface="Courier New" panose="02070309020205020404" pitchFamily="49" charset="0"/>
-                <a:cs typeface="Courier New" panose="02070309020205020404" pitchFamily="49" charset="0"/>
-              </a:rPr>
-              <a:t>ep_DisplayPrefs</a:t>
-            </a:r>
-            <a:endParaRPr lang="en-CA" dirty="0" smtClean="0">
-              <a:solidFill>
-                <a:schemeClr val="accent1">
-                  <a:lumMod val="75000"/>
-                </a:schemeClr>
-              </a:solidFill>
-              <a:latin typeface="Courier New" panose="02070309020205020404" pitchFamily="49" charset="0"/>
-              <a:cs typeface="Courier New" panose="02070309020205020404" pitchFamily="49" charset="0"/>
-            </a:endParaRPr>
-          </a:p>
-          <a:p>
-            <a:pPr marL="285750" indent="-285750">
-              <a:buFont typeface="Arial" panose="020B0604020202020204" pitchFamily="34" charset="0"/>
-              <a:buChar char="•"/>
-            </a:pPr>
-            <a:r>
-              <a:rPr lang="en-CA" dirty="0" smtClean="0"/>
-              <a:t>Generate Bitmasks	…	</a:t>
-            </a:r>
-            <a:r>
-              <a:rPr lang="en-CA" dirty="0" err="1" smtClean="0">
-                <a:solidFill>
-                  <a:schemeClr val="accent1">
-                    <a:lumMod val="75000"/>
-                  </a:schemeClr>
-                </a:solidFill>
-                <a:latin typeface="Courier New" panose="02070309020205020404" pitchFamily="49" charset="0"/>
-                <a:cs typeface="Courier New" panose="02070309020205020404" pitchFamily="49" charset="0"/>
-              </a:rPr>
-              <a:t>ep_DisplayPrefs</a:t>
-            </a:r>
-            <a:endParaRPr lang="en-CA" dirty="0" smtClean="0">
-              <a:solidFill>
-                <a:schemeClr val="accent1">
-                  <a:lumMod val="75000"/>
-                </a:schemeClr>
-              </a:solidFill>
-              <a:latin typeface="Courier New" panose="02070309020205020404" pitchFamily="49" charset="0"/>
-              <a:cs typeface="Courier New" panose="02070309020205020404" pitchFamily="49" charset="0"/>
-            </a:endParaRPr>
-          </a:p>
-          <a:p>
-            <a:pPr marL="285750" indent="-285750">
-              <a:buFont typeface="Arial" panose="020B0604020202020204" pitchFamily="34" charset="0"/>
-              <a:buChar char="•"/>
-            </a:pPr>
-            <a:endParaRPr lang="en-CA" dirty="0" smtClean="0"/>
-          </a:p>
-          <a:p>
-            <a:r>
-              <a:rPr lang="en-CA" u="sng" dirty="0" smtClean="0"/>
-              <a:t>Helpful Functions</a:t>
-            </a:r>
-          </a:p>
-          <a:p>
-            <a:pPr marL="285750" indent="-285750">
-              <a:buFont typeface="Arial" panose="020B0604020202020204" pitchFamily="34" charset="0"/>
-              <a:buChar char="•"/>
-            </a:pPr>
-            <a:r>
-              <a:rPr lang="en-CA" dirty="0" smtClean="0"/>
-              <a:t>Retrieve Tank Data 	… 	</a:t>
-            </a:r>
-            <a:r>
-              <a:rPr lang="en-CA" dirty="0" smtClean="0">
-                <a:solidFill>
-                  <a:schemeClr val="accent1">
-                    <a:lumMod val="75000"/>
-                  </a:schemeClr>
-                </a:solidFill>
-                <a:latin typeface="Courier New" panose="02070309020205020404" pitchFamily="49" charset="0"/>
-                <a:cs typeface="Courier New" panose="02070309020205020404" pitchFamily="49" charset="0"/>
-              </a:rPr>
-              <a:t>TDT2mat</a:t>
-            </a:r>
-          </a:p>
-          <a:p>
-            <a:pPr marL="285750" indent="-285750">
-              <a:buFont typeface="Arial" panose="020B0604020202020204" pitchFamily="34" charset="0"/>
-              <a:buChar char="•"/>
-            </a:pPr>
-            <a:r>
-              <a:rPr lang="en-CA" dirty="0" smtClean="0"/>
-              <a:t>TDT to </a:t>
-            </a:r>
-            <a:r>
-              <a:rPr lang="en-CA" dirty="0" err="1" smtClean="0"/>
-              <a:t>Plexon</a:t>
-            </a:r>
-            <a:r>
-              <a:rPr lang="en-CA" dirty="0" smtClean="0"/>
-              <a:t> (PLX)	…	</a:t>
-            </a:r>
-            <a:r>
-              <a:rPr lang="en-CA" dirty="0" smtClean="0">
-                <a:solidFill>
-                  <a:schemeClr val="accent1">
-                    <a:lumMod val="75000"/>
-                  </a:schemeClr>
-                </a:solidFill>
-                <a:latin typeface="Courier New" panose="02070309020205020404" pitchFamily="49" charset="0"/>
-                <a:cs typeface="Courier New" panose="02070309020205020404" pitchFamily="49" charset="0"/>
-              </a:rPr>
-              <a:t>TDT2PLX</a:t>
-            </a:r>
-          </a:p>
-          <a:p>
-            <a:pPr marL="285750" indent="-285750">
-              <a:buFont typeface="Arial" panose="020B0604020202020204" pitchFamily="34" charset="0"/>
-              <a:buChar char="•"/>
-            </a:pPr>
-            <a:r>
-              <a:rPr lang="en-CA" dirty="0" err="1" smtClean="0"/>
-              <a:t>Plexon</a:t>
-            </a:r>
-            <a:r>
-              <a:rPr lang="en-CA" dirty="0" smtClean="0"/>
-              <a:t> to TDT		…	</a:t>
-            </a:r>
-            <a:r>
-              <a:rPr lang="en-CA" dirty="0" smtClean="0">
-                <a:solidFill>
-                  <a:schemeClr val="accent1">
-                    <a:lumMod val="75000"/>
-                  </a:schemeClr>
-                </a:solidFill>
-                <a:latin typeface="Courier New" panose="02070309020205020404" pitchFamily="49" charset="0"/>
-                <a:cs typeface="Courier New" panose="02070309020205020404" pitchFamily="49" charset="0"/>
-              </a:rPr>
-              <a:t>PLX2TDT</a:t>
-            </a:r>
-          </a:p>
-          <a:p>
-            <a:endParaRPr lang="en-CA" dirty="0" smtClean="0"/>
-          </a:p>
-          <a:p>
-            <a:r>
-              <a:rPr lang="en-CA" u="sng" dirty="0" smtClean="0"/>
-              <a:t>Resources</a:t>
-            </a:r>
-            <a:endParaRPr lang="en-CA" u="sng" dirty="0"/>
-          </a:p>
-          <a:p>
-            <a:pPr marL="285750" indent="-285750">
-              <a:buFont typeface="Arial" panose="020B0604020202020204" pitchFamily="34" charset="0"/>
-              <a:buChar char="•"/>
-            </a:pPr>
-            <a:r>
-              <a:rPr lang="en-CA" dirty="0" smtClean="0"/>
-              <a:t>Examples </a:t>
-            </a:r>
-            <a:r>
-              <a:rPr lang="en-CA" dirty="0"/>
-              <a:t>			</a:t>
-            </a:r>
-            <a:r>
-              <a:rPr lang="en-CA" dirty="0" smtClean="0"/>
-              <a:t>..\</a:t>
-            </a:r>
-            <a:r>
-              <a:rPr lang="en-CA" dirty="0" err="1"/>
-              <a:t>epsych</a:t>
-            </a:r>
-            <a:r>
-              <a:rPr lang="en-CA" dirty="0"/>
-              <a:t>\.</a:t>
-            </a:r>
-            <a:r>
-              <a:rPr lang="en-CA" dirty="0" smtClean="0"/>
-              <a:t>examples</a:t>
-            </a:r>
-          </a:p>
-          <a:p>
-            <a:pPr marL="285750" indent="-285750">
-              <a:buFont typeface="Arial" panose="020B0604020202020204" pitchFamily="34" charset="0"/>
-              <a:buChar char="•"/>
-            </a:pPr>
-            <a:r>
-              <a:rPr lang="en-CA" dirty="0" err="1" smtClean="0"/>
-              <a:t>RPvds</a:t>
-            </a:r>
-            <a:r>
-              <a:rPr lang="en-CA" dirty="0"/>
-              <a:t> Macros			</a:t>
-            </a:r>
-            <a:r>
-              <a:rPr lang="en-CA" dirty="0" smtClean="0"/>
-              <a:t>..\</a:t>
-            </a:r>
-            <a:r>
-              <a:rPr lang="en-CA" dirty="0" err="1"/>
-              <a:t>epsych</a:t>
-            </a:r>
-            <a:r>
-              <a:rPr lang="en-CA" dirty="0"/>
-              <a:t>\.</a:t>
-            </a:r>
-            <a:r>
-              <a:rPr lang="en-CA" dirty="0" err="1" smtClean="0"/>
-              <a:t>circuit_macros</a:t>
-            </a:r>
-            <a:endParaRPr lang="en-CA" dirty="0" smtClean="0"/>
-          </a:p>
-          <a:p>
-            <a:pPr marL="285750" indent="-285750">
-              <a:buFont typeface="Arial" panose="020B0604020202020204" pitchFamily="34" charset="0"/>
-              <a:buChar char="•"/>
-            </a:pPr>
-            <a:endParaRPr lang="en-CA" dirty="0"/>
-          </a:p>
-          <a:p>
-            <a:r>
-              <a:rPr lang="en-CA" u="sng" dirty="0"/>
-              <a:t>Integration with MySQL Database </a:t>
-            </a:r>
-            <a:r>
-              <a:rPr lang="en-CA" dirty="0"/>
-              <a:t>	..\</a:t>
-            </a:r>
-            <a:r>
-              <a:rPr lang="en-CA" dirty="0" err="1"/>
-              <a:t>epsych</a:t>
-            </a:r>
-            <a:r>
-              <a:rPr lang="en-CA" dirty="0"/>
-              <a:t>\database</a:t>
-            </a:r>
-          </a:p>
-          <a:p>
-            <a:pPr marL="285750" indent="-285750">
-              <a:buFont typeface="Arial" panose="020B0604020202020204" pitchFamily="34" charset="0"/>
-              <a:buChar char="•"/>
-            </a:pPr>
-            <a:r>
-              <a:rPr lang="en-CA" dirty="0" smtClean="0"/>
-              <a:t>Uploading 		… 	</a:t>
-            </a:r>
-            <a:r>
-              <a:rPr lang="en-CA" dirty="0" err="1" smtClean="0">
-                <a:solidFill>
-                  <a:schemeClr val="accent1">
-                    <a:lumMod val="75000"/>
-                  </a:schemeClr>
-                </a:solidFill>
-                <a:latin typeface="Courier New" panose="02070309020205020404" pitchFamily="49" charset="0"/>
-                <a:cs typeface="Courier New" panose="02070309020205020404" pitchFamily="49" charset="0"/>
-              </a:rPr>
-              <a:t>DB_UploadUtility</a:t>
-            </a:r>
-            <a:endParaRPr lang="en-CA" dirty="0" smtClean="0">
-              <a:solidFill>
-                <a:schemeClr val="accent1">
-                  <a:lumMod val="75000"/>
-                </a:schemeClr>
-              </a:solidFill>
-              <a:latin typeface="Courier New" panose="02070309020205020404" pitchFamily="49" charset="0"/>
-              <a:cs typeface="Courier New" panose="02070309020205020404" pitchFamily="49" charset="0"/>
-            </a:endParaRPr>
-          </a:p>
-          <a:p>
-            <a:pPr marL="285750" indent="-285750">
-              <a:buFont typeface="Arial" panose="020B0604020202020204" pitchFamily="34" charset="0"/>
-              <a:buChar char="•"/>
-            </a:pPr>
-            <a:r>
-              <a:rPr lang="en-CA" dirty="0" smtClean="0"/>
-              <a:t>Accessing/Browsing 	…	</a:t>
-            </a:r>
-            <a:r>
-              <a:rPr lang="en-CA" dirty="0" err="1" smtClean="0">
-                <a:solidFill>
-                  <a:schemeClr val="accent1">
-                    <a:lumMod val="75000"/>
-                  </a:schemeClr>
-                </a:solidFill>
-                <a:latin typeface="Courier New" panose="02070309020205020404" pitchFamily="49" charset="0"/>
-                <a:cs typeface="Courier New" panose="02070309020205020404" pitchFamily="49" charset="0"/>
-              </a:rPr>
-              <a:t>DB_Browser</a:t>
-            </a:r>
-            <a:endParaRPr lang="en-CA" dirty="0">
-              <a:solidFill>
-                <a:schemeClr val="accent1">
-                  <a:lumMod val="75000"/>
-                </a:schemeClr>
-              </a:solidFill>
-              <a:latin typeface="Courier New" panose="02070309020205020404" pitchFamily="49" charset="0"/>
-              <a:cs typeface="Courier New" panose="02070309020205020404" pitchFamily="49" charset="0"/>
-            </a:endParaRPr>
-          </a:p>
-        </p:txBody>
-      </p:sp>
-      <p:sp>
-        <p:nvSpPr>
-          <p:cNvPr id="3" name="TextBox 2"/>
-          <p:cNvSpPr txBox="1"/>
-          <p:nvPr/>
-        </p:nvSpPr>
-        <p:spPr>
-          <a:xfrm>
-            <a:off x="685800" y="457200"/>
-            <a:ext cx="1612942" cy="461665"/>
-          </a:xfrm>
-          <a:prstGeom prst="rect">
+        </p:txBody>
+      </p:sp>
+      <p:sp>
+        <p:nvSpPr>
+          <p:cNvPr id="5" name="Oval 4"/>
+          <p:cNvSpPr/>
+          <p:nvPr/>
+        </p:nvSpPr>
+        <p:spPr>
+          <a:xfrm>
+            <a:off x="6705600" y="5334000"/>
+            <a:ext cx="1524000" cy="533400"/>
+          </a:xfrm>
+          <a:prstGeom prst="ellipse">
             <a:avLst/>
           </a:prstGeom>
           <a:noFill/>
-        </p:spPr>
-        <p:txBody>
-          <a:bodyPr wrap="none" rtlCol="0">
-            <a:spAutoFit/>
-          </a:bodyPr>
+          <a:ln w="28575">
+            <a:solidFill>
+              <a:srgbClr val="FF0000"/>
+            </a:solidFill>
+            <a:prstDash val="dash"/>
+          </a:ln>
+        </p:spPr>
+        <p:style>
+          <a:lnRef idx="2">
+            <a:schemeClr val="accent1">
+              <a:shade val="50000"/>
+            </a:schemeClr>
+          </a:lnRef>
+          <a:fillRef idx="1">
+            <a:schemeClr val="accent1"/>
+          </a:fillRef>
+          <a:effectRef idx="0">
+            <a:schemeClr val="accent1"/>
+          </a:effectRef>
+          <a:fontRef idx="minor">
+            <a:schemeClr val="lt1"/>
+          </a:fontRef>
+        </p:style>
+        <p:txBody>
+          <a:bodyPr rtlCol="0" anchor="ctr"/>
           <a:lstStyle/>
           <a:p>
-            <a:r>
-              <a:rPr lang="en-CA" sz="2400" b="1" dirty="0" smtClean="0"/>
-              <a:t>Other Stuff</a:t>
-            </a:r>
-            <a:endParaRPr lang="en-CA" sz="2400" b="1" dirty="0"/>
+            <a:pPr algn="ctr"/>
+            <a:endParaRPr lang="en-CA"/>
           </a:p>
         </p:txBody>
       </p:sp>
     </p:spTree>
     <p:extLst>
       <p:ext uri="{BB962C8B-B14F-4D97-AF65-F5344CB8AC3E}">
-        <p14:creationId xmlns:p14="http://schemas.microsoft.com/office/powerpoint/2010/main" val="3777478140"/>
+        <p14:creationId xmlns:p14="http://schemas.microsoft.com/office/powerpoint/2010/main" val="2521276620"/>
       </p:ext>
     </p:extLst>
   </p:cSld>
@@ -13978,9 +13793,178 @@
   <p:timing>
     <p:tnLst>
       <p:par>
-        <p:cTn id="1" dur="indefinite" restart="never" nodeType="tmRoot"/>
+        <p:cTn id="1" dur="indefinite" restart="never" nodeType="tmRoot">
+          <p:childTnLst>
+            <p:seq concurrent="1" nextAc="seek">
+              <p:cTn id="2" dur="indefinite" nodeType="mainSeq">
+                <p:childTnLst>
+                  <p:par>
+                    <p:cTn id="3" fill="hold">
+                      <p:stCondLst>
+                        <p:cond delay="indefinite"/>
+                      </p:stCondLst>
+                      <p:childTnLst>
+                        <p:par>
+                          <p:cTn id="4" fill="hold">
+                            <p:stCondLst>
+                              <p:cond delay="0"/>
+                            </p:stCondLst>
+                            <p:childTnLst>
+                              <p:par>
+                                <p:cTn id="5" presetID="10" presetClass="entr" presetSubtype="0" fill="hold" nodeType="clickEffect">
+                                  <p:stCondLst>
+                                    <p:cond delay="0"/>
+                                  </p:stCondLst>
+                                  <p:childTnLst>
+                                    <p:set>
+                                      <p:cBhvr>
+                                        <p:cTn id="6" dur="1" fill="hold">
+                                          <p:stCondLst>
+                                            <p:cond delay="0"/>
+                                          </p:stCondLst>
+                                        </p:cTn>
+                                        <p:tgtEl>
+                                          <p:spTgt spid="3"/>
+                                        </p:tgtEl>
+                                        <p:attrNameLst>
+                                          <p:attrName>style.visibility</p:attrName>
+                                        </p:attrNameLst>
+                                      </p:cBhvr>
+                                      <p:to>
+                                        <p:strVal val="visible"/>
+                                      </p:to>
+                                    </p:set>
+                                    <p:animEffect transition="in" filter="fade">
+                                      <p:cBhvr>
+                                        <p:cTn id="7" dur="500"/>
+                                        <p:tgtEl>
+                                          <p:spTgt spid="3"/>
+                                        </p:tgtEl>
+                                      </p:cBhvr>
+                                    </p:animEffect>
+                                  </p:childTnLst>
+                                </p:cTn>
+                              </p:par>
+                            </p:childTnLst>
+                          </p:cTn>
+                        </p:par>
+                        <p:par>
+                          <p:cTn id="8" fill="hold">
+                            <p:stCondLst>
+                              <p:cond delay="500"/>
+                            </p:stCondLst>
+                            <p:childTnLst>
+                              <p:par>
+                                <p:cTn id="9" presetID="53" presetClass="entr" presetSubtype="16" fill="hold" grpId="0" nodeType="afterEffect">
+                                  <p:stCondLst>
+                                    <p:cond delay="0"/>
+                                  </p:stCondLst>
+                                  <p:childTnLst>
+                                    <p:set>
+                                      <p:cBhvr>
+                                        <p:cTn id="10" dur="1" fill="hold">
+                                          <p:stCondLst>
+                                            <p:cond delay="0"/>
+                                          </p:stCondLst>
+                                        </p:cTn>
+                                        <p:tgtEl>
+                                          <p:spTgt spid="5"/>
+                                        </p:tgtEl>
+                                        <p:attrNameLst>
+                                          <p:attrName>style.visibility</p:attrName>
+                                        </p:attrNameLst>
+                                      </p:cBhvr>
+                                      <p:to>
+                                        <p:strVal val="visible"/>
+                                      </p:to>
+                                    </p:set>
+                                    <p:anim calcmode="lin" valueType="num">
+                                      <p:cBhvr>
+                                        <p:cTn id="11" dur="500" fill="hold"/>
+                                        <p:tgtEl>
+                                          <p:spTgt spid="5"/>
+                                        </p:tgtEl>
+                                        <p:attrNameLst>
+                                          <p:attrName>ppt_w</p:attrName>
+                                        </p:attrNameLst>
+                                      </p:cBhvr>
+                                      <p:tavLst>
+                                        <p:tav tm="0">
+                                          <p:val>
+                                            <p:fltVal val="0"/>
+                                          </p:val>
+                                        </p:tav>
+                                        <p:tav tm="100000">
+                                          <p:val>
+                                            <p:strVal val="#ppt_w"/>
+                                          </p:val>
+                                        </p:tav>
+                                      </p:tavLst>
+                                    </p:anim>
+                                    <p:anim calcmode="lin" valueType="num">
+                                      <p:cBhvr>
+                                        <p:cTn id="12" dur="500" fill="hold"/>
+                                        <p:tgtEl>
+                                          <p:spTgt spid="5"/>
+                                        </p:tgtEl>
+                                        <p:attrNameLst>
+                                          <p:attrName>ppt_h</p:attrName>
+                                        </p:attrNameLst>
+                                      </p:cBhvr>
+                                      <p:tavLst>
+                                        <p:tav tm="0">
+                                          <p:val>
+                                            <p:fltVal val="0"/>
+                                          </p:val>
+                                        </p:tav>
+                                        <p:tav tm="100000">
+                                          <p:val>
+                                            <p:strVal val="#ppt_h"/>
+                                          </p:val>
+                                        </p:tav>
+                                      </p:tavLst>
+                                    </p:anim>
+                                    <p:animEffect transition="in" filter="fade">
+                                      <p:cBhvr>
+                                        <p:cTn id="13" dur="500"/>
+                                        <p:tgtEl>
+                                          <p:spTgt spid="5"/>
+                                        </p:tgtEl>
+                                      </p:cBhvr>
+                                    </p:animEffect>
+                                  </p:childTnLst>
+                                </p:cTn>
+                              </p:par>
+                            </p:childTnLst>
+                          </p:cTn>
+                        </p:par>
+                      </p:childTnLst>
+                    </p:cTn>
+                  </p:par>
+                </p:childTnLst>
+              </p:cTn>
+              <p:prevCondLst>
+                <p:cond evt="onPrev" delay="0">
+                  <p:tgtEl>
+                    <p:sldTgt/>
+                  </p:tgtEl>
+                </p:cond>
+              </p:prevCondLst>
+              <p:nextCondLst>
+                <p:cond evt="onNext" delay="0">
+                  <p:tgtEl>
+                    <p:sldTgt/>
+                  </p:tgtEl>
+                </p:cond>
+              </p:nextCondLst>
+            </p:seq>
+          </p:childTnLst>
+        </p:cTn>
       </p:par>
     </p:tnLst>
+    <p:bldLst>
+      <p:bldP spid="5" grpId="0" animBg="1"/>
+    </p:bldLst>
   </p:timing>
 </p:sld>
 </file>
@@ -15142,6 +15126,1014 @@
           <a:chExt cx="0" cy="0"/>
         </a:xfrm>
       </p:grpSpPr>
+      <p:pic>
+        <p:nvPicPr>
+          <p:cNvPr id="2" name="Picture 1" descr="Run Experiment"/>
+          <p:cNvPicPr>
+            <a:picLocks noChangeAspect="1"/>
+          </p:cNvPicPr>
+          <p:nvPr/>
+        </p:nvPicPr>
+        <p:blipFill rotWithShape="1">
+          <a:blip r:embed="rId2">
+            <a:extLst>
+              <a:ext uri="{28A0092B-C50C-407E-A947-70E740481C1C}">
+                <a14:useLocalDpi xmlns:a14="http://schemas.microsoft.com/office/drawing/2010/main" val="0"/>
+              </a:ext>
+            </a:extLst>
+          </a:blip>
+          <a:srcRect r="33955" b="34739"/>
+          <a:stretch/>
+        </p:blipFill>
+        <p:spPr>
+          <a:xfrm>
+            <a:off x="1247604" y="1431823"/>
+            <a:ext cx="6753396" cy="4009068"/>
+          </a:xfrm>
+          <a:prstGeom prst="rect">
+            <a:avLst/>
+          </a:prstGeom>
+        </p:spPr>
+      </p:pic>
+      <p:sp>
+        <p:nvSpPr>
+          <p:cNvPr id="3" name="TextBox 2"/>
+          <p:cNvSpPr txBox="1"/>
+          <p:nvPr/>
+        </p:nvSpPr>
+        <p:spPr>
+          <a:xfrm>
+            <a:off x="838200" y="228600"/>
+            <a:ext cx="3703319" cy="646331"/>
+          </a:xfrm>
+          <a:prstGeom prst="rect">
+            <a:avLst/>
+          </a:prstGeom>
+          <a:noFill/>
+        </p:spPr>
+        <p:txBody>
+          <a:bodyPr wrap="square" rtlCol="0">
+            <a:spAutoFit/>
+          </a:bodyPr>
+          <a:lstStyle/>
+          <a:p>
+            <a:r>
+              <a:rPr lang="en-CA" sz="3600" dirty="0" err="1" smtClean="0">
+                <a:solidFill>
+                  <a:schemeClr val="accent1"/>
+                </a:solidFill>
+                <a:latin typeface="Courier New" panose="02070309020205020404" pitchFamily="49" charset="0"/>
+                <a:cs typeface="Courier New" panose="02070309020205020404" pitchFamily="49" charset="0"/>
+              </a:rPr>
+              <a:t>ep_RunExpt</a:t>
+            </a:r>
+            <a:endParaRPr lang="en-CA" sz="3600" dirty="0">
+              <a:solidFill>
+                <a:schemeClr val="accent1"/>
+              </a:solidFill>
+              <a:latin typeface="Courier New" panose="02070309020205020404" pitchFamily="49" charset="0"/>
+              <a:cs typeface="Courier New" panose="02070309020205020404" pitchFamily="49" charset="0"/>
+            </a:endParaRPr>
+          </a:p>
+        </p:txBody>
+      </p:sp>
+      <p:pic>
+        <p:nvPicPr>
+          <p:cNvPr id="4" name="Picture 3" descr="TDT_TTankInterface"/>
+          <p:cNvPicPr>
+            <a:picLocks noChangeAspect="1"/>
+          </p:cNvPicPr>
+          <p:nvPr/>
+        </p:nvPicPr>
+        <p:blipFill rotWithShape="1">
+          <a:blip r:embed="rId3">
+            <a:extLst>
+              <a:ext uri="{28A0092B-C50C-407E-A947-70E740481C1C}">
+                <a14:useLocalDpi xmlns:a14="http://schemas.microsoft.com/office/drawing/2010/main" val="0"/>
+              </a:ext>
+            </a:extLst>
+          </a:blip>
+          <a:srcRect r="33576" b="33658"/>
+          <a:stretch/>
+        </p:blipFill>
+        <p:spPr>
+          <a:xfrm>
+            <a:off x="4191000" y="990600"/>
+            <a:ext cx="4356974" cy="5735101"/>
+          </a:xfrm>
+          <a:prstGeom prst="rect">
+            <a:avLst/>
+          </a:prstGeom>
+          <a:effectLst>
+            <a:outerShdw blurRad="50800" dist="38100" dir="8100000" algn="tr" rotWithShape="0">
+              <a:prstClr val="black">
+                <a:alpha val="40000"/>
+              </a:prstClr>
+            </a:outerShdw>
+          </a:effectLst>
+        </p:spPr>
+      </p:pic>
+      <p:sp>
+        <p:nvSpPr>
+          <p:cNvPr id="5" name="Oval 4"/>
+          <p:cNvSpPr/>
+          <p:nvPr/>
+        </p:nvSpPr>
+        <p:spPr>
+          <a:xfrm>
+            <a:off x="6705600" y="5334000"/>
+            <a:ext cx="1524000" cy="533400"/>
+          </a:xfrm>
+          <a:prstGeom prst="ellipse">
+            <a:avLst/>
+          </a:prstGeom>
+          <a:noFill/>
+          <a:ln w="28575">
+            <a:solidFill>
+              <a:srgbClr val="FF0000"/>
+            </a:solidFill>
+            <a:prstDash val="dash"/>
+          </a:ln>
+        </p:spPr>
+        <p:style>
+          <a:lnRef idx="2">
+            <a:schemeClr val="accent1">
+              <a:shade val="50000"/>
+            </a:schemeClr>
+          </a:lnRef>
+          <a:fillRef idx="1">
+            <a:schemeClr val="accent1"/>
+          </a:fillRef>
+          <a:effectRef idx="0">
+            <a:schemeClr val="accent1"/>
+          </a:effectRef>
+          <a:fontRef idx="minor">
+            <a:schemeClr val="lt1"/>
+          </a:fontRef>
+        </p:style>
+        <p:txBody>
+          <a:bodyPr rtlCol="0" anchor="ctr"/>
+          <a:lstStyle/>
+          <a:p>
+            <a:pPr algn="ctr"/>
+            <a:endParaRPr lang="en-CA"/>
+          </a:p>
+        </p:txBody>
+      </p:sp>
+      <p:pic>
+        <p:nvPicPr>
+          <p:cNvPr id="7" name="Picture 6" descr="Screen Clipping"/>
+          <p:cNvPicPr>
+            <a:picLocks noChangeAspect="1"/>
+          </p:cNvPicPr>
+          <p:nvPr/>
+        </p:nvPicPr>
+        <p:blipFill>
+          <a:blip r:embed="rId4">
+            <a:extLst>
+              <a:ext uri="{28A0092B-C50C-407E-A947-70E740481C1C}">
+                <a14:useLocalDpi xmlns:a14="http://schemas.microsoft.com/office/drawing/2010/main" val="0"/>
+              </a:ext>
+            </a:extLst>
+          </a:blip>
+          <a:stretch>
+            <a:fillRect/>
+          </a:stretch>
+        </p:blipFill>
+        <p:spPr>
+          <a:xfrm>
+            <a:off x="2216374" y="977153"/>
+            <a:ext cx="4153113" cy="3860998"/>
+          </a:xfrm>
+          <a:prstGeom prst="rect">
+            <a:avLst/>
+          </a:prstGeom>
+          <a:effectLst>
+            <a:outerShdw blurRad="50800" dist="38100" dir="8100000" algn="tr" rotWithShape="0">
+              <a:prstClr val="black">
+                <a:alpha val="40000"/>
+              </a:prstClr>
+            </a:outerShdw>
+          </a:effectLst>
+        </p:spPr>
+      </p:pic>
+    </p:spTree>
+    <p:extLst>
+      <p:ext uri="{BB962C8B-B14F-4D97-AF65-F5344CB8AC3E}">
+        <p14:creationId xmlns:p14="http://schemas.microsoft.com/office/powerpoint/2010/main" val="1592972136"/>
+      </p:ext>
+    </p:extLst>
+  </p:cSld>
+  <p:clrMapOvr>
+    <a:masterClrMapping/>
+  </p:clrMapOvr>
+  <p:timing>
+    <p:tnLst>
+      <p:par>
+        <p:cTn id="1" dur="indefinite" restart="never" nodeType="tmRoot">
+          <p:childTnLst>
+            <p:seq concurrent="1" nextAc="seek">
+              <p:cTn id="2" dur="indefinite" nodeType="mainSeq">
+                <p:childTnLst>
+                  <p:par>
+                    <p:cTn id="3" fill="hold">
+                      <p:stCondLst>
+                        <p:cond delay="indefinite"/>
+                      </p:stCondLst>
+                      <p:childTnLst>
+                        <p:par>
+                          <p:cTn id="4" fill="hold">
+                            <p:stCondLst>
+                              <p:cond delay="0"/>
+                            </p:stCondLst>
+                            <p:childTnLst>
+                              <p:par>
+                                <p:cTn id="5" presetID="10" presetClass="entr" presetSubtype="0" fill="hold" nodeType="clickEffect">
+                                  <p:stCondLst>
+                                    <p:cond delay="0"/>
+                                  </p:stCondLst>
+                                  <p:childTnLst>
+                                    <p:set>
+                                      <p:cBhvr>
+                                        <p:cTn id="6" dur="1" fill="hold">
+                                          <p:stCondLst>
+                                            <p:cond delay="0"/>
+                                          </p:stCondLst>
+                                        </p:cTn>
+                                        <p:tgtEl>
+                                          <p:spTgt spid="7"/>
+                                        </p:tgtEl>
+                                        <p:attrNameLst>
+                                          <p:attrName>style.visibility</p:attrName>
+                                        </p:attrNameLst>
+                                      </p:cBhvr>
+                                      <p:to>
+                                        <p:strVal val="visible"/>
+                                      </p:to>
+                                    </p:set>
+                                    <p:animEffect transition="in" filter="fade">
+                                      <p:cBhvr>
+                                        <p:cTn id="7" dur="500"/>
+                                        <p:tgtEl>
+                                          <p:spTgt spid="7"/>
+                                        </p:tgtEl>
+                                      </p:cBhvr>
+                                    </p:animEffect>
+                                  </p:childTnLst>
+                                </p:cTn>
+                              </p:par>
+                            </p:childTnLst>
+                          </p:cTn>
+                        </p:par>
+                      </p:childTnLst>
+                    </p:cTn>
+                  </p:par>
+                  <p:par>
+                    <p:cTn id="8" fill="hold">
+                      <p:stCondLst>
+                        <p:cond delay="indefinite"/>
+                      </p:stCondLst>
+                      <p:childTnLst>
+                        <p:par>
+                          <p:cTn id="9" fill="hold">
+                            <p:stCondLst>
+                              <p:cond delay="0"/>
+                            </p:stCondLst>
+                            <p:childTnLst>
+                              <p:par>
+                                <p:cTn id="10" presetID="10" presetClass="exit" presetSubtype="0" fill="hold" nodeType="clickEffect">
+                                  <p:stCondLst>
+                                    <p:cond delay="0"/>
+                                  </p:stCondLst>
+                                  <p:childTnLst>
+                                    <p:animEffect transition="out" filter="fade">
+                                      <p:cBhvr>
+                                        <p:cTn id="11" dur="500"/>
+                                        <p:tgtEl>
+                                          <p:spTgt spid="7"/>
+                                        </p:tgtEl>
+                                      </p:cBhvr>
+                                    </p:animEffect>
+                                    <p:set>
+                                      <p:cBhvr>
+                                        <p:cTn id="12" dur="1" fill="hold">
+                                          <p:stCondLst>
+                                            <p:cond delay="499"/>
+                                          </p:stCondLst>
+                                        </p:cTn>
+                                        <p:tgtEl>
+                                          <p:spTgt spid="7"/>
+                                        </p:tgtEl>
+                                        <p:attrNameLst>
+                                          <p:attrName>style.visibility</p:attrName>
+                                        </p:attrNameLst>
+                                      </p:cBhvr>
+                                      <p:to>
+                                        <p:strVal val="hidden"/>
+                                      </p:to>
+                                    </p:set>
+                                  </p:childTnLst>
+                                </p:cTn>
+                              </p:par>
+                            </p:childTnLst>
+                          </p:cTn>
+                        </p:par>
+                      </p:childTnLst>
+                    </p:cTn>
+                  </p:par>
+                  <p:par>
+                    <p:cTn id="13" fill="hold">
+                      <p:stCondLst>
+                        <p:cond delay="indefinite"/>
+                      </p:stCondLst>
+                      <p:childTnLst>
+                        <p:par>
+                          <p:cTn id="14" fill="hold">
+                            <p:stCondLst>
+                              <p:cond delay="0"/>
+                            </p:stCondLst>
+                            <p:childTnLst>
+                              <p:par>
+                                <p:cTn id="15" presetID="10" presetClass="entr" presetSubtype="0" fill="hold" nodeType="clickEffect">
+                                  <p:stCondLst>
+                                    <p:cond delay="0"/>
+                                  </p:stCondLst>
+                                  <p:childTnLst>
+                                    <p:set>
+                                      <p:cBhvr>
+                                        <p:cTn id="16" dur="1" fill="hold">
+                                          <p:stCondLst>
+                                            <p:cond delay="0"/>
+                                          </p:stCondLst>
+                                        </p:cTn>
+                                        <p:tgtEl>
+                                          <p:spTgt spid="4"/>
+                                        </p:tgtEl>
+                                        <p:attrNameLst>
+                                          <p:attrName>style.visibility</p:attrName>
+                                        </p:attrNameLst>
+                                      </p:cBhvr>
+                                      <p:to>
+                                        <p:strVal val="visible"/>
+                                      </p:to>
+                                    </p:set>
+                                    <p:animEffect transition="in" filter="fade">
+                                      <p:cBhvr>
+                                        <p:cTn id="17" dur="500"/>
+                                        <p:tgtEl>
+                                          <p:spTgt spid="4"/>
+                                        </p:tgtEl>
+                                      </p:cBhvr>
+                                    </p:animEffect>
+                                  </p:childTnLst>
+                                </p:cTn>
+                              </p:par>
+                            </p:childTnLst>
+                          </p:cTn>
+                        </p:par>
+                        <p:par>
+                          <p:cTn id="18" fill="hold">
+                            <p:stCondLst>
+                              <p:cond delay="500"/>
+                            </p:stCondLst>
+                            <p:childTnLst>
+                              <p:par>
+                                <p:cTn id="19" presetID="53" presetClass="entr" presetSubtype="16" fill="hold" grpId="0" nodeType="afterEffect">
+                                  <p:stCondLst>
+                                    <p:cond delay="0"/>
+                                  </p:stCondLst>
+                                  <p:childTnLst>
+                                    <p:set>
+                                      <p:cBhvr>
+                                        <p:cTn id="20" dur="1" fill="hold">
+                                          <p:stCondLst>
+                                            <p:cond delay="0"/>
+                                          </p:stCondLst>
+                                        </p:cTn>
+                                        <p:tgtEl>
+                                          <p:spTgt spid="5"/>
+                                        </p:tgtEl>
+                                        <p:attrNameLst>
+                                          <p:attrName>style.visibility</p:attrName>
+                                        </p:attrNameLst>
+                                      </p:cBhvr>
+                                      <p:to>
+                                        <p:strVal val="visible"/>
+                                      </p:to>
+                                    </p:set>
+                                    <p:anim calcmode="lin" valueType="num">
+                                      <p:cBhvr>
+                                        <p:cTn id="21" dur="500" fill="hold"/>
+                                        <p:tgtEl>
+                                          <p:spTgt spid="5"/>
+                                        </p:tgtEl>
+                                        <p:attrNameLst>
+                                          <p:attrName>ppt_w</p:attrName>
+                                        </p:attrNameLst>
+                                      </p:cBhvr>
+                                      <p:tavLst>
+                                        <p:tav tm="0">
+                                          <p:val>
+                                            <p:fltVal val="0"/>
+                                          </p:val>
+                                        </p:tav>
+                                        <p:tav tm="100000">
+                                          <p:val>
+                                            <p:strVal val="#ppt_w"/>
+                                          </p:val>
+                                        </p:tav>
+                                      </p:tavLst>
+                                    </p:anim>
+                                    <p:anim calcmode="lin" valueType="num">
+                                      <p:cBhvr>
+                                        <p:cTn id="22" dur="500" fill="hold"/>
+                                        <p:tgtEl>
+                                          <p:spTgt spid="5"/>
+                                        </p:tgtEl>
+                                        <p:attrNameLst>
+                                          <p:attrName>ppt_h</p:attrName>
+                                        </p:attrNameLst>
+                                      </p:cBhvr>
+                                      <p:tavLst>
+                                        <p:tav tm="0">
+                                          <p:val>
+                                            <p:fltVal val="0"/>
+                                          </p:val>
+                                        </p:tav>
+                                        <p:tav tm="100000">
+                                          <p:val>
+                                            <p:strVal val="#ppt_h"/>
+                                          </p:val>
+                                        </p:tav>
+                                      </p:tavLst>
+                                    </p:anim>
+                                    <p:animEffect transition="in" filter="fade">
+                                      <p:cBhvr>
+                                        <p:cTn id="23" dur="500"/>
+                                        <p:tgtEl>
+                                          <p:spTgt spid="5"/>
+                                        </p:tgtEl>
+                                      </p:cBhvr>
+                                    </p:animEffect>
+                                  </p:childTnLst>
+                                </p:cTn>
+                              </p:par>
+                            </p:childTnLst>
+                          </p:cTn>
+                        </p:par>
+                      </p:childTnLst>
+                    </p:cTn>
+                  </p:par>
+                </p:childTnLst>
+              </p:cTn>
+              <p:prevCondLst>
+                <p:cond evt="onPrev" delay="0">
+                  <p:tgtEl>
+                    <p:sldTgt/>
+                  </p:tgtEl>
+                </p:cond>
+              </p:prevCondLst>
+              <p:nextCondLst>
+                <p:cond evt="onNext" delay="0">
+                  <p:tgtEl>
+                    <p:sldTgt/>
+                  </p:tgtEl>
+                </p:cond>
+              </p:nextCondLst>
+            </p:seq>
+          </p:childTnLst>
+        </p:cTn>
+      </p:par>
+    </p:tnLst>
+    <p:bldLst>
+      <p:bldP spid="5" grpId="0" animBg="1"/>
+    </p:bldLst>
+  </p:timing>
+</p:sld>
+</file>
+
+<file path=ppt/slides/slide31.xml><?xml version="1.0" encoding="utf-8"?>
+<p:sld xmlns:a="http://schemas.openxmlformats.org/drawingml/2006/main" xmlns:r="http://schemas.openxmlformats.org/officeDocument/2006/relationships" xmlns:p="http://schemas.openxmlformats.org/presentationml/2006/main">
+  <p:cSld>
+    <p:spTree>
+      <p:nvGrpSpPr>
+        <p:cNvPr id="1" name=""/>
+        <p:cNvGrpSpPr/>
+        <p:nvPr/>
+      </p:nvGrpSpPr>
+      <p:grpSpPr>
+        <a:xfrm>
+          <a:off x="0" y="0"/>
+          <a:ext cx="0" cy="0"/>
+          <a:chOff x="0" y="0"/>
+          <a:chExt cx="0" cy="0"/>
+        </a:xfrm>
+      </p:grpSpPr>
+      <p:pic>
+        <p:nvPicPr>
+          <p:cNvPr id="2" name="Picture 1" descr="Screen Clipping"/>
+          <p:cNvPicPr>
+            <a:picLocks noChangeAspect="1"/>
+          </p:cNvPicPr>
+          <p:nvPr/>
+        </p:nvPicPr>
+        <p:blipFill>
+          <a:blip r:embed="rId2">
+            <a:extLst>
+              <a:ext uri="{28A0092B-C50C-407E-A947-70E740481C1C}">
+                <a14:useLocalDpi xmlns:a14="http://schemas.microsoft.com/office/drawing/2010/main" val="0"/>
+              </a:ext>
+            </a:extLst>
+          </a:blip>
+          <a:stretch>
+            <a:fillRect/>
+          </a:stretch>
+        </p:blipFill>
+        <p:spPr>
+          <a:xfrm>
+            <a:off x="685800" y="1066800"/>
+            <a:ext cx="7790568" cy="5546885"/>
+          </a:xfrm>
+          <a:prstGeom prst="rect">
+            <a:avLst/>
+          </a:prstGeom>
+        </p:spPr>
+      </p:pic>
+    </p:spTree>
+    <p:extLst>
+      <p:ext uri="{BB962C8B-B14F-4D97-AF65-F5344CB8AC3E}">
+        <p14:creationId xmlns:p14="http://schemas.microsoft.com/office/powerpoint/2010/main" val="1100831619"/>
+      </p:ext>
+    </p:extLst>
+  </p:cSld>
+  <p:clrMapOvr>
+    <a:masterClrMapping/>
+  </p:clrMapOvr>
+  <p:timing>
+    <p:tnLst>
+      <p:par>
+        <p:cTn id="1" dur="indefinite" restart="never" nodeType="tmRoot"/>
+      </p:par>
+    </p:tnLst>
+  </p:timing>
+</p:sld>
+</file>
+
+<file path=ppt/slides/slide32.xml><?xml version="1.0" encoding="utf-8"?>
+<p:sld xmlns:a="http://schemas.openxmlformats.org/drawingml/2006/main" xmlns:r="http://schemas.openxmlformats.org/officeDocument/2006/relationships" xmlns:p="http://schemas.openxmlformats.org/presentationml/2006/main">
+  <p:cSld>
+    <p:spTree>
+      <p:nvGrpSpPr>
+        <p:cNvPr id="1" name=""/>
+        <p:cNvGrpSpPr/>
+        <p:nvPr/>
+      </p:nvGrpSpPr>
+      <p:grpSpPr>
+        <a:xfrm>
+          <a:off x="0" y="0"/>
+          <a:ext cx="0" cy="0"/>
+          <a:chOff x="0" y="0"/>
+          <a:chExt cx="0" cy="0"/>
+        </a:xfrm>
+      </p:grpSpPr>
+      <p:sp>
+        <p:nvSpPr>
+          <p:cNvPr id="2" name="TextBox 1"/>
+          <p:cNvSpPr txBox="1"/>
+          <p:nvPr/>
+        </p:nvSpPr>
+        <p:spPr>
+          <a:xfrm>
+            <a:off x="1600200" y="1143000"/>
+            <a:ext cx="6359433" cy="4801314"/>
+          </a:xfrm>
+          <a:prstGeom prst="rect">
+            <a:avLst/>
+          </a:prstGeom>
+          <a:noFill/>
+        </p:spPr>
+        <p:txBody>
+          <a:bodyPr wrap="none" rtlCol="0">
+            <a:spAutoFit/>
+          </a:bodyPr>
+          <a:lstStyle/>
+          <a:p>
+            <a:r>
+              <a:rPr lang="en-CA" u="sng" dirty="0" smtClean="0"/>
+              <a:t>GUIs</a:t>
+            </a:r>
+          </a:p>
+          <a:p>
+            <a:pPr marL="285750" indent="-285750">
+              <a:buFont typeface="Arial" panose="020B0604020202020204" pitchFamily="34" charset="0"/>
+              <a:buChar char="•"/>
+            </a:pPr>
+            <a:r>
+              <a:rPr lang="en-CA" dirty="0" smtClean="0"/>
+              <a:t>Calibration of stimuli 	…	</a:t>
+            </a:r>
+            <a:r>
+              <a:rPr lang="en-CA" dirty="0" err="1" smtClean="0">
+                <a:solidFill>
+                  <a:schemeClr val="accent1">
+                    <a:lumMod val="75000"/>
+                  </a:schemeClr>
+                </a:solidFill>
+                <a:latin typeface="Courier New" panose="02070309020205020404" pitchFamily="49" charset="0"/>
+                <a:cs typeface="Courier New" panose="02070309020205020404" pitchFamily="49" charset="0"/>
+              </a:rPr>
+              <a:t>ep_CalibrationUtil</a:t>
+            </a:r>
+            <a:endParaRPr lang="en-CA" dirty="0" smtClean="0">
+              <a:solidFill>
+                <a:schemeClr val="accent1">
+                  <a:lumMod val="75000"/>
+                </a:schemeClr>
+              </a:solidFill>
+              <a:latin typeface="Courier New" panose="02070309020205020404" pitchFamily="49" charset="0"/>
+              <a:cs typeface="Courier New" panose="02070309020205020404" pitchFamily="49" charset="0"/>
+            </a:endParaRPr>
+          </a:p>
+          <a:p>
+            <a:pPr marL="285750" indent="-285750">
+              <a:buFont typeface="Arial" panose="020B0604020202020204" pitchFamily="34" charset="0"/>
+              <a:buChar char="•"/>
+            </a:pPr>
+            <a:r>
+              <a:rPr lang="en-CA" dirty="0" smtClean="0"/>
+              <a:t>Display Preferences 	…	</a:t>
+            </a:r>
+            <a:r>
+              <a:rPr lang="en-CA" dirty="0" err="1" smtClean="0">
+                <a:solidFill>
+                  <a:schemeClr val="accent1">
+                    <a:lumMod val="75000"/>
+                  </a:schemeClr>
+                </a:solidFill>
+                <a:latin typeface="Courier New" panose="02070309020205020404" pitchFamily="49" charset="0"/>
+                <a:cs typeface="Courier New" panose="02070309020205020404" pitchFamily="49" charset="0"/>
+              </a:rPr>
+              <a:t>ep_DisplayPrefs</a:t>
+            </a:r>
+            <a:endParaRPr lang="en-CA" dirty="0" smtClean="0">
+              <a:solidFill>
+                <a:schemeClr val="accent1">
+                  <a:lumMod val="75000"/>
+                </a:schemeClr>
+              </a:solidFill>
+              <a:latin typeface="Courier New" panose="02070309020205020404" pitchFamily="49" charset="0"/>
+              <a:cs typeface="Courier New" panose="02070309020205020404" pitchFamily="49" charset="0"/>
+            </a:endParaRPr>
+          </a:p>
+          <a:p>
+            <a:pPr marL="285750" indent="-285750">
+              <a:buFont typeface="Arial" panose="020B0604020202020204" pitchFamily="34" charset="0"/>
+              <a:buChar char="•"/>
+            </a:pPr>
+            <a:r>
+              <a:rPr lang="en-CA" dirty="0" smtClean="0"/>
+              <a:t>Generate Bitmasks	…	</a:t>
+            </a:r>
+            <a:r>
+              <a:rPr lang="en-CA" dirty="0" err="1" smtClean="0">
+                <a:solidFill>
+                  <a:schemeClr val="accent1">
+                    <a:lumMod val="75000"/>
+                  </a:schemeClr>
+                </a:solidFill>
+                <a:latin typeface="Courier New" panose="02070309020205020404" pitchFamily="49" charset="0"/>
+                <a:cs typeface="Courier New" panose="02070309020205020404" pitchFamily="49" charset="0"/>
+              </a:rPr>
+              <a:t>ep_DisplayPrefs</a:t>
+            </a:r>
+            <a:endParaRPr lang="en-CA" dirty="0" smtClean="0">
+              <a:solidFill>
+                <a:schemeClr val="accent1">
+                  <a:lumMod val="75000"/>
+                </a:schemeClr>
+              </a:solidFill>
+              <a:latin typeface="Courier New" panose="02070309020205020404" pitchFamily="49" charset="0"/>
+              <a:cs typeface="Courier New" panose="02070309020205020404" pitchFamily="49" charset="0"/>
+            </a:endParaRPr>
+          </a:p>
+          <a:p>
+            <a:pPr marL="285750" indent="-285750">
+              <a:buFont typeface="Arial" panose="020B0604020202020204" pitchFamily="34" charset="0"/>
+              <a:buChar char="•"/>
+            </a:pPr>
+            <a:endParaRPr lang="en-CA" dirty="0" smtClean="0"/>
+          </a:p>
+          <a:p>
+            <a:r>
+              <a:rPr lang="en-CA" u="sng" dirty="0" smtClean="0"/>
+              <a:t>Helpful Functions</a:t>
+            </a:r>
+          </a:p>
+          <a:p>
+            <a:pPr marL="285750" indent="-285750">
+              <a:buFont typeface="Arial" panose="020B0604020202020204" pitchFamily="34" charset="0"/>
+              <a:buChar char="•"/>
+            </a:pPr>
+            <a:r>
+              <a:rPr lang="en-CA" dirty="0" smtClean="0"/>
+              <a:t>Retrieve Tank Data 	… 	</a:t>
+            </a:r>
+            <a:r>
+              <a:rPr lang="en-CA" dirty="0" smtClean="0">
+                <a:solidFill>
+                  <a:schemeClr val="accent1">
+                    <a:lumMod val="75000"/>
+                  </a:schemeClr>
+                </a:solidFill>
+                <a:latin typeface="Courier New" panose="02070309020205020404" pitchFamily="49" charset="0"/>
+                <a:cs typeface="Courier New" panose="02070309020205020404" pitchFamily="49" charset="0"/>
+              </a:rPr>
+              <a:t>TDT2mat</a:t>
+            </a:r>
+          </a:p>
+          <a:p>
+            <a:pPr marL="285750" indent="-285750">
+              <a:buFont typeface="Arial" panose="020B0604020202020204" pitchFamily="34" charset="0"/>
+              <a:buChar char="•"/>
+            </a:pPr>
+            <a:r>
+              <a:rPr lang="en-CA" dirty="0" smtClean="0"/>
+              <a:t>TDT to </a:t>
+            </a:r>
+            <a:r>
+              <a:rPr lang="en-CA" dirty="0" err="1" smtClean="0"/>
+              <a:t>Plexon</a:t>
+            </a:r>
+            <a:r>
+              <a:rPr lang="en-CA" dirty="0" smtClean="0"/>
+              <a:t> (PLX)	…	</a:t>
+            </a:r>
+            <a:r>
+              <a:rPr lang="en-CA" dirty="0" smtClean="0">
+                <a:solidFill>
+                  <a:schemeClr val="accent1">
+                    <a:lumMod val="75000"/>
+                  </a:schemeClr>
+                </a:solidFill>
+                <a:latin typeface="Courier New" panose="02070309020205020404" pitchFamily="49" charset="0"/>
+                <a:cs typeface="Courier New" panose="02070309020205020404" pitchFamily="49" charset="0"/>
+              </a:rPr>
+              <a:t>TDT2PLX</a:t>
+            </a:r>
+          </a:p>
+          <a:p>
+            <a:pPr marL="285750" indent="-285750">
+              <a:buFont typeface="Arial" panose="020B0604020202020204" pitchFamily="34" charset="0"/>
+              <a:buChar char="•"/>
+            </a:pPr>
+            <a:r>
+              <a:rPr lang="en-CA" dirty="0" err="1" smtClean="0"/>
+              <a:t>Plexon</a:t>
+            </a:r>
+            <a:r>
+              <a:rPr lang="en-CA" dirty="0" smtClean="0"/>
+              <a:t> to TDT		…	</a:t>
+            </a:r>
+            <a:r>
+              <a:rPr lang="en-CA" dirty="0" smtClean="0">
+                <a:solidFill>
+                  <a:schemeClr val="accent1">
+                    <a:lumMod val="75000"/>
+                  </a:schemeClr>
+                </a:solidFill>
+                <a:latin typeface="Courier New" panose="02070309020205020404" pitchFamily="49" charset="0"/>
+                <a:cs typeface="Courier New" panose="02070309020205020404" pitchFamily="49" charset="0"/>
+              </a:rPr>
+              <a:t>PLX2TDT</a:t>
+            </a:r>
+          </a:p>
+          <a:p>
+            <a:endParaRPr lang="en-CA" dirty="0" smtClean="0"/>
+          </a:p>
+          <a:p>
+            <a:r>
+              <a:rPr lang="en-CA" u="sng" dirty="0" smtClean="0"/>
+              <a:t>Resources</a:t>
+            </a:r>
+            <a:endParaRPr lang="en-CA" u="sng" dirty="0"/>
+          </a:p>
+          <a:p>
+            <a:pPr marL="285750" indent="-285750">
+              <a:buFont typeface="Arial" panose="020B0604020202020204" pitchFamily="34" charset="0"/>
+              <a:buChar char="•"/>
+            </a:pPr>
+            <a:r>
+              <a:rPr lang="en-CA" dirty="0" smtClean="0"/>
+              <a:t>Examples </a:t>
+            </a:r>
+            <a:r>
+              <a:rPr lang="en-CA" dirty="0"/>
+              <a:t>			</a:t>
+            </a:r>
+            <a:r>
+              <a:rPr lang="en-CA" dirty="0" smtClean="0"/>
+              <a:t>..\</a:t>
+            </a:r>
+            <a:r>
+              <a:rPr lang="en-CA" dirty="0" err="1"/>
+              <a:t>epsych</a:t>
+            </a:r>
+            <a:r>
+              <a:rPr lang="en-CA" dirty="0"/>
+              <a:t>\.</a:t>
+            </a:r>
+            <a:r>
+              <a:rPr lang="en-CA" dirty="0" smtClean="0"/>
+              <a:t>examples</a:t>
+            </a:r>
+          </a:p>
+          <a:p>
+            <a:pPr marL="285750" indent="-285750">
+              <a:buFont typeface="Arial" panose="020B0604020202020204" pitchFamily="34" charset="0"/>
+              <a:buChar char="•"/>
+            </a:pPr>
+            <a:r>
+              <a:rPr lang="en-CA" dirty="0" err="1" smtClean="0"/>
+              <a:t>RPvds</a:t>
+            </a:r>
+            <a:r>
+              <a:rPr lang="en-CA" dirty="0"/>
+              <a:t> Macros			</a:t>
+            </a:r>
+            <a:r>
+              <a:rPr lang="en-CA" dirty="0" smtClean="0"/>
+              <a:t>..\</a:t>
+            </a:r>
+            <a:r>
+              <a:rPr lang="en-CA" dirty="0" err="1"/>
+              <a:t>epsych</a:t>
+            </a:r>
+            <a:r>
+              <a:rPr lang="en-CA" dirty="0"/>
+              <a:t>\.</a:t>
+            </a:r>
+            <a:r>
+              <a:rPr lang="en-CA" dirty="0" err="1" smtClean="0"/>
+              <a:t>circuit_macros</a:t>
+            </a:r>
+            <a:endParaRPr lang="en-CA" dirty="0" smtClean="0"/>
+          </a:p>
+          <a:p>
+            <a:pPr marL="285750" indent="-285750">
+              <a:buFont typeface="Arial" panose="020B0604020202020204" pitchFamily="34" charset="0"/>
+              <a:buChar char="•"/>
+            </a:pPr>
+            <a:endParaRPr lang="en-CA" dirty="0"/>
+          </a:p>
+          <a:p>
+            <a:r>
+              <a:rPr lang="en-CA" u="sng" dirty="0"/>
+              <a:t>Integration with MySQL Database </a:t>
+            </a:r>
+            <a:r>
+              <a:rPr lang="en-CA" dirty="0"/>
+              <a:t>	..\</a:t>
+            </a:r>
+            <a:r>
+              <a:rPr lang="en-CA" dirty="0" err="1"/>
+              <a:t>epsych</a:t>
+            </a:r>
+            <a:r>
+              <a:rPr lang="en-CA" dirty="0"/>
+              <a:t>\database</a:t>
+            </a:r>
+          </a:p>
+          <a:p>
+            <a:pPr marL="285750" indent="-285750">
+              <a:buFont typeface="Arial" panose="020B0604020202020204" pitchFamily="34" charset="0"/>
+              <a:buChar char="•"/>
+            </a:pPr>
+            <a:r>
+              <a:rPr lang="en-CA" dirty="0" smtClean="0"/>
+              <a:t>Uploading 		… 	</a:t>
+            </a:r>
+            <a:r>
+              <a:rPr lang="en-CA" dirty="0" err="1" smtClean="0">
+                <a:solidFill>
+                  <a:schemeClr val="accent1">
+                    <a:lumMod val="75000"/>
+                  </a:schemeClr>
+                </a:solidFill>
+                <a:latin typeface="Courier New" panose="02070309020205020404" pitchFamily="49" charset="0"/>
+                <a:cs typeface="Courier New" panose="02070309020205020404" pitchFamily="49" charset="0"/>
+              </a:rPr>
+              <a:t>DB_UploadUtility</a:t>
+            </a:r>
+            <a:endParaRPr lang="en-CA" dirty="0" smtClean="0">
+              <a:solidFill>
+                <a:schemeClr val="accent1">
+                  <a:lumMod val="75000"/>
+                </a:schemeClr>
+              </a:solidFill>
+              <a:latin typeface="Courier New" panose="02070309020205020404" pitchFamily="49" charset="0"/>
+              <a:cs typeface="Courier New" panose="02070309020205020404" pitchFamily="49" charset="0"/>
+            </a:endParaRPr>
+          </a:p>
+          <a:p>
+            <a:pPr marL="285750" indent="-285750">
+              <a:buFont typeface="Arial" panose="020B0604020202020204" pitchFamily="34" charset="0"/>
+              <a:buChar char="•"/>
+            </a:pPr>
+            <a:r>
+              <a:rPr lang="en-CA" dirty="0" smtClean="0"/>
+              <a:t>Accessing/Browsing 	…	</a:t>
+            </a:r>
+            <a:r>
+              <a:rPr lang="en-CA" dirty="0" err="1" smtClean="0">
+                <a:solidFill>
+                  <a:schemeClr val="accent1">
+                    <a:lumMod val="75000"/>
+                  </a:schemeClr>
+                </a:solidFill>
+                <a:latin typeface="Courier New" panose="02070309020205020404" pitchFamily="49" charset="0"/>
+                <a:cs typeface="Courier New" panose="02070309020205020404" pitchFamily="49" charset="0"/>
+              </a:rPr>
+              <a:t>DB_Browser</a:t>
+            </a:r>
+            <a:endParaRPr lang="en-CA" dirty="0">
+              <a:solidFill>
+                <a:schemeClr val="accent1">
+                  <a:lumMod val="75000"/>
+                </a:schemeClr>
+              </a:solidFill>
+              <a:latin typeface="Courier New" panose="02070309020205020404" pitchFamily="49" charset="0"/>
+              <a:cs typeface="Courier New" panose="02070309020205020404" pitchFamily="49" charset="0"/>
+            </a:endParaRPr>
+          </a:p>
+        </p:txBody>
+      </p:sp>
+      <p:sp>
+        <p:nvSpPr>
+          <p:cNvPr id="3" name="TextBox 2"/>
+          <p:cNvSpPr txBox="1"/>
+          <p:nvPr/>
+        </p:nvSpPr>
+        <p:spPr>
+          <a:xfrm>
+            <a:off x="685800" y="457200"/>
+            <a:ext cx="1612942" cy="461665"/>
+          </a:xfrm>
+          <a:prstGeom prst="rect">
+            <a:avLst/>
+          </a:prstGeom>
+          <a:noFill/>
+        </p:spPr>
+        <p:txBody>
+          <a:bodyPr wrap="none" rtlCol="0">
+            <a:spAutoFit/>
+          </a:bodyPr>
+          <a:lstStyle/>
+          <a:p>
+            <a:r>
+              <a:rPr lang="en-CA" sz="2400" b="1" dirty="0" smtClean="0"/>
+              <a:t>Other Stuff</a:t>
+            </a:r>
+            <a:endParaRPr lang="en-CA" sz="2400" b="1" dirty="0"/>
+          </a:p>
+        </p:txBody>
+      </p:sp>
+    </p:spTree>
+    <p:extLst>
+      <p:ext uri="{BB962C8B-B14F-4D97-AF65-F5344CB8AC3E}">
+        <p14:creationId xmlns:p14="http://schemas.microsoft.com/office/powerpoint/2010/main" val="3777478140"/>
+      </p:ext>
+    </p:extLst>
+  </p:cSld>
+  <p:clrMapOvr>
+    <a:masterClrMapping/>
+  </p:clrMapOvr>
+  <p:timing>
+    <p:tnLst>
+      <p:par>
+        <p:cTn id="1" dur="indefinite" restart="never" nodeType="tmRoot"/>
+      </p:par>
+    </p:tnLst>
+  </p:timing>
+</p:sld>
+</file>
+
+<file path=ppt/slides/slide33.xml><?xml version="1.0" encoding="utf-8"?>
+<p:sld xmlns:a="http://schemas.openxmlformats.org/drawingml/2006/main" xmlns:r="http://schemas.openxmlformats.org/officeDocument/2006/relationships" xmlns:p="http://schemas.openxmlformats.org/presentationml/2006/main">
+  <p:cSld>
+    <p:spTree>
+      <p:nvGrpSpPr>
+        <p:cNvPr id="1" name=""/>
+        <p:cNvGrpSpPr/>
+        <p:nvPr/>
+      </p:nvGrpSpPr>
+      <p:grpSpPr>
+        <a:xfrm>
+          <a:off x="0" y="0"/>
+          <a:ext cx="0" cy="0"/>
+          <a:chOff x="0" y="0"/>
+          <a:chExt cx="0" cy="0"/>
+        </a:xfrm>
+      </p:grpSpPr>
       <p:sp>
         <p:nvSpPr>
           <p:cNvPr id="2" name="Flowchart: Process 1"/>
@@ -15696,7 +16688,7 @@
 </p:sld>
 </file>
 
-<file path=ppt/slides/slide31.xml><?xml version="1.0" encoding="utf-8"?>
+<file path=ppt/slides/slide34.xml><?xml version="1.0" encoding="utf-8"?>
 <p:sld xmlns:a="http://schemas.openxmlformats.org/drawingml/2006/main" xmlns:r="http://schemas.openxmlformats.org/officeDocument/2006/relationships" xmlns:p="http://schemas.openxmlformats.org/presentationml/2006/main">
   <p:cSld>
     <p:spTree>

--- a/trunk/Intro_to_ElectroPsych_Toolbox.pptx
+++ b/trunk/Intro_to_ElectroPsych_Toolbox.pptx
@@ -5,7 +5,7 @@
     <p:sldMasterId id="2147483678" r:id="rId1"/>
   </p:sldMasterIdLst>
   <p:notesMasterIdLst>
-    <p:notesMasterId r:id="rId36"/>
+    <p:notesMasterId r:id="rId44"/>
   </p:notesMasterIdLst>
   <p:sldIdLst>
     <p:sldId id="259" r:id="rId2"/>
@@ -34,14 +34,22 @@
     <p:sldId id="282" r:id="rId25"/>
     <p:sldId id="276" r:id="rId26"/>
     <p:sldId id="271" r:id="rId27"/>
-    <p:sldId id="274" r:id="rId28"/>
-    <p:sldId id="263" r:id="rId29"/>
-    <p:sldId id="294" r:id="rId30"/>
-    <p:sldId id="293" r:id="rId31"/>
-    <p:sldId id="292" r:id="rId32"/>
-    <p:sldId id="283" r:id="rId33"/>
-    <p:sldId id="285" r:id="rId34"/>
-    <p:sldId id="288" r:id="rId35"/>
+    <p:sldId id="295" r:id="rId28"/>
+    <p:sldId id="296" r:id="rId29"/>
+    <p:sldId id="297" r:id="rId30"/>
+    <p:sldId id="292" r:id="rId31"/>
+    <p:sldId id="300" r:id="rId32"/>
+    <p:sldId id="299" r:id="rId33"/>
+    <p:sldId id="301" r:id="rId34"/>
+    <p:sldId id="274" r:id="rId35"/>
+    <p:sldId id="263" r:id="rId36"/>
+    <p:sldId id="294" r:id="rId37"/>
+    <p:sldId id="293" r:id="rId38"/>
+    <p:sldId id="298" r:id="rId39"/>
+    <p:sldId id="302" r:id="rId40"/>
+    <p:sldId id="283" r:id="rId41"/>
+    <p:sldId id="285" r:id="rId42"/>
+    <p:sldId id="288" r:id="rId43"/>
   </p:sldIdLst>
   <p:sldSz cx="9144000" cy="6858000" type="screen4x3"/>
   <p:notesSz cx="6858000" cy="9144000"/>
@@ -183,6 +191,21 @@
             <p14:sldId id="282"/>
             <p14:sldId id="276"/>
             <p14:sldId id="271"/>
+            <p14:sldId id="295"/>
+            <p14:sldId id="296"/>
+            <p14:sldId id="297"/>
+          </p14:sldIdLst>
+        </p14:section>
+        <p14:section name="Display Prefs/Bitmask" id="{117E350C-4E64-4107-81A2-C28D2FA67516}">
+          <p14:sldIdLst>
+            <p14:sldId id="292"/>
+            <p14:sldId id="300"/>
+            <p14:sldId id="299"/>
+          </p14:sldIdLst>
+        </p14:section>
+        <p14:section name="Calibration" id="{58212DCC-0D68-48F8-9B4D-3F012339BEF0}">
+          <p14:sldIdLst>
+            <p14:sldId id="301"/>
           </p14:sldIdLst>
         </p14:section>
         <p14:section name="Running Experiments" id="{7BB745D7-9FB5-478C-9F68-C4B4497D3AE5}">
@@ -193,9 +216,10 @@
             <p14:sldId id="293"/>
           </p14:sldIdLst>
         </p14:section>
-        <p14:section name="Display Prefs/Bitmask" id="{7FB3BAF5-B11A-4E2B-954B-A93C99BC6737}">
+        <p14:section name="Data Analysis" id="{4B4D2673-9F5E-44A5-A4E1-9DB5EBDD12E1}">
           <p14:sldIdLst>
-            <p14:sldId id="292"/>
+            <p14:sldId id="298"/>
+            <p14:sldId id="302"/>
           </p14:sldIdLst>
         </p14:section>
         <p14:section name="Misc" id="{DCDDA515-E747-40DF-A9AB-CDDAE1464A8E}">
@@ -311,7 +335,7 @@
           <a:p>
             <a:fld id="{5B1F1AE8-169A-448B-8F06-14A9CDED5B93}" type="datetimeFigureOut">
               <a:rPr lang="en-CA" smtClean="0"/>
-              <a:t>2014-10-19</a:t>
+              <a:t>2014-10-20</a:t>
             </a:fld>
             <a:endParaRPr lang="en-CA"/>
           </a:p>
@@ -896,7 +920,7 @@
           <a:p>
             <a:fld id="{F1AB34FE-F7D5-4B7A-8A17-7F2D2F8BD1A3}" type="slidenum">
               <a:rPr lang="en-CA" smtClean="0"/>
-              <a:t>27</a:t>
+              <a:t>34</a:t>
             </a:fld>
             <a:endParaRPr lang="en-CA"/>
           </a:p>
@@ -1046,7 +1070,7 @@
           <a:p>
             <a:fld id="{BD11ADD5-E14D-449A-83D5-794C8D646EDC}" type="datetimeFigureOut">
               <a:rPr lang="en-CA" smtClean="0"/>
-              <a:t>2014-10-19</a:t>
+              <a:t>2014-10-20</a:t>
             </a:fld>
             <a:endParaRPr lang="en-CA"/>
           </a:p>
@@ -1216,7 +1240,7 @@
           <a:p>
             <a:fld id="{BD11ADD5-E14D-449A-83D5-794C8D646EDC}" type="datetimeFigureOut">
               <a:rPr lang="en-CA" smtClean="0"/>
-              <a:t>2014-10-19</a:t>
+              <a:t>2014-10-20</a:t>
             </a:fld>
             <a:endParaRPr lang="en-CA"/>
           </a:p>
@@ -1396,7 +1420,7 @@
           <a:p>
             <a:fld id="{BD11ADD5-E14D-449A-83D5-794C8D646EDC}" type="datetimeFigureOut">
               <a:rPr lang="en-CA" smtClean="0"/>
-              <a:t>2014-10-19</a:t>
+              <a:t>2014-10-20</a:t>
             </a:fld>
             <a:endParaRPr lang="en-CA"/>
           </a:p>
@@ -1566,7 +1590,7 @@
           <a:p>
             <a:fld id="{BD11ADD5-E14D-449A-83D5-794C8D646EDC}" type="datetimeFigureOut">
               <a:rPr lang="en-CA" smtClean="0"/>
-              <a:t>2014-10-19</a:t>
+              <a:t>2014-10-20</a:t>
             </a:fld>
             <a:endParaRPr lang="en-CA"/>
           </a:p>
@@ -1812,7 +1836,7 @@
           <a:p>
             <a:fld id="{BD11ADD5-E14D-449A-83D5-794C8D646EDC}" type="datetimeFigureOut">
               <a:rPr lang="en-CA" smtClean="0"/>
-              <a:t>2014-10-19</a:t>
+              <a:t>2014-10-20</a:t>
             </a:fld>
             <a:endParaRPr lang="en-CA"/>
           </a:p>
@@ -2044,7 +2068,7 @@
           <a:p>
             <a:fld id="{BD11ADD5-E14D-449A-83D5-794C8D646EDC}" type="datetimeFigureOut">
               <a:rPr lang="en-CA" smtClean="0"/>
-              <a:t>2014-10-19</a:t>
+              <a:t>2014-10-20</a:t>
             </a:fld>
             <a:endParaRPr lang="en-CA"/>
           </a:p>
@@ -2411,7 +2435,7 @@
           <a:p>
             <a:fld id="{BD11ADD5-E14D-449A-83D5-794C8D646EDC}" type="datetimeFigureOut">
               <a:rPr lang="en-CA" smtClean="0"/>
-              <a:t>2014-10-19</a:t>
+              <a:t>2014-10-20</a:t>
             </a:fld>
             <a:endParaRPr lang="en-CA"/>
           </a:p>
@@ -2529,7 +2553,7 @@
           <a:p>
             <a:fld id="{BD11ADD5-E14D-449A-83D5-794C8D646EDC}" type="datetimeFigureOut">
               <a:rPr lang="en-CA" smtClean="0"/>
-              <a:t>2014-10-19</a:t>
+              <a:t>2014-10-20</a:t>
             </a:fld>
             <a:endParaRPr lang="en-CA"/>
           </a:p>
@@ -2624,7 +2648,7 @@
           <a:p>
             <a:fld id="{BD11ADD5-E14D-449A-83D5-794C8D646EDC}" type="datetimeFigureOut">
               <a:rPr lang="en-CA" smtClean="0"/>
-              <a:t>2014-10-19</a:t>
+              <a:t>2014-10-20</a:t>
             </a:fld>
             <a:endParaRPr lang="en-CA"/>
           </a:p>
@@ -2901,7 +2925,7 @@
           <a:p>
             <a:fld id="{BD11ADD5-E14D-449A-83D5-794C8D646EDC}" type="datetimeFigureOut">
               <a:rPr lang="en-CA" smtClean="0"/>
-              <a:t>2014-10-19</a:t>
+              <a:t>2014-10-20</a:t>
             </a:fld>
             <a:endParaRPr lang="en-CA"/>
           </a:p>
@@ -3154,7 +3178,7 @@
           <a:p>
             <a:fld id="{BD11ADD5-E14D-449A-83D5-794C8D646EDC}" type="datetimeFigureOut">
               <a:rPr lang="en-CA" smtClean="0"/>
-              <a:t>2014-10-19</a:t>
+              <a:t>2014-10-20</a:t>
             </a:fld>
             <a:endParaRPr lang="en-CA"/>
           </a:p>
@@ -3367,7 +3391,7 @@
           <a:p>
             <a:fld id="{BD11ADD5-E14D-449A-83D5-794C8D646EDC}" type="datetimeFigureOut">
               <a:rPr lang="en-CA" smtClean="0"/>
-              <a:t>2014-10-19</a:t>
+              <a:t>2014-10-20</a:t>
             </a:fld>
             <a:endParaRPr lang="en-CA"/>
           </a:p>
@@ -3852,8 +3876,8 @@
         </p:nvSpPr>
         <p:spPr>
           <a:xfrm>
-            <a:off x="7162800" y="6400800"/>
-            <a:ext cx="1776127" cy="338554"/>
+            <a:off x="6858000" y="6400800"/>
+            <a:ext cx="2169568" cy="400110"/>
           </a:xfrm>
           <a:prstGeom prst="rect">
             <a:avLst/>
@@ -3867,7 +3891,7 @@
           <a:lstStyle/>
           <a:p>
             <a:r>
-              <a:rPr lang="en-CA" sz="1600" i="1" dirty="0" smtClean="0">
+              <a:rPr lang="en-CA" sz="2000" i="1" dirty="0" smtClean="0">
                 <a:solidFill>
                   <a:schemeClr val="bg1">
                     <a:lumMod val="50000"/>
@@ -3876,7 +3900,7 @@
               </a:rPr>
               <a:t>by Daniel Stolzberg</a:t>
             </a:r>
-            <a:endParaRPr lang="en-CA" sz="1600" i="1" dirty="0">
+            <a:endParaRPr lang="en-CA" sz="2000" i="1" dirty="0">
               <a:solidFill>
                 <a:schemeClr val="bg1">
                   <a:lumMod val="50000"/>
@@ -3938,6 +3962,48 @@
           <a:sp3d prstMaterial="dkEdge"/>
         </p:spPr>
       </p:pic>
+      <p:sp>
+        <p:nvSpPr>
+          <p:cNvPr id="7" name="TextBox 6"/>
+          <p:cNvSpPr txBox="1"/>
+          <p:nvPr/>
+        </p:nvSpPr>
+        <p:spPr>
+          <a:xfrm>
+            <a:off x="27709" y="6400800"/>
+            <a:ext cx="704039" cy="400110"/>
+          </a:xfrm>
+          <a:prstGeom prst="rect">
+            <a:avLst/>
+          </a:prstGeom>
+          <a:noFill/>
+        </p:spPr>
+        <p:txBody>
+          <a:bodyPr wrap="none" rtlCol="0">
+            <a:spAutoFit/>
+          </a:bodyPr>
+          <a:lstStyle/>
+          <a:p>
+            <a:r>
+              <a:rPr lang="en-CA" sz="2000" i="1" dirty="0" smtClean="0">
+                <a:solidFill>
+                  <a:schemeClr val="bg1">
+                    <a:lumMod val="50000"/>
+                  </a:schemeClr>
+                </a:solidFill>
+              </a:rPr>
+              <a:t>2014</a:t>
+            </a:r>
+            <a:endParaRPr lang="en-CA" sz="2000" i="1" dirty="0">
+              <a:solidFill>
+                <a:schemeClr val="bg1">
+                  <a:lumMod val="50000"/>
+                </a:schemeClr>
+              </a:solidFill>
+            </a:endParaRPr>
+          </a:p>
+        </p:txBody>
+      </p:sp>
     </p:spTree>
     <p:extLst>
       <p:ext uri="{BB962C8B-B14F-4D97-AF65-F5344CB8AC3E}">
@@ -11506,6 +11572,43 @@
           </a:p>
         </p:txBody>
       </p:sp>
+      <p:pic>
+        <p:nvPicPr>
+          <p:cNvPr id="3" name="Picture 2" descr="Screen Clipping"/>
+          <p:cNvPicPr>
+            <a:picLocks noChangeAspect="1"/>
+          </p:cNvPicPr>
+          <p:nvPr/>
+        </p:nvPicPr>
+        <p:blipFill>
+          <a:blip r:embed="rId3">
+            <a:extLst>
+              <a:ext uri="{28A0092B-C50C-407E-A947-70E740481C1C}">
+                <a14:useLocalDpi xmlns:a14="http://schemas.microsoft.com/office/drawing/2010/main" val="0"/>
+              </a:ext>
+            </a:extLst>
+          </a:blip>
+          <a:stretch>
+            <a:fillRect/>
+          </a:stretch>
+        </p:blipFill>
+        <p:spPr>
+          <a:xfrm>
+            <a:off x="2438400" y="2511319"/>
+            <a:ext cx="5899453" cy="4121362"/>
+          </a:xfrm>
+          <a:prstGeom prst="rect">
+            <a:avLst/>
+          </a:prstGeom>
+          <a:effectLst>
+            <a:outerShdw blurRad="63500" sx="102000" sy="102000" algn="ctr" rotWithShape="0">
+              <a:prstClr val="black">
+                <a:alpha val="40000"/>
+              </a:prstClr>
+            </a:outerShdw>
+          </a:effectLst>
+        </p:spPr>
+      </p:pic>
     </p:spTree>
     <p:extLst>
       <p:ext uri="{BB962C8B-B14F-4D97-AF65-F5344CB8AC3E}">
@@ -11519,7 +11622,83 @@
   <p:timing>
     <p:tnLst>
       <p:par>
-        <p:cTn id="1" dur="indefinite" restart="never" nodeType="tmRoot"/>
+        <p:cTn id="1" dur="indefinite" restart="never" nodeType="tmRoot">
+          <p:childTnLst>
+            <p:seq concurrent="1" nextAc="seek">
+              <p:cTn id="2" dur="indefinite" nodeType="mainSeq">
+                <p:childTnLst>
+                  <p:par>
+                    <p:cTn id="3" fill="hold">
+                      <p:stCondLst>
+                        <p:cond delay="indefinite"/>
+                      </p:stCondLst>
+                      <p:childTnLst>
+                        <p:par>
+                          <p:cTn id="4" fill="hold">
+                            <p:stCondLst>
+                              <p:cond delay="0"/>
+                            </p:stCondLst>
+                            <p:childTnLst>
+                              <p:par>
+                                <p:cTn id="5" presetID="10" presetClass="entr" presetSubtype="0" fill="hold" nodeType="clickEffect">
+                                  <p:stCondLst>
+                                    <p:cond delay="0"/>
+                                  </p:stCondLst>
+                                  <p:childTnLst>
+                                    <p:set>
+                                      <p:cBhvr>
+                                        <p:cTn id="6" dur="1" fill="hold">
+                                          <p:stCondLst>
+                                            <p:cond delay="0"/>
+                                          </p:stCondLst>
+                                        </p:cTn>
+                                        <p:tgtEl>
+                                          <p:spTgt spid="3"/>
+                                        </p:tgtEl>
+                                        <p:attrNameLst>
+                                          <p:attrName>style.visibility</p:attrName>
+                                        </p:attrNameLst>
+                                      </p:cBhvr>
+                                      <p:to>
+                                        <p:strVal val="visible"/>
+                                      </p:to>
+                                    </p:set>
+                                    <p:animEffect transition="in" filter="fade">
+                                      <p:cBhvr>
+                                        <p:cTn id="7" dur="500"/>
+                                        <p:tgtEl>
+                                          <p:spTgt spid="3"/>
+                                        </p:tgtEl>
+                                      </p:cBhvr>
+                                    </p:animEffect>
+                                  </p:childTnLst>
+                                </p:cTn>
+                              </p:par>
+                            </p:childTnLst>
+                          </p:cTn>
+                        </p:par>
+                      </p:childTnLst>
+                    </p:cTn>
+                  </p:par>
+                </p:childTnLst>
+              </p:cTn>
+              <p:prevCondLst>
+                <p:cond evt="onPrev" delay="0">
+                  <p:tgtEl>
+                    <p:sldTgt/>
+                  </p:tgtEl>
+                </p:cond>
+              </p:prevCondLst>
+              <p:nextCondLst>
+                <p:cond evt="onNext" delay="0">
+                  <p:tgtEl>
+                    <p:sldTgt/>
+                  </p:tgtEl>
+                </p:cond>
+              </p:nextCondLst>
+            </p:seq>
+          </p:childTnLst>
+        </p:cTn>
       </p:par>
     </p:tnLst>
   </p:timing>
@@ -12667,692 +12846,396 @@
           <a:chExt cx="0" cy="0"/>
         </a:xfrm>
       </p:grpSpPr>
-      <p:grpSp>
-        <p:nvGrpSpPr>
-          <p:cNvPr id="43" name="Group 42"/>
-          <p:cNvGrpSpPr>
-            <a:grpSpLocks noChangeAspect="1"/>
-          </p:cNvGrpSpPr>
-          <p:nvPr/>
-        </p:nvGrpSpPr>
-        <p:grpSpPr>
-          <a:xfrm>
-            <a:off x="3445790" y="1210867"/>
-            <a:ext cx="2878810" cy="1379430"/>
-            <a:chOff x="1159790" y="29705"/>
-            <a:chExt cx="3657600" cy="1752600"/>
-          </a:xfrm>
-        </p:grpSpPr>
-        <p:sp>
-          <p:nvSpPr>
-            <p:cNvPr id="21" name="Rectangle 20"/>
-            <p:cNvSpPr/>
-            <p:nvPr/>
-          </p:nvSpPr>
-          <p:spPr>
-            <a:xfrm>
-              <a:off x="1159790" y="29705"/>
-              <a:ext cx="3200400" cy="1295400"/>
-            </a:xfrm>
-            <a:prstGeom prst="rect">
-              <a:avLst/>
-            </a:prstGeom>
-          </p:spPr>
-          <p:style>
-            <a:lnRef idx="2">
-              <a:schemeClr val="dk1"/>
-            </a:lnRef>
-            <a:fillRef idx="1">
-              <a:schemeClr val="lt1"/>
-            </a:fillRef>
-            <a:effectRef idx="0">
-              <a:schemeClr val="dk1"/>
-            </a:effectRef>
-            <a:fontRef idx="minor">
-              <a:schemeClr val="dk1"/>
-            </a:fontRef>
-          </p:style>
-          <p:txBody>
-            <a:bodyPr rtlCol="0" anchor="ctr"/>
-            <a:lstStyle/>
-            <a:p>
-              <a:pPr algn="ctr"/>
-              <a:r>
-                <a:rPr lang="en-US" sz="1400" dirty="0" err="1" smtClean="0"/>
-                <a:t>RPvds</a:t>
-              </a:r>
-              <a:r>
-                <a:rPr lang="en-US" sz="1400" dirty="0" smtClean="0"/>
-                <a:t> Circuit</a:t>
-              </a:r>
-              <a:endParaRPr lang="en-CA" sz="1400" dirty="0">
-                <a:latin typeface="Courier New" panose="02070309020205020404" pitchFamily="49" charset="0"/>
-                <a:cs typeface="Courier New" panose="02070309020205020404" pitchFamily="49" charset="0"/>
-              </a:endParaRPr>
-            </a:p>
-          </p:txBody>
-        </p:sp>
-        <p:sp>
-          <p:nvSpPr>
-            <p:cNvPr id="22" name="Rectangle 21"/>
-            <p:cNvSpPr/>
-            <p:nvPr/>
-          </p:nvSpPr>
-          <p:spPr>
-            <a:xfrm>
-              <a:off x="1312190" y="182105"/>
-              <a:ext cx="3200400" cy="1295400"/>
-            </a:xfrm>
-            <a:prstGeom prst="rect">
-              <a:avLst/>
-            </a:prstGeom>
-          </p:spPr>
-          <p:style>
-            <a:lnRef idx="2">
-              <a:schemeClr val="dk1"/>
-            </a:lnRef>
-            <a:fillRef idx="1">
-              <a:schemeClr val="lt1"/>
-            </a:fillRef>
-            <a:effectRef idx="0">
-              <a:schemeClr val="dk1"/>
-            </a:effectRef>
-            <a:fontRef idx="minor">
-              <a:schemeClr val="dk1"/>
-            </a:fontRef>
-          </p:style>
-          <p:txBody>
-            <a:bodyPr rtlCol="0" anchor="ctr"/>
-            <a:lstStyle/>
-            <a:p>
-              <a:pPr algn="ctr"/>
-              <a:r>
-                <a:rPr lang="en-US" sz="1400" dirty="0" err="1" smtClean="0"/>
-                <a:t>RPvds</a:t>
-              </a:r>
-              <a:r>
-                <a:rPr lang="en-US" sz="1400" dirty="0" smtClean="0"/>
-                <a:t> Circuit</a:t>
-              </a:r>
-              <a:endParaRPr lang="en-CA" sz="1400" dirty="0">
-                <a:latin typeface="Courier New" panose="02070309020205020404" pitchFamily="49" charset="0"/>
-                <a:cs typeface="Courier New" panose="02070309020205020404" pitchFamily="49" charset="0"/>
-              </a:endParaRPr>
-            </a:p>
-          </p:txBody>
-        </p:sp>
-        <p:sp>
-          <p:nvSpPr>
-            <p:cNvPr id="23" name="Rectangle 22"/>
-            <p:cNvSpPr/>
-            <p:nvPr/>
-          </p:nvSpPr>
-          <p:spPr>
-            <a:xfrm>
-              <a:off x="1464590" y="334505"/>
-              <a:ext cx="3200400" cy="1295400"/>
-            </a:xfrm>
-            <a:prstGeom prst="rect">
-              <a:avLst/>
-            </a:prstGeom>
-          </p:spPr>
-          <p:style>
-            <a:lnRef idx="2">
-              <a:schemeClr val="dk1"/>
-            </a:lnRef>
-            <a:fillRef idx="1">
-              <a:schemeClr val="lt1"/>
-            </a:fillRef>
-            <a:effectRef idx="0">
-              <a:schemeClr val="dk1"/>
-            </a:effectRef>
-            <a:fontRef idx="minor">
-              <a:schemeClr val="dk1"/>
-            </a:fontRef>
-          </p:style>
-          <p:txBody>
-            <a:bodyPr rtlCol="0" anchor="ctr"/>
-            <a:lstStyle/>
-            <a:p>
-              <a:pPr algn="ctr"/>
-              <a:r>
-                <a:rPr lang="en-US" sz="1400" dirty="0" err="1" smtClean="0"/>
-                <a:t>RPvds</a:t>
-              </a:r>
-              <a:r>
-                <a:rPr lang="en-US" sz="1400" dirty="0" smtClean="0"/>
-                <a:t> Circuit</a:t>
-              </a:r>
-              <a:endParaRPr lang="en-CA" sz="1400" dirty="0">
-                <a:latin typeface="Courier New" panose="02070309020205020404" pitchFamily="49" charset="0"/>
-                <a:cs typeface="Courier New" panose="02070309020205020404" pitchFamily="49" charset="0"/>
-              </a:endParaRPr>
-            </a:p>
-          </p:txBody>
-        </p:sp>
-        <p:sp>
-          <p:nvSpPr>
-            <p:cNvPr id="24" name="Rectangle 23"/>
-            <p:cNvSpPr/>
-            <p:nvPr/>
-          </p:nvSpPr>
-          <p:spPr>
-            <a:xfrm>
-              <a:off x="1616990" y="486905"/>
-              <a:ext cx="3200400" cy="1295400"/>
-            </a:xfrm>
-            <a:prstGeom prst="rect">
-              <a:avLst/>
-            </a:prstGeom>
-          </p:spPr>
-          <p:style>
-            <a:lnRef idx="2">
-              <a:schemeClr val="dk1"/>
-            </a:lnRef>
-            <a:fillRef idx="1">
-              <a:schemeClr val="lt1"/>
-            </a:fillRef>
-            <a:effectRef idx="0">
-              <a:schemeClr val="dk1"/>
-            </a:effectRef>
-            <a:fontRef idx="minor">
-              <a:schemeClr val="dk1"/>
-            </a:fontRef>
-          </p:style>
-          <p:txBody>
-            <a:bodyPr rtlCol="0" anchor="ctr"/>
-            <a:lstStyle/>
-            <a:p>
-              <a:pPr algn="ctr"/>
-              <a:r>
-                <a:rPr lang="en-US" sz="1400" dirty="0" err="1" smtClean="0"/>
-                <a:t>RPvds</a:t>
-              </a:r>
-              <a:r>
-                <a:rPr lang="en-US" sz="1400" dirty="0" smtClean="0"/>
-                <a:t> Circuit</a:t>
-              </a:r>
-            </a:p>
-            <a:p>
-              <a:pPr algn="ctr"/>
-              <a:r>
-                <a:rPr lang="en-US" sz="1400" dirty="0" smtClean="0"/>
-                <a:t>TDT </a:t>
-              </a:r>
-              <a:r>
-                <a:rPr lang="en-US" sz="1400" dirty="0" err="1" smtClean="0"/>
-                <a:t>RPvds</a:t>
-              </a:r>
-              <a:r>
-                <a:rPr lang="en-US" sz="1400" dirty="0" smtClean="0"/>
-                <a:t> Software</a:t>
-              </a:r>
-            </a:p>
-            <a:p>
-              <a:pPr algn="ctr"/>
-              <a:r>
-                <a:rPr lang="en-US" sz="1400" dirty="0" smtClean="0">
-                  <a:latin typeface="Courier New" panose="02070309020205020404" pitchFamily="49" charset="0"/>
-                  <a:cs typeface="Courier New" panose="02070309020205020404" pitchFamily="49" charset="0"/>
-                </a:rPr>
-                <a:t>(*.</a:t>
-              </a:r>
-              <a:r>
-                <a:rPr lang="en-US" sz="1400" dirty="0" err="1" smtClean="0">
-                  <a:latin typeface="Courier New" panose="02070309020205020404" pitchFamily="49" charset="0"/>
-                  <a:cs typeface="Courier New" panose="02070309020205020404" pitchFamily="49" charset="0"/>
-                </a:rPr>
-                <a:t>rcx</a:t>
-              </a:r>
-              <a:r>
-                <a:rPr lang="en-US" sz="1400" dirty="0" smtClean="0">
-                  <a:latin typeface="Courier New" panose="02070309020205020404" pitchFamily="49" charset="0"/>
-                  <a:cs typeface="Courier New" panose="02070309020205020404" pitchFamily="49" charset="0"/>
-                </a:rPr>
-                <a:t>)</a:t>
-              </a:r>
-              <a:endParaRPr lang="en-CA" sz="1400" dirty="0">
-                <a:latin typeface="Courier New" panose="02070309020205020404" pitchFamily="49" charset="0"/>
-                <a:cs typeface="Courier New" panose="02070309020205020404" pitchFamily="49" charset="0"/>
-              </a:endParaRPr>
-            </a:p>
-          </p:txBody>
-        </p:sp>
-      </p:grpSp>
-      <p:grpSp>
-        <p:nvGrpSpPr>
-          <p:cNvPr id="53" name="Group 52"/>
-          <p:cNvGrpSpPr>
-            <a:grpSpLocks noChangeAspect="1"/>
-          </p:cNvGrpSpPr>
-          <p:nvPr/>
-        </p:nvGrpSpPr>
-        <p:grpSpPr>
-          <a:xfrm>
-            <a:off x="3445790" y="3105300"/>
-            <a:ext cx="2878810" cy="1379430"/>
-            <a:chOff x="990600" y="1066800"/>
-            <a:chExt cx="3657600" cy="1752600"/>
-          </a:xfrm>
-        </p:grpSpPr>
-        <p:sp>
-          <p:nvSpPr>
-            <p:cNvPr id="54" name="Rectangle 53"/>
-            <p:cNvSpPr/>
-            <p:nvPr/>
-          </p:nvSpPr>
-          <p:spPr>
-            <a:xfrm>
-              <a:off x="990600" y="1066800"/>
-              <a:ext cx="3200400" cy="1295400"/>
-            </a:xfrm>
-            <a:prstGeom prst="rect">
-              <a:avLst/>
-            </a:prstGeom>
-          </p:spPr>
-          <p:style>
-            <a:lnRef idx="2">
-              <a:schemeClr val="accent1"/>
-            </a:lnRef>
-            <a:fillRef idx="1">
-              <a:schemeClr val="lt1"/>
-            </a:fillRef>
-            <a:effectRef idx="0">
-              <a:schemeClr val="accent1"/>
-            </a:effectRef>
-            <a:fontRef idx="minor">
-              <a:schemeClr val="dk1"/>
-            </a:fontRef>
-          </p:style>
-          <p:txBody>
-            <a:bodyPr rtlCol="0" anchor="ctr"/>
-            <a:lstStyle/>
-            <a:p>
-              <a:pPr algn="ctr"/>
-              <a:r>
-                <a:rPr lang="en-US" sz="1400" dirty="0" smtClean="0"/>
-                <a:t>Experiment Protocol</a:t>
-              </a:r>
-            </a:p>
-            <a:p>
-              <a:pPr algn="ctr"/>
-              <a:r>
-                <a:rPr lang="en-US" sz="1400" dirty="0" err="1" smtClean="0">
-                  <a:latin typeface="Courier New" panose="02070309020205020404" pitchFamily="49" charset="0"/>
-                  <a:cs typeface="Courier New" panose="02070309020205020404" pitchFamily="49" charset="0"/>
-                </a:rPr>
-                <a:t>ep_ExperimentDesign</a:t>
-              </a:r>
-              <a:endParaRPr lang="en-CA" sz="1400" dirty="0">
-                <a:latin typeface="Courier New" panose="02070309020205020404" pitchFamily="49" charset="0"/>
-                <a:cs typeface="Courier New" panose="02070309020205020404" pitchFamily="49" charset="0"/>
-              </a:endParaRPr>
-            </a:p>
-          </p:txBody>
-        </p:sp>
-        <p:sp>
-          <p:nvSpPr>
-            <p:cNvPr id="55" name="Rectangle 54"/>
-            <p:cNvSpPr/>
-            <p:nvPr/>
-          </p:nvSpPr>
-          <p:spPr>
-            <a:xfrm>
-              <a:off x="1143000" y="1219200"/>
-              <a:ext cx="3200400" cy="1295400"/>
-            </a:xfrm>
-            <a:prstGeom prst="rect">
-              <a:avLst/>
-            </a:prstGeom>
-          </p:spPr>
-          <p:style>
-            <a:lnRef idx="2">
-              <a:schemeClr val="accent1"/>
-            </a:lnRef>
-            <a:fillRef idx="1">
-              <a:schemeClr val="lt1"/>
-            </a:fillRef>
-            <a:effectRef idx="0">
-              <a:schemeClr val="accent1"/>
-            </a:effectRef>
-            <a:fontRef idx="minor">
-              <a:schemeClr val="dk1"/>
-            </a:fontRef>
-          </p:style>
-          <p:txBody>
-            <a:bodyPr rtlCol="0" anchor="ctr"/>
-            <a:lstStyle/>
-            <a:p>
-              <a:pPr algn="ctr"/>
-              <a:r>
-                <a:rPr lang="en-US" sz="1400" dirty="0" smtClean="0"/>
-                <a:t>Experiment Protocol</a:t>
-              </a:r>
-            </a:p>
-            <a:p>
-              <a:pPr algn="ctr"/>
-              <a:r>
-                <a:rPr lang="en-US" sz="1400" dirty="0" err="1" smtClean="0">
-                  <a:latin typeface="Courier New" panose="02070309020205020404" pitchFamily="49" charset="0"/>
-                  <a:cs typeface="Courier New" panose="02070309020205020404" pitchFamily="49" charset="0"/>
-                </a:rPr>
-                <a:t>ep_ExperimentDesign</a:t>
-              </a:r>
-              <a:endParaRPr lang="en-CA" sz="1400" dirty="0">
-                <a:latin typeface="Courier New" panose="02070309020205020404" pitchFamily="49" charset="0"/>
-                <a:cs typeface="Courier New" panose="02070309020205020404" pitchFamily="49" charset="0"/>
-              </a:endParaRPr>
-            </a:p>
-          </p:txBody>
-        </p:sp>
-        <p:sp>
-          <p:nvSpPr>
-            <p:cNvPr id="56" name="Rectangle 55"/>
-            <p:cNvSpPr/>
-            <p:nvPr/>
-          </p:nvSpPr>
-          <p:spPr>
-            <a:xfrm>
-              <a:off x="1295400" y="1371600"/>
-              <a:ext cx="3200400" cy="1295400"/>
-            </a:xfrm>
-            <a:prstGeom prst="rect">
-              <a:avLst/>
-            </a:prstGeom>
-          </p:spPr>
-          <p:style>
-            <a:lnRef idx="2">
-              <a:schemeClr val="accent1"/>
-            </a:lnRef>
-            <a:fillRef idx="1">
-              <a:schemeClr val="lt1"/>
-            </a:fillRef>
-            <a:effectRef idx="0">
-              <a:schemeClr val="accent1"/>
-            </a:effectRef>
-            <a:fontRef idx="minor">
-              <a:schemeClr val="dk1"/>
-            </a:fontRef>
-          </p:style>
-          <p:txBody>
-            <a:bodyPr rtlCol="0" anchor="ctr"/>
-            <a:lstStyle/>
-            <a:p>
-              <a:pPr algn="ctr"/>
-              <a:r>
-                <a:rPr lang="en-US" sz="1400" dirty="0" smtClean="0"/>
-                <a:t>Experiment Protocol</a:t>
-              </a:r>
-            </a:p>
-            <a:p>
-              <a:pPr algn="ctr"/>
-              <a:r>
-                <a:rPr lang="en-US" sz="1400" dirty="0" err="1" smtClean="0">
-                  <a:latin typeface="Courier New" panose="02070309020205020404" pitchFamily="49" charset="0"/>
-                  <a:cs typeface="Courier New" panose="02070309020205020404" pitchFamily="49" charset="0"/>
-                </a:rPr>
-                <a:t>ep_ExperimentDesign</a:t>
-              </a:r>
-              <a:endParaRPr lang="en-CA" sz="1400" dirty="0">
-                <a:latin typeface="Courier New" panose="02070309020205020404" pitchFamily="49" charset="0"/>
-                <a:cs typeface="Courier New" panose="02070309020205020404" pitchFamily="49" charset="0"/>
-              </a:endParaRPr>
-            </a:p>
-          </p:txBody>
-        </p:sp>
-        <p:sp>
-          <p:nvSpPr>
-            <p:cNvPr id="57" name="Rectangle 56"/>
-            <p:cNvSpPr/>
-            <p:nvPr/>
-          </p:nvSpPr>
-          <p:spPr>
-            <a:xfrm>
-              <a:off x="1447800" y="1524000"/>
-              <a:ext cx="3200400" cy="1295400"/>
-            </a:xfrm>
-            <a:prstGeom prst="rect">
-              <a:avLst/>
-            </a:prstGeom>
-          </p:spPr>
-          <p:style>
-            <a:lnRef idx="2">
-              <a:schemeClr val="accent1"/>
-            </a:lnRef>
-            <a:fillRef idx="1">
-              <a:schemeClr val="lt1"/>
-            </a:fillRef>
-            <a:effectRef idx="0">
-              <a:schemeClr val="accent1"/>
-            </a:effectRef>
-            <a:fontRef idx="minor">
-              <a:schemeClr val="dk1"/>
-            </a:fontRef>
-          </p:style>
-          <p:txBody>
-            <a:bodyPr rtlCol="0" anchor="ctr"/>
-            <a:lstStyle/>
-            <a:p>
-              <a:pPr algn="ctr"/>
-              <a:r>
-                <a:rPr lang="en-US" sz="1400" dirty="0" smtClean="0"/>
-                <a:t>Experiment Protocol</a:t>
-              </a:r>
-            </a:p>
-            <a:p>
-              <a:pPr algn="ctr"/>
-              <a:r>
-                <a:rPr lang="en-US" sz="1400" dirty="0" err="1" smtClean="0">
-                  <a:latin typeface="Courier New" panose="02070309020205020404" pitchFamily="49" charset="0"/>
-                  <a:cs typeface="Courier New" panose="02070309020205020404" pitchFamily="49" charset="0"/>
-                </a:rPr>
-                <a:t>ep_ExperimentDesign</a:t>
-              </a:r>
-              <a:endParaRPr lang="en-US" sz="1400" dirty="0" smtClean="0">
-                <a:latin typeface="Courier New" panose="02070309020205020404" pitchFamily="49" charset="0"/>
-                <a:cs typeface="Courier New" panose="02070309020205020404" pitchFamily="49" charset="0"/>
-              </a:endParaRPr>
-            </a:p>
-            <a:p>
-              <a:pPr algn="ctr"/>
-              <a:r>
-                <a:rPr lang="en-US" sz="1400" dirty="0" smtClean="0">
-                  <a:latin typeface="Courier New" panose="02070309020205020404" pitchFamily="49" charset="0"/>
-                  <a:cs typeface="Courier New" panose="02070309020205020404" pitchFamily="49" charset="0"/>
-                </a:rPr>
-                <a:t>(*.</a:t>
-              </a:r>
-              <a:r>
-                <a:rPr lang="en-US" sz="1400" dirty="0" err="1" smtClean="0">
-                  <a:latin typeface="Courier New" panose="02070309020205020404" pitchFamily="49" charset="0"/>
-                  <a:cs typeface="Courier New" panose="02070309020205020404" pitchFamily="49" charset="0"/>
-                </a:rPr>
-                <a:t>prot</a:t>
-              </a:r>
-              <a:r>
-                <a:rPr lang="en-US" sz="1400" dirty="0" smtClean="0">
-                  <a:latin typeface="Courier New" panose="02070309020205020404" pitchFamily="49" charset="0"/>
-                  <a:cs typeface="Courier New" panose="02070309020205020404" pitchFamily="49" charset="0"/>
-                </a:rPr>
-                <a:t>)</a:t>
-              </a:r>
-              <a:endParaRPr lang="en-CA" sz="1400" dirty="0">
-                <a:latin typeface="Courier New" panose="02070309020205020404" pitchFamily="49" charset="0"/>
-                <a:cs typeface="Courier New" panose="02070309020205020404" pitchFamily="49" charset="0"/>
-              </a:endParaRPr>
-            </a:p>
-          </p:txBody>
-        </p:sp>
-      </p:grpSp>
-      <p:sp>
-        <p:nvSpPr>
-          <p:cNvPr id="59" name="Rectangle 58"/>
+      <p:sp>
+        <p:nvSpPr>
+          <p:cNvPr id="2" name="Rectangle 1"/>
           <p:cNvSpPr/>
           <p:nvPr/>
         </p:nvSpPr>
         <p:spPr>
           <a:xfrm>
-            <a:off x="3794096" y="5166898"/>
-            <a:ext cx="2530504" cy="1005302"/>
+            <a:off x="607477" y="1828800"/>
+            <a:ext cx="8077200" cy="3108543"/>
           </a:xfrm>
           <a:prstGeom prst="rect">
             <a:avLst/>
           </a:prstGeom>
         </p:spPr>
-        <p:style>
-          <a:lnRef idx="2">
-            <a:schemeClr val="accent1"/>
-          </a:lnRef>
-          <a:fillRef idx="1">
-            <a:schemeClr val="lt1"/>
-          </a:fillRef>
-          <a:effectRef idx="0">
-            <a:schemeClr val="accent1"/>
-          </a:effectRef>
-          <a:fontRef idx="minor">
-            <a:schemeClr val="dk1"/>
-          </a:fontRef>
-        </p:style>
-        <p:txBody>
-          <a:bodyPr rtlCol="0" anchor="ctr"/>
+        <p:txBody>
+          <a:bodyPr wrap="square">
+            <a:spAutoFit/>
+          </a:bodyPr>
           <a:lstStyle/>
           <a:p>
-            <a:pPr algn="ctr"/>
-            <a:r>
-              <a:rPr lang="en-US" sz="1400" dirty="0" smtClean="0"/>
-              <a:t>Behavior/Electrophysiology</a:t>
-            </a:r>
-          </a:p>
-          <a:p>
-            <a:pPr algn="ctr"/>
-            <a:r>
-              <a:rPr lang="en-US" sz="1400" dirty="0" err="1" smtClean="0">
+            <a:r>
+              <a:rPr lang="en-CA" sz="1400" dirty="0">
                 <a:solidFill>
-                  <a:schemeClr val="accent1"/>
+                  <a:srgbClr val="0000FF"/>
                 </a:solidFill>
                 <a:latin typeface="Courier New" panose="02070309020205020404" pitchFamily="49" charset="0"/>
-                <a:cs typeface="Courier New" panose="02070309020205020404" pitchFamily="49" charset="0"/>
               </a:rPr>
-              <a:t>ep_RunExpt</a:t>
-            </a:r>
-            <a:r>
-              <a:rPr lang="en-US" sz="1400" dirty="0" smtClean="0">
+              <a:t>function</a:t>
+            </a:r>
+            <a:r>
+              <a:rPr lang="en-CA" sz="1400" dirty="0">
                 <a:solidFill>
-                  <a:schemeClr val="accent1"/>
+                  <a:srgbClr val="000000"/>
                 </a:solidFill>
                 <a:latin typeface="Courier New" panose="02070309020205020404" pitchFamily="49" charset="0"/>
-                <a:cs typeface="Courier New" panose="02070309020205020404" pitchFamily="49" charset="0"/>
               </a:rPr>
-              <a:t>/</a:t>
-            </a:r>
-            <a:r>
-              <a:rPr lang="en-US" sz="1400" dirty="0" err="1" smtClean="0">
+              <a:t> </a:t>
+            </a:r>
+            <a:r>
+              <a:rPr lang="en-CA" sz="1400" dirty="0" err="1">
                 <a:solidFill>
-                  <a:schemeClr val="accent1"/>
+                  <a:srgbClr val="000000"/>
                 </a:solidFill>
                 <a:latin typeface="Courier New" panose="02070309020205020404" pitchFamily="49" charset="0"/>
-                <a:cs typeface="Courier New" panose="02070309020205020404" pitchFamily="49" charset="0"/>
               </a:rPr>
-              <a:t>ep_EPhys</a:t>
-            </a:r>
-            <a:endParaRPr lang="en-US" sz="1400" dirty="0" smtClean="0">
+              <a:t>NextTrialID</a:t>
+            </a:r>
+            <a:r>
+              <a:rPr lang="en-CA" sz="1400" dirty="0">
+                <a:solidFill>
+                  <a:srgbClr val="000000"/>
+                </a:solidFill>
+                <a:latin typeface="Courier New" panose="02070309020205020404" pitchFamily="49" charset="0"/>
+              </a:rPr>
+              <a:t> = </a:t>
+            </a:r>
+            <a:r>
+              <a:rPr lang="en-CA" sz="1400" dirty="0" err="1" smtClean="0">
+                <a:solidFill>
+                  <a:srgbClr val="000000"/>
+                </a:solidFill>
+                <a:latin typeface="Courier New" panose="02070309020205020404" pitchFamily="49" charset="0"/>
+              </a:rPr>
+              <a:t>DefaultTrialSelectFcn</a:t>
+            </a:r>
+            <a:r>
+              <a:rPr lang="en-CA" sz="1400" dirty="0" smtClean="0">
+                <a:solidFill>
+                  <a:srgbClr val="000000"/>
+                </a:solidFill>
+                <a:latin typeface="Courier New" panose="02070309020205020404" pitchFamily="49" charset="0"/>
+              </a:rPr>
+              <a:t>(TRIALS)</a:t>
+            </a:r>
+          </a:p>
+          <a:p>
+            <a:endParaRPr lang="en-CA" sz="1400" dirty="0" smtClean="0">
               <a:solidFill>
-                <a:schemeClr val="accent1"/>
+                <a:srgbClr val="000000"/>
               </a:solidFill>
               <a:latin typeface="Courier New" panose="02070309020205020404" pitchFamily="49" charset="0"/>
-              <a:cs typeface="Courier New" panose="02070309020205020404" pitchFamily="49" charset="0"/>
             </a:endParaRPr>
           </a:p>
-        </p:txBody>
-      </p:sp>
-      <p:sp>
-        <p:nvSpPr>
-          <p:cNvPr id="27" name="Down Arrow 26"/>
+          <a:p>
+            <a:r>
+              <a:rPr lang="en-CA" sz="1400" dirty="0">
+                <a:solidFill>
+                  <a:srgbClr val="0000FF"/>
+                </a:solidFill>
+                <a:latin typeface="Courier New" panose="02070309020205020404" pitchFamily="49" charset="0"/>
+              </a:rPr>
+              <a:t>if</a:t>
+            </a:r>
+            <a:r>
+              <a:rPr lang="en-CA" sz="1400" dirty="0">
+                <a:solidFill>
+                  <a:srgbClr val="000000"/>
+                </a:solidFill>
+                <a:latin typeface="Courier New" panose="02070309020205020404" pitchFamily="49" charset="0"/>
+              </a:rPr>
+              <a:t> </a:t>
+            </a:r>
+            <a:r>
+              <a:rPr lang="en-CA" sz="1400" dirty="0" err="1">
+                <a:solidFill>
+                  <a:srgbClr val="000000"/>
+                </a:solidFill>
+                <a:latin typeface="Courier New" panose="02070309020205020404" pitchFamily="49" charset="0"/>
+              </a:rPr>
+              <a:t>TRIALS.TrialIndex</a:t>
+            </a:r>
+            <a:r>
+              <a:rPr lang="en-CA" sz="1400" dirty="0">
+                <a:solidFill>
+                  <a:srgbClr val="000000"/>
+                </a:solidFill>
+                <a:latin typeface="Courier New" panose="02070309020205020404" pitchFamily="49" charset="0"/>
+              </a:rPr>
+              <a:t> == 1</a:t>
+            </a:r>
+          </a:p>
+          <a:p>
+            <a:r>
+              <a:rPr lang="en-CA" sz="1400" dirty="0">
+                <a:solidFill>
+                  <a:srgbClr val="000000"/>
+                </a:solidFill>
+                <a:latin typeface="Courier New" panose="02070309020205020404" pitchFamily="49" charset="0"/>
+              </a:rPr>
+              <a:t>    </a:t>
+            </a:r>
+            <a:r>
+              <a:rPr lang="en-CA" sz="1400" dirty="0">
+                <a:solidFill>
+                  <a:srgbClr val="228B22"/>
+                </a:solidFill>
+                <a:latin typeface="Courier New" panose="02070309020205020404" pitchFamily="49" charset="0"/>
+              </a:rPr>
+              <a:t>% THIS INDICATES THAT WE ARE ABOUT TO BEGIN THE FIRST TRIAL.</a:t>
+            </a:r>
+          </a:p>
+          <a:p>
+            <a:r>
+              <a:rPr lang="en-CA" sz="1400" dirty="0">
+                <a:solidFill>
+                  <a:srgbClr val="000000"/>
+                </a:solidFill>
+                <a:latin typeface="Courier New" panose="02070309020205020404" pitchFamily="49" charset="0"/>
+              </a:rPr>
+              <a:t>    </a:t>
+            </a:r>
+            <a:r>
+              <a:rPr lang="en-CA" sz="1400" dirty="0">
+                <a:solidFill>
+                  <a:srgbClr val="228B22"/>
+                </a:solidFill>
+                <a:latin typeface="Courier New" panose="02070309020205020404" pitchFamily="49" charset="0"/>
+              </a:rPr>
+              <a:t>% THIS IS A GOOD PLACE TO TAKE CARE OF ANY SETUP TASKS LIKE PROMPTING</a:t>
+            </a:r>
+          </a:p>
+          <a:p>
+            <a:r>
+              <a:rPr lang="en-CA" sz="1400" dirty="0">
+                <a:solidFill>
+                  <a:srgbClr val="000000"/>
+                </a:solidFill>
+                <a:latin typeface="Courier New" panose="02070309020205020404" pitchFamily="49" charset="0"/>
+              </a:rPr>
+              <a:t>    </a:t>
+            </a:r>
+            <a:r>
+              <a:rPr lang="en-CA" sz="1400" dirty="0">
+                <a:solidFill>
+                  <a:srgbClr val="228B22"/>
+                </a:solidFill>
+                <a:latin typeface="Courier New" panose="02070309020205020404" pitchFamily="49" charset="0"/>
+              </a:rPr>
+              <a:t>% THE USER FOR CUSTOM PARAMETERS, ETC.</a:t>
+            </a:r>
+          </a:p>
+          <a:p>
+            <a:r>
+              <a:rPr lang="en-CA" sz="1400" dirty="0">
+                <a:solidFill>
+                  <a:srgbClr val="0000FF"/>
+                </a:solidFill>
+                <a:latin typeface="Courier New" panose="02070309020205020404" pitchFamily="49" charset="0"/>
+              </a:rPr>
+              <a:t>end</a:t>
+            </a:r>
+          </a:p>
+          <a:p>
+            <a:r>
+              <a:rPr lang="en-CA" sz="1400" dirty="0">
+                <a:solidFill>
+                  <a:srgbClr val="0000FF"/>
+                </a:solidFill>
+                <a:latin typeface="Courier New" panose="02070309020205020404" pitchFamily="49" charset="0"/>
+              </a:rPr>
+              <a:t> </a:t>
+            </a:r>
+            <a:r>
+              <a:rPr lang="en-CA" sz="1400" dirty="0" smtClean="0">
+                <a:solidFill>
+                  <a:srgbClr val="0000FF"/>
+                </a:solidFill>
+                <a:latin typeface="Courier New" panose="02070309020205020404" pitchFamily="49" charset="0"/>
+              </a:rPr>
+              <a:t> </a:t>
+            </a:r>
+            <a:endParaRPr lang="en-CA" sz="1400" dirty="0">
+              <a:solidFill>
+                <a:srgbClr val="0000FF"/>
+              </a:solidFill>
+              <a:latin typeface="Courier New" panose="02070309020205020404" pitchFamily="49" charset="0"/>
+            </a:endParaRPr>
+          </a:p>
+          <a:p>
+            <a:r>
+              <a:rPr lang="en-CA" sz="1400" dirty="0">
+                <a:solidFill>
+                  <a:srgbClr val="228B22"/>
+                </a:solidFill>
+                <a:latin typeface="Courier New" panose="02070309020205020404" pitchFamily="49" charset="0"/>
+              </a:rPr>
+              <a:t>% find the least used trials for the next trial index</a:t>
+            </a:r>
+          </a:p>
+          <a:p>
+            <a:r>
+              <a:rPr lang="en-CA" sz="1400" dirty="0">
+                <a:solidFill>
+                  <a:srgbClr val="000000"/>
+                </a:solidFill>
+                <a:latin typeface="Courier New" panose="02070309020205020404" pitchFamily="49" charset="0"/>
+              </a:rPr>
+              <a:t>m   = min(</a:t>
+            </a:r>
+            <a:r>
+              <a:rPr lang="en-CA" sz="1400" dirty="0" err="1">
+                <a:solidFill>
+                  <a:srgbClr val="000000"/>
+                </a:solidFill>
+                <a:latin typeface="Courier New" panose="02070309020205020404" pitchFamily="49" charset="0"/>
+              </a:rPr>
+              <a:t>TRIALS.TrialCount</a:t>
+            </a:r>
+            <a:r>
+              <a:rPr lang="en-CA" sz="1400" dirty="0">
+                <a:solidFill>
+                  <a:srgbClr val="000000"/>
+                </a:solidFill>
+                <a:latin typeface="Courier New" panose="02070309020205020404" pitchFamily="49" charset="0"/>
+              </a:rPr>
+              <a:t>);</a:t>
+            </a:r>
+          </a:p>
+          <a:p>
+            <a:r>
+              <a:rPr lang="en-CA" sz="1400" dirty="0" err="1">
+                <a:solidFill>
+                  <a:srgbClr val="000000"/>
+                </a:solidFill>
+                <a:latin typeface="Courier New" panose="02070309020205020404" pitchFamily="49" charset="0"/>
+              </a:rPr>
+              <a:t>idx</a:t>
+            </a:r>
+            <a:r>
+              <a:rPr lang="en-CA" sz="1400" dirty="0">
+                <a:solidFill>
+                  <a:srgbClr val="000000"/>
+                </a:solidFill>
+                <a:latin typeface="Courier New" panose="02070309020205020404" pitchFamily="49" charset="0"/>
+              </a:rPr>
+              <a:t> = find(</a:t>
+            </a:r>
+            <a:r>
+              <a:rPr lang="en-CA" sz="1400" dirty="0" err="1">
+                <a:solidFill>
+                  <a:srgbClr val="000000"/>
+                </a:solidFill>
+                <a:latin typeface="Courier New" panose="02070309020205020404" pitchFamily="49" charset="0"/>
+              </a:rPr>
+              <a:t>TRIALS.TrialCount</a:t>
+            </a:r>
+            <a:r>
+              <a:rPr lang="en-CA" sz="1400" dirty="0">
+                <a:solidFill>
+                  <a:srgbClr val="000000"/>
+                </a:solidFill>
+                <a:latin typeface="Courier New" panose="02070309020205020404" pitchFamily="49" charset="0"/>
+              </a:rPr>
+              <a:t> == m);</a:t>
+            </a:r>
+          </a:p>
+          <a:p>
+            <a:r>
+              <a:rPr lang="en-CA" sz="1400" dirty="0">
+                <a:solidFill>
+                  <a:srgbClr val="000000"/>
+                </a:solidFill>
+                <a:latin typeface="Courier New" panose="02070309020205020404" pitchFamily="49" charset="0"/>
+              </a:rPr>
+              <a:t> </a:t>
+            </a:r>
+            <a:endParaRPr lang="en-CA" sz="1400" dirty="0" smtClean="0">
+              <a:solidFill>
+                <a:srgbClr val="000000"/>
+              </a:solidFill>
+              <a:latin typeface="Courier New" panose="02070309020205020404" pitchFamily="49" charset="0"/>
+            </a:endParaRPr>
+          </a:p>
+          <a:p>
+            <a:r>
+              <a:rPr lang="en-CA" sz="1400" dirty="0" smtClean="0">
+                <a:solidFill>
+                  <a:srgbClr val="409B40"/>
+                </a:solidFill>
+                <a:latin typeface="Courier New" panose="02070309020205020404" pitchFamily="49" charset="0"/>
+              </a:rPr>
+              <a:t>% return a random trial index</a:t>
+            </a:r>
+            <a:endParaRPr lang="en-CA" sz="1400" dirty="0">
+              <a:solidFill>
+                <a:srgbClr val="409B40"/>
+              </a:solidFill>
+              <a:latin typeface="Courier New" panose="02070309020205020404" pitchFamily="49" charset="0"/>
+            </a:endParaRPr>
+          </a:p>
+          <a:p>
+            <a:r>
+              <a:rPr lang="en-CA" sz="1400" dirty="0" err="1">
+                <a:solidFill>
+                  <a:srgbClr val="000000"/>
+                </a:solidFill>
+                <a:latin typeface="Courier New" panose="02070309020205020404" pitchFamily="49" charset="0"/>
+              </a:rPr>
+              <a:t>NextTrialID</a:t>
+            </a:r>
+            <a:r>
+              <a:rPr lang="en-CA" sz="1400" dirty="0">
+                <a:solidFill>
+                  <a:srgbClr val="000000"/>
+                </a:solidFill>
+                <a:latin typeface="Courier New" panose="02070309020205020404" pitchFamily="49" charset="0"/>
+              </a:rPr>
+              <a:t> = </a:t>
+            </a:r>
+            <a:r>
+              <a:rPr lang="en-CA" sz="1400" dirty="0" err="1">
+                <a:solidFill>
+                  <a:srgbClr val="000000"/>
+                </a:solidFill>
+                <a:latin typeface="Courier New" panose="02070309020205020404" pitchFamily="49" charset="0"/>
+              </a:rPr>
+              <a:t>randsample</a:t>
+            </a:r>
+            <a:r>
+              <a:rPr lang="en-CA" sz="1400" dirty="0">
+                <a:solidFill>
+                  <a:srgbClr val="000000"/>
+                </a:solidFill>
+                <a:latin typeface="Courier New" panose="02070309020205020404" pitchFamily="49" charset="0"/>
+              </a:rPr>
+              <a:t>(idx,1</a:t>
+            </a:r>
+            <a:r>
+              <a:rPr lang="en-CA" sz="1400" dirty="0" smtClean="0">
+                <a:solidFill>
+                  <a:srgbClr val="000000"/>
+                </a:solidFill>
+                <a:latin typeface="Courier New" panose="02070309020205020404" pitchFamily="49" charset="0"/>
+              </a:rPr>
+              <a:t>);</a:t>
+            </a:r>
+          </a:p>
+        </p:txBody>
+      </p:sp>
+      <p:sp>
+        <p:nvSpPr>
+          <p:cNvPr id="3" name="Rectangle 2"/>
           <p:cNvSpPr/>
           <p:nvPr/>
         </p:nvSpPr>
         <p:spPr>
           <a:xfrm>
-            <a:off x="4892171" y="4598134"/>
-            <a:ext cx="328916" cy="457200"/>
-          </a:xfrm>
-          <a:prstGeom prst="downArrow">
-            <a:avLst/>
-          </a:prstGeom>
-          <a:ln w="12700"/>
-        </p:spPr>
-        <p:style>
-          <a:lnRef idx="1">
-            <a:schemeClr val="accent5"/>
-          </a:lnRef>
-          <a:fillRef idx="2">
-            <a:schemeClr val="accent5"/>
-          </a:fillRef>
-          <a:effectRef idx="1">
-            <a:schemeClr val="accent5"/>
-          </a:effectRef>
-          <a:fontRef idx="minor">
-            <a:schemeClr val="dk1"/>
-          </a:fontRef>
-        </p:style>
-        <p:txBody>
-          <a:bodyPr rtlCol="0" anchor="ctr"/>
-          <a:lstStyle/>
-          <a:p>
-            <a:pPr algn="ctr"/>
-            <a:endParaRPr lang="en-CA"/>
-          </a:p>
-        </p:txBody>
-      </p:sp>
-      <p:sp>
-        <p:nvSpPr>
-          <p:cNvPr id="28" name="Down Arrow 27"/>
-          <p:cNvSpPr/>
-          <p:nvPr/>
-        </p:nvSpPr>
-        <p:spPr>
-          <a:xfrm>
-            <a:off x="4900662" y="2705162"/>
-            <a:ext cx="328916" cy="457200"/>
-          </a:xfrm>
-          <a:prstGeom prst="downArrow">
-            <a:avLst/>
-          </a:prstGeom>
-          <a:ln w="12700"/>
-        </p:spPr>
-        <p:style>
-          <a:lnRef idx="1">
-            <a:schemeClr val="accent5"/>
-          </a:lnRef>
-          <a:fillRef idx="2">
-            <a:schemeClr val="accent5"/>
-          </a:fillRef>
-          <a:effectRef idx="1">
-            <a:schemeClr val="accent5"/>
-          </a:effectRef>
-          <a:fontRef idx="minor">
-            <a:schemeClr val="dk1"/>
-          </a:fontRef>
-        </p:style>
-        <p:txBody>
-          <a:bodyPr rtlCol="0" anchor="ctr"/>
-          <a:lstStyle/>
-          <a:p>
-            <a:pPr algn="ctr"/>
-            <a:endParaRPr lang="en-CA"/>
-          </a:p>
-        </p:txBody>
-      </p:sp>
-      <p:sp>
-        <p:nvSpPr>
-          <p:cNvPr id="18" name="Rectangle 17"/>
-          <p:cNvSpPr/>
-          <p:nvPr/>
-        </p:nvSpPr>
-        <p:spPr>
-          <a:xfrm>
             <a:off x="528912" y="123963"/>
-            <a:ext cx="4551759" cy="646331"/>
+            <a:ext cx="5433795" cy="646331"/>
           </a:xfrm>
           <a:prstGeom prst="rect">
             <a:avLst/>
@@ -13366,7 +13249,7 @@
           <a:p>
             <a:r>
               <a:rPr lang="en-CA" sz="3600" dirty="0" smtClean="0"/>
-              <a:t>Running an Experiment</a:t>
+              <a:t>Parameterizing Experiments</a:t>
             </a:r>
             <a:endParaRPr lang="en-CA" sz="3600" dirty="0"/>
           </a:p>
@@ -13374,47 +13257,38 @@
       </p:sp>
       <p:sp>
         <p:nvSpPr>
-          <p:cNvPr id="25" name="Down Arrow 24"/>
-          <p:cNvSpPr/>
-          <p:nvPr/>
-        </p:nvSpPr>
-        <p:spPr>
-          <a:xfrm rot="16200000">
-            <a:off x="1689856" y="4540047"/>
-            <a:ext cx="959390" cy="2152516"/>
-          </a:xfrm>
-          <a:prstGeom prst="downArrow">
-            <a:avLst/>
-          </a:prstGeom>
-          <a:ln/>
-        </p:spPr>
-        <p:style>
-          <a:lnRef idx="1">
-            <a:schemeClr val="accent2"/>
-          </a:lnRef>
-          <a:fillRef idx="2">
-            <a:schemeClr val="accent2"/>
-          </a:fillRef>
-          <a:effectRef idx="1">
-            <a:schemeClr val="accent2"/>
-          </a:effectRef>
-          <a:fontRef idx="minor">
-            <a:schemeClr val="dk1"/>
-          </a:fontRef>
-        </p:style>
-        <p:txBody>
-          <a:bodyPr rtlCol="0" anchor="ctr"/>
+          <p:cNvPr id="4" name="TextBox 3"/>
+          <p:cNvSpPr txBox="1"/>
+          <p:nvPr/>
+        </p:nvSpPr>
+        <p:spPr>
+          <a:xfrm>
+            <a:off x="519947" y="930215"/>
+            <a:ext cx="4126130" cy="369332"/>
+          </a:xfrm>
+          <a:prstGeom prst="rect">
+            <a:avLst/>
+          </a:prstGeom>
+          <a:noFill/>
+        </p:spPr>
+        <p:txBody>
+          <a:bodyPr wrap="none" rtlCol="0">
+            <a:spAutoFit/>
+          </a:bodyPr>
           <a:lstStyle/>
           <a:p>
-            <a:pPr algn="ctr"/>
-            <a:endParaRPr lang="en-CA"/>
+            <a:r>
+              <a:rPr lang="en-CA" dirty="0" smtClean="0"/>
+              <a:t>Creating a custom trial selection function</a:t>
+            </a:r>
+            <a:endParaRPr lang="en-CA" dirty="0"/>
           </a:p>
         </p:txBody>
       </p:sp>
     </p:spTree>
     <p:extLst>
       <p:ext uri="{BB962C8B-B14F-4D97-AF65-F5344CB8AC3E}">
-        <p14:creationId xmlns:p14="http://schemas.microsoft.com/office/powerpoint/2010/main" val="903306745"/>
+        <p14:creationId xmlns:p14="http://schemas.microsoft.com/office/powerpoint/2010/main" val="190782368"/>
       </p:ext>
     </p:extLst>
   </p:cSld>
@@ -13450,14 +13324,430 @@
       </p:grpSpPr>
       <p:sp>
         <p:nvSpPr>
-          <p:cNvPr id="2" name="Rectangle 1"/>
+          <p:cNvPr id="2" name="TextBox 1"/>
+          <p:cNvSpPr txBox="1"/>
+          <p:nvPr/>
+        </p:nvSpPr>
+        <p:spPr>
+          <a:xfrm>
+            <a:off x="636405" y="1981200"/>
+            <a:ext cx="1982466" cy="369332"/>
+          </a:xfrm>
+          <a:prstGeom prst="rect">
+            <a:avLst/>
+          </a:prstGeom>
+          <a:noFill/>
+        </p:spPr>
+        <p:txBody>
+          <a:bodyPr wrap="none" rtlCol="0">
+            <a:spAutoFit/>
+          </a:bodyPr>
+          <a:lstStyle/>
+          <a:p>
+            <a:r>
+              <a:rPr lang="en-CA" dirty="0" smtClean="0">
+                <a:latin typeface="Courier New" panose="02070309020205020404" pitchFamily="49" charset="0"/>
+                <a:cs typeface="Courier New" panose="02070309020205020404" pitchFamily="49" charset="0"/>
+              </a:rPr>
+              <a:t>TRIALS</a:t>
+            </a:r>
+            <a:r>
+              <a:rPr lang="en-CA" dirty="0" smtClean="0"/>
+              <a:t> structure:</a:t>
+            </a:r>
+          </a:p>
+        </p:txBody>
+      </p:sp>
+      <p:graphicFrame>
+        <p:nvGraphicFramePr>
+          <p:cNvPr id="3" name="Table 2"/>
+          <p:cNvGraphicFramePr>
+            <a:graphicFrameLocks noGrp="1"/>
+          </p:cNvGraphicFramePr>
+          <p:nvPr>
+            <p:extLst>
+              <p:ext uri="{D42A27DB-BD31-4B8C-83A1-F6EECF244321}">
+                <p14:modId xmlns:p14="http://schemas.microsoft.com/office/powerpoint/2010/main" val="4107768330"/>
+              </p:ext>
+            </p:extLst>
+          </p:nvPr>
+        </p:nvGraphicFramePr>
+        <p:xfrm>
+          <a:off x="630858" y="2410460"/>
+          <a:ext cx="8132143" cy="2085340"/>
+        </p:xfrm>
+        <a:graphic>
+          <a:graphicData uri="http://schemas.openxmlformats.org/drawingml/2006/table">
+            <a:tbl>
+              <a:tblPr firstRow="1" bandRow="1">
+                <a:tableStyleId>{5940675A-B579-460E-94D1-54222C63F5DA}</a:tableStyleId>
+              </a:tblPr>
+              <a:tblGrid>
+                <a:gridCol w="1674265"/>
+                <a:gridCol w="1514811"/>
+                <a:gridCol w="4943067"/>
+              </a:tblGrid>
+              <a:tr h="326872">
+                <a:tc>
+                  <a:txBody>
+                    <a:bodyPr/>
+                    <a:lstStyle/>
+                    <a:p>
+                      <a:pPr marL="0" marR="0" indent="0" algn="l" defTabSz="685800" rtl="0" eaLnBrk="1" fontAlgn="auto" latinLnBrk="0" hangingPunct="1">
+                        <a:lnSpc>
+                          <a:spcPct val="100000"/>
+                        </a:lnSpc>
+                        <a:spcBef>
+                          <a:spcPts val="0"/>
+                        </a:spcBef>
+                        <a:spcAft>
+                          <a:spcPts val="0"/>
+                        </a:spcAft>
+                        <a:buClrTx/>
+                        <a:buSzTx/>
+                        <a:buFontTx/>
+                        <a:buNone/>
+                        <a:tabLst/>
+                        <a:defRPr/>
+                      </a:pPr>
+                      <a:r>
+                        <a:rPr lang="en-CA" dirty="0" err="1" smtClean="0">
+                          <a:latin typeface="Courier New" panose="02070309020205020404" pitchFamily="49" charset="0"/>
+                          <a:cs typeface="Courier New" panose="02070309020205020404" pitchFamily="49" charset="0"/>
+                        </a:rPr>
+                        <a:t>TrialIndex</a:t>
+                      </a:r>
+                      <a:endParaRPr lang="en-CA" dirty="0" smtClean="0">
+                        <a:latin typeface="Courier New" panose="02070309020205020404" pitchFamily="49" charset="0"/>
+                        <a:cs typeface="Courier New" panose="02070309020205020404" pitchFamily="49" charset="0"/>
+                      </a:endParaRPr>
+                    </a:p>
+                    <a:p>
+                      <a:endParaRPr lang="en-CA" dirty="0"/>
+                    </a:p>
+                  </a:txBody>
+                  <a:tcPr/>
+                </a:tc>
+                <a:tc>
+                  <a:txBody>
+                    <a:bodyPr/>
+                    <a:lstStyle/>
+                    <a:p>
+                      <a:r>
+                        <a:rPr lang="en-CA" dirty="0" smtClean="0"/>
+                        <a:t>Scalar (integer)</a:t>
+                      </a:r>
+                      <a:endParaRPr lang="en-CA" dirty="0"/>
+                    </a:p>
+                  </a:txBody>
+                  <a:tcPr/>
+                </a:tc>
+                <a:tc>
+                  <a:txBody>
+                    <a:bodyPr/>
+                    <a:lstStyle/>
+                    <a:p>
+                      <a:r>
+                        <a:rPr lang="en-CA" dirty="0" smtClean="0"/>
+                        <a:t>Index</a:t>
+                      </a:r>
+                      <a:r>
+                        <a:rPr lang="en-CA" baseline="0" dirty="0" smtClean="0"/>
+                        <a:t> of current trial.  This value is incremented by 1 for each trial.</a:t>
+                      </a:r>
+                      <a:endParaRPr lang="en-CA" dirty="0"/>
+                    </a:p>
+                  </a:txBody>
+                  <a:tcPr/>
+                </a:tc>
+              </a:tr>
+              <a:tr h="370840">
+                <a:tc>
+                  <a:txBody>
+                    <a:bodyPr/>
+                    <a:lstStyle/>
+                    <a:p>
+                      <a:r>
+                        <a:rPr lang="en-CA" dirty="0" err="1" smtClean="0">
+                          <a:latin typeface="Courier New" panose="02070309020205020404" pitchFamily="49" charset="0"/>
+                          <a:cs typeface="Courier New" panose="02070309020205020404" pitchFamily="49" charset="0"/>
+                        </a:rPr>
+                        <a:t>TrialCount</a:t>
+                      </a:r>
+                      <a:endParaRPr lang="en-CA" dirty="0">
+                        <a:latin typeface="Courier New" panose="02070309020205020404" pitchFamily="49" charset="0"/>
+                        <a:cs typeface="Courier New" panose="02070309020205020404" pitchFamily="49" charset="0"/>
+                      </a:endParaRPr>
+                    </a:p>
+                  </a:txBody>
+                  <a:tcPr/>
+                </a:tc>
+                <a:tc>
+                  <a:txBody>
+                    <a:bodyPr/>
+                    <a:lstStyle/>
+                    <a:p>
+                      <a:r>
+                        <a:rPr lang="en-CA" dirty="0" smtClean="0"/>
+                        <a:t>Array (integer)</a:t>
+                      </a:r>
+                      <a:endParaRPr lang="en-CA" dirty="0"/>
+                    </a:p>
+                  </a:txBody>
+                  <a:tcPr/>
+                </a:tc>
+                <a:tc>
+                  <a:txBody>
+                    <a:bodyPr/>
+                    <a:lstStyle/>
+                    <a:p>
+                      <a:r>
+                        <a:rPr lang="en-CA" dirty="0" smtClean="0"/>
+                        <a:t>Running count of how</a:t>
+                      </a:r>
+                      <a:r>
+                        <a:rPr lang="en-CA" baseline="0" dirty="0" smtClean="0"/>
+                        <a:t> many times each index of </a:t>
+                      </a:r>
+                      <a:r>
+                        <a:rPr lang="en-CA" baseline="0" dirty="0" err="1" smtClean="0">
+                          <a:latin typeface="Courier New" panose="02070309020205020404" pitchFamily="49" charset="0"/>
+                          <a:cs typeface="Courier New" panose="02070309020205020404" pitchFamily="49" charset="0"/>
+                        </a:rPr>
+                        <a:t>TRIALS.trials</a:t>
+                      </a:r>
+                      <a:r>
+                        <a:rPr lang="en-CA" baseline="0" dirty="0" smtClean="0">
+                          <a:latin typeface="Courier New" panose="02070309020205020404" pitchFamily="49" charset="0"/>
+                          <a:cs typeface="Courier New" panose="02070309020205020404" pitchFamily="49" charset="0"/>
+                        </a:rPr>
+                        <a:t> </a:t>
+                      </a:r>
+                      <a:r>
+                        <a:rPr lang="en-CA" baseline="0" dirty="0" smtClean="0"/>
+                        <a:t>has been used.</a:t>
+                      </a:r>
+                      <a:endParaRPr lang="en-CA" dirty="0"/>
+                    </a:p>
+                  </a:txBody>
+                  <a:tcPr/>
+                </a:tc>
+              </a:tr>
+              <a:tr h="370840">
+                <a:tc>
+                  <a:txBody>
+                    <a:bodyPr/>
+                    <a:lstStyle/>
+                    <a:p>
+                      <a:r>
+                        <a:rPr lang="en-CA" dirty="0" smtClean="0">
+                          <a:latin typeface="Courier New" panose="02070309020205020404" pitchFamily="49" charset="0"/>
+                          <a:cs typeface="Courier New" panose="02070309020205020404" pitchFamily="49" charset="0"/>
+                        </a:rPr>
+                        <a:t>trials</a:t>
+                      </a:r>
+                      <a:endParaRPr lang="en-CA" dirty="0">
+                        <a:latin typeface="Courier New" panose="02070309020205020404" pitchFamily="49" charset="0"/>
+                        <a:cs typeface="Courier New" panose="02070309020205020404" pitchFamily="49" charset="0"/>
+                      </a:endParaRPr>
+                    </a:p>
+                  </a:txBody>
+                  <a:tcPr/>
+                </a:tc>
+                <a:tc>
+                  <a:txBody>
+                    <a:bodyPr/>
+                    <a:lstStyle/>
+                    <a:p>
+                      <a:r>
+                        <a:rPr lang="en-CA" dirty="0" smtClean="0"/>
+                        <a:t>Matrix (cell)</a:t>
+                      </a:r>
+                      <a:endParaRPr lang="en-CA" dirty="0"/>
+                    </a:p>
+                  </a:txBody>
+                  <a:tcPr/>
+                </a:tc>
+                <a:tc>
+                  <a:txBody>
+                    <a:bodyPr/>
+                    <a:lstStyle/>
+                    <a:p>
+                      <a:r>
+                        <a:rPr lang="en-CA" dirty="0" smtClean="0"/>
+                        <a:t>Contains unique trials in rows and parameters</a:t>
+                      </a:r>
+                      <a:r>
+                        <a:rPr lang="en-CA" baseline="0" dirty="0" smtClean="0"/>
+                        <a:t> for each trial in columns.  </a:t>
+                      </a:r>
+                      <a:r>
+                        <a:rPr lang="en-CA" baseline="0" dirty="0" err="1" smtClean="0">
+                          <a:latin typeface="Courier New" panose="02070309020205020404" pitchFamily="49" charset="0"/>
+                          <a:cs typeface="Courier New" panose="02070309020205020404" pitchFamily="49" charset="0"/>
+                        </a:rPr>
+                        <a:t>TRIALS.writeparams</a:t>
+                      </a:r>
+                      <a:r>
+                        <a:rPr lang="en-CA" baseline="0" dirty="0" smtClean="0"/>
+                        <a:t> serves as a look-up table for the parameters (columns) in </a:t>
+                      </a:r>
+                      <a:r>
+                        <a:rPr lang="en-CA" baseline="0" dirty="0" err="1" smtClean="0">
+                          <a:latin typeface="Courier New" panose="02070309020205020404" pitchFamily="49" charset="0"/>
+                          <a:cs typeface="Courier New" panose="02070309020205020404" pitchFamily="49" charset="0"/>
+                        </a:rPr>
+                        <a:t>TRIALS.trials</a:t>
+                      </a:r>
+                      <a:r>
+                        <a:rPr lang="en-CA" baseline="0" dirty="0" smtClean="0">
+                          <a:latin typeface="Courier New" panose="02070309020205020404" pitchFamily="49" charset="0"/>
+                          <a:cs typeface="Courier New" panose="02070309020205020404" pitchFamily="49" charset="0"/>
+                        </a:rPr>
+                        <a:t>.</a:t>
+                      </a:r>
+                      <a:endParaRPr lang="en-CA" dirty="0">
+                        <a:latin typeface="Courier New" panose="02070309020205020404" pitchFamily="49" charset="0"/>
+                        <a:cs typeface="Courier New" panose="02070309020205020404" pitchFamily="49" charset="0"/>
+                      </a:endParaRPr>
+                    </a:p>
+                  </a:txBody>
+                  <a:tcPr/>
+                </a:tc>
+              </a:tr>
+              <a:tr h="370840">
+                <a:tc>
+                  <a:txBody>
+                    <a:bodyPr/>
+                    <a:lstStyle/>
+                    <a:p>
+                      <a:r>
+                        <a:rPr lang="en-CA" dirty="0" err="1" smtClean="0">
+                          <a:latin typeface="Courier New" panose="02070309020205020404" pitchFamily="49" charset="0"/>
+                          <a:cs typeface="Courier New" panose="02070309020205020404" pitchFamily="49" charset="0"/>
+                        </a:rPr>
+                        <a:t>writeparams</a:t>
+                      </a:r>
+                      <a:endParaRPr lang="en-CA" dirty="0">
+                        <a:latin typeface="Courier New" panose="02070309020205020404" pitchFamily="49" charset="0"/>
+                        <a:cs typeface="Courier New" panose="02070309020205020404" pitchFamily="49" charset="0"/>
+                      </a:endParaRPr>
+                    </a:p>
+                  </a:txBody>
+                  <a:tcPr/>
+                </a:tc>
+                <a:tc>
+                  <a:txBody>
+                    <a:bodyPr/>
+                    <a:lstStyle/>
+                    <a:p>
+                      <a:r>
+                        <a:rPr lang="en-CA" dirty="0" smtClean="0"/>
+                        <a:t>Array</a:t>
+                      </a:r>
+                      <a:r>
+                        <a:rPr lang="en-CA" baseline="0" dirty="0" smtClean="0"/>
+                        <a:t> (</a:t>
+                      </a:r>
+                      <a:r>
+                        <a:rPr lang="en-CA" baseline="0" dirty="0" err="1" smtClean="0"/>
+                        <a:t>cellstr</a:t>
+                      </a:r>
+                      <a:r>
+                        <a:rPr lang="en-CA" baseline="0" dirty="0" smtClean="0"/>
+                        <a:t>)</a:t>
+                      </a:r>
+                      <a:endParaRPr lang="en-CA" dirty="0"/>
+                    </a:p>
+                  </a:txBody>
+                  <a:tcPr/>
+                </a:tc>
+                <a:tc>
+                  <a:txBody>
+                    <a:bodyPr/>
+                    <a:lstStyle/>
+                    <a:p>
+                      <a:r>
+                        <a:rPr lang="en-CA" dirty="0" smtClean="0">
+                          <a:latin typeface="+mn-lt"/>
+                          <a:cs typeface="Courier New" panose="02070309020205020404" pitchFamily="49" charset="0"/>
+                        </a:rPr>
+                        <a:t>Serves as a look-up</a:t>
+                      </a:r>
+                      <a:r>
+                        <a:rPr lang="en-CA" baseline="0" dirty="0" smtClean="0">
+                          <a:latin typeface="+mn-lt"/>
+                          <a:cs typeface="Courier New" panose="02070309020205020404" pitchFamily="49" charset="0"/>
+                        </a:rPr>
+                        <a:t> table for the parameters in </a:t>
+                      </a:r>
+                      <a:r>
+                        <a:rPr lang="en-CA" baseline="0" dirty="0" err="1" smtClean="0">
+                          <a:latin typeface="Courier New" panose="02070309020205020404" pitchFamily="49" charset="0"/>
+                          <a:cs typeface="Courier New" panose="02070309020205020404" pitchFamily="49" charset="0"/>
+                        </a:rPr>
+                        <a:t>TRIALS.trials</a:t>
+                      </a:r>
+                      <a:r>
+                        <a:rPr lang="en-CA" baseline="0" dirty="0" smtClean="0">
+                          <a:latin typeface="+mn-lt"/>
+                          <a:cs typeface="Courier New" panose="02070309020205020404" pitchFamily="49" charset="0"/>
+                        </a:rPr>
+                        <a:t>.</a:t>
+                      </a:r>
+                      <a:endParaRPr lang="en-CA" dirty="0">
+                        <a:latin typeface="+mn-lt"/>
+                        <a:cs typeface="Courier New" panose="02070309020205020404" pitchFamily="49" charset="0"/>
+                      </a:endParaRPr>
+                    </a:p>
+                  </a:txBody>
+                  <a:tcPr/>
+                </a:tc>
+              </a:tr>
+            </a:tbl>
+          </a:graphicData>
+        </a:graphic>
+      </p:graphicFrame>
+      <p:sp>
+        <p:nvSpPr>
+          <p:cNvPr id="4" name="TextBox 3"/>
+          <p:cNvSpPr txBox="1"/>
+          <p:nvPr/>
+        </p:nvSpPr>
+        <p:spPr>
+          <a:xfrm>
+            <a:off x="519947" y="930215"/>
+            <a:ext cx="4126130" cy="369332"/>
+          </a:xfrm>
+          <a:prstGeom prst="rect">
+            <a:avLst/>
+          </a:prstGeom>
+          <a:noFill/>
+        </p:spPr>
+        <p:txBody>
+          <a:bodyPr wrap="none" rtlCol="0">
+            <a:spAutoFit/>
+          </a:bodyPr>
+          <a:lstStyle/>
+          <a:p>
+            <a:r>
+              <a:rPr lang="en-CA" dirty="0" smtClean="0"/>
+              <a:t>Creating a custom trial selection function</a:t>
+            </a:r>
+            <a:endParaRPr lang="en-CA" dirty="0"/>
+          </a:p>
+        </p:txBody>
+      </p:sp>
+      <p:sp>
+        <p:nvSpPr>
+          <p:cNvPr id="5" name="Rectangle 4"/>
           <p:cNvSpPr/>
           <p:nvPr/>
         </p:nvSpPr>
         <p:spPr>
           <a:xfrm>
-            <a:off x="914400" y="838200"/>
-            <a:ext cx="3477747" cy="646331"/>
+            <a:off x="528912" y="123963"/>
+            <a:ext cx="5433795" cy="646331"/>
           </a:xfrm>
           <a:prstGeom prst="rect">
             <a:avLst/>
@@ -13470,129 +13760,97 @@
           <a:lstStyle/>
           <a:p>
             <a:r>
-              <a:rPr lang="en-CA" sz="3600" dirty="0"/>
-              <a:t>Electrophysiology</a:t>
-            </a:r>
-          </a:p>
-        </p:txBody>
-      </p:sp>
-      <p:sp>
-        <p:nvSpPr>
-          <p:cNvPr id="3" name="TextBox 2"/>
-          <p:cNvSpPr txBox="1"/>
-          <p:nvPr/>
-        </p:nvSpPr>
-        <p:spPr>
-          <a:xfrm>
-            <a:off x="2205645" y="1600200"/>
-            <a:ext cx="2712719" cy="646331"/>
+              <a:rPr lang="en-CA" sz="3600" dirty="0" smtClean="0"/>
+              <a:t>Parameterizing Experiments</a:t>
+            </a:r>
+            <a:endParaRPr lang="en-CA" sz="3600" dirty="0"/>
+          </a:p>
+        </p:txBody>
+      </p:sp>
+      <p:sp>
+        <p:nvSpPr>
+          <p:cNvPr id="6" name="Rectangle 5"/>
+          <p:cNvSpPr/>
+          <p:nvPr/>
+        </p:nvSpPr>
+        <p:spPr>
+          <a:xfrm>
+            <a:off x="2971800" y="1592741"/>
+            <a:ext cx="5867400" cy="307777"/>
           </a:xfrm>
           <a:prstGeom prst="rect">
             <a:avLst/>
           </a:prstGeom>
-          <a:noFill/>
-        </p:spPr>
-        <p:txBody>
-          <a:bodyPr wrap="square" rtlCol="0">
+        </p:spPr>
+        <p:txBody>
+          <a:bodyPr wrap="square">
             <a:spAutoFit/>
           </a:bodyPr>
           <a:lstStyle/>
           <a:p>
-            <a:r>
-              <a:rPr lang="en-CA" sz="3600" dirty="0" err="1" smtClean="0">
+            <a:pPr algn="r"/>
+            <a:r>
+              <a:rPr lang="en-CA" sz="1400" dirty="0">
                 <a:solidFill>
-                  <a:schemeClr val="accent1"/>
+                  <a:srgbClr val="0000FF"/>
                 </a:solidFill>
                 <a:latin typeface="Courier New" panose="02070309020205020404" pitchFamily="49" charset="0"/>
-                <a:cs typeface="Courier New" panose="02070309020205020404" pitchFamily="49" charset="0"/>
               </a:rPr>
-              <a:t>ep_EPhys</a:t>
-            </a:r>
-            <a:endParaRPr lang="en-CA" sz="3600" dirty="0">
-              <a:solidFill>
-                <a:schemeClr val="accent1"/>
-              </a:solidFill>
-              <a:latin typeface="Courier New" panose="02070309020205020404" pitchFamily="49" charset="0"/>
-              <a:cs typeface="Courier New" panose="02070309020205020404" pitchFamily="49" charset="0"/>
-            </a:endParaRPr>
-          </a:p>
-        </p:txBody>
-      </p:sp>
-      <p:sp>
-        <p:nvSpPr>
-          <p:cNvPr id="4" name="Rectangle 3"/>
-          <p:cNvSpPr/>
-          <p:nvPr/>
-        </p:nvSpPr>
-        <p:spPr>
-          <a:xfrm>
-            <a:off x="914400" y="3776396"/>
-            <a:ext cx="7695889" cy="646331"/>
-          </a:xfrm>
-          <a:prstGeom prst="rect">
-            <a:avLst/>
-          </a:prstGeom>
-        </p:spPr>
-        <p:txBody>
-          <a:bodyPr wrap="none">
-            <a:spAutoFit/>
-          </a:bodyPr>
-          <a:lstStyle/>
-          <a:p>
-            <a:r>
-              <a:rPr lang="en-CA" sz="3600" dirty="0" smtClean="0"/>
-              <a:t>Behavior / Behavior &amp; Electrophysiology</a:t>
-            </a:r>
-            <a:endParaRPr lang="en-CA" sz="3600" dirty="0"/>
-          </a:p>
-        </p:txBody>
-      </p:sp>
-      <p:sp>
-        <p:nvSpPr>
-          <p:cNvPr id="5" name="TextBox 4"/>
-          <p:cNvSpPr txBox="1"/>
-          <p:nvPr/>
-        </p:nvSpPr>
-        <p:spPr>
-          <a:xfrm>
-            <a:off x="2286000" y="4535273"/>
-            <a:ext cx="3703319" cy="646331"/>
-          </a:xfrm>
-          <a:prstGeom prst="rect">
-            <a:avLst/>
-          </a:prstGeom>
-          <a:noFill/>
-        </p:spPr>
-        <p:txBody>
-          <a:bodyPr wrap="square" rtlCol="0">
-            <a:spAutoFit/>
-          </a:bodyPr>
-          <a:lstStyle/>
-          <a:p>
-            <a:r>
-              <a:rPr lang="en-CA" sz="3600" dirty="0" err="1" smtClean="0">
+              <a:t>function</a:t>
+            </a:r>
+            <a:r>
+              <a:rPr lang="en-CA" sz="1400" dirty="0">
                 <a:solidFill>
-                  <a:schemeClr val="accent1"/>
+                  <a:srgbClr val="000000"/>
                 </a:solidFill>
                 <a:latin typeface="Courier New" panose="02070309020205020404" pitchFamily="49" charset="0"/>
-                <a:cs typeface="Courier New" panose="02070309020205020404" pitchFamily="49" charset="0"/>
               </a:rPr>
-              <a:t>ep_RunExpt</a:t>
-            </a:r>
-            <a:endParaRPr lang="en-CA" sz="3600" dirty="0">
-              <a:solidFill>
-                <a:schemeClr val="accent1"/>
-              </a:solidFill>
-              <a:latin typeface="Courier New" panose="02070309020205020404" pitchFamily="49" charset="0"/>
-              <a:cs typeface="Courier New" panose="02070309020205020404" pitchFamily="49" charset="0"/>
-            </a:endParaRPr>
+              <a:t> </a:t>
+            </a:r>
+            <a:r>
+              <a:rPr lang="en-CA" sz="1400" dirty="0" err="1">
+                <a:solidFill>
+                  <a:srgbClr val="000000"/>
+                </a:solidFill>
+                <a:latin typeface="Courier New" panose="02070309020205020404" pitchFamily="49" charset="0"/>
+              </a:rPr>
+              <a:t>NextTrialID</a:t>
+            </a:r>
+            <a:r>
+              <a:rPr lang="en-CA" sz="1400" dirty="0">
+                <a:solidFill>
+                  <a:srgbClr val="000000"/>
+                </a:solidFill>
+                <a:latin typeface="Courier New" panose="02070309020205020404" pitchFamily="49" charset="0"/>
+              </a:rPr>
+              <a:t> = </a:t>
+            </a:r>
+            <a:r>
+              <a:rPr lang="en-CA" sz="1400" dirty="0" err="1" smtClean="0">
+                <a:solidFill>
+                  <a:srgbClr val="000000"/>
+                </a:solidFill>
+                <a:latin typeface="Courier New" panose="02070309020205020404" pitchFamily="49" charset="0"/>
+              </a:rPr>
+              <a:t>DefaultTrialSelectFcn</a:t>
+            </a:r>
+            <a:r>
+              <a:rPr lang="en-CA" sz="1400" dirty="0" smtClean="0">
+                <a:solidFill>
+                  <a:srgbClr val="000000"/>
+                </a:solidFill>
+                <a:latin typeface="Courier New" panose="02070309020205020404" pitchFamily="49" charset="0"/>
+              </a:rPr>
+              <a:t>(TRIALS)</a:t>
+            </a:r>
+            <a:endParaRPr lang="en-CA" sz="1400" dirty="0"/>
           </a:p>
         </p:txBody>
       </p:sp>
     </p:spTree>
     <p:extLst>
       <p:ext uri="{BB962C8B-B14F-4D97-AF65-F5344CB8AC3E}">
-        <p14:creationId xmlns:p14="http://schemas.microsoft.com/office/powerpoint/2010/main" val="3877248223"/>
+        <p14:creationId xmlns:p14="http://schemas.microsoft.com/office/powerpoint/2010/main" val="3424355688"/>
       </p:ext>
     </p:extLst>
   </p:cSld>
@@ -13626,71 +13884,299 @@
           <a:chExt cx="0" cy="0"/>
         </a:xfrm>
       </p:grpSpPr>
-      <p:pic>
-        <p:nvPicPr>
-          <p:cNvPr id="2" name="Picture 1" descr="EPhys"/>
-          <p:cNvPicPr>
-            <a:picLocks noChangeAspect="1"/>
-          </p:cNvPicPr>
-          <p:nvPr/>
-        </p:nvPicPr>
-        <p:blipFill rotWithShape="1">
-          <a:blip r:embed="rId2">
-            <a:extLst>
-              <a:ext uri="{28A0092B-C50C-407E-A947-70E740481C1C}">
-                <a14:useLocalDpi xmlns:a14="http://schemas.microsoft.com/office/drawing/2010/main" val="0"/>
-              </a:ext>
-            </a:extLst>
-          </a:blip>
-          <a:srcRect r="33376" b="34275"/>
-          <a:stretch/>
-        </p:blipFill>
-        <p:spPr>
-          <a:xfrm>
-            <a:off x="533400" y="914400"/>
-            <a:ext cx="4654679" cy="5736960"/>
+      <p:sp>
+        <p:nvSpPr>
+          <p:cNvPr id="2" name="TextBox 1"/>
+          <p:cNvSpPr txBox="1"/>
+          <p:nvPr/>
+        </p:nvSpPr>
+        <p:spPr>
+          <a:xfrm>
+            <a:off x="600546" y="1718548"/>
+            <a:ext cx="1731371" cy="369332"/>
           </a:xfrm>
           <a:prstGeom prst="rect">
             <a:avLst/>
           </a:prstGeom>
-        </p:spPr>
-      </p:pic>
-      <p:pic>
-        <p:nvPicPr>
-          <p:cNvPr id="3" name="Picture 2" descr="TDT_TTankInterface"/>
-          <p:cNvPicPr>
-            <a:picLocks noChangeAspect="1"/>
-          </p:cNvPicPr>
-          <p:nvPr/>
-        </p:nvPicPr>
-        <p:blipFill rotWithShape="1">
-          <a:blip r:embed="rId3">
-            <a:extLst>
-              <a:ext uri="{28A0092B-C50C-407E-A947-70E740481C1C}">
-                <a14:useLocalDpi xmlns:a14="http://schemas.microsoft.com/office/drawing/2010/main" val="0"/>
-              </a:ext>
-            </a:extLst>
-          </a:blip>
-          <a:srcRect r="33576" b="33658"/>
-          <a:stretch/>
-        </p:blipFill>
-        <p:spPr>
-          <a:xfrm>
-            <a:off x="4191000" y="990600"/>
-            <a:ext cx="4356974" cy="5735101"/>
-          </a:xfrm>
-          <a:prstGeom prst="rect">
-            <a:avLst/>
-          </a:prstGeom>
-          <a:effectLst>
-            <a:outerShdw blurRad="50800" dist="38100" dir="8100000" algn="tr" rotWithShape="0">
-              <a:prstClr val="black">
-                <a:alpha val="40000"/>
-              </a:prstClr>
-            </a:outerShdw>
-          </a:effectLst>
-        </p:spPr>
-      </p:pic>
+          <a:noFill/>
+        </p:spPr>
+        <p:txBody>
+          <a:bodyPr wrap="none" rtlCol="0">
+            <a:spAutoFit/>
+          </a:bodyPr>
+          <a:lstStyle/>
+          <a:p>
+            <a:r>
+              <a:rPr lang="en-CA" dirty="0" smtClean="0"/>
+              <a:t>Global variables </a:t>
+            </a:r>
+          </a:p>
+        </p:txBody>
+      </p:sp>
+      <p:graphicFrame>
+        <p:nvGraphicFramePr>
+          <p:cNvPr id="3" name="Table 2"/>
+          <p:cNvGraphicFramePr>
+            <a:graphicFrameLocks noGrp="1"/>
+          </p:cNvGraphicFramePr>
+          <p:nvPr>
+            <p:extLst>
+              <p:ext uri="{D42A27DB-BD31-4B8C-83A1-F6EECF244321}">
+                <p14:modId xmlns:p14="http://schemas.microsoft.com/office/powerpoint/2010/main" val="2173040155"/>
+              </p:ext>
+            </p:extLst>
+          </p:nvPr>
+        </p:nvGraphicFramePr>
+        <p:xfrm>
+          <a:off x="630858" y="2087880"/>
+          <a:ext cx="8132143" cy="2331720"/>
+        </p:xfrm>
+        <a:graphic>
+          <a:graphicData uri="http://schemas.openxmlformats.org/drawingml/2006/table">
+            <a:tbl>
+              <a:tblPr firstRow="1" bandRow="1">
+                <a:tableStyleId>{5940675A-B579-460E-94D1-54222C63F5DA}</a:tableStyleId>
+              </a:tblPr>
+              <a:tblGrid>
+                <a:gridCol w="1121742"/>
+                <a:gridCol w="1524000"/>
+                <a:gridCol w="5486401"/>
+              </a:tblGrid>
+              <a:tr h="326872">
+                <a:tc>
+                  <a:txBody>
+                    <a:bodyPr/>
+                    <a:lstStyle/>
+                    <a:p>
+                      <a:pPr marL="0" marR="0" indent="0" algn="l" defTabSz="685800" rtl="0" eaLnBrk="1" fontAlgn="auto" latinLnBrk="0" hangingPunct="1">
+                        <a:lnSpc>
+                          <a:spcPct val="100000"/>
+                        </a:lnSpc>
+                        <a:spcBef>
+                          <a:spcPts val="0"/>
+                        </a:spcBef>
+                        <a:spcAft>
+                          <a:spcPts val="0"/>
+                        </a:spcAft>
+                        <a:buClrTx/>
+                        <a:buSzTx/>
+                        <a:buFontTx/>
+                        <a:buNone/>
+                        <a:tabLst/>
+                        <a:defRPr/>
+                      </a:pPr>
+                      <a:r>
+                        <a:rPr lang="en-CA" dirty="0" smtClean="0">
+                          <a:latin typeface="Courier New" panose="02070309020205020404" pitchFamily="49" charset="0"/>
+                          <a:cs typeface="Courier New" panose="02070309020205020404" pitchFamily="49" charset="0"/>
+                        </a:rPr>
+                        <a:t>AX</a:t>
+                      </a:r>
+                    </a:p>
+                    <a:p>
+                      <a:endParaRPr lang="en-CA" dirty="0"/>
+                    </a:p>
+                  </a:txBody>
+                  <a:tcPr/>
+                </a:tc>
+                <a:tc>
+                  <a:txBody>
+                    <a:bodyPr/>
+                    <a:lstStyle/>
+                    <a:p>
+                      <a:r>
+                        <a:rPr lang="en-CA" dirty="0" err="1" smtClean="0"/>
+                        <a:t>TDevAcc.X</a:t>
+                      </a:r>
+                      <a:endParaRPr lang="en-CA" dirty="0"/>
+                    </a:p>
+                  </a:txBody>
+                  <a:tcPr/>
+                </a:tc>
+                <a:tc>
+                  <a:txBody>
+                    <a:bodyPr/>
+                    <a:lstStyle/>
+                    <a:p>
+                      <a:r>
+                        <a:rPr lang="en-CA" dirty="0" err="1" smtClean="0"/>
+                        <a:t>OpenDeveloper</a:t>
+                      </a:r>
+                      <a:r>
+                        <a:rPr lang="en-CA" dirty="0" smtClean="0"/>
+                        <a:t> ActiveX control for interacting with</a:t>
+                      </a:r>
+                      <a:r>
+                        <a:rPr lang="en-CA" baseline="0" dirty="0" smtClean="0"/>
+                        <a:t> experiments using </a:t>
+                      </a:r>
+                      <a:r>
+                        <a:rPr lang="en-CA" baseline="0" dirty="0" err="1" smtClean="0"/>
+                        <a:t>OpenEx</a:t>
+                      </a:r>
+                      <a:r>
+                        <a:rPr lang="en-CA" baseline="0" dirty="0" smtClean="0"/>
+                        <a:t>.  See TDT’s documentation on how to use the </a:t>
+                      </a:r>
+                      <a:r>
+                        <a:rPr lang="en-CA" baseline="0" dirty="0" err="1" smtClean="0"/>
+                        <a:t>OpenDeveloper</a:t>
+                      </a:r>
+                      <a:r>
+                        <a:rPr lang="en-CA" baseline="0" dirty="0" smtClean="0"/>
+                        <a:t> ActiveX.</a:t>
+                      </a:r>
+                      <a:endParaRPr lang="en-CA" dirty="0"/>
+                    </a:p>
+                  </a:txBody>
+                  <a:tcPr/>
+                </a:tc>
+              </a:tr>
+              <a:tr h="370840">
+                <a:tc>
+                  <a:txBody>
+                    <a:bodyPr/>
+                    <a:lstStyle/>
+                    <a:p>
+                      <a:r>
+                        <a:rPr lang="en-CA" dirty="0" smtClean="0">
+                          <a:latin typeface="Courier New" panose="02070309020205020404" pitchFamily="49" charset="0"/>
+                          <a:cs typeface="Courier New" panose="02070309020205020404" pitchFamily="49" charset="0"/>
+                        </a:rPr>
+                        <a:t>AX</a:t>
+                      </a:r>
+                      <a:endParaRPr lang="en-CA" dirty="0">
+                        <a:latin typeface="Courier New" panose="02070309020205020404" pitchFamily="49" charset="0"/>
+                        <a:cs typeface="Courier New" panose="02070309020205020404" pitchFamily="49" charset="0"/>
+                      </a:endParaRPr>
+                    </a:p>
+                  </a:txBody>
+                  <a:tcPr/>
+                </a:tc>
+                <a:tc>
+                  <a:txBody>
+                    <a:bodyPr/>
+                    <a:lstStyle/>
+                    <a:p>
+                      <a:r>
+                        <a:rPr lang="en-CA" dirty="0" err="1" smtClean="0"/>
+                        <a:t>RPco.X</a:t>
+                      </a:r>
+                      <a:r>
+                        <a:rPr lang="en-CA" dirty="0" smtClean="0"/>
+                        <a:t> </a:t>
+                      </a:r>
+                      <a:endParaRPr lang="en-CA" dirty="0"/>
+                    </a:p>
+                  </a:txBody>
+                  <a:tcPr/>
+                </a:tc>
+                <a:tc>
+                  <a:txBody>
+                    <a:bodyPr/>
+                    <a:lstStyle/>
+                    <a:p>
+                      <a:r>
+                        <a:rPr lang="en-CA" dirty="0" smtClean="0"/>
+                        <a:t>ActiveX used</a:t>
+                      </a:r>
+                      <a:r>
+                        <a:rPr lang="en-CA" baseline="0" dirty="0" smtClean="0"/>
+                        <a:t> while running behavioral experiments </a:t>
+                      </a:r>
+                      <a:r>
+                        <a:rPr lang="en-CA" u="sng" baseline="0" dirty="0" smtClean="0"/>
+                        <a:t>without</a:t>
+                      </a:r>
+                      <a:r>
+                        <a:rPr lang="en-CA" u="none" baseline="0" dirty="0" smtClean="0"/>
+                        <a:t> </a:t>
+                      </a:r>
+                      <a:r>
+                        <a:rPr lang="en-CA" u="none" baseline="0" dirty="0" err="1" smtClean="0"/>
+                        <a:t>OpenEx</a:t>
+                      </a:r>
+                      <a:r>
+                        <a:rPr lang="en-CA" u="none" baseline="0" dirty="0" smtClean="0"/>
+                        <a:t>.  This may be an array of ActiveX controls, one for each real-time processor being used.  </a:t>
+                      </a:r>
+                      <a:r>
+                        <a:rPr lang="en-CA" baseline="0" dirty="0" smtClean="0"/>
+                        <a:t>See TDT’s documentation on how to use the ActiveX.</a:t>
+                      </a:r>
+                      <a:endParaRPr lang="en-CA" dirty="0"/>
+                    </a:p>
+                  </a:txBody>
+                  <a:tcPr/>
+                </a:tc>
+              </a:tr>
+              <a:tr h="370840">
+                <a:tc>
+                  <a:txBody>
+                    <a:bodyPr/>
+                    <a:lstStyle/>
+                    <a:p>
+                      <a:r>
+                        <a:rPr lang="en-CA" dirty="0" smtClean="0">
+                          <a:latin typeface="Courier New" panose="02070309020205020404" pitchFamily="49" charset="0"/>
+                          <a:cs typeface="Courier New" panose="02070309020205020404" pitchFamily="49" charset="0"/>
+                        </a:rPr>
+                        <a:t>RUNTIME</a:t>
+                      </a:r>
+                      <a:endParaRPr lang="en-CA" dirty="0">
+                        <a:latin typeface="Courier New" panose="02070309020205020404" pitchFamily="49" charset="0"/>
+                        <a:cs typeface="Courier New" panose="02070309020205020404" pitchFamily="49" charset="0"/>
+                      </a:endParaRPr>
+                    </a:p>
+                  </a:txBody>
+                  <a:tcPr/>
+                </a:tc>
+                <a:tc>
+                  <a:txBody>
+                    <a:bodyPr/>
+                    <a:lstStyle/>
+                    <a:p>
+                      <a:r>
+                        <a:rPr lang="en-CA" dirty="0" smtClean="0"/>
+                        <a:t>Structure</a:t>
+                      </a:r>
+                      <a:endParaRPr lang="en-CA" dirty="0"/>
+                    </a:p>
+                  </a:txBody>
+                  <a:tcPr/>
+                </a:tc>
+                <a:tc>
+                  <a:txBody>
+                    <a:bodyPr/>
+                    <a:lstStyle/>
+                    <a:p>
+                      <a:r>
+                        <a:rPr lang="en-CA" dirty="0" smtClean="0">
+                          <a:latin typeface="+mn-lt"/>
+                          <a:cs typeface="Courier New" panose="02070309020205020404" pitchFamily="49" charset="0"/>
+                        </a:rPr>
+                        <a:t>This</a:t>
+                      </a:r>
+                      <a:r>
+                        <a:rPr lang="en-CA" baseline="0" dirty="0" smtClean="0">
+                          <a:latin typeface="+mn-lt"/>
+                          <a:cs typeface="Courier New" panose="02070309020205020404" pitchFamily="49" charset="0"/>
+                        </a:rPr>
+                        <a:t> structure contains all information for the experiment and is created each time the experiment is run.  Manipulating the contents of this structure can have serious consequences for the current experiment.  Test the program thoroughly when manipulating this structure.</a:t>
+                      </a:r>
+                      <a:endParaRPr lang="en-CA" dirty="0">
+                        <a:latin typeface="+mn-lt"/>
+                        <a:cs typeface="Courier New" panose="02070309020205020404" pitchFamily="49" charset="0"/>
+                      </a:endParaRPr>
+                    </a:p>
+                  </a:txBody>
+                  <a:tcPr/>
+                </a:tc>
+              </a:tr>
+            </a:tbl>
+          </a:graphicData>
+        </a:graphic>
+      </p:graphicFrame>
       <p:sp>
         <p:nvSpPr>
           <p:cNvPr id="4" name="TextBox 3"/>
@@ -13699,8 +14185,8 @@
         </p:nvSpPr>
         <p:spPr>
           <a:xfrm>
-            <a:off x="1752600" y="37228"/>
-            <a:ext cx="2712719" cy="646331"/>
+            <a:off x="519946" y="930215"/>
+            <a:ext cx="7862054" cy="369332"/>
           </a:xfrm>
           <a:prstGeom prst="rect">
             <a:avLst/>
@@ -13714,76 +14200,46 @@
           <a:lstStyle/>
           <a:p>
             <a:r>
-              <a:rPr lang="en-CA" sz="3600" dirty="0" err="1" smtClean="0">
-                <a:solidFill>
-                  <a:schemeClr val="accent1"/>
-                </a:solidFill>
-                <a:latin typeface="Courier New" panose="02070309020205020404" pitchFamily="49" charset="0"/>
-                <a:cs typeface="Courier New" panose="02070309020205020404" pitchFamily="49" charset="0"/>
-              </a:rPr>
-              <a:t>ep_EPhys</a:t>
-            </a:r>
-            <a:endParaRPr lang="en-CA" sz="3600" dirty="0">
-              <a:solidFill>
-                <a:schemeClr val="accent1"/>
-              </a:solidFill>
-              <a:latin typeface="Courier New" panose="02070309020205020404" pitchFamily="49" charset="0"/>
-              <a:cs typeface="Courier New" panose="02070309020205020404" pitchFamily="49" charset="0"/>
-            </a:endParaRPr>
-          </a:p>
-        </p:txBody>
-      </p:sp>
-      <p:sp>
-        <p:nvSpPr>
-          <p:cNvPr id="5" name="Oval 4"/>
+              <a:rPr lang="en-CA" dirty="0" smtClean="0"/>
+              <a:t>Creating a custom trial selection function (advanced controls)</a:t>
+            </a:r>
+            <a:endParaRPr lang="en-CA" dirty="0"/>
+          </a:p>
+        </p:txBody>
+      </p:sp>
+      <p:sp>
+        <p:nvSpPr>
+          <p:cNvPr id="5" name="Rectangle 4"/>
           <p:cNvSpPr/>
           <p:nvPr/>
         </p:nvSpPr>
         <p:spPr>
           <a:xfrm>
-            <a:off x="6705600" y="5334000"/>
-            <a:ext cx="1524000" cy="533400"/>
-          </a:xfrm>
-          <a:prstGeom prst="ellipse">
-            <a:avLst/>
-          </a:prstGeom>
-          <a:noFill/>
-          <a:ln w="28575">
-            <a:solidFill>
-              <a:srgbClr val="FF0000"/>
-            </a:solidFill>
-            <a:prstDash val="dash"/>
-          </a:ln>
-        </p:spPr>
-        <p:style>
-          <a:lnRef idx="2">
-            <a:schemeClr val="accent1">
-              <a:shade val="50000"/>
-            </a:schemeClr>
-          </a:lnRef>
-          <a:fillRef idx="1">
-            <a:schemeClr val="accent1"/>
-          </a:fillRef>
-          <a:effectRef idx="0">
-            <a:schemeClr val="accent1"/>
-          </a:effectRef>
-          <a:fontRef idx="minor">
-            <a:schemeClr val="lt1"/>
-          </a:fontRef>
-        </p:style>
-        <p:txBody>
-          <a:bodyPr rtlCol="0" anchor="ctr"/>
+            <a:off x="528912" y="123963"/>
+            <a:ext cx="5433795" cy="646331"/>
+          </a:xfrm>
+          <a:prstGeom prst="rect">
+            <a:avLst/>
+          </a:prstGeom>
+        </p:spPr>
+        <p:txBody>
+          <a:bodyPr wrap="none">
+            <a:spAutoFit/>
+          </a:bodyPr>
           <a:lstStyle/>
           <a:p>
-            <a:pPr algn="ctr"/>
-            <a:endParaRPr lang="en-CA"/>
+            <a:r>
+              <a:rPr lang="en-CA" sz="3600" dirty="0" smtClean="0"/>
+              <a:t>Parameterizing Experiments</a:t>
+            </a:r>
+            <a:endParaRPr lang="en-CA" sz="3600" dirty="0"/>
           </a:p>
         </p:txBody>
       </p:sp>
     </p:spTree>
     <p:extLst>
       <p:ext uri="{BB962C8B-B14F-4D97-AF65-F5344CB8AC3E}">
-        <p14:creationId xmlns:p14="http://schemas.microsoft.com/office/powerpoint/2010/main" val="2521276620"/>
+        <p14:creationId xmlns:p14="http://schemas.microsoft.com/office/powerpoint/2010/main" val="2023239672"/>
       </p:ext>
     </p:extLst>
   </p:cSld>
@@ -13793,178 +14249,9 @@
   <p:timing>
     <p:tnLst>
       <p:par>
-        <p:cTn id="1" dur="indefinite" restart="never" nodeType="tmRoot">
-          <p:childTnLst>
-            <p:seq concurrent="1" nextAc="seek">
-              <p:cTn id="2" dur="indefinite" nodeType="mainSeq">
-                <p:childTnLst>
-                  <p:par>
-                    <p:cTn id="3" fill="hold">
-                      <p:stCondLst>
-                        <p:cond delay="indefinite"/>
-                      </p:stCondLst>
-                      <p:childTnLst>
-                        <p:par>
-                          <p:cTn id="4" fill="hold">
-                            <p:stCondLst>
-                              <p:cond delay="0"/>
-                            </p:stCondLst>
-                            <p:childTnLst>
-                              <p:par>
-                                <p:cTn id="5" presetID="10" presetClass="entr" presetSubtype="0" fill="hold" nodeType="clickEffect">
-                                  <p:stCondLst>
-                                    <p:cond delay="0"/>
-                                  </p:stCondLst>
-                                  <p:childTnLst>
-                                    <p:set>
-                                      <p:cBhvr>
-                                        <p:cTn id="6" dur="1" fill="hold">
-                                          <p:stCondLst>
-                                            <p:cond delay="0"/>
-                                          </p:stCondLst>
-                                        </p:cTn>
-                                        <p:tgtEl>
-                                          <p:spTgt spid="3"/>
-                                        </p:tgtEl>
-                                        <p:attrNameLst>
-                                          <p:attrName>style.visibility</p:attrName>
-                                        </p:attrNameLst>
-                                      </p:cBhvr>
-                                      <p:to>
-                                        <p:strVal val="visible"/>
-                                      </p:to>
-                                    </p:set>
-                                    <p:animEffect transition="in" filter="fade">
-                                      <p:cBhvr>
-                                        <p:cTn id="7" dur="500"/>
-                                        <p:tgtEl>
-                                          <p:spTgt spid="3"/>
-                                        </p:tgtEl>
-                                      </p:cBhvr>
-                                    </p:animEffect>
-                                  </p:childTnLst>
-                                </p:cTn>
-                              </p:par>
-                            </p:childTnLst>
-                          </p:cTn>
-                        </p:par>
-                        <p:par>
-                          <p:cTn id="8" fill="hold">
-                            <p:stCondLst>
-                              <p:cond delay="500"/>
-                            </p:stCondLst>
-                            <p:childTnLst>
-                              <p:par>
-                                <p:cTn id="9" presetID="53" presetClass="entr" presetSubtype="16" fill="hold" grpId="0" nodeType="afterEffect">
-                                  <p:stCondLst>
-                                    <p:cond delay="0"/>
-                                  </p:stCondLst>
-                                  <p:childTnLst>
-                                    <p:set>
-                                      <p:cBhvr>
-                                        <p:cTn id="10" dur="1" fill="hold">
-                                          <p:stCondLst>
-                                            <p:cond delay="0"/>
-                                          </p:stCondLst>
-                                        </p:cTn>
-                                        <p:tgtEl>
-                                          <p:spTgt spid="5"/>
-                                        </p:tgtEl>
-                                        <p:attrNameLst>
-                                          <p:attrName>style.visibility</p:attrName>
-                                        </p:attrNameLst>
-                                      </p:cBhvr>
-                                      <p:to>
-                                        <p:strVal val="visible"/>
-                                      </p:to>
-                                    </p:set>
-                                    <p:anim calcmode="lin" valueType="num">
-                                      <p:cBhvr>
-                                        <p:cTn id="11" dur="500" fill="hold"/>
-                                        <p:tgtEl>
-                                          <p:spTgt spid="5"/>
-                                        </p:tgtEl>
-                                        <p:attrNameLst>
-                                          <p:attrName>ppt_w</p:attrName>
-                                        </p:attrNameLst>
-                                      </p:cBhvr>
-                                      <p:tavLst>
-                                        <p:tav tm="0">
-                                          <p:val>
-                                            <p:fltVal val="0"/>
-                                          </p:val>
-                                        </p:tav>
-                                        <p:tav tm="100000">
-                                          <p:val>
-                                            <p:strVal val="#ppt_w"/>
-                                          </p:val>
-                                        </p:tav>
-                                      </p:tavLst>
-                                    </p:anim>
-                                    <p:anim calcmode="lin" valueType="num">
-                                      <p:cBhvr>
-                                        <p:cTn id="12" dur="500" fill="hold"/>
-                                        <p:tgtEl>
-                                          <p:spTgt spid="5"/>
-                                        </p:tgtEl>
-                                        <p:attrNameLst>
-                                          <p:attrName>ppt_h</p:attrName>
-                                        </p:attrNameLst>
-                                      </p:cBhvr>
-                                      <p:tavLst>
-                                        <p:tav tm="0">
-                                          <p:val>
-                                            <p:fltVal val="0"/>
-                                          </p:val>
-                                        </p:tav>
-                                        <p:tav tm="100000">
-                                          <p:val>
-                                            <p:strVal val="#ppt_h"/>
-                                          </p:val>
-                                        </p:tav>
-                                      </p:tavLst>
-                                    </p:anim>
-                                    <p:animEffect transition="in" filter="fade">
-                                      <p:cBhvr>
-                                        <p:cTn id="13" dur="500"/>
-                                        <p:tgtEl>
-                                          <p:spTgt spid="5"/>
-                                        </p:tgtEl>
-                                      </p:cBhvr>
-                                    </p:animEffect>
-                                  </p:childTnLst>
-                                </p:cTn>
-                              </p:par>
-                            </p:childTnLst>
-                          </p:cTn>
-                        </p:par>
-                      </p:childTnLst>
-                    </p:cTn>
-                  </p:par>
-                </p:childTnLst>
-              </p:cTn>
-              <p:prevCondLst>
-                <p:cond evt="onPrev" delay="0">
-                  <p:tgtEl>
-                    <p:sldTgt/>
-                  </p:tgtEl>
-                </p:cond>
-              </p:prevCondLst>
-              <p:nextCondLst>
-                <p:cond evt="onNext" delay="0">
-                  <p:tgtEl>
-                    <p:sldTgt/>
-                  </p:tgtEl>
-                </p:cond>
-              </p:nextCondLst>
-            </p:seq>
-          </p:childTnLst>
-        </p:cTn>
+        <p:cTn id="1" dur="indefinite" restart="never" nodeType="tmRoot"/>
       </p:par>
     </p:tnLst>
-    <p:bldLst>
-      <p:bldP spid="5" grpId="0" animBg="1"/>
-    </p:bldLst>
   </p:timing>
 </p:sld>
 </file>
@@ -15126,6 +15413,2856 @@
           <a:chExt cx="0" cy="0"/>
         </a:xfrm>
       </p:grpSpPr>
+      <p:sp>
+        <p:nvSpPr>
+          <p:cNvPr id="3" name="TextBox 2"/>
+          <p:cNvSpPr txBox="1"/>
+          <p:nvPr/>
+        </p:nvSpPr>
+        <p:spPr>
+          <a:xfrm>
+            <a:off x="1219200" y="152400"/>
+            <a:ext cx="7323287" cy="461665"/>
+          </a:xfrm>
+          <a:prstGeom prst="rect">
+            <a:avLst/>
+          </a:prstGeom>
+          <a:noFill/>
+        </p:spPr>
+        <p:txBody>
+          <a:bodyPr wrap="none" rtlCol="0">
+            <a:spAutoFit/>
+          </a:bodyPr>
+          <a:lstStyle/>
+          <a:p>
+            <a:r>
+              <a:rPr lang="en-CA" sz="2400" dirty="0" smtClean="0"/>
+              <a:t>Working with “Bitmasks” and Setting Display </a:t>
+            </a:r>
+            <a:r>
+              <a:rPr lang="en-CA" sz="2400" dirty="0"/>
+              <a:t>P</a:t>
+            </a:r>
+            <a:r>
+              <a:rPr lang="en-CA" sz="2400" dirty="0" smtClean="0"/>
+              <a:t>references</a:t>
+            </a:r>
+            <a:endParaRPr lang="en-CA" sz="2400" dirty="0"/>
+          </a:p>
+        </p:txBody>
+      </p:sp>
+      <p:sp>
+        <p:nvSpPr>
+          <p:cNvPr id="4" name="TextBox 3"/>
+          <p:cNvSpPr txBox="1"/>
+          <p:nvPr/>
+        </p:nvSpPr>
+        <p:spPr>
+          <a:xfrm>
+            <a:off x="914400" y="637218"/>
+            <a:ext cx="3124200" cy="461665"/>
+          </a:xfrm>
+          <a:prstGeom prst="rect">
+            <a:avLst/>
+          </a:prstGeom>
+          <a:noFill/>
+        </p:spPr>
+        <p:txBody>
+          <a:bodyPr wrap="square" rtlCol="0">
+            <a:spAutoFit/>
+          </a:bodyPr>
+          <a:lstStyle/>
+          <a:p>
+            <a:r>
+              <a:rPr lang="en-CA" sz="2400" dirty="0" err="1" smtClean="0">
+                <a:solidFill>
+                  <a:schemeClr val="accent1"/>
+                </a:solidFill>
+                <a:latin typeface="Courier New" panose="02070309020205020404" pitchFamily="49" charset="0"/>
+                <a:cs typeface="Courier New" panose="02070309020205020404" pitchFamily="49" charset="0"/>
+              </a:rPr>
+              <a:t>ep_DisplayPrefs</a:t>
+            </a:r>
+            <a:endParaRPr lang="en-CA" sz="2400" dirty="0">
+              <a:solidFill>
+                <a:schemeClr val="accent1"/>
+              </a:solidFill>
+              <a:latin typeface="Courier New" panose="02070309020205020404" pitchFamily="49" charset="0"/>
+              <a:cs typeface="Courier New" panose="02070309020205020404" pitchFamily="49" charset="0"/>
+            </a:endParaRPr>
+          </a:p>
+        </p:txBody>
+      </p:sp>
+      <p:pic>
+        <p:nvPicPr>
+          <p:cNvPr id="5" name="Picture 4" descr="Screen Clipping"/>
+          <p:cNvPicPr>
+            <a:picLocks noChangeAspect="1"/>
+          </p:cNvPicPr>
+          <p:nvPr/>
+        </p:nvPicPr>
+        <p:blipFill>
+          <a:blip r:embed="rId2">
+            <a:extLst>
+              <a:ext uri="{28A0092B-C50C-407E-A947-70E740481C1C}">
+                <a14:useLocalDpi xmlns:a14="http://schemas.microsoft.com/office/drawing/2010/main" val="0"/>
+              </a:ext>
+            </a:extLst>
+          </a:blip>
+          <a:stretch>
+            <a:fillRect/>
+          </a:stretch>
+        </p:blipFill>
+        <p:spPr>
+          <a:xfrm>
+            <a:off x="942109" y="1295400"/>
+            <a:ext cx="7337649" cy="5235079"/>
+          </a:xfrm>
+          <a:prstGeom prst="rect">
+            <a:avLst/>
+          </a:prstGeom>
+        </p:spPr>
+      </p:pic>
+    </p:spTree>
+    <p:extLst>
+      <p:ext uri="{BB962C8B-B14F-4D97-AF65-F5344CB8AC3E}">
+        <p14:creationId xmlns:p14="http://schemas.microsoft.com/office/powerpoint/2010/main" val="1100831619"/>
+      </p:ext>
+    </p:extLst>
+  </p:cSld>
+  <p:clrMapOvr>
+    <a:masterClrMapping/>
+  </p:clrMapOvr>
+  <p:timing>
+    <p:tnLst>
+      <p:par>
+        <p:cTn id="1" dur="indefinite" restart="never" nodeType="tmRoot"/>
+      </p:par>
+    </p:tnLst>
+  </p:timing>
+</p:sld>
+</file>
+
+<file path=ppt/slides/slide31.xml><?xml version="1.0" encoding="utf-8"?>
+<p:sld xmlns:a="http://schemas.openxmlformats.org/drawingml/2006/main" xmlns:r="http://schemas.openxmlformats.org/officeDocument/2006/relationships" xmlns:p="http://schemas.openxmlformats.org/presentationml/2006/main">
+  <p:cSld>
+    <p:spTree>
+      <p:nvGrpSpPr>
+        <p:cNvPr id="1" name=""/>
+        <p:cNvGrpSpPr/>
+        <p:nvPr/>
+      </p:nvGrpSpPr>
+      <p:grpSpPr>
+        <a:xfrm>
+          <a:off x="0" y="0"/>
+          <a:ext cx="0" cy="0"/>
+          <a:chOff x="0" y="0"/>
+          <a:chExt cx="0" cy="0"/>
+        </a:xfrm>
+      </p:grpSpPr>
+      <p:sp>
+        <p:nvSpPr>
+          <p:cNvPr id="2" name="TextBox 1"/>
+          <p:cNvSpPr txBox="1"/>
+          <p:nvPr/>
+        </p:nvSpPr>
+        <p:spPr>
+          <a:xfrm>
+            <a:off x="1219200" y="152400"/>
+            <a:ext cx="3285066" cy="461665"/>
+          </a:xfrm>
+          <a:prstGeom prst="rect">
+            <a:avLst/>
+          </a:prstGeom>
+          <a:noFill/>
+        </p:spPr>
+        <p:txBody>
+          <a:bodyPr wrap="none" rtlCol="0">
+            <a:spAutoFit/>
+          </a:bodyPr>
+          <a:lstStyle/>
+          <a:p>
+            <a:r>
+              <a:rPr lang="en-CA" sz="2400" dirty="0" smtClean="0"/>
+              <a:t>Working with “Bitmasks”</a:t>
+            </a:r>
+            <a:endParaRPr lang="en-CA" sz="2400" dirty="0"/>
+          </a:p>
+        </p:txBody>
+      </p:sp>
+      <p:sp>
+        <p:nvSpPr>
+          <p:cNvPr id="3" name="TextBox 2"/>
+          <p:cNvSpPr txBox="1"/>
+          <p:nvPr/>
+        </p:nvSpPr>
+        <p:spPr>
+          <a:xfrm>
+            <a:off x="952736" y="3486605"/>
+            <a:ext cx="859531" cy="369332"/>
+          </a:xfrm>
+          <a:prstGeom prst="rect">
+            <a:avLst/>
+          </a:prstGeom>
+          <a:noFill/>
+        </p:spPr>
+        <p:txBody>
+          <a:bodyPr wrap="none" rtlCol="0">
+            <a:spAutoFit/>
+          </a:bodyPr>
+          <a:lstStyle/>
+          <a:p>
+            <a:r>
+              <a:rPr lang="en-CA" dirty="0" smtClean="0"/>
+              <a:t>0 (OFF)</a:t>
+            </a:r>
+            <a:endParaRPr lang="en-CA" dirty="0"/>
+          </a:p>
+        </p:txBody>
+      </p:sp>
+      <p:sp>
+        <p:nvSpPr>
+          <p:cNvPr id="4" name="TextBox 3"/>
+          <p:cNvSpPr txBox="1"/>
+          <p:nvPr/>
+        </p:nvSpPr>
+        <p:spPr>
+          <a:xfrm>
+            <a:off x="952736" y="2743200"/>
+            <a:ext cx="797013" cy="369332"/>
+          </a:xfrm>
+          <a:prstGeom prst="rect">
+            <a:avLst/>
+          </a:prstGeom>
+          <a:noFill/>
+        </p:spPr>
+        <p:txBody>
+          <a:bodyPr wrap="none" rtlCol="0">
+            <a:spAutoFit/>
+          </a:bodyPr>
+          <a:lstStyle/>
+          <a:p>
+            <a:r>
+              <a:rPr lang="en-CA" dirty="0" smtClean="0"/>
+              <a:t>1 (ON)</a:t>
+            </a:r>
+            <a:endParaRPr lang="en-CA" dirty="0"/>
+          </a:p>
+        </p:txBody>
+      </p:sp>
+      <p:cxnSp>
+        <p:nvCxnSpPr>
+          <p:cNvPr id="6" name="Straight Connector 5"/>
+          <p:cNvCxnSpPr/>
+          <p:nvPr/>
+        </p:nvCxnSpPr>
+        <p:spPr>
+          <a:xfrm>
+            <a:off x="2019525" y="3673733"/>
+            <a:ext cx="533400" cy="0"/>
+          </a:xfrm>
+          <a:prstGeom prst="line">
+            <a:avLst/>
+          </a:prstGeom>
+          <a:ln w="76200">
+            <a:headEnd type="none" w="med" len="med"/>
+            <a:tailEnd type="none" w="med" len="med"/>
+          </a:ln>
+        </p:spPr>
+        <p:style>
+          <a:lnRef idx="1">
+            <a:schemeClr val="dk1"/>
+          </a:lnRef>
+          <a:fillRef idx="0">
+            <a:schemeClr val="dk1"/>
+          </a:fillRef>
+          <a:effectRef idx="0">
+            <a:schemeClr val="dk1"/>
+          </a:effectRef>
+          <a:fontRef idx="minor">
+            <a:schemeClr val="tx1"/>
+          </a:fontRef>
+        </p:style>
+      </p:cxnSp>
+      <p:cxnSp>
+        <p:nvCxnSpPr>
+          <p:cNvPr id="7" name="Straight Connector 6"/>
+          <p:cNvCxnSpPr/>
+          <p:nvPr/>
+        </p:nvCxnSpPr>
+        <p:spPr>
+          <a:xfrm>
+            <a:off x="2743425" y="3673733"/>
+            <a:ext cx="533400" cy="0"/>
+          </a:xfrm>
+          <a:prstGeom prst="line">
+            <a:avLst/>
+          </a:prstGeom>
+          <a:ln w="76200">
+            <a:headEnd type="none" w="med" len="med"/>
+            <a:tailEnd type="none" w="med" len="med"/>
+          </a:ln>
+        </p:spPr>
+        <p:style>
+          <a:lnRef idx="1">
+            <a:schemeClr val="dk1"/>
+          </a:lnRef>
+          <a:fillRef idx="0">
+            <a:schemeClr val="dk1"/>
+          </a:fillRef>
+          <a:effectRef idx="0">
+            <a:schemeClr val="dk1"/>
+          </a:effectRef>
+          <a:fontRef idx="minor">
+            <a:schemeClr val="tx1"/>
+          </a:fontRef>
+        </p:style>
+      </p:cxnSp>
+      <p:cxnSp>
+        <p:nvCxnSpPr>
+          <p:cNvPr id="8" name="Straight Connector 7"/>
+          <p:cNvCxnSpPr/>
+          <p:nvPr/>
+        </p:nvCxnSpPr>
+        <p:spPr>
+          <a:xfrm>
+            <a:off x="3467325" y="2895508"/>
+            <a:ext cx="533400" cy="0"/>
+          </a:xfrm>
+          <a:prstGeom prst="line">
+            <a:avLst/>
+          </a:prstGeom>
+          <a:ln w="76200">
+            <a:headEnd type="none" w="med" len="med"/>
+            <a:tailEnd type="none" w="med" len="med"/>
+          </a:ln>
+        </p:spPr>
+        <p:style>
+          <a:lnRef idx="1">
+            <a:schemeClr val="dk1"/>
+          </a:lnRef>
+          <a:fillRef idx="0">
+            <a:schemeClr val="dk1"/>
+          </a:fillRef>
+          <a:effectRef idx="0">
+            <a:schemeClr val="dk1"/>
+          </a:effectRef>
+          <a:fontRef idx="minor">
+            <a:schemeClr val="tx1"/>
+          </a:fontRef>
+        </p:style>
+      </p:cxnSp>
+      <p:cxnSp>
+        <p:nvCxnSpPr>
+          <p:cNvPr id="9" name="Straight Connector 8"/>
+          <p:cNvCxnSpPr/>
+          <p:nvPr/>
+        </p:nvCxnSpPr>
+        <p:spPr>
+          <a:xfrm>
+            <a:off x="4191225" y="3673733"/>
+            <a:ext cx="533400" cy="0"/>
+          </a:xfrm>
+          <a:prstGeom prst="line">
+            <a:avLst/>
+          </a:prstGeom>
+          <a:ln w="76200">
+            <a:headEnd type="none" w="med" len="med"/>
+            <a:tailEnd type="none" w="med" len="med"/>
+          </a:ln>
+        </p:spPr>
+        <p:style>
+          <a:lnRef idx="1">
+            <a:schemeClr val="dk1"/>
+          </a:lnRef>
+          <a:fillRef idx="0">
+            <a:schemeClr val="dk1"/>
+          </a:fillRef>
+          <a:effectRef idx="0">
+            <a:schemeClr val="dk1"/>
+          </a:effectRef>
+          <a:fontRef idx="minor">
+            <a:schemeClr val="tx1"/>
+          </a:fontRef>
+        </p:style>
+      </p:cxnSp>
+      <p:cxnSp>
+        <p:nvCxnSpPr>
+          <p:cNvPr id="10" name="Straight Connector 9"/>
+          <p:cNvCxnSpPr/>
+          <p:nvPr/>
+        </p:nvCxnSpPr>
+        <p:spPr>
+          <a:xfrm>
+            <a:off x="4915125" y="2895508"/>
+            <a:ext cx="533400" cy="0"/>
+          </a:xfrm>
+          <a:prstGeom prst="line">
+            <a:avLst/>
+          </a:prstGeom>
+          <a:ln w="76200">
+            <a:headEnd type="none" w="med" len="med"/>
+            <a:tailEnd type="none" w="med" len="med"/>
+          </a:ln>
+        </p:spPr>
+        <p:style>
+          <a:lnRef idx="1">
+            <a:schemeClr val="dk1"/>
+          </a:lnRef>
+          <a:fillRef idx="0">
+            <a:schemeClr val="dk1"/>
+          </a:fillRef>
+          <a:effectRef idx="0">
+            <a:schemeClr val="dk1"/>
+          </a:effectRef>
+          <a:fontRef idx="minor">
+            <a:schemeClr val="tx1"/>
+          </a:fontRef>
+        </p:style>
+      </p:cxnSp>
+      <p:sp>
+        <p:nvSpPr>
+          <p:cNvPr id="11" name="TextBox 10"/>
+          <p:cNvSpPr txBox="1"/>
+          <p:nvPr/>
+        </p:nvSpPr>
+        <p:spPr>
+          <a:xfrm>
+            <a:off x="2130711" y="2348254"/>
+            <a:ext cx="301686" cy="369332"/>
+          </a:xfrm>
+          <a:prstGeom prst="rect">
+            <a:avLst/>
+          </a:prstGeom>
+          <a:noFill/>
+        </p:spPr>
+        <p:txBody>
+          <a:bodyPr wrap="none" rtlCol="0">
+            <a:spAutoFit/>
+          </a:bodyPr>
+          <a:lstStyle/>
+          <a:p>
+            <a:r>
+              <a:rPr lang="en-CA" dirty="0" smtClean="0"/>
+              <a:t>4</a:t>
+            </a:r>
+            <a:endParaRPr lang="en-CA" dirty="0"/>
+          </a:p>
+        </p:txBody>
+      </p:sp>
+      <p:sp>
+        <p:nvSpPr>
+          <p:cNvPr id="12" name="TextBox 11"/>
+          <p:cNvSpPr txBox="1"/>
+          <p:nvPr/>
+        </p:nvSpPr>
+        <p:spPr>
+          <a:xfrm>
+            <a:off x="2855779" y="2348254"/>
+            <a:ext cx="301686" cy="369332"/>
+          </a:xfrm>
+          <a:prstGeom prst="rect">
+            <a:avLst/>
+          </a:prstGeom>
+          <a:noFill/>
+        </p:spPr>
+        <p:txBody>
+          <a:bodyPr wrap="none" rtlCol="0">
+            <a:spAutoFit/>
+          </a:bodyPr>
+          <a:lstStyle/>
+          <a:p>
+            <a:r>
+              <a:rPr lang="en-CA" dirty="0" smtClean="0"/>
+              <a:t>3</a:t>
+            </a:r>
+            <a:endParaRPr lang="en-CA" dirty="0"/>
+          </a:p>
+        </p:txBody>
+      </p:sp>
+      <p:sp>
+        <p:nvSpPr>
+          <p:cNvPr id="13" name="TextBox 12"/>
+          <p:cNvSpPr txBox="1"/>
+          <p:nvPr/>
+        </p:nvSpPr>
+        <p:spPr>
+          <a:xfrm>
+            <a:off x="3580847" y="2348254"/>
+            <a:ext cx="301686" cy="369332"/>
+          </a:xfrm>
+          <a:prstGeom prst="rect">
+            <a:avLst/>
+          </a:prstGeom>
+          <a:noFill/>
+        </p:spPr>
+        <p:txBody>
+          <a:bodyPr wrap="none" rtlCol="0">
+            <a:spAutoFit/>
+          </a:bodyPr>
+          <a:lstStyle/>
+          <a:p>
+            <a:r>
+              <a:rPr lang="en-CA" dirty="0" smtClean="0"/>
+              <a:t>2</a:t>
+            </a:r>
+            <a:endParaRPr lang="en-CA" dirty="0"/>
+          </a:p>
+        </p:txBody>
+      </p:sp>
+      <p:sp>
+        <p:nvSpPr>
+          <p:cNvPr id="14" name="TextBox 13"/>
+          <p:cNvSpPr txBox="1"/>
+          <p:nvPr/>
+        </p:nvSpPr>
+        <p:spPr>
+          <a:xfrm>
+            <a:off x="4305915" y="2348254"/>
+            <a:ext cx="301686" cy="369332"/>
+          </a:xfrm>
+          <a:prstGeom prst="rect">
+            <a:avLst/>
+          </a:prstGeom>
+          <a:noFill/>
+        </p:spPr>
+        <p:txBody>
+          <a:bodyPr wrap="none" rtlCol="0">
+            <a:spAutoFit/>
+          </a:bodyPr>
+          <a:lstStyle/>
+          <a:p>
+            <a:r>
+              <a:rPr lang="en-CA" dirty="0" smtClean="0"/>
+              <a:t>1</a:t>
+            </a:r>
+            <a:endParaRPr lang="en-CA" dirty="0"/>
+          </a:p>
+        </p:txBody>
+      </p:sp>
+      <p:sp>
+        <p:nvSpPr>
+          <p:cNvPr id="15" name="TextBox 14"/>
+          <p:cNvSpPr txBox="1"/>
+          <p:nvPr/>
+        </p:nvSpPr>
+        <p:spPr>
+          <a:xfrm>
+            <a:off x="5030982" y="2348254"/>
+            <a:ext cx="301686" cy="369332"/>
+          </a:xfrm>
+          <a:prstGeom prst="rect">
+            <a:avLst/>
+          </a:prstGeom>
+          <a:noFill/>
+        </p:spPr>
+        <p:txBody>
+          <a:bodyPr wrap="none" rtlCol="0">
+            <a:spAutoFit/>
+          </a:bodyPr>
+          <a:lstStyle/>
+          <a:p>
+            <a:r>
+              <a:rPr lang="en-CA" dirty="0" smtClean="0"/>
+              <a:t>0</a:t>
+            </a:r>
+            <a:endParaRPr lang="en-CA" dirty="0"/>
+          </a:p>
+        </p:txBody>
+      </p:sp>
+      <p:sp>
+        <p:nvSpPr>
+          <p:cNvPr id="16" name="TextBox 15"/>
+          <p:cNvSpPr txBox="1"/>
+          <p:nvPr/>
+        </p:nvSpPr>
+        <p:spPr>
+          <a:xfrm>
+            <a:off x="1409925" y="2348254"/>
+            <a:ext cx="614271" cy="369332"/>
+          </a:xfrm>
+          <a:prstGeom prst="rect">
+            <a:avLst/>
+          </a:prstGeom>
+          <a:noFill/>
+        </p:spPr>
+        <p:txBody>
+          <a:bodyPr wrap="none" rtlCol="0">
+            <a:spAutoFit/>
+          </a:bodyPr>
+          <a:lstStyle/>
+          <a:p>
+            <a:r>
+              <a:rPr lang="en-CA" dirty="0" smtClean="0"/>
+              <a:t>Bit n</a:t>
+            </a:r>
+            <a:endParaRPr lang="en-CA" dirty="0"/>
+          </a:p>
+        </p:txBody>
+      </p:sp>
+      <p:sp>
+        <p:nvSpPr>
+          <p:cNvPr id="17" name="TextBox 16"/>
+          <p:cNvSpPr txBox="1"/>
+          <p:nvPr/>
+        </p:nvSpPr>
+        <p:spPr>
+          <a:xfrm>
+            <a:off x="1621349" y="4082443"/>
+            <a:ext cx="381836" cy="369332"/>
+          </a:xfrm>
+          <a:prstGeom prst="rect">
+            <a:avLst/>
+          </a:prstGeom>
+          <a:noFill/>
+        </p:spPr>
+        <p:txBody>
+          <a:bodyPr wrap="none" rtlCol="0">
+            <a:spAutoFit/>
+          </a:bodyPr>
+          <a:lstStyle/>
+          <a:p>
+            <a:r>
+              <a:rPr lang="en-CA" dirty="0" smtClean="0"/>
+              <a:t>2</a:t>
+            </a:r>
+            <a:r>
+              <a:rPr lang="en-CA" baseline="30000" dirty="0" smtClean="0"/>
+              <a:t>n</a:t>
+            </a:r>
+            <a:endParaRPr lang="en-CA" dirty="0"/>
+          </a:p>
+        </p:txBody>
+      </p:sp>
+      <p:sp>
+        <p:nvSpPr>
+          <p:cNvPr id="27" name="TextBox 26"/>
+          <p:cNvSpPr txBox="1"/>
+          <p:nvPr/>
+        </p:nvSpPr>
+        <p:spPr>
+          <a:xfrm>
+            <a:off x="2130711" y="4082443"/>
+            <a:ext cx="301686" cy="369332"/>
+          </a:xfrm>
+          <a:prstGeom prst="rect">
+            <a:avLst/>
+          </a:prstGeom>
+          <a:noFill/>
+        </p:spPr>
+        <p:txBody>
+          <a:bodyPr wrap="none" rtlCol="0">
+            <a:spAutoFit/>
+          </a:bodyPr>
+          <a:lstStyle/>
+          <a:p>
+            <a:r>
+              <a:rPr lang="en-CA" dirty="0" smtClean="0"/>
+              <a:t>0</a:t>
+            </a:r>
+            <a:endParaRPr lang="en-CA" dirty="0"/>
+          </a:p>
+        </p:txBody>
+      </p:sp>
+      <p:sp>
+        <p:nvSpPr>
+          <p:cNvPr id="28" name="TextBox 27"/>
+          <p:cNvSpPr txBox="1"/>
+          <p:nvPr/>
+        </p:nvSpPr>
+        <p:spPr>
+          <a:xfrm>
+            <a:off x="2855779" y="4082443"/>
+            <a:ext cx="301686" cy="369332"/>
+          </a:xfrm>
+          <a:prstGeom prst="rect">
+            <a:avLst/>
+          </a:prstGeom>
+          <a:noFill/>
+        </p:spPr>
+        <p:txBody>
+          <a:bodyPr wrap="none" rtlCol="0">
+            <a:spAutoFit/>
+          </a:bodyPr>
+          <a:lstStyle/>
+          <a:p>
+            <a:r>
+              <a:rPr lang="en-CA" dirty="0" smtClean="0"/>
+              <a:t>0</a:t>
+            </a:r>
+            <a:endParaRPr lang="en-CA" dirty="0"/>
+          </a:p>
+        </p:txBody>
+      </p:sp>
+      <p:sp>
+        <p:nvSpPr>
+          <p:cNvPr id="29" name="TextBox 28"/>
+          <p:cNvSpPr txBox="1"/>
+          <p:nvPr/>
+        </p:nvSpPr>
+        <p:spPr>
+          <a:xfrm>
+            <a:off x="3580847" y="4082443"/>
+            <a:ext cx="301686" cy="369332"/>
+          </a:xfrm>
+          <a:prstGeom prst="rect">
+            <a:avLst/>
+          </a:prstGeom>
+          <a:noFill/>
+        </p:spPr>
+        <p:txBody>
+          <a:bodyPr wrap="none" rtlCol="0">
+            <a:spAutoFit/>
+          </a:bodyPr>
+          <a:lstStyle/>
+          <a:p>
+            <a:r>
+              <a:rPr lang="en-CA" dirty="0" smtClean="0"/>
+              <a:t>4</a:t>
+            </a:r>
+            <a:endParaRPr lang="en-CA" dirty="0"/>
+          </a:p>
+        </p:txBody>
+      </p:sp>
+      <p:sp>
+        <p:nvSpPr>
+          <p:cNvPr id="30" name="TextBox 29"/>
+          <p:cNvSpPr txBox="1"/>
+          <p:nvPr/>
+        </p:nvSpPr>
+        <p:spPr>
+          <a:xfrm>
+            <a:off x="4305915" y="4082443"/>
+            <a:ext cx="301686" cy="369332"/>
+          </a:xfrm>
+          <a:prstGeom prst="rect">
+            <a:avLst/>
+          </a:prstGeom>
+          <a:noFill/>
+        </p:spPr>
+        <p:txBody>
+          <a:bodyPr wrap="none" rtlCol="0">
+            <a:spAutoFit/>
+          </a:bodyPr>
+          <a:lstStyle/>
+          <a:p>
+            <a:r>
+              <a:rPr lang="en-CA" dirty="0" smtClean="0"/>
+              <a:t>0</a:t>
+            </a:r>
+            <a:endParaRPr lang="en-CA" dirty="0"/>
+          </a:p>
+        </p:txBody>
+      </p:sp>
+      <p:sp>
+        <p:nvSpPr>
+          <p:cNvPr id="31" name="TextBox 30"/>
+          <p:cNvSpPr txBox="1"/>
+          <p:nvPr/>
+        </p:nvSpPr>
+        <p:spPr>
+          <a:xfrm>
+            <a:off x="5030982" y="4082443"/>
+            <a:ext cx="301686" cy="369332"/>
+          </a:xfrm>
+          <a:prstGeom prst="rect">
+            <a:avLst/>
+          </a:prstGeom>
+          <a:noFill/>
+        </p:spPr>
+        <p:txBody>
+          <a:bodyPr wrap="none" rtlCol="0">
+            <a:spAutoFit/>
+          </a:bodyPr>
+          <a:lstStyle/>
+          <a:p>
+            <a:r>
+              <a:rPr lang="en-CA" dirty="0" smtClean="0"/>
+              <a:t>1</a:t>
+            </a:r>
+            <a:endParaRPr lang="en-CA" dirty="0"/>
+          </a:p>
+        </p:txBody>
+      </p:sp>
+      <p:sp>
+        <p:nvSpPr>
+          <p:cNvPr id="33" name="TextBox 32"/>
+          <p:cNvSpPr txBox="1"/>
+          <p:nvPr/>
+        </p:nvSpPr>
+        <p:spPr>
+          <a:xfrm>
+            <a:off x="6058125" y="4082443"/>
+            <a:ext cx="1257075" cy="369332"/>
+          </a:xfrm>
+          <a:prstGeom prst="rect">
+            <a:avLst/>
+          </a:prstGeom>
+          <a:noFill/>
+        </p:spPr>
+        <p:txBody>
+          <a:bodyPr wrap="none" rtlCol="0">
+            <a:spAutoFit/>
+          </a:bodyPr>
+          <a:lstStyle/>
+          <a:p>
+            <a:r>
+              <a:rPr lang="en-CA" dirty="0" smtClean="0"/>
+              <a:t>sum(2</a:t>
+            </a:r>
+            <a:r>
+              <a:rPr lang="en-CA" baseline="30000" dirty="0" smtClean="0"/>
+              <a:t>n</a:t>
+            </a:r>
+            <a:r>
+              <a:rPr lang="en-CA" dirty="0" smtClean="0"/>
+              <a:t>) = </a:t>
+            </a:r>
+            <a:r>
+              <a:rPr lang="en-CA" b="1" dirty="0" smtClean="0"/>
+              <a:t>5</a:t>
+            </a:r>
+            <a:endParaRPr lang="en-CA" b="1" dirty="0"/>
+          </a:p>
+        </p:txBody>
+      </p:sp>
+      <p:sp>
+        <p:nvSpPr>
+          <p:cNvPr id="35" name="TextBox 34"/>
+          <p:cNvSpPr txBox="1"/>
+          <p:nvPr/>
+        </p:nvSpPr>
+        <p:spPr>
+          <a:xfrm rot="18513059">
+            <a:off x="4304035" y="1930775"/>
+            <a:ext cx="912429" cy="338554"/>
+          </a:xfrm>
+          <a:prstGeom prst="rect">
+            <a:avLst/>
+          </a:prstGeom>
+          <a:noFill/>
+        </p:spPr>
+        <p:txBody>
+          <a:bodyPr wrap="none" rtlCol="0">
+            <a:spAutoFit/>
+          </a:bodyPr>
+          <a:lstStyle/>
+          <a:p>
+            <a:r>
+              <a:rPr lang="en-CA" sz="1600" dirty="0" smtClean="0"/>
+              <a:t>“Punish”</a:t>
+            </a:r>
+            <a:endParaRPr lang="en-CA" sz="1600" dirty="0"/>
+          </a:p>
+        </p:txBody>
+      </p:sp>
+      <p:sp>
+        <p:nvSpPr>
+          <p:cNvPr id="36" name="TextBox 35"/>
+          <p:cNvSpPr txBox="1"/>
+          <p:nvPr/>
+        </p:nvSpPr>
+        <p:spPr>
+          <a:xfrm rot="18513059">
+            <a:off x="4971764" y="1901364"/>
+            <a:ext cx="987643" cy="338554"/>
+          </a:xfrm>
+          <a:prstGeom prst="rect">
+            <a:avLst/>
+          </a:prstGeom>
+          <a:noFill/>
+        </p:spPr>
+        <p:txBody>
+          <a:bodyPr wrap="none" rtlCol="0">
+            <a:spAutoFit/>
+          </a:bodyPr>
+          <a:lstStyle/>
+          <a:p>
+            <a:r>
+              <a:rPr lang="en-CA" sz="1600" dirty="0" smtClean="0"/>
+              <a:t>“Reward”</a:t>
+            </a:r>
+            <a:endParaRPr lang="en-CA" sz="1600" dirty="0"/>
+          </a:p>
+        </p:txBody>
+      </p:sp>
+      <p:sp>
+        <p:nvSpPr>
+          <p:cNvPr id="37" name="TextBox 36"/>
+          <p:cNvSpPr txBox="1"/>
+          <p:nvPr/>
+        </p:nvSpPr>
+        <p:spPr>
+          <a:xfrm rot="18513059">
+            <a:off x="3561259" y="2049594"/>
+            <a:ext cx="608565" cy="338554"/>
+          </a:xfrm>
+          <a:prstGeom prst="rect">
+            <a:avLst/>
+          </a:prstGeom>
+          <a:noFill/>
+        </p:spPr>
+        <p:txBody>
+          <a:bodyPr wrap="none" rtlCol="0">
+            <a:spAutoFit/>
+          </a:bodyPr>
+          <a:lstStyle/>
+          <a:p>
+            <a:r>
+              <a:rPr lang="en-CA" sz="1600" dirty="0" smtClean="0"/>
+              <a:t>“Hit”</a:t>
+            </a:r>
+            <a:endParaRPr lang="en-CA" sz="1600" dirty="0"/>
+          </a:p>
+        </p:txBody>
+      </p:sp>
+      <p:sp>
+        <p:nvSpPr>
+          <p:cNvPr id="38" name="TextBox 37"/>
+          <p:cNvSpPr txBox="1"/>
+          <p:nvPr/>
+        </p:nvSpPr>
+        <p:spPr>
+          <a:xfrm rot="18513059">
+            <a:off x="2887317" y="1998471"/>
+            <a:ext cx="739305" cy="338554"/>
+          </a:xfrm>
+          <a:prstGeom prst="rect">
+            <a:avLst/>
+          </a:prstGeom>
+          <a:noFill/>
+        </p:spPr>
+        <p:txBody>
+          <a:bodyPr wrap="none" rtlCol="0">
+            <a:spAutoFit/>
+          </a:bodyPr>
+          <a:lstStyle/>
+          <a:p>
+            <a:r>
+              <a:rPr lang="en-CA" sz="1600" dirty="0" smtClean="0"/>
+              <a:t>“Miss”</a:t>
+            </a:r>
+            <a:endParaRPr lang="en-CA" sz="1600" dirty="0"/>
+          </a:p>
+        </p:txBody>
+      </p:sp>
+      <p:sp>
+        <p:nvSpPr>
+          <p:cNvPr id="39" name="TextBox 38"/>
+          <p:cNvSpPr txBox="1"/>
+          <p:nvPr/>
+        </p:nvSpPr>
+        <p:spPr>
+          <a:xfrm rot="18513059">
+            <a:off x="2026669" y="1804584"/>
+            <a:ext cx="1235146" cy="338554"/>
+          </a:xfrm>
+          <a:prstGeom prst="rect">
+            <a:avLst/>
+          </a:prstGeom>
+          <a:noFill/>
+        </p:spPr>
+        <p:txBody>
+          <a:bodyPr wrap="none" rtlCol="0">
+            <a:spAutoFit/>
+          </a:bodyPr>
+          <a:lstStyle/>
+          <a:p>
+            <a:r>
+              <a:rPr lang="en-CA" sz="1600" dirty="0" smtClean="0"/>
+              <a:t>“Catch-Trial”</a:t>
+            </a:r>
+            <a:endParaRPr lang="en-CA" sz="1600" dirty="0"/>
+          </a:p>
+        </p:txBody>
+      </p:sp>
+    </p:spTree>
+    <p:extLst>
+      <p:ext uri="{BB962C8B-B14F-4D97-AF65-F5344CB8AC3E}">
+        <p14:creationId xmlns:p14="http://schemas.microsoft.com/office/powerpoint/2010/main" val="3876306167"/>
+      </p:ext>
+    </p:extLst>
+  </p:cSld>
+  <p:clrMapOvr>
+    <a:masterClrMapping/>
+  </p:clrMapOvr>
+  <p:timing>
+    <p:tnLst>
+      <p:par>
+        <p:cTn id="1" dur="indefinite" restart="never" nodeType="tmRoot"/>
+      </p:par>
+    </p:tnLst>
+  </p:timing>
+</p:sld>
+</file>
+
+<file path=ppt/slides/slide32.xml><?xml version="1.0" encoding="utf-8"?>
+<p:sld xmlns:a="http://schemas.openxmlformats.org/drawingml/2006/main" xmlns:r="http://schemas.openxmlformats.org/officeDocument/2006/relationships" xmlns:p="http://schemas.openxmlformats.org/presentationml/2006/main">
+  <p:cSld>
+    <p:spTree>
+      <p:nvGrpSpPr>
+        <p:cNvPr id="1" name=""/>
+        <p:cNvGrpSpPr/>
+        <p:nvPr/>
+      </p:nvGrpSpPr>
+      <p:grpSpPr>
+        <a:xfrm>
+          <a:off x="0" y="0"/>
+          <a:ext cx="0" cy="0"/>
+          <a:chOff x="0" y="0"/>
+          <a:chExt cx="0" cy="0"/>
+        </a:xfrm>
+      </p:grpSpPr>
+      <p:sp>
+        <p:nvSpPr>
+          <p:cNvPr id="4" name="TextBox 3"/>
+          <p:cNvSpPr txBox="1"/>
+          <p:nvPr/>
+        </p:nvSpPr>
+        <p:spPr>
+          <a:xfrm>
+            <a:off x="1219200" y="152400"/>
+            <a:ext cx="3285066" cy="461665"/>
+          </a:xfrm>
+          <a:prstGeom prst="rect">
+            <a:avLst/>
+          </a:prstGeom>
+          <a:noFill/>
+        </p:spPr>
+        <p:txBody>
+          <a:bodyPr wrap="none" rtlCol="0">
+            <a:spAutoFit/>
+          </a:bodyPr>
+          <a:lstStyle/>
+          <a:p>
+            <a:r>
+              <a:rPr lang="en-CA" sz="2400" dirty="0" smtClean="0"/>
+              <a:t>Working with “Bitmasks”</a:t>
+            </a:r>
+            <a:endParaRPr lang="en-CA" sz="2400" dirty="0"/>
+          </a:p>
+        </p:txBody>
+      </p:sp>
+      <p:grpSp>
+        <p:nvGrpSpPr>
+          <p:cNvPr id="11" name="Group 10"/>
+          <p:cNvGrpSpPr/>
+          <p:nvPr/>
+        </p:nvGrpSpPr>
+        <p:grpSpPr>
+          <a:xfrm>
+            <a:off x="1676400" y="914400"/>
+            <a:ext cx="7337649" cy="5235079"/>
+            <a:chOff x="942109" y="1295400"/>
+            <a:chExt cx="7337649" cy="5235079"/>
+          </a:xfrm>
+        </p:grpSpPr>
+        <p:pic>
+          <p:nvPicPr>
+            <p:cNvPr id="7" name="Picture 6" descr="Screen Clipping"/>
+            <p:cNvPicPr>
+              <a:picLocks noChangeAspect="1"/>
+            </p:cNvPicPr>
+            <p:nvPr/>
+          </p:nvPicPr>
+          <p:blipFill>
+            <a:blip r:embed="rId2">
+              <a:extLst>
+                <a:ext uri="{28A0092B-C50C-407E-A947-70E740481C1C}">
+                  <a14:useLocalDpi xmlns:a14="http://schemas.microsoft.com/office/drawing/2010/main" val="0"/>
+                </a:ext>
+              </a:extLst>
+            </a:blip>
+            <a:stretch>
+              <a:fillRect/>
+            </a:stretch>
+          </p:blipFill>
+          <p:spPr>
+            <a:xfrm>
+              <a:off x="942109" y="1295400"/>
+              <a:ext cx="7337649" cy="5235079"/>
+            </a:xfrm>
+            <a:prstGeom prst="rect">
+              <a:avLst/>
+            </a:prstGeom>
+          </p:spPr>
+        </p:pic>
+        <p:sp>
+          <p:nvSpPr>
+            <p:cNvPr id="10" name="Freeform 9"/>
+            <p:cNvSpPr/>
+            <p:nvPr/>
+          </p:nvSpPr>
+          <p:spPr>
+            <a:xfrm>
+              <a:off x="942109" y="1295400"/>
+              <a:ext cx="7337649" cy="5235079"/>
+            </a:xfrm>
+            <a:custGeom>
+              <a:avLst/>
+              <a:gdLst>
+                <a:gd name="connsiteX0" fmla="*/ 3477491 w 7337649"/>
+                <a:gd name="connsiteY0" fmla="*/ 457200 h 5235079"/>
+                <a:gd name="connsiteX1" fmla="*/ 3477491 w 7337649"/>
+                <a:gd name="connsiteY1" fmla="*/ 3124200 h 5235079"/>
+                <a:gd name="connsiteX2" fmla="*/ 7211291 w 7337649"/>
+                <a:gd name="connsiteY2" fmla="*/ 3124200 h 5235079"/>
+                <a:gd name="connsiteX3" fmla="*/ 7211291 w 7337649"/>
+                <a:gd name="connsiteY3" fmla="*/ 457200 h 5235079"/>
+                <a:gd name="connsiteX4" fmla="*/ 0 w 7337649"/>
+                <a:gd name="connsiteY4" fmla="*/ 0 h 5235079"/>
+                <a:gd name="connsiteX5" fmla="*/ 7337649 w 7337649"/>
+                <a:gd name="connsiteY5" fmla="*/ 0 h 5235079"/>
+                <a:gd name="connsiteX6" fmla="*/ 7337649 w 7337649"/>
+                <a:gd name="connsiteY6" fmla="*/ 5235079 h 5235079"/>
+                <a:gd name="connsiteX7" fmla="*/ 0 w 7337649"/>
+                <a:gd name="connsiteY7" fmla="*/ 5235079 h 5235079"/>
+              </a:gdLst>
+              <a:ahLst/>
+              <a:cxnLst>
+                <a:cxn ang="0">
+                  <a:pos x="connsiteX0" y="connsiteY0"/>
+                </a:cxn>
+                <a:cxn ang="0">
+                  <a:pos x="connsiteX1" y="connsiteY1"/>
+                </a:cxn>
+                <a:cxn ang="0">
+                  <a:pos x="connsiteX2" y="connsiteY2"/>
+                </a:cxn>
+                <a:cxn ang="0">
+                  <a:pos x="connsiteX3" y="connsiteY3"/>
+                </a:cxn>
+                <a:cxn ang="0">
+                  <a:pos x="connsiteX4" y="connsiteY4"/>
+                </a:cxn>
+                <a:cxn ang="0">
+                  <a:pos x="connsiteX5" y="connsiteY5"/>
+                </a:cxn>
+                <a:cxn ang="0">
+                  <a:pos x="connsiteX6" y="connsiteY6"/>
+                </a:cxn>
+                <a:cxn ang="0">
+                  <a:pos x="connsiteX7" y="connsiteY7"/>
+                </a:cxn>
+              </a:cxnLst>
+              <a:rect l="l" t="t" r="r" b="b"/>
+              <a:pathLst>
+                <a:path w="7337649" h="5235079">
+                  <a:moveTo>
+                    <a:pt x="3477491" y="457200"/>
+                  </a:moveTo>
+                  <a:lnTo>
+                    <a:pt x="3477491" y="3124200"/>
+                  </a:lnTo>
+                  <a:lnTo>
+                    <a:pt x="7211291" y="3124200"/>
+                  </a:lnTo>
+                  <a:lnTo>
+                    <a:pt x="7211291" y="457200"/>
+                  </a:lnTo>
+                  <a:close/>
+                  <a:moveTo>
+                    <a:pt x="0" y="0"/>
+                  </a:moveTo>
+                  <a:lnTo>
+                    <a:pt x="7337649" y="0"/>
+                  </a:lnTo>
+                  <a:lnTo>
+                    <a:pt x="7337649" y="5235079"/>
+                  </a:lnTo>
+                  <a:lnTo>
+                    <a:pt x="0" y="5235079"/>
+                  </a:lnTo>
+                  <a:close/>
+                </a:path>
+              </a:pathLst>
+            </a:custGeom>
+            <a:solidFill>
+              <a:schemeClr val="bg1">
+                <a:alpha val="70000"/>
+              </a:schemeClr>
+            </a:solidFill>
+            <a:ln>
+              <a:noFill/>
+            </a:ln>
+          </p:spPr>
+          <p:style>
+            <a:lnRef idx="2">
+              <a:schemeClr val="accent1">
+                <a:shade val="50000"/>
+              </a:schemeClr>
+            </a:lnRef>
+            <a:fillRef idx="1">
+              <a:schemeClr val="accent1"/>
+            </a:fillRef>
+            <a:effectRef idx="0">
+              <a:schemeClr val="accent1"/>
+            </a:effectRef>
+            <a:fontRef idx="minor">
+              <a:schemeClr val="lt1"/>
+            </a:fontRef>
+          </p:style>
+          <p:txBody>
+            <a:bodyPr rtlCol="0" anchor="ctr"/>
+            <a:lstStyle/>
+            <a:p>
+              <a:pPr algn="ctr"/>
+              <a:endParaRPr lang="en-CA"/>
+            </a:p>
+          </p:txBody>
+        </p:sp>
+      </p:grpSp>
+      <p:pic>
+        <p:nvPicPr>
+          <p:cNvPr id="6" name="Picture 5" descr="Screen Clipping"/>
+          <p:cNvPicPr>
+            <a:picLocks noChangeAspect="1"/>
+          </p:cNvPicPr>
+          <p:nvPr/>
+        </p:nvPicPr>
+        <p:blipFill>
+          <a:blip r:embed="rId3">
+            <a:extLst>
+              <a:ext uri="{28A0092B-C50C-407E-A947-70E740481C1C}">
+                <a14:useLocalDpi xmlns:a14="http://schemas.microsoft.com/office/drawing/2010/main" val="0"/>
+              </a:ext>
+            </a:extLst>
+          </a:blip>
+          <a:stretch>
+            <a:fillRect/>
+          </a:stretch>
+        </p:blipFill>
+        <p:spPr>
+          <a:xfrm>
+            <a:off x="381000" y="1676400"/>
+            <a:ext cx="3118010" cy="2101958"/>
+          </a:xfrm>
+          <a:prstGeom prst="rect">
+            <a:avLst/>
+          </a:prstGeom>
+          <a:ln>
+            <a:noFill/>
+          </a:ln>
+          <a:effectLst>
+            <a:outerShdw blurRad="292100" dist="139700" dir="2700000" algn="tl" rotWithShape="0">
+              <a:srgbClr val="333333">
+                <a:alpha val="65000"/>
+              </a:srgbClr>
+            </a:outerShdw>
+          </a:effectLst>
+        </p:spPr>
+      </p:pic>
+      <p:pic>
+        <p:nvPicPr>
+          <p:cNvPr id="13" name="Picture 12" descr="Screen Clipping"/>
+          <p:cNvPicPr>
+            <a:picLocks noChangeAspect="1"/>
+          </p:cNvPicPr>
+          <p:nvPr/>
+        </p:nvPicPr>
+        <p:blipFill>
+          <a:blip r:embed="rId4">
+            <a:extLst>
+              <a:ext uri="{28A0092B-C50C-407E-A947-70E740481C1C}">
+                <a14:useLocalDpi xmlns:a14="http://schemas.microsoft.com/office/drawing/2010/main" val="0"/>
+              </a:ext>
+            </a:extLst>
+          </a:blip>
+          <a:stretch>
+            <a:fillRect/>
+          </a:stretch>
+        </p:blipFill>
+        <p:spPr>
+          <a:xfrm>
+            <a:off x="2438400" y="2889606"/>
+            <a:ext cx="4940603" cy="3902173"/>
+          </a:xfrm>
+          <a:prstGeom prst="rect">
+            <a:avLst/>
+          </a:prstGeom>
+          <a:ln>
+            <a:noFill/>
+          </a:ln>
+          <a:effectLst>
+            <a:outerShdw blurRad="292100" dist="139700" dir="2700000" algn="tl" rotWithShape="0">
+              <a:srgbClr val="333333">
+                <a:alpha val="65000"/>
+              </a:srgbClr>
+            </a:outerShdw>
+          </a:effectLst>
+        </p:spPr>
+      </p:pic>
+    </p:spTree>
+    <p:extLst>
+      <p:ext uri="{BB962C8B-B14F-4D97-AF65-F5344CB8AC3E}">
+        <p14:creationId xmlns:p14="http://schemas.microsoft.com/office/powerpoint/2010/main" val="2743137292"/>
+      </p:ext>
+    </p:extLst>
+  </p:cSld>
+  <p:clrMapOvr>
+    <a:masterClrMapping/>
+  </p:clrMapOvr>
+  <p:timing>
+    <p:tnLst>
+      <p:par>
+        <p:cTn id="1" dur="indefinite" restart="never" nodeType="tmRoot">
+          <p:childTnLst>
+            <p:seq concurrent="1" nextAc="seek">
+              <p:cTn id="2" dur="indefinite" nodeType="mainSeq">
+                <p:childTnLst>
+                  <p:par>
+                    <p:cTn id="3" fill="hold">
+                      <p:stCondLst>
+                        <p:cond delay="indefinite"/>
+                      </p:stCondLst>
+                      <p:childTnLst>
+                        <p:par>
+                          <p:cTn id="4" fill="hold">
+                            <p:stCondLst>
+                              <p:cond delay="0"/>
+                            </p:stCondLst>
+                            <p:childTnLst>
+                              <p:par>
+                                <p:cTn id="5" presetID="10" presetClass="entr" presetSubtype="0" fill="hold" nodeType="clickEffect">
+                                  <p:stCondLst>
+                                    <p:cond delay="0"/>
+                                  </p:stCondLst>
+                                  <p:childTnLst>
+                                    <p:set>
+                                      <p:cBhvr>
+                                        <p:cTn id="6" dur="1" fill="hold">
+                                          <p:stCondLst>
+                                            <p:cond delay="0"/>
+                                          </p:stCondLst>
+                                        </p:cTn>
+                                        <p:tgtEl>
+                                          <p:spTgt spid="13"/>
+                                        </p:tgtEl>
+                                        <p:attrNameLst>
+                                          <p:attrName>style.visibility</p:attrName>
+                                        </p:attrNameLst>
+                                      </p:cBhvr>
+                                      <p:to>
+                                        <p:strVal val="visible"/>
+                                      </p:to>
+                                    </p:set>
+                                    <p:animEffect transition="in" filter="fade">
+                                      <p:cBhvr>
+                                        <p:cTn id="7" dur="500"/>
+                                        <p:tgtEl>
+                                          <p:spTgt spid="13"/>
+                                        </p:tgtEl>
+                                      </p:cBhvr>
+                                    </p:animEffect>
+                                  </p:childTnLst>
+                                </p:cTn>
+                              </p:par>
+                            </p:childTnLst>
+                          </p:cTn>
+                        </p:par>
+                      </p:childTnLst>
+                    </p:cTn>
+                  </p:par>
+                </p:childTnLst>
+              </p:cTn>
+              <p:prevCondLst>
+                <p:cond evt="onPrev" delay="0">
+                  <p:tgtEl>
+                    <p:sldTgt/>
+                  </p:tgtEl>
+                </p:cond>
+              </p:prevCondLst>
+              <p:nextCondLst>
+                <p:cond evt="onNext" delay="0">
+                  <p:tgtEl>
+                    <p:sldTgt/>
+                  </p:tgtEl>
+                </p:cond>
+              </p:nextCondLst>
+            </p:seq>
+          </p:childTnLst>
+        </p:cTn>
+      </p:par>
+    </p:tnLst>
+  </p:timing>
+</p:sld>
+</file>
+
+<file path=ppt/slides/slide33.xml><?xml version="1.0" encoding="utf-8"?>
+<p:sld xmlns:a="http://schemas.openxmlformats.org/drawingml/2006/main" xmlns:r="http://schemas.openxmlformats.org/officeDocument/2006/relationships" xmlns:p="http://schemas.openxmlformats.org/presentationml/2006/main">
+  <p:cSld>
+    <p:spTree>
+      <p:nvGrpSpPr>
+        <p:cNvPr id="1" name=""/>
+        <p:cNvGrpSpPr/>
+        <p:nvPr/>
+      </p:nvGrpSpPr>
+      <p:grpSpPr>
+        <a:xfrm>
+          <a:off x="0" y="0"/>
+          <a:ext cx="0" cy="0"/>
+          <a:chOff x="0" y="0"/>
+          <a:chExt cx="0" cy="0"/>
+        </a:xfrm>
+      </p:grpSpPr>
+      <p:pic>
+        <p:nvPicPr>
+          <p:cNvPr id="4" name="Picture 3" descr="Screen Clipping"/>
+          <p:cNvPicPr>
+            <a:picLocks noChangeAspect="1"/>
+          </p:cNvPicPr>
+          <p:nvPr/>
+        </p:nvPicPr>
+        <p:blipFill>
+          <a:blip r:embed="rId2">
+            <a:extLst>
+              <a:ext uri="{28A0092B-C50C-407E-A947-70E740481C1C}">
+                <a14:useLocalDpi xmlns:a14="http://schemas.microsoft.com/office/drawing/2010/main" val="0"/>
+              </a:ext>
+            </a:extLst>
+          </a:blip>
+          <a:stretch>
+            <a:fillRect/>
+          </a:stretch>
+        </p:blipFill>
+        <p:spPr>
+          <a:xfrm>
+            <a:off x="1066800" y="1600200"/>
+            <a:ext cx="6781800" cy="4549458"/>
+          </a:xfrm>
+          <a:prstGeom prst="rect">
+            <a:avLst/>
+          </a:prstGeom>
+        </p:spPr>
+      </p:pic>
+      <p:sp>
+        <p:nvSpPr>
+          <p:cNvPr id="6" name="TextBox 5"/>
+          <p:cNvSpPr txBox="1"/>
+          <p:nvPr/>
+        </p:nvSpPr>
+        <p:spPr>
+          <a:xfrm>
+            <a:off x="1219200" y="152400"/>
+            <a:ext cx="2363596" cy="461665"/>
+          </a:xfrm>
+          <a:prstGeom prst="rect">
+            <a:avLst/>
+          </a:prstGeom>
+          <a:noFill/>
+        </p:spPr>
+        <p:txBody>
+          <a:bodyPr wrap="none" rtlCol="0">
+            <a:spAutoFit/>
+          </a:bodyPr>
+          <a:lstStyle/>
+          <a:p>
+            <a:r>
+              <a:rPr lang="en-CA" sz="2400" dirty="0" smtClean="0"/>
+              <a:t>Calibration Utility</a:t>
+            </a:r>
+            <a:endParaRPr lang="en-CA" sz="2400" dirty="0"/>
+          </a:p>
+        </p:txBody>
+      </p:sp>
+      <p:sp>
+        <p:nvSpPr>
+          <p:cNvPr id="7" name="TextBox 6"/>
+          <p:cNvSpPr txBox="1"/>
+          <p:nvPr/>
+        </p:nvSpPr>
+        <p:spPr>
+          <a:xfrm>
+            <a:off x="914400" y="637218"/>
+            <a:ext cx="3962400" cy="461665"/>
+          </a:xfrm>
+          <a:prstGeom prst="rect">
+            <a:avLst/>
+          </a:prstGeom>
+          <a:noFill/>
+        </p:spPr>
+        <p:txBody>
+          <a:bodyPr wrap="square" rtlCol="0">
+            <a:spAutoFit/>
+          </a:bodyPr>
+          <a:lstStyle/>
+          <a:p>
+            <a:r>
+              <a:rPr lang="en-CA" sz="2400" dirty="0" err="1" smtClean="0">
+                <a:solidFill>
+                  <a:schemeClr val="accent1"/>
+                </a:solidFill>
+                <a:latin typeface="Courier New" panose="02070309020205020404" pitchFamily="49" charset="0"/>
+                <a:cs typeface="Courier New" panose="02070309020205020404" pitchFamily="49" charset="0"/>
+              </a:rPr>
+              <a:t>ep_CalibrationUtil</a:t>
+            </a:r>
+            <a:endParaRPr lang="en-CA" sz="2400" dirty="0">
+              <a:solidFill>
+                <a:schemeClr val="accent1"/>
+              </a:solidFill>
+              <a:latin typeface="Courier New" panose="02070309020205020404" pitchFamily="49" charset="0"/>
+              <a:cs typeface="Courier New" panose="02070309020205020404" pitchFamily="49" charset="0"/>
+            </a:endParaRPr>
+          </a:p>
+        </p:txBody>
+      </p:sp>
+    </p:spTree>
+    <p:extLst>
+      <p:ext uri="{BB962C8B-B14F-4D97-AF65-F5344CB8AC3E}">
+        <p14:creationId xmlns:p14="http://schemas.microsoft.com/office/powerpoint/2010/main" val="2572646052"/>
+      </p:ext>
+    </p:extLst>
+  </p:cSld>
+  <p:clrMapOvr>
+    <a:masterClrMapping/>
+  </p:clrMapOvr>
+  <p:timing>
+    <p:tnLst>
+      <p:par>
+        <p:cTn id="1" dur="indefinite" restart="never" nodeType="tmRoot"/>
+      </p:par>
+    </p:tnLst>
+  </p:timing>
+</p:sld>
+</file>
+
+<file path=ppt/slides/slide34.xml><?xml version="1.0" encoding="utf-8"?>
+<p:sld xmlns:a="http://schemas.openxmlformats.org/drawingml/2006/main" xmlns:r="http://schemas.openxmlformats.org/officeDocument/2006/relationships" xmlns:p="http://schemas.openxmlformats.org/presentationml/2006/main">
+  <p:cSld>
+    <p:spTree>
+      <p:nvGrpSpPr>
+        <p:cNvPr id="1" name=""/>
+        <p:cNvGrpSpPr/>
+        <p:nvPr/>
+      </p:nvGrpSpPr>
+      <p:grpSpPr>
+        <a:xfrm>
+          <a:off x="0" y="0"/>
+          <a:ext cx="0" cy="0"/>
+          <a:chOff x="0" y="0"/>
+          <a:chExt cx="0" cy="0"/>
+        </a:xfrm>
+      </p:grpSpPr>
+      <p:grpSp>
+        <p:nvGrpSpPr>
+          <p:cNvPr id="43" name="Group 42"/>
+          <p:cNvGrpSpPr>
+            <a:grpSpLocks noChangeAspect="1"/>
+          </p:cNvGrpSpPr>
+          <p:nvPr/>
+        </p:nvGrpSpPr>
+        <p:grpSpPr>
+          <a:xfrm>
+            <a:off x="3445790" y="1210867"/>
+            <a:ext cx="2878810" cy="1379430"/>
+            <a:chOff x="1159790" y="29705"/>
+            <a:chExt cx="3657600" cy="1752600"/>
+          </a:xfrm>
+        </p:grpSpPr>
+        <p:sp>
+          <p:nvSpPr>
+            <p:cNvPr id="21" name="Rectangle 20"/>
+            <p:cNvSpPr/>
+            <p:nvPr/>
+          </p:nvSpPr>
+          <p:spPr>
+            <a:xfrm>
+              <a:off x="1159790" y="29705"/>
+              <a:ext cx="3200400" cy="1295400"/>
+            </a:xfrm>
+            <a:prstGeom prst="rect">
+              <a:avLst/>
+            </a:prstGeom>
+          </p:spPr>
+          <p:style>
+            <a:lnRef idx="2">
+              <a:schemeClr val="dk1"/>
+            </a:lnRef>
+            <a:fillRef idx="1">
+              <a:schemeClr val="lt1"/>
+            </a:fillRef>
+            <a:effectRef idx="0">
+              <a:schemeClr val="dk1"/>
+            </a:effectRef>
+            <a:fontRef idx="minor">
+              <a:schemeClr val="dk1"/>
+            </a:fontRef>
+          </p:style>
+          <p:txBody>
+            <a:bodyPr rtlCol="0" anchor="ctr"/>
+            <a:lstStyle/>
+            <a:p>
+              <a:pPr algn="ctr"/>
+              <a:r>
+                <a:rPr lang="en-US" sz="1400" dirty="0" err="1" smtClean="0"/>
+                <a:t>RPvds</a:t>
+              </a:r>
+              <a:r>
+                <a:rPr lang="en-US" sz="1400" dirty="0" smtClean="0"/>
+                <a:t> Circuit</a:t>
+              </a:r>
+              <a:endParaRPr lang="en-CA" sz="1400" dirty="0">
+                <a:latin typeface="Courier New" panose="02070309020205020404" pitchFamily="49" charset="0"/>
+                <a:cs typeface="Courier New" panose="02070309020205020404" pitchFamily="49" charset="0"/>
+              </a:endParaRPr>
+            </a:p>
+          </p:txBody>
+        </p:sp>
+        <p:sp>
+          <p:nvSpPr>
+            <p:cNvPr id="22" name="Rectangle 21"/>
+            <p:cNvSpPr/>
+            <p:nvPr/>
+          </p:nvSpPr>
+          <p:spPr>
+            <a:xfrm>
+              <a:off x="1312190" y="182105"/>
+              <a:ext cx="3200400" cy="1295400"/>
+            </a:xfrm>
+            <a:prstGeom prst="rect">
+              <a:avLst/>
+            </a:prstGeom>
+          </p:spPr>
+          <p:style>
+            <a:lnRef idx="2">
+              <a:schemeClr val="dk1"/>
+            </a:lnRef>
+            <a:fillRef idx="1">
+              <a:schemeClr val="lt1"/>
+            </a:fillRef>
+            <a:effectRef idx="0">
+              <a:schemeClr val="dk1"/>
+            </a:effectRef>
+            <a:fontRef idx="minor">
+              <a:schemeClr val="dk1"/>
+            </a:fontRef>
+          </p:style>
+          <p:txBody>
+            <a:bodyPr rtlCol="0" anchor="ctr"/>
+            <a:lstStyle/>
+            <a:p>
+              <a:pPr algn="ctr"/>
+              <a:r>
+                <a:rPr lang="en-US" sz="1400" dirty="0" err="1" smtClean="0"/>
+                <a:t>RPvds</a:t>
+              </a:r>
+              <a:r>
+                <a:rPr lang="en-US" sz="1400" dirty="0" smtClean="0"/>
+                <a:t> Circuit</a:t>
+              </a:r>
+              <a:endParaRPr lang="en-CA" sz="1400" dirty="0">
+                <a:latin typeface="Courier New" panose="02070309020205020404" pitchFamily="49" charset="0"/>
+                <a:cs typeface="Courier New" panose="02070309020205020404" pitchFamily="49" charset="0"/>
+              </a:endParaRPr>
+            </a:p>
+          </p:txBody>
+        </p:sp>
+        <p:sp>
+          <p:nvSpPr>
+            <p:cNvPr id="23" name="Rectangle 22"/>
+            <p:cNvSpPr/>
+            <p:nvPr/>
+          </p:nvSpPr>
+          <p:spPr>
+            <a:xfrm>
+              <a:off x="1464590" y="334505"/>
+              <a:ext cx="3200400" cy="1295400"/>
+            </a:xfrm>
+            <a:prstGeom prst="rect">
+              <a:avLst/>
+            </a:prstGeom>
+          </p:spPr>
+          <p:style>
+            <a:lnRef idx="2">
+              <a:schemeClr val="dk1"/>
+            </a:lnRef>
+            <a:fillRef idx="1">
+              <a:schemeClr val="lt1"/>
+            </a:fillRef>
+            <a:effectRef idx="0">
+              <a:schemeClr val="dk1"/>
+            </a:effectRef>
+            <a:fontRef idx="minor">
+              <a:schemeClr val="dk1"/>
+            </a:fontRef>
+          </p:style>
+          <p:txBody>
+            <a:bodyPr rtlCol="0" anchor="ctr"/>
+            <a:lstStyle/>
+            <a:p>
+              <a:pPr algn="ctr"/>
+              <a:r>
+                <a:rPr lang="en-US" sz="1400" dirty="0" err="1" smtClean="0"/>
+                <a:t>RPvds</a:t>
+              </a:r>
+              <a:r>
+                <a:rPr lang="en-US" sz="1400" dirty="0" smtClean="0"/>
+                <a:t> Circuit</a:t>
+              </a:r>
+              <a:endParaRPr lang="en-CA" sz="1400" dirty="0">
+                <a:latin typeface="Courier New" panose="02070309020205020404" pitchFamily="49" charset="0"/>
+                <a:cs typeface="Courier New" panose="02070309020205020404" pitchFamily="49" charset="0"/>
+              </a:endParaRPr>
+            </a:p>
+          </p:txBody>
+        </p:sp>
+        <p:sp>
+          <p:nvSpPr>
+            <p:cNvPr id="24" name="Rectangle 23"/>
+            <p:cNvSpPr/>
+            <p:nvPr/>
+          </p:nvSpPr>
+          <p:spPr>
+            <a:xfrm>
+              <a:off x="1616990" y="486905"/>
+              <a:ext cx="3200400" cy="1295400"/>
+            </a:xfrm>
+            <a:prstGeom prst="rect">
+              <a:avLst/>
+            </a:prstGeom>
+          </p:spPr>
+          <p:style>
+            <a:lnRef idx="2">
+              <a:schemeClr val="dk1"/>
+            </a:lnRef>
+            <a:fillRef idx="1">
+              <a:schemeClr val="lt1"/>
+            </a:fillRef>
+            <a:effectRef idx="0">
+              <a:schemeClr val="dk1"/>
+            </a:effectRef>
+            <a:fontRef idx="minor">
+              <a:schemeClr val="dk1"/>
+            </a:fontRef>
+          </p:style>
+          <p:txBody>
+            <a:bodyPr rtlCol="0" anchor="ctr"/>
+            <a:lstStyle/>
+            <a:p>
+              <a:pPr algn="ctr"/>
+              <a:r>
+                <a:rPr lang="en-US" sz="1400" dirty="0" err="1" smtClean="0"/>
+                <a:t>RPvds</a:t>
+              </a:r>
+              <a:r>
+                <a:rPr lang="en-US" sz="1400" dirty="0" smtClean="0"/>
+                <a:t> Circuit</a:t>
+              </a:r>
+            </a:p>
+            <a:p>
+              <a:pPr algn="ctr"/>
+              <a:r>
+                <a:rPr lang="en-US" sz="1400" dirty="0" smtClean="0"/>
+                <a:t>TDT </a:t>
+              </a:r>
+              <a:r>
+                <a:rPr lang="en-US" sz="1400" dirty="0" err="1" smtClean="0"/>
+                <a:t>RPvds</a:t>
+              </a:r>
+              <a:r>
+                <a:rPr lang="en-US" sz="1400" dirty="0" smtClean="0"/>
+                <a:t> Software</a:t>
+              </a:r>
+            </a:p>
+            <a:p>
+              <a:pPr algn="ctr"/>
+              <a:r>
+                <a:rPr lang="en-US" sz="1400" dirty="0" smtClean="0">
+                  <a:latin typeface="Courier New" panose="02070309020205020404" pitchFamily="49" charset="0"/>
+                  <a:cs typeface="Courier New" panose="02070309020205020404" pitchFamily="49" charset="0"/>
+                </a:rPr>
+                <a:t>(*.</a:t>
+              </a:r>
+              <a:r>
+                <a:rPr lang="en-US" sz="1400" dirty="0" err="1" smtClean="0">
+                  <a:latin typeface="Courier New" panose="02070309020205020404" pitchFamily="49" charset="0"/>
+                  <a:cs typeface="Courier New" panose="02070309020205020404" pitchFamily="49" charset="0"/>
+                </a:rPr>
+                <a:t>rcx</a:t>
+              </a:r>
+              <a:r>
+                <a:rPr lang="en-US" sz="1400" dirty="0" smtClean="0">
+                  <a:latin typeface="Courier New" panose="02070309020205020404" pitchFamily="49" charset="0"/>
+                  <a:cs typeface="Courier New" panose="02070309020205020404" pitchFamily="49" charset="0"/>
+                </a:rPr>
+                <a:t>)</a:t>
+              </a:r>
+              <a:endParaRPr lang="en-CA" sz="1400" dirty="0">
+                <a:latin typeface="Courier New" panose="02070309020205020404" pitchFamily="49" charset="0"/>
+                <a:cs typeface="Courier New" panose="02070309020205020404" pitchFamily="49" charset="0"/>
+              </a:endParaRPr>
+            </a:p>
+          </p:txBody>
+        </p:sp>
+      </p:grpSp>
+      <p:grpSp>
+        <p:nvGrpSpPr>
+          <p:cNvPr id="53" name="Group 52"/>
+          <p:cNvGrpSpPr>
+            <a:grpSpLocks noChangeAspect="1"/>
+          </p:cNvGrpSpPr>
+          <p:nvPr/>
+        </p:nvGrpSpPr>
+        <p:grpSpPr>
+          <a:xfrm>
+            <a:off x="3445790" y="3105300"/>
+            <a:ext cx="2878810" cy="1379430"/>
+            <a:chOff x="990600" y="1066800"/>
+            <a:chExt cx="3657600" cy="1752600"/>
+          </a:xfrm>
+        </p:grpSpPr>
+        <p:sp>
+          <p:nvSpPr>
+            <p:cNvPr id="54" name="Rectangle 53"/>
+            <p:cNvSpPr/>
+            <p:nvPr/>
+          </p:nvSpPr>
+          <p:spPr>
+            <a:xfrm>
+              <a:off x="990600" y="1066800"/>
+              <a:ext cx="3200400" cy="1295400"/>
+            </a:xfrm>
+            <a:prstGeom prst="rect">
+              <a:avLst/>
+            </a:prstGeom>
+          </p:spPr>
+          <p:style>
+            <a:lnRef idx="2">
+              <a:schemeClr val="accent1"/>
+            </a:lnRef>
+            <a:fillRef idx="1">
+              <a:schemeClr val="lt1"/>
+            </a:fillRef>
+            <a:effectRef idx="0">
+              <a:schemeClr val="accent1"/>
+            </a:effectRef>
+            <a:fontRef idx="minor">
+              <a:schemeClr val="dk1"/>
+            </a:fontRef>
+          </p:style>
+          <p:txBody>
+            <a:bodyPr rtlCol="0" anchor="ctr"/>
+            <a:lstStyle/>
+            <a:p>
+              <a:pPr algn="ctr"/>
+              <a:r>
+                <a:rPr lang="en-US" sz="1400" dirty="0" smtClean="0"/>
+                <a:t>Experiment Protocol</a:t>
+              </a:r>
+            </a:p>
+            <a:p>
+              <a:pPr algn="ctr"/>
+              <a:r>
+                <a:rPr lang="en-US" sz="1400" dirty="0" err="1" smtClean="0">
+                  <a:latin typeface="Courier New" panose="02070309020205020404" pitchFamily="49" charset="0"/>
+                  <a:cs typeface="Courier New" panose="02070309020205020404" pitchFamily="49" charset="0"/>
+                </a:rPr>
+                <a:t>ep_ExperimentDesign</a:t>
+              </a:r>
+              <a:endParaRPr lang="en-CA" sz="1400" dirty="0">
+                <a:latin typeface="Courier New" panose="02070309020205020404" pitchFamily="49" charset="0"/>
+                <a:cs typeface="Courier New" panose="02070309020205020404" pitchFamily="49" charset="0"/>
+              </a:endParaRPr>
+            </a:p>
+          </p:txBody>
+        </p:sp>
+        <p:sp>
+          <p:nvSpPr>
+            <p:cNvPr id="55" name="Rectangle 54"/>
+            <p:cNvSpPr/>
+            <p:nvPr/>
+          </p:nvSpPr>
+          <p:spPr>
+            <a:xfrm>
+              <a:off x="1143000" y="1219200"/>
+              <a:ext cx="3200400" cy="1295400"/>
+            </a:xfrm>
+            <a:prstGeom prst="rect">
+              <a:avLst/>
+            </a:prstGeom>
+          </p:spPr>
+          <p:style>
+            <a:lnRef idx="2">
+              <a:schemeClr val="accent1"/>
+            </a:lnRef>
+            <a:fillRef idx="1">
+              <a:schemeClr val="lt1"/>
+            </a:fillRef>
+            <a:effectRef idx="0">
+              <a:schemeClr val="accent1"/>
+            </a:effectRef>
+            <a:fontRef idx="minor">
+              <a:schemeClr val="dk1"/>
+            </a:fontRef>
+          </p:style>
+          <p:txBody>
+            <a:bodyPr rtlCol="0" anchor="ctr"/>
+            <a:lstStyle/>
+            <a:p>
+              <a:pPr algn="ctr"/>
+              <a:r>
+                <a:rPr lang="en-US" sz="1400" dirty="0" smtClean="0"/>
+                <a:t>Experiment Protocol</a:t>
+              </a:r>
+            </a:p>
+            <a:p>
+              <a:pPr algn="ctr"/>
+              <a:r>
+                <a:rPr lang="en-US" sz="1400" dirty="0" err="1" smtClean="0">
+                  <a:latin typeface="Courier New" panose="02070309020205020404" pitchFamily="49" charset="0"/>
+                  <a:cs typeface="Courier New" panose="02070309020205020404" pitchFamily="49" charset="0"/>
+                </a:rPr>
+                <a:t>ep_ExperimentDesign</a:t>
+              </a:r>
+              <a:endParaRPr lang="en-CA" sz="1400" dirty="0">
+                <a:latin typeface="Courier New" panose="02070309020205020404" pitchFamily="49" charset="0"/>
+                <a:cs typeface="Courier New" panose="02070309020205020404" pitchFamily="49" charset="0"/>
+              </a:endParaRPr>
+            </a:p>
+          </p:txBody>
+        </p:sp>
+        <p:sp>
+          <p:nvSpPr>
+            <p:cNvPr id="56" name="Rectangle 55"/>
+            <p:cNvSpPr/>
+            <p:nvPr/>
+          </p:nvSpPr>
+          <p:spPr>
+            <a:xfrm>
+              <a:off x="1295400" y="1371600"/>
+              <a:ext cx="3200400" cy="1295400"/>
+            </a:xfrm>
+            <a:prstGeom prst="rect">
+              <a:avLst/>
+            </a:prstGeom>
+          </p:spPr>
+          <p:style>
+            <a:lnRef idx="2">
+              <a:schemeClr val="accent1"/>
+            </a:lnRef>
+            <a:fillRef idx="1">
+              <a:schemeClr val="lt1"/>
+            </a:fillRef>
+            <a:effectRef idx="0">
+              <a:schemeClr val="accent1"/>
+            </a:effectRef>
+            <a:fontRef idx="minor">
+              <a:schemeClr val="dk1"/>
+            </a:fontRef>
+          </p:style>
+          <p:txBody>
+            <a:bodyPr rtlCol="0" anchor="ctr"/>
+            <a:lstStyle/>
+            <a:p>
+              <a:pPr algn="ctr"/>
+              <a:r>
+                <a:rPr lang="en-US" sz="1400" dirty="0" smtClean="0"/>
+                <a:t>Experiment Protocol</a:t>
+              </a:r>
+            </a:p>
+            <a:p>
+              <a:pPr algn="ctr"/>
+              <a:r>
+                <a:rPr lang="en-US" sz="1400" dirty="0" err="1" smtClean="0">
+                  <a:latin typeface="Courier New" panose="02070309020205020404" pitchFamily="49" charset="0"/>
+                  <a:cs typeface="Courier New" panose="02070309020205020404" pitchFamily="49" charset="0"/>
+                </a:rPr>
+                <a:t>ep_ExperimentDesign</a:t>
+              </a:r>
+              <a:endParaRPr lang="en-CA" sz="1400" dirty="0">
+                <a:latin typeface="Courier New" panose="02070309020205020404" pitchFamily="49" charset="0"/>
+                <a:cs typeface="Courier New" panose="02070309020205020404" pitchFamily="49" charset="0"/>
+              </a:endParaRPr>
+            </a:p>
+          </p:txBody>
+        </p:sp>
+        <p:sp>
+          <p:nvSpPr>
+            <p:cNvPr id="57" name="Rectangle 56"/>
+            <p:cNvSpPr/>
+            <p:nvPr/>
+          </p:nvSpPr>
+          <p:spPr>
+            <a:xfrm>
+              <a:off x="1447800" y="1524000"/>
+              <a:ext cx="3200400" cy="1295400"/>
+            </a:xfrm>
+            <a:prstGeom prst="rect">
+              <a:avLst/>
+            </a:prstGeom>
+          </p:spPr>
+          <p:style>
+            <a:lnRef idx="2">
+              <a:schemeClr val="accent1"/>
+            </a:lnRef>
+            <a:fillRef idx="1">
+              <a:schemeClr val="lt1"/>
+            </a:fillRef>
+            <a:effectRef idx="0">
+              <a:schemeClr val="accent1"/>
+            </a:effectRef>
+            <a:fontRef idx="minor">
+              <a:schemeClr val="dk1"/>
+            </a:fontRef>
+          </p:style>
+          <p:txBody>
+            <a:bodyPr rtlCol="0" anchor="ctr"/>
+            <a:lstStyle/>
+            <a:p>
+              <a:pPr algn="ctr"/>
+              <a:r>
+                <a:rPr lang="en-US" sz="1400" dirty="0" smtClean="0"/>
+                <a:t>Experiment Protocol</a:t>
+              </a:r>
+            </a:p>
+            <a:p>
+              <a:pPr algn="ctr"/>
+              <a:r>
+                <a:rPr lang="en-US" sz="1400" dirty="0" err="1" smtClean="0">
+                  <a:latin typeface="Courier New" panose="02070309020205020404" pitchFamily="49" charset="0"/>
+                  <a:cs typeface="Courier New" panose="02070309020205020404" pitchFamily="49" charset="0"/>
+                </a:rPr>
+                <a:t>ep_ExperimentDesign</a:t>
+              </a:r>
+              <a:endParaRPr lang="en-US" sz="1400" dirty="0" smtClean="0">
+                <a:latin typeface="Courier New" panose="02070309020205020404" pitchFamily="49" charset="0"/>
+                <a:cs typeface="Courier New" panose="02070309020205020404" pitchFamily="49" charset="0"/>
+              </a:endParaRPr>
+            </a:p>
+            <a:p>
+              <a:pPr algn="ctr"/>
+              <a:r>
+                <a:rPr lang="en-US" sz="1400" dirty="0" smtClean="0">
+                  <a:latin typeface="Courier New" panose="02070309020205020404" pitchFamily="49" charset="0"/>
+                  <a:cs typeface="Courier New" panose="02070309020205020404" pitchFamily="49" charset="0"/>
+                </a:rPr>
+                <a:t>(*.</a:t>
+              </a:r>
+              <a:r>
+                <a:rPr lang="en-US" sz="1400" dirty="0" err="1" smtClean="0">
+                  <a:latin typeface="Courier New" panose="02070309020205020404" pitchFamily="49" charset="0"/>
+                  <a:cs typeface="Courier New" panose="02070309020205020404" pitchFamily="49" charset="0"/>
+                </a:rPr>
+                <a:t>prot</a:t>
+              </a:r>
+              <a:r>
+                <a:rPr lang="en-US" sz="1400" dirty="0" smtClean="0">
+                  <a:latin typeface="Courier New" panose="02070309020205020404" pitchFamily="49" charset="0"/>
+                  <a:cs typeface="Courier New" panose="02070309020205020404" pitchFamily="49" charset="0"/>
+                </a:rPr>
+                <a:t>)</a:t>
+              </a:r>
+              <a:endParaRPr lang="en-CA" sz="1400" dirty="0">
+                <a:latin typeface="Courier New" panose="02070309020205020404" pitchFamily="49" charset="0"/>
+                <a:cs typeface="Courier New" panose="02070309020205020404" pitchFamily="49" charset="0"/>
+              </a:endParaRPr>
+            </a:p>
+          </p:txBody>
+        </p:sp>
+      </p:grpSp>
+      <p:sp>
+        <p:nvSpPr>
+          <p:cNvPr id="59" name="Rectangle 58"/>
+          <p:cNvSpPr/>
+          <p:nvPr/>
+        </p:nvSpPr>
+        <p:spPr>
+          <a:xfrm>
+            <a:off x="3794096" y="5166898"/>
+            <a:ext cx="2530504" cy="1005302"/>
+          </a:xfrm>
+          <a:prstGeom prst="rect">
+            <a:avLst/>
+          </a:prstGeom>
+        </p:spPr>
+        <p:style>
+          <a:lnRef idx="2">
+            <a:schemeClr val="accent1"/>
+          </a:lnRef>
+          <a:fillRef idx="1">
+            <a:schemeClr val="lt1"/>
+          </a:fillRef>
+          <a:effectRef idx="0">
+            <a:schemeClr val="accent1"/>
+          </a:effectRef>
+          <a:fontRef idx="minor">
+            <a:schemeClr val="dk1"/>
+          </a:fontRef>
+        </p:style>
+        <p:txBody>
+          <a:bodyPr rtlCol="0" anchor="ctr"/>
+          <a:lstStyle/>
+          <a:p>
+            <a:pPr algn="ctr"/>
+            <a:r>
+              <a:rPr lang="en-US" sz="1400" dirty="0" smtClean="0"/>
+              <a:t>Behavior/Electrophysiology</a:t>
+            </a:r>
+          </a:p>
+          <a:p>
+            <a:pPr algn="ctr"/>
+            <a:r>
+              <a:rPr lang="en-US" sz="1400" dirty="0" err="1" smtClean="0">
+                <a:solidFill>
+                  <a:schemeClr val="accent1"/>
+                </a:solidFill>
+                <a:latin typeface="Courier New" panose="02070309020205020404" pitchFamily="49" charset="0"/>
+                <a:cs typeface="Courier New" panose="02070309020205020404" pitchFamily="49" charset="0"/>
+              </a:rPr>
+              <a:t>ep_RunExpt</a:t>
+            </a:r>
+            <a:r>
+              <a:rPr lang="en-US" sz="1400" dirty="0" smtClean="0">
+                <a:solidFill>
+                  <a:schemeClr val="accent1"/>
+                </a:solidFill>
+                <a:latin typeface="Courier New" panose="02070309020205020404" pitchFamily="49" charset="0"/>
+                <a:cs typeface="Courier New" panose="02070309020205020404" pitchFamily="49" charset="0"/>
+              </a:rPr>
+              <a:t>/</a:t>
+            </a:r>
+            <a:r>
+              <a:rPr lang="en-US" sz="1400" dirty="0" err="1" smtClean="0">
+                <a:solidFill>
+                  <a:schemeClr val="accent1"/>
+                </a:solidFill>
+                <a:latin typeface="Courier New" panose="02070309020205020404" pitchFamily="49" charset="0"/>
+                <a:cs typeface="Courier New" panose="02070309020205020404" pitchFamily="49" charset="0"/>
+              </a:rPr>
+              <a:t>ep_EPhys</a:t>
+            </a:r>
+            <a:endParaRPr lang="en-US" sz="1400" dirty="0" smtClean="0">
+              <a:solidFill>
+                <a:schemeClr val="accent1"/>
+              </a:solidFill>
+              <a:latin typeface="Courier New" panose="02070309020205020404" pitchFamily="49" charset="0"/>
+              <a:cs typeface="Courier New" panose="02070309020205020404" pitchFamily="49" charset="0"/>
+            </a:endParaRPr>
+          </a:p>
+        </p:txBody>
+      </p:sp>
+      <p:sp>
+        <p:nvSpPr>
+          <p:cNvPr id="27" name="Down Arrow 26"/>
+          <p:cNvSpPr/>
+          <p:nvPr/>
+        </p:nvSpPr>
+        <p:spPr>
+          <a:xfrm>
+            <a:off x="4892171" y="4598134"/>
+            <a:ext cx="328916" cy="457200"/>
+          </a:xfrm>
+          <a:prstGeom prst="downArrow">
+            <a:avLst/>
+          </a:prstGeom>
+          <a:ln w="12700"/>
+        </p:spPr>
+        <p:style>
+          <a:lnRef idx="1">
+            <a:schemeClr val="accent5"/>
+          </a:lnRef>
+          <a:fillRef idx="2">
+            <a:schemeClr val="accent5"/>
+          </a:fillRef>
+          <a:effectRef idx="1">
+            <a:schemeClr val="accent5"/>
+          </a:effectRef>
+          <a:fontRef idx="minor">
+            <a:schemeClr val="dk1"/>
+          </a:fontRef>
+        </p:style>
+        <p:txBody>
+          <a:bodyPr rtlCol="0" anchor="ctr"/>
+          <a:lstStyle/>
+          <a:p>
+            <a:pPr algn="ctr"/>
+            <a:endParaRPr lang="en-CA"/>
+          </a:p>
+        </p:txBody>
+      </p:sp>
+      <p:sp>
+        <p:nvSpPr>
+          <p:cNvPr id="28" name="Down Arrow 27"/>
+          <p:cNvSpPr/>
+          <p:nvPr/>
+        </p:nvSpPr>
+        <p:spPr>
+          <a:xfrm>
+            <a:off x="4900662" y="2705162"/>
+            <a:ext cx="328916" cy="457200"/>
+          </a:xfrm>
+          <a:prstGeom prst="downArrow">
+            <a:avLst/>
+          </a:prstGeom>
+          <a:ln w="12700"/>
+        </p:spPr>
+        <p:style>
+          <a:lnRef idx="1">
+            <a:schemeClr val="accent5"/>
+          </a:lnRef>
+          <a:fillRef idx="2">
+            <a:schemeClr val="accent5"/>
+          </a:fillRef>
+          <a:effectRef idx="1">
+            <a:schemeClr val="accent5"/>
+          </a:effectRef>
+          <a:fontRef idx="minor">
+            <a:schemeClr val="dk1"/>
+          </a:fontRef>
+        </p:style>
+        <p:txBody>
+          <a:bodyPr rtlCol="0" anchor="ctr"/>
+          <a:lstStyle/>
+          <a:p>
+            <a:pPr algn="ctr"/>
+            <a:endParaRPr lang="en-CA"/>
+          </a:p>
+        </p:txBody>
+      </p:sp>
+      <p:sp>
+        <p:nvSpPr>
+          <p:cNvPr id="18" name="Rectangle 17"/>
+          <p:cNvSpPr/>
+          <p:nvPr/>
+        </p:nvSpPr>
+        <p:spPr>
+          <a:xfrm>
+            <a:off x="528912" y="123963"/>
+            <a:ext cx="4551759" cy="646331"/>
+          </a:xfrm>
+          <a:prstGeom prst="rect">
+            <a:avLst/>
+          </a:prstGeom>
+        </p:spPr>
+        <p:txBody>
+          <a:bodyPr wrap="none">
+            <a:spAutoFit/>
+          </a:bodyPr>
+          <a:lstStyle/>
+          <a:p>
+            <a:r>
+              <a:rPr lang="en-CA" sz="3600" dirty="0" smtClean="0"/>
+              <a:t>Running an Experiment</a:t>
+            </a:r>
+            <a:endParaRPr lang="en-CA" sz="3600" dirty="0"/>
+          </a:p>
+        </p:txBody>
+      </p:sp>
+      <p:sp>
+        <p:nvSpPr>
+          <p:cNvPr id="25" name="Down Arrow 24"/>
+          <p:cNvSpPr/>
+          <p:nvPr/>
+        </p:nvSpPr>
+        <p:spPr>
+          <a:xfrm rot="16200000">
+            <a:off x="1689856" y="4540047"/>
+            <a:ext cx="959390" cy="2152516"/>
+          </a:xfrm>
+          <a:prstGeom prst="downArrow">
+            <a:avLst/>
+          </a:prstGeom>
+          <a:ln/>
+        </p:spPr>
+        <p:style>
+          <a:lnRef idx="1">
+            <a:schemeClr val="accent2"/>
+          </a:lnRef>
+          <a:fillRef idx="2">
+            <a:schemeClr val="accent2"/>
+          </a:fillRef>
+          <a:effectRef idx="1">
+            <a:schemeClr val="accent2"/>
+          </a:effectRef>
+          <a:fontRef idx="minor">
+            <a:schemeClr val="dk1"/>
+          </a:fontRef>
+        </p:style>
+        <p:txBody>
+          <a:bodyPr rtlCol="0" anchor="ctr"/>
+          <a:lstStyle/>
+          <a:p>
+            <a:pPr algn="ctr"/>
+            <a:endParaRPr lang="en-CA"/>
+          </a:p>
+        </p:txBody>
+      </p:sp>
+    </p:spTree>
+    <p:extLst>
+      <p:ext uri="{BB962C8B-B14F-4D97-AF65-F5344CB8AC3E}">
+        <p14:creationId xmlns:p14="http://schemas.microsoft.com/office/powerpoint/2010/main" val="903306745"/>
+      </p:ext>
+    </p:extLst>
+  </p:cSld>
+  <p:clrMapOvr>
+    <a:masterClrMapping/>
+  </p:clrMapOvr>
+  <p:timing>
+    <p:tnLst>
+      <p:par>
+        <p:cTn id="1" dur="indefinite" restart="never" nodeType="tmRoot"/>
+      </p:par>
+    </p:tnLst>
+  </p:timing>
+</p:sld>
+</file>
+
+<file path=ppt/slides/slide35.xml><?xml version="1.0" encoding="utf-8"?>
+<p:sld xmlns:a="http://schemas.openxmlformats.org/drawingml/2006/main" xmlns:r="http://schemas.openxmlformats.org/officeDocument/2006/relationships" xmlns:p="http://schemas.openxmlformats.org/presentationml/2006/main">
+  <p:cSld>
+    <p:spTree>
+      <p:nvGrpSpPr>
+        <p:cNvPr id="1" name=""/>
+        <p:cNvGrpSpPr/>
+        <p:nvPr/>
+      </p:nvGrpSpPr>
+      <p:grpSpPr>
+        <a:xfrm>
+          <a:off x="0" y="0"/>
+          <a:ext cx="0" cy="0"/>
+          <a:chOff x="0" y="0"/>
+          <a:chExt cx="0" cy="0"/>
+        </a:xfrm>
+      </p:grpSpPr>
+      <p:sp>
+        <p:nvSpPr>
+          <p:cNvPr id="2" name="Rectangle 1"/>
+          <p:cNvSpPr/>
+          <p:nvPr/>
+        </p:nvSpPr>
+        <p:spPr>
+          <a:xfrm>
+            <a:off x="914400" y="838200"/>
+            <a:ext cx="3477747" cy="646331"/>
+          </a:xfrm>
+          <a:prstGeom prst="rect">
+            <a:avLst/>
+          </a:prstGeom>
+        </p:spPr>
+        <p:txBody>
+          <a:bodyPr wrap="none">
+            <a:spAutoFit/>
+          </a:bodyPr>
+          <a:lstStyle/>
+          <a:p>
+            <a:r>
+              <a:rPr lang="en-CA" sz="3600" dirty="0"/>
+              <a:t>Electrophysiology</a:t>
+            </a:r>
+          </a:p>
+        </p:txBody>
+      </p:sp>
+      <p:sp>
+        <p:nvSpPr>
+          <p:cNvPr id="3" name="TextBox 2"/>
+          <p:cNvSpPr txBox="1"/>
+          <p:nvPr/>
+        </p:nvSpPr>
+        <p:spPr>
+          <a:xfrm>
+            <a:off x="2205645" y="1600200"/>
+            <a:ext cx="2712719" cy="646331"/>
+          </a:xfrm>
+          <a:prstGeom prst="rect">
+            <a:avLst/>
+          </a:prstGeom>
+          <a:noFill/>
+        </p:spPr>
+        <p:txBody>
+          <a:bodyPr wrap="square" rtlCol="0">
+            <a:spAutoFit/>
+          </a:bodyPr>
+          <a:lstStyle/>
+          <a:p>
+            <a:r>
+              <a:rPr lang="en-CA" sz="3600" dirty="0" err="1" smtClean="0">
+                <a:solidFill>
+                  <a:schemeClr val="accent1"/>
+                </a:solidFill>
+                <a:latin typeface="Courier New" panose="02070309020205020404" pitchFamily="49" charset="0"/>
+                <a:cs typeface="Courier New" panose="02070309020205020404" pitchFamily="49" charset="0"/>
+              </a:rPr>
+              <a:t>ep_EPhys</a:t>
+            </a:r>
+            <a:endParaRPr lang="en-CA" sz="3600" dirty="0">
+              <a:solidFill>
+                <a:schemeClr val="accent1"/>
+              </a:solidFill>
+              <a:latin typeface="Courier New" panose="02070309020205020404" pitchFamily="49" charset="0"/>
+              <a:cs typeface="Courier New" panose="02070309020205020404" pitchFamily="49" charset="0"/>
+            </a:endParaRPr>
+          </a:p>
+        </p:txBody>
+      </p:sp>
+      <p:sp>
+        <p:nvSpPr>
+          <p:cNvPr id="4" name="Rectangle 3"/>
+          <p:cNvSpPr/>
+          <p:nvPr/>
+        </p:nvSpPr>
+        <p:spPr>
+          <a:xfrm>
+            <a:off x="914400" y="3776396"/>
+            <a:ext cx="7695889" cy="646331"/>
+          </a:xfrm>
+          <a:prstGeom prst="rect">
+            <a:avLst/>
+          </a:prstGeom>
+        </p:spPr>
+        <p:txBody>
+          <a:bodyPr wrap="none">
+            <a:spAutoFit/>
+          </a:bodyPr>
+          <a:lstStyle/>
+          <a:p>
+            <a:r>
+              <a:rPr lang="en-CA" sz="3600" dirty="0" smtClean="0"/>
+              <a:t>Behavior / Behavior &amp; Electrophysiology</a:t>
+            </a:r>
+            <a:endParaRPr lang="en-CA" sz="3600" dirty="0"/>
+          </a:p>
+        </p:txBody>
+      </p:sp>
+      <p:sp>
+        <p:nvSpPr>
+          <p:cNvPr id="5" name="TextBox 4"/>
+          <p:cNvSpPr txBox="1"/>
+          <p:nvPr/>
+        </p:nvSpPr>
+        <p:spPr>
+          <a:xfrm>
+            <a:off x="2286000" y="4535273"/>
+            <a:ext cx="3703319" cy="646331"/>
+          </a:xfrm>
+          <a:prstGeom prst="rect">
+            <a:avLst/>
+          </a:prstGeom>
+          <a:noFill/>
+        </p:spPr>
+        <p:txBody>
+          <a:bodyPr wrap="square" rtlCol="0">
+            <a:spAutoFit/>
+          </a:bodyPr>
+          <a:lstStyle/>
+          <a:p>
+            <a:r>
+              <a:rPr lang="en-CA" sz="3600" dirty="0" err="1" smtClean="0">
+                <a:solidFill>
+                  <a:schemeClr val="accent1"/>
+                </a:solidFill>
+                <a:latin typeface="Courier New" panose="02070309020205020404" pitchFamily="49" charset="0"/>
+                <a:cs typeface="Courier New" panose="02070309020205020404" pitchFamily="49" charset="0"/>
+              </a:rPr>
+              <a:t>ep_RunExpt</a:t>
+            </a:r>
+            <a:endParaRPr lang="en-CA" sz="3600" dirty="0">
+              <a:solidFill>
+                <a:schemeClr val="accent1"/>
+              </a:solidFill>
+              <a:latin typeface="Courier New" panose="02070309020205020404" pitchFamily="49" charset="0"/>
+              <a:cs typeface="Courier New" panose="02070309020205020404" pitchFamily="49" charset="0"/>
+            </a:endParaRPr>
+          </a:p>
+        </p:txBody>
+      </p:sp>
+    </p:spTree>
+    <p:extLst>
+      <p:ext uri="{BB962C8B-B14F-4D97-AF65-F5344CB8AC3E}">
+        <p14:creationId xmlns:p14="http://schemas.microsoft.com/office/powerpoint/2010/main" val="3877248223"/>
+      </p:ext>
+    </p:extLst>
+  </p:cSld>
+  <p:clrMapOvr>
+    <a:masterClrMapping/>
+  </p:clrMapOvr>
+  <p:timing>
+    <p:tnLst>
+      <p:par>
+        <p:cTn id="1" dur="indefinite" restart="never" nodeType="tmRoot"/>
+      </p:par>
+    </p:tnLst>
+  </p:timing>
+</p:sld>
+</file>
+
+<file path=ppt/slides/slide36.xml><?xml version="1.0" encoding="utf-8"?>
+<p:sld xmlns:a="http://schemas.openxmlformats.org/drawingml/2006/main" xmlns:r="http://schemas.openxmlformats.org/officeDocument/2006/relationships" xmlns:p="http://schemas.openxmlformats.org/presentationml/2006/main">
+  <p:cSld>
+    <p:spTree>
+      <p:nvGrpSpPr>
+        <p:cNvPr id="1" name=""/>
+        <p:cNvGrpSpPr/>
+        <p:nvPr/>
+      </p:nvGrpSpPr>
+      <p:grpSpPr>
+        <a:xfrm>
+          <a:off x="0" y="0"/>
+          <a:ext cx="0" cy="0"/>
+          <a:chOff x="0" y="0"/>
+          <a:chExt cx="0" cy="0"/>
+        </a:xfrm>
+      </p:grpSpPr>
+      <p:pic>
+        <p:nvPicPr>
+          <p:cNvPr id="2" name="Picture 1" descr="EPhys"/>
+          <p:cNvPicPr>
+            <a:picLocks noChangeAspect="1"/>
+          </p:cNvPicPr>
+          <p:nvPr/>
+        </p:nvPicPr>
+        <p:blipFill rotWithShape="1">
+          <a:blip r:embed="rId2">
+            <a:extLst>
+              <a:ext uri="{28A0092B-C50C-407E-A947-70E740481C1C}">
+                <a14:useLocalDpi xmlns:a14="http://schemas.microsoft.com/office/drawing/2010/main" val="0"/>
+              </a:ext>
+            </a:extLst>
+          </a:blip>
+          <a:srcRect r="33376" b="34275"/>
+          <a:stretch/>
+        </p:blipFill>
+        <p:spPr>
+          <a:xfrm>
+            <a:off x="533400" y="914400"/>
+            <a:ext cx="4654679" cy="5736960"/>
+          </a:xfrm>
+          <a:prstGeom prst="rect">
+            <a:avLst/>
+          </a:prstGeom>
+        </p:spPr>
+      </p:pic>
+      <p:pic>
+        <p:nvPicPr>
+          <p:cNvPr id="3" name="Picture 2" descr="TDT_TTankInterface"/>
+          <p:cNvPicPr>
+            <a:picLocks noChangeAspect="1"/>
+          </p:cNvPicPr>
+          <p:nvPr/>
+        </p:nvPicPr>
+        <p:blipFill rotWithShape="1">
+          <a:blip r:embed="rId3">
+            <a:extLst>
+              <a:ext uri="{28A0092B-C50C-407E-A947-70E740481C1C}">
+                <a14:useLocalDpi xmlns:a14="http://schemas.microsoft.com/office/drawing/2010/main" val="0"/>
+              </a:ext>
+            </a:extLst>
+          </a:blip>
+          <a:srcRect r="33576" b="33658"/>
+          <a:stretch/>
+        </p:blipFill>
+        <p:spPr>
+          <a:xfrm>
+            <a:off x="4191000" y="990600"/>
+            <a:ext cx="4356974" cy="5735101"/>
+          </a:xfrm>
+          <a:prstGeom prst="rect">
+            <a:avLst/>
+          </a:prstGeom>
+          <a:effectLst>
+            <a:outerShdw blurRad="50800" dist="38100" dir="8100000" algn="tr" rotWithShape="0">
+              <a:prstClr val="black">
+                <a:alpha val="40000"/>
+              </a:prstClr>
+            </a:outerShdw>
+          </a:effectLst>
+        </p:spPr>
+      </p:pic>
+      <p:sp>
+        <p:nvSpPr>
+          <p:cNvPr id="4" name="TextBox 3"/>
+          <p:cNvSpPr txBox="1"/>
+          <p:nvPr/>
+        </p:nvSpPr>
+        <p:spPr>
+          <a:xfrm>
+            <a:off x="762000" y="152400"/>
+            <a:ext cx="2712719" cy="646331"/>
+          </a:xfrm>
+          <a:prstGeom prst="rect">
+            <a:avLst/>
+          </a:prstGeom>
+          <a:noFill/>
+        </p:spPr>
+        <p:txBody>
+          <a:bodyPr wrap="square" rtlCol="0">
+            <a:spAutoFit/>
+          </a:bodyPr>
+          <a:lstStyle/>
+          <a:p>
+            <a:r>
+              <a:rPr lang="en-CA" sz="3600" dirty="0" err="1" smtClean="0">
+                <a:solidFill>
+                  <a:schemeClr val="accent1"/>
+                </a:solidFill>
+                <a:latin typeface="Courier New" panose="02070309020205020404" pitchFamily="49" charset="0"/>
+                <a:cs typeface="Courier New" panose="02070309020205020404" pitchFamily="49" charset="0"/>
+              </a:rPr>
+              <a:t>ep_EPhys</a:t>
+            </a:r>
+            <a:endParaRPr lang="en-CA" sz="3600" dirty="0">
+              <a:solidFill>
+                <a:schemeClr val="accent1"/>
+              </a:solidFill>
+              <a:latin typeface="Courier New" panose="02070309020205020404" pitchFamily="49" charset="0"/>
+              <a:cs typeface="Courier New" panose="02070309020205020404" pitchFamily="49" charset="0"/>
+            </a:endParaRPr>
+          </a:p>
+        </p:txBody>
+      </p:sp>
+      <p:sp>
+        <p:nvSpPr>
+          <p:cNvPr id="5" name="Oval 4"/>
+          <p:cNvSpPr/>
+          <p:nvPr/>
+        </p:nvSpPr>
+        <p:spPr>
+          <a:xfrm>
+            <a:off x="6705600" y="5334000"/>
+            <a:ext cx="1524000" cy="533400"/>
+          </a:xfrm>
+          <a:prstGeom prst="ellipse">
+            <a:avLst/>
+          </a:prstGeom>
+          <a:noFill/>
+          <a:ln w="28575">
+            <a:solidFill>
+              <a:srgbClr val="FF0000"/>
+            </a:solidFill>
+            <a:prstDash val="dash"/>
+          </a:ln>
+        </p:spPr>
+        <p:style>
+          <a:lnRef idx="2">
+            <a:schemeClr val="accent1">
+              <a:shade val="50000"/>
+            </a:schemeClr>
+          </a:lnRef>
+          <a:fillRef idx="1">
+            <a:schemeClr val="accent1"/>
+          </a:fillRef>
+          <a:effectRef idx="0">
+            <a:schemeClr val="accent1"/>
+          </a:effectRef>
+          <a:fontRef idx="minor">
+            <a:schemeClr val="lt1"/>
+          </a:fontRef>
+        </p:style>
+        <p:txBody>
+          <a:bodyPr rtlCol="0" anchor="ctr"/>
+          <a:lstStyle/>
+          <a:p>
+            <a:pPr algn="ctr"/>
+            <a:endParaRPr lang="en-CA"/>
+          </a:p>
+        </p:txBody>
+      </p:sp>
+    </p:spTree>
+    <p:extLst>
+      <p:ext uri="{BB962C8B-B14F-4D97-AF65-F5344CB8AC3E}">
+        <p14:creationId xmlns:p14="http://schemas.microsoft.com/office/powerpoint/2010/main" val="2521276620"/>
+      </p:ext>
+    </p:extLst>
+  </p:cSld>
+  <p:clrMapOvr>
+    <a:masterClrMapping/>
+  </p:clrMapOvr>
+  <p:timing>
+    <p:tnLst>
+      <p:par>
+        <p:cTn id="1" dur="indefinite" restart="never" nodeType="tmRoot">
+          <p:childTnLst>
+            <p:seq concurrent="1" nextAc="seek">
+              <p:cTn id="2" dur="indefinite" nodeType="mainSeq">
+                <p:childTnLst>
+                  <p:par>
+                    <p:cTn id="3" fill="hold">
+                      <p:stCondLst>
+                        <p:cond delay="indefinite"/>
+                      </p:stCondLst>
+                      <p:childTnLst>
+                        <p:par>
+                          <p:cTn id="4" fill="hold">
+                            <p:stCondLst>
+                              <p:cond delay="0"/>
+                            </p:stCondLst>
+                            <p:childTnLst>
+                              <p:par>
+                                <p:cTn id="5" presetID="10" presetClass="entr" presetSubtype="0" fill="hold" nodeType="clickEffect">
+                                  <p:stCondLst>
+                                    <p:cond delay="0"/>
+                                  </p:stCondLst>
+                                  <p:childTnLst>
+                                    <p:set>
+                                      <p:cBhvr>
+                                        <p:cTn id="6" dur="1" fill="hold">
+                                          <p:stCondLst>
+                                            <p:cond delay="0"/>
+                                          </p:stCondLst>
+                                        </p:cTn>
+                                        <p:tgtEl>
+                                          <p:spTgt spid="3"/>
+                                        </p:tgtEl>
+                                        <p:attrNameLst>
+                                          <p:attrName>style.visibility</p:attrName>
+                                        </p:attrNameLst>
+                                      </p:cBhvr>
+                                      <p:to>
+                                        <p:strVal val="visible"/>
+                                      </p:to>
+                                    </p:set>
+                                    <p:animEffect transition="in" filter="fade">
+                                      <p:cBhvr>
+                                        <p:cTn id="7" dur="500"/>
+                                        <p:tgtEl>
+                                          <p:spTgt spid="3"/>
+                                        </p:tgtEl>
+                                      </p:cBhvr>
+                                    </p:animEffect>
+                                  </p:childTnLst>
+                                </p:cTn>
+                              </p:par>
+                            </p:childTnLst>
+                          </p:cTn>
+                        </p:par>
+                        <p:par>
+                          <p:cTn id="8" fill="hold">
+                            <p:stCondLst>
+                              <p:cond delay="500"/>
+                            </p:stCondLst>
+                            <p:childTnLst>
+                              <p:par>
+                                <p:cTn id="9" presetID="53" presetClass="entr" presetSubtype="16" fill="hold" grpId="0" nodeType="afterEffect">
+                                  <p:stCondLst>
+                                    <p:cond delay="0"/>
+                                  </p:stCondLst>
+                                  <p:childTnLst>
+                                    <p:set>
+                                      <p:cBhvr>
+                                        <p:cTn id="10" dur="1" fill="hold">
+                                          <p:stCondLst>
+                                            <p:cond delay="0"/>
+                                          </p:stCondLst>
+                                        </p:cTn>
+                                        <p:tgtEl>
+                                          <p:spTgt spid="5"/>
+                                        </p:tgtEl>
+                                        <p:attrNameLst>
+                                          <p:attrName>style.visibility</p:attrName>
+                                        </p:attrNameLst>
+                                      </p:cBhvr>
+                                      <p:to>
+                                        <p:strVal val="visible"/>
+                                      </p:to>
+                                    </p:set>
+                                    <p:anim calcmode="lin" valueType="num">
+                                      <p:cBhvr>
+                                        <p:cTn id="11" dur="500" fill="hold"/>
+                                        <p:tgtEl>
+                                          <p:spTgt spid="5"/>
+                                        </p:tgtEl>
+                                        <p:attrNameLst>
+                                          <p:attrName>ppt_w</p:attrName>
+                                        </p:attrNameLst>
+                                      </p:cBhvr>
+                                      <p:tavLst>
+                                        <p:tav tm="0">
+                                          <p:val>
+                                            <p:fltVal val="0"/>
+                                          </p:val>
+                                        </p:tav>
+                                        <p:tav tm="100000">
+                                          <p:val>
+                                            <p:strVal val="#ppt_w"/>
+                                          </p:val>
+                                        </p:tav>
+                                      </p:tavLst>
+                                    </p:anim>
+                                    <p:anim calcmode="lin" valueType="num">
+                                      <p:cBhvr>
+                                        <p:cTn id="12" dur="500" fill="hold"/>
+                                        <p:tgtEl>
+                                          <p:spTgt spid="5"/>
+                                        </p:tgtEl>
+                                        <p:attrNameLst>
+                                          <p:attrName>ppt_h</p:attrName>
+                                        </p:attrNameLst>
+                                      </p:cBhvr>
+                                      <p:tavLst>
+                                        <p:tav tm="0">
+                                          <p:val>
+                                            <p:fltVal val="0"/>
+                                          </p:val>
+                                        </p:tav>
+                                        <p:tav tm="100000">
+                                          <p:val>
+                                            <p:strVal val="#ppt_h"/>
+                                          </p:val>
+                                        </p:tav>
+                                      </p:tavLst>
+                                    </p:anim>
+                                    <p:animEffect transition="in" filter="fade">
+                                      <p:cBhvr>
+                                        <p:cTn id="13" dur="500"/>
+                                        <p:tgtEl>
+                                          <p:spTgt spid="5"/>
+                                        </p:tgtEl>
+                                      </p:cBhvr>
+                                    </p:animEffect>
+                                  </p:childTnLst>
+                                </p:cTn>
+                              </p:par>
+                            </p:childTnLst>
+                          </p:cTn>
+                        </p:par>
+                      </p:childTnLst>
+                    </p:cTn>
+                  </p:par>
+                </p:childTnLst>
+              </p:cTn>
+              <p:prevCondLst>
+                <p:cond evt="onPrev" delay="0">
+                  <p:tgtEl>
+                    <p:sldTgt/>
+                  </p:tgtEl>
+                </p:cond>
+              </p:prevCondLst>
+              <p:nextCondLst>
+                <p:cond evt="onNext" delay="0">
+                  <p:tgtEl>
+                    <p:sldTgt/>
+                  </p:tgtEl>
+                </p:cond>
+              </p:nextCondLst>
+            </p:seq>
+          </p:childTnLst>
+        </p:cTn>
+      </p:par>
+    </p:tnLst>
+    <p:bldLst>
+      <p:bldP spid="5" grpId="0" animBg="1"/>
+    </p:bldLst>
+  </p:timing>
+</p:sld>
+</file>
+
+<file path=ppt/slides/slide37.xml><?xml version="1.0" encoding="utf-8"?>
+<p:sld xmlns:a="http://schemas.openxmlformats.org/drawingml/2006/main" xmlns:r="http://schemas.openxmlformats.org/officeDocument/2006/relationships" xmlns:p="http://schemas.openxmlformats.org/presentationml/2006/main">
+  <p:cSld>
+    <p:spTree>
+      <p:nvGrpSpPr>
+        <p:cNvPr id="1" name=""/>
+        <p:cNvGrpSpPr/>
+        <p:nvPr/>
+      </p:nvGrpSpPr>
+      <p:grpSpPr>
+        <a:xfrm>
+          <a:off x="0" y="0"/>
+          <a:ext cx="0" cy="0"/>
+          <a:chOff x="0" y="0"/>
+          <a:chExt cx="0" cy="0"/>
+        </a:xfrm>
+      </p:grpSpPr>
       <p:pic>
         <p:nvPicPr>
           <p:cNvPr id="2" name="Picture 1" descr="Run Experiment"/>
@@ -15163,7 +18300,7 @@
         </p:nvSpPr>
         <p:spPr>
           <a:xfrm>
-            <a:off x="838200" y="228600"/>
+            <a:off x="838200" y="147013"/>
             <a:ext cx="3703319" cy="646331"/>
           </a:xfrm>
           <a:prstGeom prst="rect">
@@ -15612,7 +18749,7 @@
 </p:sld>
 </file>
 
-<file path=ppt/slides/slide31.xml><?xml version="1.0" encoding="utf-8"?>
+<file path=ppt/slides/slide38.xml><?xml version="1.0" encoding="utf-8"?>
 <p:sld xmlns:a="http://schemas.openxmlformats.org/drawingml/2006/main" xmlns:r="http://schemas.openxmlformats.org/officeDocument/2006/relationships" xmlns:p="http://schemas.openxmlformats.org/presentationml/2006/main">
   <p:cSld>
     <p:spTree>
@@ -15629,40 +18766,286 @@
           <a:chExt cx="0" cy="0"/>
         </a:xfrm>
       </p:grpSpPr>
-      <p:pic>
-        <p:nvPicPr>
-          <p:cNvPr id="2" name="Picture 1" descr="Screen Clipping"/>
-          <p:cNvPicPr>
-            <a:picLocks noChangeAspect="1"/>
-          </p:cNvPicPr>
-          <p:nvPr/>
-        </p:nvPicPr>
-        <p:blipFill>
-          <a:blip r:embed="rId2">
-            <a:extLst>
-              <a:ext uri="{28A0092B-C50C-407E-A947-70E740481C1C}">
-                <a14:useLocalDpi xmlns:a14="http://schemas.microsoft.com/office/drawing/2010/main" val="0"/>
-              </a:ext>
-            </a:extLst>
-          </a:blip>
-          <a:stretch>
-            <a:fillRect/>
-          </a:stretch>
-        </p:blipFill>
-        <p:spPr>
-          <a:xfrm>
-            <a:off x="685800" y="1066800"/>
-            <a:ext cx="7790568" cy="5546885"/>
+      <p:sp>
+        <p:nvSpPr>
+          <p:cNvPr id="2" name="TextBox 1"/>
+          <p:cNvSpPr txBox="1"/>
+          <p:nvPr/>
+        </p:nvSpPr>
+        <p:spPr>
+          <a:xfrm>
+            <a:off x="457200" y="1143000"/>
+            <a:ext cx="7772400" cy="5078313"/>
           </a:xfrm>
           <a:prstGeom prst="rect">
             <a:avLst/>
           </a:prstGeom>
-        </p:spPr>
-      </p:pic>
+          <a:noFill/>
+        </p:spPr>
+        <p:txBody>
+          <a:bodyPr wrap="square" rtlCol="0">
+            <a:spAutoFit/>
+          </a:bodyPr>
+          <a:lstStyle/>
+          <a:p>
+            <a:pPr marL="285750" indent="-285750">
+              <a:buFont typeface="Arial" panose="020B0604020202020204" pitchFamily="34" charset="0"/>
+              <a:buChar char="•"/>
+            </a:pPr>
+            <a:r>
+              <a:rPr lang="en-CA" dirty="0" smtClean="0"/>
+              <a:t>A Matlab file is saved for each subjecting during the experiment.  The file has two data structures: </a:t>
+            </a:r>
+            <a:r>
+              <a:rPr lang="en-CA" b="1" dirty="0" smtClean="0">
+                <a:latin typeface="Courier New" panose="02070309020205020404" pitchFamily="49" charset="0"/>
+                <a:cs typeface="Courier New" panose="02070309020205020404" pitchFamily="49" charset="0"/>
+              </a:rPr>
+              <a:t>info</a:t>
+            </a:r>
+            <a:r>
+              <a:rPr lang="en-CA" b="1" dirty="0" smtClean="0"/>
+              <a:t> </a:t>
+            </a:r>
+            <a:r>
+              <a:rPr lang="en-CA" dirty="0" smtClean="0"/>
+              <a:t>and </a:t>
+            </a:r>
+            <a:r>
+              <a:rPr lang="en-CA" b="1" dirty="0" smtClean="0">
+                <a:latin typeface="Courier New" panose="02070309020205020404" pitchFamily="49" charset="0"/>
+                <a:cs typeface="Courier New" panose="02070309020205020404" pitchFamily="49" charset="0"/>
+              </a:rPr>
+              <a:t>data</a:t>
+            </a:r>
+          </a:p>
+          <a:p>
+            <a:pPr marL="742950" lvl="1" indent="-285750">
+              <a:buFont typeface="Arial" panose="020B0604020202020204" pitchFamily="34" charset="0"/>
+              <a:buChar char="•"/>
+            </a:pPr>
+            <a:endParaRPr lang="en-CA" dirty="0" smtClean="0">
+              <a:latin typeface="Courier New" panose="02070309020205020404" pitchFamily="49" charset="0"/>
+              <a:cs typeface="Courier New" panose="02070309020205020404" pitchFamily="49" charset="0"/>
+            </a:endParaRPr>
+          </a:p>
+          <a:p>
+            <a:pPr marL="742950" lvl="1" indent="-285750">
+              <a:buFont typeface="Arial" panose="020B0604020202020204" pitchFamily="34" charset="0"/>
+              <a:buChar char="•"/>
+            </a:pPr>
+            <a:r>
+              <a:rPr lang="en-CA" b="1" dirty="0" smtClean="0">
+                <a:latin typeface="Courier New" panose="02070309020205020404" pitchFamily="49" charset="0"/>
+                <a:cs typeface="Courier New" panose="02070309020205020404" pitchFamily="49" charset="0"/>
+              </a:rPr>
+              <a:t>info </a:t>
+            </a:r>
+            <a:r>
+              <a:rPr lang="en-CA" dirty="0" smtClean="0">
+                <a:cs typeface="Courier New" panose="02070309020205020404" pitchFamily="49" charset="0"/>
+              </a:rPr>
+              <a:t>contains fields with information about the experiment including when the experiment started, subject information, etc.</a:t>
+            </a:r>
+          </a:p>
+          <a:p>
+            <a:pPr marL="742950" lvl="1" indent="-285750">
+              <a:buFont typeface="Arial" panose="020B0604020202020204" pitchFamily="34" charset="0"/>
+              <a:buChar char="•"/>
+            </a:pPr>
+            <a:endParaRPr lang="en-CA" dirty="0" smtClean="0">
+              <a:latin typeface="Courier New" panose="02070309020205020404" pitchFamily="49" charset="0"/>
+              <a:cs typeface="Courier New" panose="02070309020205020404" pitchFamily="49" charset="0"/>
+            </a:endParaRPr>
+          </a:p>
+          <a:p>
+            <a:pPr marL="742950" lvl="1" indent="-285750">
+              <a:buFont typeface="Arial" panose="020B0604020202020204" pitchFamily="34" charset="0"/>
+              <a:buChar char="•"/>
+            </a:pPr>
+            <a:r>
+              <a:rPr lang="en-CA" b="1" dirty="0" smtClean="0">
+                <a:latin typeface="Courier New" panose="02070309020205020404" pitchFamily="49" charset="0"/>
+                <a:cs typeface="Courier New" panose="02070309020205020404" pitchFamily="49" charset="0"/>
+              </a:rPr>
+              <a:t>data </a:t>
+            </a:r>
+            <a:r>
+              <a:rPr lang="en-CA" dirty="0" smtClean="0">
+                <a:cs typeface="Courier New" panose="02070309020205020404" pitchFamily="49" charset="0"/>
+              </a:rPr>
+              <a:t>is an array structure with a field for each “read” parameter defined using the </a:t>
+            </a:r>
+            <a:r>
+              <a:rPr lang="en-CA" dirty="0" err="1" smtClean="0">
+                <a:latin typeface="Courier New" panose="02070309020205020404" pitchFamily="49" charset="0"/>
+                <a:cs typeface="Courier New" panose="02070309020205020404" pitchFamily="49" charset="0"/>
+              </a:rPr>
+              <a:t>ep_ExperimentDesign</a:t>
+            </a:r>
+            <a:r>
+              <a:rPr lang="en-CA" dirty="0" smtClean="0">
+                <a:latin typeface="Courier New" panose="02070309020205020404" pitchFamily="49" charset="0"/>
+                <a:cs typeface="Courier New" panose="02070309020205020404" pitchFamily="49" charset="0"/>
+              </a:rPr>
+              <a:t> </a:t>
+            </a:r>
+            <a:r>
+              <a:rPr lang="en-CA" dirty="0" smtClean="0">
+                <a:cs typeface="Courier New" panose="02070309020205020404" pitchFamily="49" charset="0"/>
+              </a:rPr>
+              <a:t>GUI. </a:t>
+            </a:r>
+          </a:p>
+          <a:p>
+            <a:pPr marL="1200150" lvl="2" indent="-285750">
+              <a:buFont typeface="Courier New" panose="02070309020205020404" pitchFamily="49" charset="0"/>
+              <a:buChar char="o"/>
+            </a:pPr>
+            <a:r>
+              <a:rPr lang="en-CA" dirty="0" smtClean="0">
+                <a:cs typeface="Courier New" panose="02070309020205020404" pitchFamily="49" charset="0"/>
+              </a:rPr>
+              <a:t>Each index of the array structure is a an experiment trial in sequence (ex: trial 5 is accessed using: </a:t>
+            </a:r>
+            <a:r>
+              <a:rPr lang="en-CA" dirty="0" smtClean="0">
+                <a:latin typeface="Courier New" panose="02070309020205020404" pitchFamily="49" charset="0"/>
+                <a:cs typeface="Courier New" panose="02070309020205020404" pitchFamily="49" charset="0"/>
+              </a:rPr>
+              <a:t>data(5)</a:t>
+            </a:r>
+            <a:r>
+              <a:rPr lang="en-CA" dirty="0" smtClean="0">
+                <a:cs typeface="Courier New" panose="02070309020205020404" pitchFamily="49" charset="0"/>
+              </a:rPr>
+              <a:t>)</a:t>
+            </a:r>
+          </a:p>
+          <a:p>
+            <a:pPr marL="1200150" lvl="2" indent="-285750">
+              <a:buFont typeface="Courier New" panose="02070309020205020404" pitchFamily="49" charset="0"/>
+              <a:buChar char="o"/>
+            </a:pPr>
+            <a:r>
+              <a:rPr lang="en-CA" dirty="0" smtClean="0">
+                <a:cs typeface="Courier New" panose="02070309020205020404" pitchFamily="49" charset="0"/>
+              </a:rPr>
+              <a:t>A field called “</a:t>
+            </a:r>
+            <a:r>
+              <a:rPr lang="en-CA" dirty="0" err="1" smtClean="0">
+                <a:cs typeface="Courier New" panose="02070309020205020404" pitchFamily="49" charset="0"/>
+              </a:rPr>
+              <a:t>ResponseCode</a:t>
+            </a:r>
+            <a:r>
+              <a:rPr lang="en-CA" dirty="0" smtClean="0">
+                <a:cs typeface="Courier New" panose="02070309020205020404" pitchFamily="49" charset="0"/>
+              </a:rPr>
+              <a:t>” is added to the data structure and contains the bitmask response for each experiment.  </a:t>
+            </a:r>
+            <a:r>
+              <a:rPr lang="en-CA" dirty="0" smtClean="0"/>
+              <a:t>It is easy to “decode” this value using the Matlab function </a:t>
+            </a:r>
+            <a:r>
+              <a:rPr lang="en-CA" dirty="0" err="1" smtClean="0">
+                <a:latin typeface="Courier New" panose="02070309020205020404" pitchFamily="49" charset="0"/>
+                <a:cs typeface="Courier New" panose="02070309020205020404" pitchFamily="49" charset="0"/>
+              </a:rPr>
+              <a:t>bitget</a:t>
+            </a:r>
+            <a:r>
+              <a:rPr lang="en-CA" dirty="0" smtClean="0">
+                <a:latin typeface="Courier New" panose="02070309020205020404" pitchFamily="49" charset="0"/>
+                <a:cs typeface="Courier New" panose="02070309020205020404" pitchFamily="49" charset="0"/>
+              </a:rPr>
+              <a:t> </a:t>
+            </a:r>
+            <a:r>
+              <a:rPr lang="en-CA" dirty="0" smtClean="0">
+                <a:cs typeface="Courier New" panose="02070309020205020404" pitchFamily="49" charset="0"/>
+              </a:rPr>
+              <a:t>and associated functions</a:t>
+            </a:r>
+            <a:r>
+              <a:rPr lang="en-CA" dirty="0" smtClean="0">
+                <a:latin typeface="Courier New" panose="02070309020205020404" pitchFamily="49" charset="0"/>
+                <a:cs typeface="Courier New" panose="02070309020205020404" pitchFamily="49" charset="0"/>
+              </a:rPr>
+              <a:t>.</a:t>
+            </a:r>
+          </a:p>
+          <a:p>
+            <a:pPr marL="285750" indent="-285750">
+              <a:buFont typeface="Arial" panose="020B0604020202020204" pitchFamily="34" charset="0"/>
+              <a:buChar char="•"/>
+            </a:pPr>
+            <a:endParaRPr lang="en-CA" dirty="0" smtClean="0">
+              <a:cs typeface="Courier New" panose="02070309020205020404" pitchFamily="49" charset="0"/>
+            </a:endParaRPr>
+          </a:p>
+          <a:p>
+            <a:pPr marL="285750" indent="-285750">
+              <a:buFont typeface="Arial" panose="020B0604020202020204" pitchFamily="34" charset="0"/>
+              <a:buChar char="•"/>
+            </a:pPr>
+            <a:r>
+              <a:rPr lang="en-CA" dirty="0" smtClean="0">
+                <a:cs typeface="Courier New" panose="02070309020205020404" pitchFamily="49" charset="0"/>
+              </a:rPr>
+              <a:t>Note: Currently, there is no GUI for analyzing the data since it is relatively easy to do so and each user’s needs vary.  A general GUI for exporting data may be developed in the future.</a:t>
+            </a:r>
+            <a:endParaRPr lang="en-CA" dirty="0">
+              <a:latin typeface="Courier New" panose="02070309020205020404" pitchFamily="49" charset="0"/>
+              <a:cs typeface="Courier New" panose="02070309020205020404" pitchFamily="49" charset="0"/>
+            </a:endParaRPr>
+          </a:p>
+        </p:txBody>
+      </p:sp>
+      <p:sp>
+        <p:nvSpPr>
+          <p:cNvPr id="3" name="TextBox 2"/>
+          <p:cNvSpPr txBox="1"/>
+          <p:nvPr/>
+        </p:nvSpPr>
+        <p:spPr>
+          <a:xfrm>
+            <a:off x="1219200" y="457200"/>
+            <a:ext cx="5543825" cy="461665"/>
+          </a:xfrm>
+          <a:prstGeom prst="rect">
+            <a:avLst/>
+          </a:prstGeom>
+          <a:noFill/>
+        </p:spPr>
+        <p:txBody>
+          <a:bodyPr wrap="none" rtlCol="0">
+            <a:spAutoFit/>
+          </a:bodyPr>
+          <a:lstStyle/>
+          <a:p>
+            <a:r>
+              <a:rPr lang="en-CA" sz="2400" dirty="0" smtClean="0"/>
+              <a:t>Data Analysis for Non-</a:t>
+            </a:r>
+            <a:r>
+              <a:rPr lang="en-CA" sz="2400" dirty="0" err="1" smtClean="0"/>
+              <a:t>OpenEx</a:t>
+            </a:r>
+            <a:r>
+              <a:rPr lang="en-CA" sz="2400" dirty="0" smtClean="0"/>
+              <a:t> Experiments</a:t>
+            </a:r>
+            <a:endParaRPr lang="en-CA" sz="2400" dirty="0"/>
+          </a:p>
+        </p:txBody>
+      </p:sp>
     </p:spTree>
     <p:extLst>
       <p:ext uri="{BB962C8B-B14F-4D97-AF65-F5344CB8AC3E}">
-        <p14:creationId xmlns:p14="http://schemas.microsoft.com/office/powerpoint/2010/main" val="1100831619"/>
+        <p14:creationId xmlns:p14="http://schemas.microsoft.com/office/powerpoint/2010/main" val="2553058492"/>
       </p:ext>
     </p:extLst>
   </p:cSld>
@@ -15679,7 +19062,7 @@
 </p:sld>
 </file>
 
-<file path=ppt/slides/slide32.xml><?xml version="1.0" encoding="utf-8"?>
+<file path=ppt/slides/slide39.xml><?xml version="1.0" encoding="utf-8"?>
 <p:sld xmlns:a="http://schemas.openxmlformats.org/drawingml/2006/main" xmlns:r="http://schemas.openxmlformats.org/officeDocument/2006/relationships" xmlns:p="http://schemas.openxmlformats.org/presentationml/2006/main">
   <p:cSld>
     <p:spTree>
@@ -15704,8 +19087,8 @@
         </p:nvSpPr>
         <p:spPr>
           <a:xfrm>
-            <a:off x="1600200" y="1143000"/>
-            <a:ext cx="6359433" cy="4801314"/>
+            <a:off x="1219200" y="457200"/>
+            <a:ext cx="4926670" cy="461665"/>
           </a:xfrm>
           <a:prstGeom prst="rect">
             <a:avLst/>
@@ -15719,10 +19102,42 @@
           <a:lstStyle/>
           <a:p>
             <a:r>
-              <a:rPr lang="en-CA" u="sng" dirty="0" smtClean="0"/>
-              <a:t>GUIs</a:t>
-            </a:r>
-          </a:p>
+              <a:rPr lang="en-CA" sz="2400" dirty="0" smtClean="0"/>
+              <a:t>Data Analysis for </a:t>
+            </a:r>
+            <a:r>
+              <a:rPr lang="en-CA" sz="2400" dirty="0" err="1" smtClean="0"/>
+              <a:t>OpenEx</a:t>
+            </a:r>
+            <a:r>
+              <a:rPr lang="en-CA" sz="2400" dirty="0" smtClean="0"/>
+              <a:t> Experiments</a:t>
+            </a:r>
+            <a:endParaRPr lang="en-CA" sz="2400" dirty="0"/>
+          </a:p>
+        </p:txBody>
+      </p:sp>
+      <p:sp>
+        <p:nvSpPr>
+          <p:cNvPr id="3" name="TextBox 2"/>
+          <p:cNvSpPr txBox="1"/>
+          <p:nvPr/>
+        </p:nvSpPr>
+        <p:spPr>
+          <a:xfrm>
+            <a:off x="457200" y="1143000"/>
+            <a:ext cx="7772400" cy="1200329"/>
+          </a:xfrm>
+          <a:prstGeom prst="rect">
+            <a:avLst/>
+          </a:prstGeom>
+          <a:noFill/>
+        </p:spPr>
+        <p:txBody>
+          <a:bodyPr wrap="square" rtlCol="0">
+            <a:spAutoFit/>
+          </a:bodyPr>
+          <a:lstStyle/>
           <a:p>
             <a:pPr marL="285750" indent="-285750">
               <a:buFont typeface="Arial" panose="020B0604020202020204" pitchFamily="34" charset="0"/>
@@ -15730,860 +19145,15 @@
             </a:pPr>
             <a:r>
               <a:rPr lang="en-CA" dirty="0" smtClean="0"/>
-              <a:t>Calibration of stimuli 	…	</a:t>
-            </a:r>
-            <a:r>
-              <a:rPr lang="en-CA" dirty="0" err="1" smtClean="0">
-                <a:solidFill>
-                  <a:schemeClr val="accent1">
-                    <a:lumMod val="75000"/>
-                  </a:schemeClr>
-                </a:solidFill>
-                <a:latin typeface="Courier New" panose="02070309020205020404" pitchFamily="49" charset="0"/>
-                <a:cs typeface="Courier New" panose="02070309020205020404" pitchFamily="49" charset="0"/>
-              </a:rPr>
-              <a:t>ep_CalibrationUtil</a:t>
-            </a:r>
-            <a:endParaRPr lang="en-CA" dirty="0" smtClean="0">
-              <a:solidFill>
-                <a:schemeClr val="accent1">
-                  <a:lumMod val="75000"/>
-                </a:schemeClr>
-              </a:solidFill>
-              <a:latin typeface="Courier New" panose="02070309020205020404" pitchFamily="49" charset="0"/>
-              <a:cs typeface="Courier New" panose="02070309020205020404" pitchFamily="49" charset="0"/>
-            </a:endParaRPr>
-          </a:p>
-          <a:p>
-            <a:pPr marL="285750" indent="-285750">
-              <a:buFont typeface="Arial" panose="020B0604020202020204" pitchFamily="34" charset="0"/>
-              <a:buChar char="•"/>
-            </a:pPr>
+              <a:t>When using </a:t>
+            </a:r>
+            <a:r>
+              <a:rPr lang="en-CA" dirty="0" err="1" smtClean="0"/>
+              <a:t>ep_RunExpt</a:t>
+            </a:r>
             <a:r>
               <a:rPr lang="en-CA" dirty="0" smtClean="0"/>
-              <a:t>Display Preferences 	…	</a:t>
-            </a:r>
-            <a:r>
-              <a:rPr lang="en-CA" dirty="0" err="1" smtClean="0">
-                <a:solidFill>
-                  <a:schemeClr val="accent1">
-                    <a:lumMod val="75000"/>
-                  </a:schemeClr>
-                </a:solidFill>
-                <a:latin typeface="Courier New" panose="02070309020205020404" pitchFamily="49" charset="0"/>
-                <a:cs typeface="Courier New" panose="02070309020205020404" pitchFamily="49" charset="0"/>
-              </a:rPr>
-              <a:t>ep_DisplayPrefs</a:t>
-            </a:r>
-            <a:endParaRPr lang="en-CA" dirty="0" smtClean="0">
-              <a:solidFill>
-                <a:schemeClr val="accent1">
-                  <a:lumMod val="75000"/>
-                </a:schemeClr>
-              </a:solidFill>
-              <a:latin typeface="Courier New" panose="02070309020205020404" pitchFamily="49" charset="0"/>
-              <a:cs typeface="Courier New" panose="02070309020205020404" pitchFamily="49" charset="0"/>
-            </a:endParaRPr>
-          </a:p>
-          <a:p>
-            <a:pPr marL="285750" indent="-285750">
-              <a:buFont typeface="Arial" panose="020B0604020202020204" pitchFamily="34" charset="0"/>
-              <a:buChar char="•"/>
-            </a:pPr>
-            <a:r>
-              <a:rPr lang="en-CA" dirty="0" smtClean="0"/>
-              <a:t>Generate Bitmasks	…	</a:t>
-            </a:r>
-            <a:r>
-              <a:rPr lang="en-CA" dirty="0" err="1" smtClean="0">
-                <a:solidFill>
-                  <a:schemeClr val="accent1">
-                    <a:lumMod val="75000"/>
-                  </a:schemeClr>
-                </a:solidFill>
-                <a:latin typeface="Courier New" panose="02070309020205020404" pitchFamily="49" charset="0"/>
-                <a:cs typeface="Courier New" panose="02070309020205020404" pitchFamily="49" charset="0"/>
-              </a:rPr>
-              <a:t>ep_DisplayPrefs</a:t>
-            </a:r>
-            <a:endParaRPr lang="en-CA" dirty="0" smtClean="0">
-              <a:solidFill>
-                <a:schemeClr val="accent1">
-                  <a:lumMod val="75000"/>
-                </a:schemeClr>
-              </a:solidFill>
-              <a:latin typeface="Courier New" panose="02070309020205020404" pitchFamily="49" charset="0"/>
-              <a:cs typeface="Courier New" panose="02070309020205020404" pitchFamily="49" charset="0"/>
-            </a:endParaRPr>
-          </a:p>
-          <a:p>
-            <a:pPr marL="285750" indent="-285750">
-              <a:buFont typeface="Arial" panose="020B0604020202020204" pitchFamily="34" charset="0"/>
-              <a:buChar char="•"/>
-            </a:pPr>
-            <a:endParaRPr lang="en-CA" dirty="0" smtClean="0"/>
-          </a:p>
-          <a:p>
-            <a:r>
-              <a:rPr lang="en-CA" u="sng" dirty="0" smtClean="0"/>
-              <a:t>Helpful Functions</a:t>
-            </a:r>
-          </a:p>
-          <a:p>
-            <a:pPr marL="285750" indent="-285750">
-              <a:buFont typeface="Arial" panose="020B0604020202020204" pitchFamily="34" charset="0"/>
-              <a:buChar char="•"/>
-            </a:pPr>
-            <a:r>
-              <a:rPr lang="en-CA" dirty="0" smtClean="0"/>
-              <a:t>Retrieve Tank Data 	… 	</a:t>
-            </a:r>
-            <a:r>
-              <a:rPr lang="en-CA" dirty="0" smtClean="0">
-                <a:solidFill>
-                  <a:schemeClr val="accent1">
-                    <a:lumMod val="75000"/>
-                  </a:schemeClr>
-                </a:solidFill>
-                <a:latin typeface="Courier New" panose="02070309020205020404" pitchFamily="49" charset="0"/>
-                <a:cs typeface="Courier New" panose="02070309020205020404" pitchFamily="49" charset="0"/>
-              </a:rPr>
-              <a:t>TDT2mat</a:t>
-            </a:r>
-          </a:p>
-          <a:p>
-            <a:pPr marL="285750" indent="-285750">
-              <a:buFont typeface="Arial" panose="020B0604020202020204" pitchFamily="34" charset="0"/>
-              <a:buChar char="•"/>
-            </a:pPr>
-            <a:r>
-              <a:rPr lang="en-CA" dirty="0" smtClean="0"/>
-              <a:t>TDT to </a:t>
-            </a:r>
-            <a:r>
-              <a:rPr lang="en-CA" dirty="0" err="1" smtClean="0"/>
-              <a:t>Plexon</a:t>
-            </a:r>
-            <a:r>
-              <a:rPr lang="en-CA" dirty="0" smtClean="0"/>
-              <a:t> (PLX)	…	</a:t>
-            </a:r>
-            <a:r>
-              <a:rPr lang="en-CA" dirty="0" smtClean="0">
-                <a:solidFill>
-                  <a:schemeClr val="accent1">
-                    <a:lumMod val="75000"/>
-                  </a:schemeClr>
-                </a:solidFill>
-                <a:latin typeface="Courier New" panose="02070309020205020404" pitchFamily="49" charset="0"/>
-                <a:cs typeface="Courier New" panose="02070309020205020404" pitchFamily="49" charset="0"/>
-              </a:rPr>
-              <a:t>TDT2PLX</a:t>
-            </a:r>
-          </a:p>
-          <a:p>
-            <a:pPr marL="285750" indent="-285750">
-              <a:buFont typeface="Arial" panose="020B0604020202020204" pitchFamily="34" charset="0"/>
-              <a:buChar char="•"/>
-            </a:pPr>
-            <a:r>
-              <a:rPr lang="en-CA" dirty="0" err="1" smtClean="0"/>
-              <a:t>Plexon</a:t>
-            </a:r>
-            <a:r>
-              <a:rPr lang="en-CA" dirty="0" smtClean="0"/>
-              <a:t> to TDT		…	</a:t>
-            </a:r>
-            <a:r>
-              <a:rPr lang="en-CA" dirty="0" smtClean="0">
-                <a:solidFill>
-                  <a:schemeClr val="accent1">
-                    <a:lumMod val="75000"/>
-                  </a:schemeClr>
-                </a:solidFill>
-                <a:latin typeface="Courier New" panose="02070309020205020404" pitchFamily="49" charset="0"/>
-                <a:cs typeface="Courier New" panose="02070309020205020404" pitchFamily="49" charset="0"/>
-              </a:rPr>
-              <a:t>PLX2TDT</a:t>
-            </a:r>
-          </a:p>
-          <a:p>
-            <a:endParaRPr lang="en-CA" dirty="0" smtClean="0"/>
-          </a:p>
-          <a:p>
-            <a:r>
-              <a:rPr lang="en-CA" u="sng" dirty="0" smtClean="0"/>
-              <a:t>Resources</a:t>
-            </a:r>
-            <a:endParaRPr lang="en-CA" u="sng" dirty="0"/>
-          </a:p>
-          <a:p>
-            <a:pPr marL="285750" indent="-285750">
-              <a:buFont typeface="Arial" panose="020B0604020202020204" pitchFamily="34" charset="0"/>
-              <a:buChar char="•"/>
-            </a:pPr>
-            <a:r>
-              <a:rPr lang="en-CA" dirty="0" smtClean="0"/>
-              <a:t>Examples </a:t>
-            </a:r>
-            <a:r>
-              <a:rPr lang="en-CA" dirty="0"/>
-              <a:t>			</a:t>
-            </a:r>
-            <a:r>
-              <a:rPr lang="en-CA" dirty="0" smtClean="0"/>
-              <a:t>..\</a:t>
-            </a:r>
-            <a:r>
-              <a:rPr lang="en-CA" dirty="0" err="1"/>
-              <a:t>epsych</a:t>
-            </a:r>
-            <a:r>
-              <a:rPr lang="en-CA" dirty="0"/>
-              <a:t>\.</a:t>
-            </a:r>
-            <a:r>
-              <a:rPr lang="en-CA" dirty="0" smtClean="0"/>
-              <a:t>examples</a:t>
-            </a:r>
-          </a:p>
-          <a:p>
-            <a:pPr marL="285750" indent="-285750">
-              <a:buFont typeface="Arial" panose="020B0604020202020204" pitchFamily="34" charset="0"/>
-              <a:buChar char="•"/>
-            </a:pPr>
-            <a:r>
-              <a:rPr lang="en-CA" dirty="0" err="1" smtClean="0"/>
-              <a:t>RPvds</a:t>
-            </a:r>
-            <a:r>
-              <a:rPr lang="en-CA" dirty="0"/>
-              <a:t> Macros			</a:t>
-            </a:r>
-            <a:r>
-              <a:rPr lang="en-CA" dirty="0" smtClean="0"/>
-              <a:t>..\</a:t>
-            </a:r>
-            <a:r>
-              <a:rPr lang="en-CA" dirty="0" err="1"/>
-              <a:t>epsych</a:t>
-            </a:r>
-            <a:r>
-              <a:rPr lang="en-CA" dirty="0"/>
-              <a:t>\.</a:t>
-            </a:r>
-            <a:r>
-              <a:rPr lang="en-CA" dirty="0" err="1" smtClean="0"/>
-              <a:t>circuit_macros</a:t>
-            </a:r>
-            <a:endParaRPr lang="en-CA" dirty="0" smtClean="0"/>
-          </a:p>
-          <a:p>
-            <a:pPr marL="285750" indent="-285750">
-              <a:buFont typeface="Arial" panose="020B0604020202020204" pitchFamily="34" charset="0"/>
-              <a:buChar char="•"/>
-            </a:pPr>
-            <a:endParaRPr lang="en-CA" dirty="0"/>
-          </a:p>
-          <a:p>
-            <a:r>
-              <a:rPr lang="en-CA" u="sng" dirty="0"/>
-              <a:t>Integration with MySQL Database </a:t>
-            </a:r>
-            <a:r>
-              <a:rPr lang="en-CA" dirty="0"/>
-              <a:t>	..\</a:t>
-            </a:r>
-            <a:r>
-              <a:rPr lang="en-CA" dirty="0" err="1"/>
-              <a:t>epsych</a:t>
-            </a:r>
-            <a:r>
-              <a:rPr lang="en-CA" dirty="0"/>
-              <a:t>\database</a:t>
-            </a:r>
-          </a:p>
-          <a:p>
-            <a:pPr marL="285750" indent="-285750">
-              <a:buFont typeface="Arial" panose="020B0604020202020204" pitchFamily="34" charset="0"/>
-              <a:buChar char="•"/>
-            </a:pPr>
-            <a:r>
-              <a:rPr lang="en-CA" dirty="0" smtClean="0"/>
-              <a:t>Uploading 		… 	</a:t>
-            </a:r>
-            <a:r>
-              <a:rPr lang="en-CA" dirty="0" err="1" smtClean="0">
-                <a:solidFill>
-                  <a:schemeClr val="accent1">
-                    <a:lumMod val="75000"/>
-                  </a:schemeClr>
-                </a:solidFill>
-                <a:latin typeface="Courier New" panose="02070309020205020404" pitchFamily="49" charset="0"/>
-                <a:cs typeface="Courier New" panose="02070309020205020404" pitchFamily="49" charset="0"/>
-              </a:rPr>
-              <a:t>DB_UploadUtility</a:t>
-            </a:r>
-            <a:endParaRPr lang="en-CA" dirty="0" smtClean="0">
-              <a:solidFill>
-                <a:schemeClr val="accent1">
-                  <a:lumMod val="75000"/>
-                </a:schemeClr>
-              </a:solidFill>
-              <a:latin typeface="Courier New" panose="02070309020205020404" pitchFamily="49" charset="0"/>
-              <a:cs typeface="Courier New" panose="02070309020205020404" pitchFamily="49" charset="0"/>
-            </a:endParaRPr>
-          </a:p>
-          <a:p>
-            <a:pPr marL="285750" indent="-285750">
-              <a:buFont typeface="Arial" panose="020B0604020202020204" pitchFamily="34" charset="0"/>
-              <a:buChar char="•"/>
-            </a:pPr>
-            <a:r>
-              <a:rPr lang="en-CA" dirty="0" smtClean="0"/>
-              <a:t>Accessing/Browsing 	…	</a:t>
-            </a:r>
-            <a:r>
-              <a:rPr lang="en-CA" dirty="0" err="1" smtClean="0">
-                <a:solidFill>
-                  <a:schemeClr val="accent1">
-                    <a:lumMod val="75000"/>
-                  </a:schemeClr>
-                </a:solidFill>
-                <a:latin typeface="Courier New" panose="02070309020205020404" pitchFamily="49" charset="0"/>
-                <a:cs typeface="Courier New" panose="02070309020205020404" pitchFamily="49" charset="0"/>
-              </a:rPr>
-              <a:t>DB_Browser</a:t>
-            </a:r>
-            <a:endParaRPr lang="en-CA" dirty="0">
-              <a:solidFill>
-                <a:schemeClr val="accent1">
-                  <a:lumMod val="75000"/>
-                </a:schemeClr>
-              </a:solidFill>
-              <a:latin typeface="Courier New" panose="02070309020205020404" pitchFamily="49" charset="0"/>
-              <a:cs typeface="Courier New" panose="02070309020205020404" pitchFamily="49" charset="0"/>
-            </a:endParaRPr>
-          </a:p>
-        </p:txBody>
-      </p:sp>
-      <p:sp>
-        <p:nvSpPr>
-          <p:cNvPr id="3" name="TextBox 2"/>
-          <p:cNvSpPr txBox="1"/>
-          <p:nvPr/>
-        </p:nvSpPr>
-        <p:spPr>
-          <a:xfrm>
-            <a:off x="685800" y="457200"/>
-            <a:ext cx="1612942" cy="461665"/>
-          </a:xfrm>
-          <a:prstGeom prst="rect">
-            <a:avLst/>
-          </a:prstGeom>
-          <a:noFill/>
-        </p:spPr>
-        <p:txBody>
-          <a:bodyPr wrap="none" rtlCol="0">
-            <a:spAutoFit/>
-          </a:bodyPr>
-          <a:lstStyle/>
-          <a:p>
-            <a:r>
-              <a:rPr lang="en-CA" sz="2400" b="1" dirty="0" smtClean="0"/>
-              <a:t>Other Stuff</a:t>
-            </a:r>
-            <a:endParaRPr lang="en-CA" sz="2400" b="1" dirty="0"/>
-          </a:p>
-        </p:txBody>
-      </p:sp>
-    </p:spTree>
-    <p:extLst>
-      <p:ext uri="{BB962C8B-B14F-4D97-AF65-F5344CB8AC3E}">
-        <p14:creationId xmlns:p14="http://schemas.microsoft.com/office/powerpoint/2010/main" val="3777478140"/>
-      </p:ext>
-    </p:extLst>
-  </p:cSld>
-  <p:clrMapOvr>
-    <a:masterClrMapping/>
-  </p:clrMapOvr>
-  <p:timing>
-    <p:tnLst>
-      <p:par>
-        <p:cTn id="1" dur="indefinite" restart="never" nodeType="tmRoot"/>
-      </p:par>
-    </p:tnLst>
-  </p:timing>
-</p:sld>
-</file>
-
-<file path=ppt/slides/slide33.xml><?xml version="1.0" encoding="utf-8"?>
-<p:sld xmlns:a="http://schemas.openxmlformats.org/drawingml/2006/main" xmlns:r="http://schemas.openxmlformats.org/officeDocument/2006/relationships" xmlns:p="http://schemas.openxmlformats.org/presentationml/2006/main">
-  <p:cSld>
-    <p:spTree>
-      <p:nvGrpSpPr>
-        <p:cNvPr id="1" name=""/>
-        <p:cNvGrpSpPr/>
-        <p:nvPr/>
-      </p:nvGrpSpPr>
-      <p:grpSpPr>
-        <a:xfrm>
-          <a:off x="0" y="0"/>
-          <a:ext cx="0" cy="0"/>
-          <a:chOff x="0" y="0"/>
-          <a:chExt cx="0" cy="0"/>
-        </a:xfrm>
-      </p:grpSpPr>
-      <p:sp>
-        <p:nvSpPr>
-          <p:cNvPr id="2" name="Flowchart: Process 1"/>
-          <p:cNvSpPr/>
-          <p:nvPr/>
-        </p:nvSpPr>
-        <p:spPr>
-          <a:xfrm>
-            <a:off x="1600200" y="3391230"/>
-            <a:ext cx="2209800" cy="918972"/>
-          </a:xfrm>
-          <a:prstGeom prst="flowChartProcess">
-            <a:avLst/>
-          </a:prstGeom>
-        </p:spPr>
-        <p:style>
-          <a:lnRef idx="1">
-            <a:schemeClr val="accent6"/>
-          </a:lnRef>
-          <a:fillRef idx="2">
-            <a:schemeClr val="accent6"/>
-          </a:fillRef>
-          <a:effectRef idx="1">
-            <a:schemeClr val="accent6"/>
-          </a:effectRef>
-          <a:fontRef idx="minor">
-            <a:schemeClr val="dk1"/>
-          </a:fontRef>
-        </p:style>
-        <p:txBody>
-          <a:bodyPr rtlCol="0" anchor="ctr"/>
-          <a:lstStyle/>
-          <a:p>
-            <a:pPr algn="ctr"/>
-            <a:r>
-              <a:rPr lang="en-US" dirty="0" smtClean="0"/>
-              <a:t>Spike Sorting</a:t>
-            </a:r>
-            <a:endParaRPr lang="en-US" sz="1400" dirty="0">
-              <a:latin typeface="Courier New" pitchFamily="49" charset="0"/>
-              <a:cs typeface="Courier New" pitchFamily="49" charset="0"/>
-            </a:endParaRPr>
-          </a:p>
-        </p:txBody>
-      </p:sp>
-      <p:sp>
-        <p:nvSpPr>
-          <p:cNvPr id="3" name="Flowchart: Magnetic Disk 2"/>
-          <p:cNvSpPr/>
-          <p:nvPr/>
-        </p:nvSpPr>
-        <p:spPr>
-          <a:xfrm>
-            <a:off x="579636" y="1662412"/>
-            <a:ext cx="914400" cy="1089168"/>
-          </a:xfrm>
-          <a:prstGeom prst="flowChartMagneticDisk">
-            <a:avLst/>
-          </a:prstGeom>
-        </p:spPr>
-        <p:style>
-          <a:lnRef idx="1">
-            <a:schemeClr val="accent3"/>
-          </a:lnRef>
-          <a:fillRef idx="2">
-            <a:schemeClr val="accent3"/>
-          </a:fillRef>
-          <a:effectRef idx="1">
-            <a:schemeClr val="accent3"/>
-          </a:effectRef>
-          <a:fontRef idx="minor">
-            <a:schemeClr val="dk1"/>
-          </a:fontRef>
-        </p:style>
-        <p:txBody>
-          <a:bodyPr rtlCol="0" anchor="ctr"/>
-          <a:lstStyle/>
-          <a:p>
-            <a:pPr algn="ctr"/>
-            <a:r>
-              <a:rPr lang="en-US" b="1" dirty="0" smtClean="0"/>
-              <a:t>TDT</a:t>
-            </a:r>
-          </a:p>
-          <a:p>
-            <a:pPr algn="ctr"/>
-            <a:r>
-              <a:rPr lang="en-US" b="1" dirty="0" smtClean="0"/>
-              <a:t>Tank</a:t>
-            </a:r>
-            <a:endParaRPr lang="en-US" b="1" dirty="0"/>
-          </a:p>
-        </p:txBody>
-      </p:sp>
-      <p:cxnSp>
-        <p:nvCxnSpPr>
-          <p:cNvPr id="4" name="Elbow Connector 3"/>
-          <p:cNvCxnSpPr>
-            <a:stCxn id="2" idx="2"/>
-            <a:endCxn id="3" idx="3"/>
-          </p:cNvCxnSpPr>
-          <p:nvPr/>
-        </p:nvCxnSpPr>
-        <p:spPr>
-          <a:xfrm rot="5400000" flipH="1">
-            <a:off x="1091657" y="2696759"/>
-            <a:ext cx="1558622" cy="1668264"/>
-          </a:xfrm>
-          <a:prstGeom prst="bentConnector3">
-            <a:avLst>
-              <a:gd name="adj1" fmla="val -14667"/>
-            </a:avLst>
-          </a:prstGeom>
-          <a:ln w="12700">
-            <a:headEnd type="none" w="med" len="med"/>
-            <a:tailEnd type="arrow" w="lg" len="lg"/>
-          </a:ln>
-        </p:spPr>
-        <p:style>
-          <a:lnRef idx="1">
-            <a:schemeClr val="accent6"/>
-          </a:lnRef>
-          <a:fillRef idx="2">
-            <a:schemeClr val="accent6"/>
-          </a:fillRef>
-          <a:effectRef idx="1">
-            <a:schemeClr val="accent6"/>
-          </a:effectRef>
-          <a:fontRef idx="minor">
-            <a:schemeClr val="dk1"/>
-          </a:fontRef>
-        </p:style>
-      </p:cxnSp>
-      <p:sp>
-        <p:nvSpPr>
-          <p:cNvPr id="5" name="Flowchart: Process 4"/>
-          <p:cNvSpPr/>
-          <p:nvPr/>
-        </p:nvSpPr>
-        <p:spPr>
-          <a:xfrm>
-            <a:off x="3352800" y="1178814"/>
-            <a:ext cx="2438400" cy="762000"/>
-          </a:xfrm>
-          <a:prstGeom prst="flowChartProcess">
-            <a:avLst/>
-          </a:prstGeom>
-        </p:spPr>
-        <p:style>
-          <a:lnRef idx="1">
-            <a:schemeClr val="accent5"/>
-          </a:lnRef>
-          <a:fillRef idx="2">
-            <a:schemeClr val="accent5"/>
-          </a:fillRef>
-          <a:effectRef idx="1">
-            <a:schemeClr val="accent5"/>
-          </a:effectRef>
-          <a:fontRef idx="minor">
-            <a:schemeClr val="dk1"/>
-          </a:fontRef>
-        </p:style>
-        <p:txBody>
-          <a:bodyPr rtlCol="0" anchor="ctr"/>
-          <a:lstStyle/>
-          <a:p>
-            <a:pPr algn="ctr"/>
-            <a:r>
-              <a:rPr lang="en-US" dirty="0" smtClean="0"/>
-              <a:t>Upload to Database</a:t>
-            </a:r>
-          </a:p>
-          <a:p>
-            <a:pPr algn="ctr"/>
-            <a:r>
-              <a:rPr lang="en-US" dirty="0" err="1" smtClean="0">
-                <a:latin typeface="Courier New" pitchFamily="49" charset="0"/>
-                <a:cs typeface="Courier New" pitchFamily="49" charset="0"/>
-              </a:rPr>
-              <a:t>DB_UploadUtility</a:t>
-            </a:r>
-            <a:endParaRPr lang="en-US" sz="1400" dirty="0">
-              <a:latin typeface="Courier New" pitchFamily="49" charset="0"/>
-              <a:cs typeface="Courier New" pitchFamily="49" charset="0"/>
-            </a:endParaRPr>
-          </a:p>
-        </p:txBody>
-      </p:sp>
-      <p:sp>
-        <p:nvSpPr>
-          <p:cNvPr id="6" name="Flowchart: Decision 5"/>
-          <p:cNvSpPr/>
-          <p:nvPr/>
-        </p:nvSpPr>
-        <p:spPr>
-          <a:xfrm rot="16200000">
-            <a:off x="2256036" y="1900673"/>
-            <a:ext cx="914400" cy="612648"/>
-          </a:xfrm>
-          <a:prstGeom prst="flowChartDecision">
-            <a:avLst/>
-          </a:prstGeom>
-        </p:spPr>
-        <p:style>
-          <a:lnRef idx="1">
-            <a:schemeClr val="accent3"/>
-          </a:lnRef>
-          <a:fillRef idx="2">
-            <a:schemeClr val="accent3"/>
-          </a:fillRef>
-          <a:effectRef idx="1">
-            <a:schemeClr val="accent3"/>
-          </a:effectRef>
-          <a:fontRef idx="minor">
-            <a:schemeClr val="dk1"/>
-          </a:fontRef>
-        </p:style>
-        <p:txBody>
-          <a:bodyPr rtlCol="0" anchor="ctr"/>
-          <a:lstStyle/>
-          <a:p>
-            <a:pPr algn="ctr"/>
-            <a:endParaRPr lang="en-US"/>
-          </a:p>
-        </p:txBody>
-      </p:sp>
-      <p:cxnSp>
-        <p:nvCxnSpPr>
-          <p:cNvPr id="7" name="Elbow Connector 6"/>
-          <p:cNvCxnSpPr>
-            <a:stCxn id="6" idx="3"/>
-            <a:endCxn id="5" idx="1"/>
-          </p:cNvCxnSpPr>
-          <p:nvPr/>
-        </p:nvCxnSpPr>
-        <p:spPr>
-          <a:xfrm rot="5400000" flipH="1" flipV="1">
-            <a:off x="2938027" y="1335024"/>
-            <a:ext cx="189983" cy="639564"/>
-          </a:xfrm>
-          <a:prstGeom prst="bentConnector2">
-            <a:avLst/>
-          </a:prstGeom>
-          <a:ln w="12700">
-            <a:headEnd type="none" w="med" len="med"/>
-            <a:tailEnd type="arrow" w="lg" len="lg"/>
-          </a:ln>
-        </p:spPr>
-        <p:style>
-          <a:lnRef idx="1">
-            <a:schemeClr val="accent3"/>
-          </a:lnRef>
-          <a:fillRef idx="2">
-            <a:schemeClr val="accent3"/>
-          </a:fillRef>
-          <a:effectRef idx="1">
-            <a:schemeClr val="accent3"/>
-          </a:effectRef>
-          <a:fontRef idx="minor">
-            <a:schemeClr val="dk1"/>
-          </a:fontRef>
-        </p:style>
-      </p:cxnSp>
-      <p:cxnSp>
-        <p:nvCxnSpPr>
-          <p:cNvPr id="8" name="Straight Arrow Connector 7"/>
-          <p:cNvCxnSpPr>
-            <a:stCxn id="3" idx="4"/>
-            <a:endCxn id="6" idx="0"/>
-          </p:cNvCxnSpPr>
-          <p:nvPr/>
-        </p:nvCxnSpPr>
-        <p:spPr>
-          <a:xfrm>
-            <a:off x="1494036" y="2206996"/>
-            <a:ext cx="912876" cy="1"/>
-          </a:xfrm>
-          <a:prstGeom prst="straightConnector1">
-            <a:avLst/>
-          </a:prstGeom>
-          <a:ln w="12700">
-            <a:headEnd type="none" w="med" len="med"/>
-            <a:tailEnd type="arrow" w="lg" len="lg"/>
-          </a:ln>
-        </p:spPr>
-        <p:style>
-          <a:lnRef idx="1">
-            <a:schemeClr val="accent3"/>
-          </a:lnRef>
-          <a:fillRef idx="2">
-            <a:schemeClr val="accent3"/>
-          </a:fillRef>
-          <a:effectRef idx="1">
-            <a:schemeClr val="accent3"/>
-          </a:effectRef>
-          <a:fontRef idx="minor">
-            <a:schemeClr val="dk1"/>
-          </a:fontRef>
-        </p:style>
-      </p:cxnSp>
-      <p:cxnSp>
-        <p:nvCxnSpPr>
-          <p:cNvPr id="9" name="Straight Arrow Connector 8"/>
-          <p:cNvCxnSpPr>
-            <a:stCxn id="6" idx="1"/>
-            <a:endCxn id="2" idx="0"/>
-          </p:cNvCxnSpPr>
-          <p:nvPr/>
-        </p:nvCxnSpPr>
-        <p:spPr>
-          <a:xfrm flipH="1">
-            <a:off x="2705100" y="2664197"/>
-            <a:ext cx="8136" cy="727033"/>
-          </a:xfrm>
-          <a:prstGeom prst="straightConnector1">
-            <a:avLst/>
-          </a:prstGeom>
-          <a:ln w="12700">
-            <a:headEnd type="none" w="med" len="med"/>
-            <a:tailEnd type="arrow" w="lg" len="lg"/>
-          </a:ln>
-        </p:spPr>
-        <p:style>
-          <a:lnRef idx="1">
-            <a:schemeClr val="accent3"/>
-          </a:lnRef>
-          <a:fillRef idx="2">
-            <a:schemeClr val="accent3"/>
-          </a:fillRef>
-          <a:effectRef idx="1">
-            <a:schemeClr val="accent3"/>
-          </a:effectRef>
-          <a:fontRef idx="minor">
-            <a:schemeClr val="dk1"/>
-          </a:fontRef>
-        </p:style>
-      </p:cxnSp>
-      <p:sp>
-        <p:nvSpPr>
-          <p:cNvPr id="10" name="Flowchart: Process 9"/>
-          <p:cNvSpPr/>
-          <p:nvPr/>
-        </p:nvSpPr>
-        <p:spPr>
-          <a:xfrm>
-            <a:off x="6477000" y="1138428"/>
-            <a:ext cx="2209800" cy="842772"/>
-          </a:xfrm>
-          <a:prstGeom prst="flowChartProcess">
-            <a:avLst/>
-          </a:prstGeom>
-        </p:spPr>
-        <p:style>
-          <a:lnRef idx="1">
-            <a:schemeClr val="accent5"/>
-          </a:lnRef>
-          <a:fillRef idx="2">
-            <a:schemeClr val="accent5"/>
-          </a:fillRef>
-          <a:effectRef idx="1">
-            <a:schemeClr val="accent5"/>
-          </a:effectRef>
-          <a:fontRef idx="minor">
-            <a:schemeClr val="dk1"/>
-          </a:fontRef>
-        </p:style>
-        <p:txBody>
-          <a:bodyPr rtlCol="0" anchor="ctr"/>
-          <a:lstStyle/>
-          <a:p>
-            <a:pPr algn="ctr"/>
-            <a:r>
-              <a:rPr lang="en-US" dirty="0" smtClean="0"/>
-              <a:t>Database Browser, Analysis, &amp; Export</a:t>
-            </a:r>
-          </a:p>
-          <a:p>
-            <a:pPr algn="ctr"/>
-            <a:r>
-              <a:rPr lang="en-US" dirty="0" err="1" smtClean="0">
-                <a:latin typeface="Courier New" pitchFamily="49" charset="0"/>
-                <a:cs typeface="Courier New" pitchFamily="49" charset="0"/>
-              </a:rPr>
-              <a:t>DB_Browser</a:t>
-            </a:r>
-            <a:endParaRPr lang="en-US" sz="1400" dirty="0">
-              <a:latin typeface="Courier New" pitchFamily="49" charset="0"/>
-              <a:cs typeface="Courier New" pitchFamily="49" charset="0"/>
-            </a:endParaRPr>
-          </a:p>
-        </p:txBody>
-      </p:sp>
-      <p:sp>
-        <p:nvSpPr>
-          <p:cNvPr id="11" name="TextBox 10"/>
-          <p:cNvSpPr txBox="1"/>
-          <p:nvPr/>
-        </p:nvSpPr>
-        <p:spPr>
-          <a:xfrm>
-            <a:off x="714444" y="262833"/>
-            <a:ext cx="2352439" cy="461665"/>
-          </a:xfrm>
-          <a:prstGeom prst="rect">
-            <a:avLst/>
-          </a:prstGeom>
-          <a:noFill/>
-        </p:spPr>
-        <p:txBody>
-          <a:bodyPr wrap="none" rtlCol="0">
-            <a:spAutoFit/>
-          </a:bodyPr>
-          <a:lstStyle/>
-          <a:p>
-            <a:r>
-              <a:rPr lang="en-CA" sz="2400" b="1" dirty="0" smtClean="0"/>
-              <a:t>MySQL Database</a:t>
-            </a:r>
-            <a:endParaRPr lang="en-CA" sz="2400" b="1" dirty="0"/>
-          </a:p>
-        </p:txBody>
-      </p:sp>
-      <p:sp>
-        <p:nvSpPr>
-          <p:cNvPr id="12" name="TextBox 11"/>
-          <p:cNvSpPr txBox="1"/>
-          <p:nvPr/>
-        </p:nvSpPr>
-        <p:spPr>
-          <a:xfrm>
-            <a:off x="2660880" y="2825518"/>
-            <a:ext cx="1149674" cy="369332"/>
-          </a:xfrm>
-          <a:prstGeom prst="rect">
-            <a:avLst/>
-          </a:prstGeom>
-          <a:noFill/>
-        </p:spPr>
-        <p:txBody>
-          <a:bodyPr wrap="none" rtlCol="0">
-            <a:spAutoFit/>
-          </a:bodyPr>
-          <a:lstStyle/>
-          <a:p>
-            <a:r>
-              <a:rPr lang="en-CA" dirty="0" smtClean="0">
-                <a:latin typeface="Courier New" panose="02070309020205020404" pitchFamily="49" charset="0"/>
-                <a:cs typeface="Courier New" panose="02070309020205020404" pitchFamily="49" charset="0"/>
-              </a:rPr>
-              <a:t>TDT2PLX</a:t>
+              <a:t> for behavioral experiments, the same file format described on the previous slide is available, however, it is a good idea to use the TDT scalar epoch data saving macros for saving data along with precise timestamps that can be paired with electrophysiological records.</a:t>
             </a:r>
             <a:endParaRPr lang="en-CA" dirty="0">
               <a:latin typeface="Courier New" panose="02070309020205020404" pitchFamily="49" charset="0"/>
@@ -16592,183 +19162,10 @@
           </a:p>
         </p:txBody>
       </p:sp>
-      <p:sp>
-        <p:nvSpPr>
-          <p:cNvPr id="13" name="TextBox 12"/>
-          <p:cNvSpPr txBox="1"/>
-          <p:nvPr/>
-        </p:nvSpPr>
-        <p:spPr>
-          <a:xfrm>
-            <a:off x="1295400" y="4481324"/>
-            <a:ext cx="1149674" cy="369332"/>
-          </a:xfrm>
-          <a:prstGeom prst="rect">
-            <a:avLst/>
-          </a:prstGeom>
-          <a:noFill/>
-        </p:spPr>
-        <p:txBody>
-          <a:bodyPr wrap="none" rtlCol="0">
-            <a:spAutoFit/>
-          </a:bodyPr>
-          <a:lstStyle/>
-          <a:p>
-            <a:r>
-              <a:rPr lang="en-CA" dirty="0" smtClean="0">
-                <a:latin typeface="Courier New" panose="02070309020205020404" pitchFamily="49" charset="0"/>
-                <a:cs typeface="Courier New" panose="02070309020205020404" pitchFamily="49" charset="0"/>
-              </a:rPr>
-              <a:t>PLX2TDT</a:t>
-            </a:r>
-            <a:endParaRPr lang="en-CA" dirty="0">
-              <a:latin typeface="Courier New" panose="02070309020205020404" pitchFamily="49" charset="0"/>
-              <a:cs typeface="Courier New" panose="02070309020205020404" pitchFamily="49" charset="0"/>
-            </a:endParaRPr>
-          </a:p>
-        </p:txBody>
-      </p:sp>
-      <p:cxnSp>
-        <p:nvCxnSpPr>
-          <p:cNvPr id="16" name="Straight Arrow Connector 15"/>
-          <p:cNvCxnSpPr>
-            <a:stCxn id="5" idx="3"/>
-            <a:endCxn id="10" idx="1"/>
-          </p:cNvCxnSpPr>
-          <p:nvPr/>
-        </p:nvCxnSpPr>
-        <p:spPr>
-          <a:xfrm>
-            <a:off x="5791200" y="1559814"/>
-            <a:ext cx="685800" cy="0"/>
-          </a:xfrm>
-          <a:prstGeom prst="straightConnector1">
-            <a:avLst/>
-          </a:prstGeom>
-          <a:ln w="12700">
-            <a:solidFill>
-              <a:srgbClr val="9FAFDB"/>
-            </a:solidFill>
-            <a:headEnd type="none" w="med" len="med"/>
-            <a:tailEnd type="arrow" w="lg" len="lg"/>
-          </a:ln>
-        </p:spPr>
-        <p:style>
-          <a:lnRef idx="1">
-            <a:schemeClr val="accent3"/>
-          </a:lnRef>
-          <a:fillRef idx="2">
-            <a:schemeClr val="accent3"/>
-          </a:fillRef>
-          <a:effectRef idx="1">
-            <a:schemeClr val="accent3"/>
-          </a:effectRef>
-          <a:fontRef idx="minor">
-            <a:schemeClr val="dk1"/>
-          </a:fontRef>
-        </p:style>
-      </p:cxnSp>
     </p:spTree>
     <p:extLst>
       <p:ext uri="{BB962C8B-B14F-4D97-AF65-F5344CB8AC3E}">
-        <p14:creationId xmlns:p14="http://schemas.microsoft.com/office/powerpoint/2010/main" val="3690720341"/>
-      </p:ext>
-    </p:extLst>
-  </p:cSld>
-  <p:clrMapOvr>
-    <a:masterClrMapping/>
-  </p:clrMapOvr>
-  <p:timing>
-    <p:tnLst>
-      <p:par>
-        <p:cTn id="1" dur="indefinite" restart="never" nodeType="tmRoot"/>
-      </p:par>
-    </p:tnLst>
-  </p:timing>
-</p:sld>
-</file>
-
-<file path=ppt/slides/slide34.xml><?xml version="1.0" encoding="utf-8"?>
-<p:sld xmlns:a="http://schemas.openxmlformats.org/drawingml/2006/main" xmlns:r="http://schemas.openxmlformats.org/officeDocument/2006/relationships" xmlns:p="http://schemas.openxmlformats.org/presentationml/2006/main">
-  <p:cSld>
-    <p:spTree>
-      <p:nvGrpSpPr>
-        <p:cNvPr id="1" name=""/>
-        <p:cNvGrpSpPr/>
-        <p:nvPr/>
-      </p:nvGrpSpPr>
-      <p:grpSpPr>
-        <a:xfrm>
-          <a:off x="0" y="0"/>
-          <a:ext cx="0" cy="0"/>
-          <a:chOff x="0" y="0"/>
-          <a:chExt cx="0" cy="0"/>
-        </a:xfrm>
-      </p:grpSpPr>
-      <p:pic>
-        <p:nvPicPr>
-          <p:cNvPr id="3" name="Picture 2" descr="Screen Clipping"/>
-          <p:cNvPicPr>
-            <a:picLocks noChangeAspect="1"/>
-          </p:cNvPicPr>
-          <p:nvPr/>
-        </p:nvPicPr>
-        <p:blipFill>
-          <a:blip r:embed="rId2">
-            <a:extLst>
-              <a:ext uri="{28A0092B-C50C-407E-A947-70E740481C1C}">
-                <a14:useLocalDpi xmlns:a14="http://schemas.microsoft.com/office/drawing/2010/main" val="0"/>
-              </a:ext>
-            </a:extLst>
-          </a:blip>
-          <a:stretch>
-            <a:fillRect/>
-          </a:stretch>
-        </p:blipFill>
-        <p:spPr>
-          <a:xfrm>
-            <a:off x="1903719" y="0"/>
-            <a:ext cx="5336561" cy="6858000"/>
-          </a:xfrm>
-          <a:prstGeom prst="rect">
-            <a:avLst/>
-          </a:prstGeom>
-        </p:spPr>
-      </p:pic>
-      <p:sp>
-        <p:nvSpPr>
-          <p:cNvPr id="4" name="TextBox 3"/>
-          <p:cNvSpPr txBox="1"/>
-          <p:nvPr/>
-        </p:nvSpPr>
-        <p:spPr>
-          <a:xfrm>
-            <a:off x="714444" y="262833"/>
-            <a:ext cx="2352439" cy="461665"/>
-          </a:xfrm>
-          <a:prstGeom prst="rect">
-            <a:avLst/>
-          </a:prstGeom>
-          <a:noFill/>
-        </p:spPr>
-        <p:txBody>
-          <a:bodyPr wrap="none" rtlCol="0">
-            <a:spAutoFit/>
-          </a:bodyPr>
-          <a:lstStyle/>
-          <a:p>
-            <a:r>
-              <a:rPr lang="en-CA" sz="2400" b="1" dirty="0" smtClean="0"/>
-              <a:t>MySQL Database</a:t>
-            </a:r>
-            <a:endParaRPr lang="en-CA" sz="2400" b="1" dirty="0"/>
-          </a:p>
-        </p:txBody>
-      </p:sp>
-    </p:spTree>
-    <p:extLst>
-      <p:ext uri="{BB962C8B-B14F-4D97-AF65-F5344CB8AC3E}">
-        <p14:creationId xmlns:p14="http://schemas.microsoft.com/office/powerpoint/2010/main" val="1080734692"/>
+        <p14:creationId xmlns:p14="http://schemas.microsoft.com/office/powerpoint/2010/main" val="845844637"/>
       </p:ext>
     </p:extLst>
   </p:cSld>
@@ -16934,6 +19331,1112 @@
     <p:extLst>
       <p:ext uri="{BB962C8B-B14F-4D97-AF65-F5344CB8AC3E}">
         <p14:creationId xmlns:p14="http://schemas.microsoft.com/office/powerpoint/2010/main" val="340811516"/>
+      </p:ext>
+    </p:extLst>
+  </p:cSld>
+  <p:clrMapOvr>
+    <a:masterClrMapping/>
+  </p:clrMapOvr>
+  <p:timing>
+    <p:tnLst>
+      <p:par>
+        <p:cTn id="1" dur="indefinite" restart="never" nodeType="tmRoot"/>
+      </p:par>
+    </p:tnLst>
+  </p:timing>
+</p:sld>
+</file>
+
+<file path=ppt/slides/slide40.xml><?xml version="1.0" encoding="utf-8"?>
+<p:sld xmlns:a="http://schemas.openxmlformats.org/drawingml/2006/main" xmlns:r="http://schemas.openxmlformats.org/officeDocument/2006/relationships" xmlns:p="http://schemas.openxmlformats.org/presentationml/2006/main">
+  <p:cSld>
+    <p:spTree>
+      <p:nvGrpSpPr>
+        <p:cNvPr id="1" name=""/>
+        <p:cNvGrpSpPr/>
+        <p:nvPr/>
+      </p:nvGrpSpPr>
+      <p:grpSpPr>
+        <a:xfrm>
+          <a:off x="0" y="0"/>
+          <a:ext cx="0" cy="0"/>
+          <a:chOff x="0" y="0"/>
+          <a:chExt cx="0" cy="0"/>
+        </a:xfrm>
+      </p:grpSpPr>
+      <p:sp>
+        <p:nvSpPr>
+          <p:cNvPr id="2" name="TextBox 1"/>
+          <p:cNvSpPr txBox="1"/>
+          <p:nvPr/>
+        </p:nvSpPr>
+        <p:spPr>
+          <a:xfrm>
+            <a:off x="1600200" y="1143000"/>
+            <a:ext cx="6359433" cy="4801314"/>
+          </a:xfrm>
+          <a:prstGeom prst="rect">
+            <a:avLst/>
+          </a:prstGeom>
+          <a:noFill/>
+        </p:spPr>
+        <p:txBody>
+          <a:bodyPr wrap="none" rtlCol="0">
+            <a:spAutoFit/>
+          </a:bodyPr>
+          <a:lstStyle/>
+          <a:p>
+            <a:r>
+              <a:rPr lang="en-CA" u="sng" dirty="0" smtClean="0"/>
+              <a:t>GUIs</a:t>
+            </a:r>
+          </a:p>
+          <a:p>
+            <a:pPr marL="285750" indent="-285750">
+              <a:buFont typeface="Arial" panose="020B0604020202020204" pitchFamily="34" charset="0"/>
+              <a:buChar char="•"/>
+            </a:pPr>
+            <a:r>
+              <a:rPr lang="en-CA" dirty="0" smtClean="0"/>
+              <a:t>Calibration of stimuli 	…	</a:t>
+            </a:r>
+            <a:r>
+              <a:rPr lang="en-CA" dirty="0" err="1" smtClean="0">
+                <a:solidFill>
+                  <a:schemeClr val="accent1">
+                    <a:lumMod val="75000"/>
+                  </a:schemeClr>
+                </a:solidFill>
+                <a:latin typeface="Courier New" panose="02070309020205020404" pitchFamily="49" charset="0"/>
+                <a:cs typeface="Courier New" panose="02070309020205020404" pitchFamily="49" charset="0"/>
+              </a:rPr>
+              <a:t>ep_CalibrationUtil</a:t>
+            </a:r>
+            <a:endParaRPr lang="en-CA" dirty="0" smtClean="0">
+              <a:solidFill>
+                <a:schemeClr val="accent1">
+                  <a:lumMod val="75000"/>
+                </a:schemeClr>
+              </a:solidFill>
+              <a:latin typeface="Courier New" panose="02070309020205020404" pitchFamily="49" charset="0"/>
+              <a:cs typeface="Courier New" panose="02070309020205020404" pitchFamily="49" charset="0"/>
+            </a:endParaRPr>
+          </a:p>
+          <a:p>
+            <a:pPr marL="285750" indent="-285750">
+              <a:buFont typeface="Arial" panose="020B0604020202020204" pitchFamily="34" charset="0"/>
+              <a:buChar char="•"/>
+            </a:pPr>
+            <a:r>
+              <a:rPr lang="en-CA" dirty="0" smtClean="0"/>
+              <a:t>Display Preferences 	…	</a:t>
+            </a:r>
+            <a:r>
+              <a:rPr lang="en-CA" dirty="0" err="1" smtClean="0">
+                <a:solidFill>
+                  <a:schemeClr val="accent1">
+                    <a:lumMod val="75000"/>
+                  </a:schemeClr>
+                </a:solidFill>
+                <a:latin typeface="Courier New" panose="02070309020205020404" pitchFamily="49" charset="0"/>
+                <a:cs typeface="Courier New" panose="02070309020205020404" pitchFamily="49" charset="0"/>
+              </a:rPr>
+              <a:t>ep_DisplayPrefs</a:t>
+            </a:r>
+            <a:endParaRPr lang="en-CA" dirty="0" smtClean="0">
+              <a:solidFill>
+                <a:schemeClr val="accent1">
+                  <a:lumMod val="75000"/>
+                </a:schemeClr>
+              </a:solidFill>
+              <a:latin typeface="Courier New" panose="02070309020205020404" pitchFamily="49" charset="0"/>
+              <a:cs typeface="Courier New" panose="02070309020205020404" pitchFamily="49" charset="0"/>
+            </a:endParaRPr>
+          </a:p>
+          <a:p>
+            <a:pPr marL="285750" indent="-285750">
+              <a:buFont typeface="Arial" panose="020B0604020202020204" pitchFamily="34" charset="0"/>
+              <a:buChar char="•"/>
+            </a:pPr>
+            <a:r>
+              <a:rPr lang="en-CA" dirty="0" smtClean="0"/>
+              <a:t>Generate Bitmasks	…	</a:t>
+            </a:r>
+            <a:r>
+              <a:rPr lang="en-CA" dirty="0" err="1" smtClean="0">
+                <a:solidFill>
+                  <a:schemeClr val="accent1">
+                    <a:lumMod val="75000"/>
+                  </a:schemeClr>
+                </a:solidFill>
+                <a:latin typeface="Courier New" panose="02070309020205020404" pitchFamily="49" charset="0"/>
+                <a:cs typeface="Courier New" panose="02070309020205020404" pitchFamily="49" charset="0"/>
+              </a:rPr>
+              <a:t>ep_DisplayPrefs</a:t>
+            </a:r>
+            <a:endParaRPr lang="en-CA" dirty="0" smtClean="0">
+              <a:solidFill>
+                <a:schemeClr val="accent1">
+                  <a:lumMod val="75000"/>
+                </a:schemeClr>
+              </a:solidFill>
+              <a:latin typeface="Courier New" panose="02070309020205020404" pitchFamily="49" charset="0"/>
+              <a:cs typeface="Courier New" panose="02070309020205020404" pitchFamily="49" charset="0"/>
+            </a:endParaRPr>
+          </a:p>
+          <a:p>
+            <a:pPr marL="285750" indent="-285750">
+              <a:buFont typeface="Arial" panose="020B0604020202020204" pitchFamily="34" charset="0"/>
+              <a:buChar char="•"/>
+            </a:pPr>
+            <a:endParaRPr lang="en-CA" dirty="0" smtClean="0"/>
+          </a:p>
+          <a:p>
+            <a:r>
+              <a:rPr lang="en-CA" u="sng" dirty="0" smtClean="0"/>
+              <a:t>Helpful Functions</a:t>
+            </a:r>
+          </a:p>
+          <a:p>
+            <a:pPr marL="285750" indent="-285750">
+              <a:buFont typeface="Arial" panose="020B0604020202020204" pitchFamily="34" charset="0"/>
+              <a:buChar char="•"/>
+            </a:pPr>
+            <a:r>
+              <a:rPr lang="en-CA" dirty="0" smtClean="0"/>
+              <a:t>Retrieve Tank Data 	… 	</a:t>
+            </a:r>
+            <a:r>
+              <a:rPr lang="en-CA" dirty="0" smtClean="0">
+                <a:solidFill>
+                  <a:schemeClr val="accent1">
+                    <a:lumMod val="75000"/>
+                  </a:schemeClr>
+                </a:solidFill>
+                <a:latin typeface="Courier New" panose="02070309020205020404" pitchFamily="49" charset="0"/>
+                <a:cs typeface="Courier New" panose="02070309020205020404" pitchFamily="49" charset="0"/>
+              </a:rPr>
+              <a:t>TDT2mat</a:t>
+            </a:r>
+          </a:p>
+          <a:p>
+            <a:pPr marL="285750" indent="-285750">
+              <a:buFont typeface="Arial" panose="020B0604020202020204" pitchFamily="34" charset="0"/>
+              <a:buChar char="•"/>
+            </a:pPr>
+            <a:r>
+              <a:rPr lang="en-CA" dirty="0" smtClean="0"/>
+              <a:t>TDT to </a:t>
+            </a:r>
+            <a:r>
+              <a:rPr lang="en-CA" dirty="0" err="1" smtClean="0"/>
+              <a:t>Plexon</a:t>
+            </a:r>
+            <a:r>
+              <a:rPr lang="en-CA" dirty="0" smtClean="0"/>
+              <a:t> (PLX)	…	</a:t>
+            </a:r>
+            <a:r>
+              <a:rPr lang="en-CA" dirty="0" smtClean="0">
+                <a:solidFill>
+                  <a:schemeClr val="accent1">
+                    <a:lumMod val="75000"/>
+                  </a:schemeClr>
+                </a:solidFill>
+                <a:latin typeface="Courier New" panose="02070309020205020404" pitchFamily="49" charset="0"/>
+                <a:cs typeface="Courier New" panose="02070309020205020404" pitchFamily="49" charset="0"/>
+              </a:rPr>
+              <a:t>TDT2PLX</a:t>
+            </a:r>
+          </a:p>
+          <a:p>
+            <a:pPr marL="285750" indent="-285750">
+              <a:buFont typeface="Arial" panose="020B0604020202020204" pitchFamily="34" charset="0"/>
+              <a:buChar char="•"/>
+            </a:pPr>
+            <a:r>
+              <a:rPr lang="en-CA" dirty="0" err="1" smtClean="0"/>
+              <a:t>Plexon</a:t>
+            </a:r>
+            <a:r>
+              <a:rPr lang="en-CA" dirty="0" smtClean="0"/>
+              <a:t> to TDT		…	</a:t>
+            </a:r>
+            <a:r>
+              <a:rPr lang="en-CA" dirty="0" smtClean="0">
+                <a:solidFill>
+                  <a:schemeClr val="accent1">
+                    <a:lumMod val="75000"/>
+                  </a:schemeClr>
+                </a:solidFill>
+                <a:latin typeface="Courier New" panose="02070309020205020404" pitchFamily="49" charset="0"/>
+                <a:cs typeface="Courier New" panose="02070309020205020404" pitchFamily="49" charset="0"/>
+              </a:rPr>
+              <a:t>PLX2TDT</a:t>
+            </a:r>
+          </a:p>
+          <a:p>
+            <a:endParaRPr lang="en-CA" dirty="0" smtClean="0"/>
+          </a:p>
+          <a:p>
+            <a:r>
+              <a:rPr lang="en-CA" u="sng" dirty="0" smtClean="0"/>
+              <a:t>Resources</a:t>
+            </a:r>
+            <a:endParaRPr lang="en-CA" u="sng" dirty="0"/>
+          </a:p>
+          <a:p>
+            <a:pPr marL="285750" indent="-285750">
+              <a:buFont typeface="Arial" panose="020B0604020202020204" pitchFamily="34" charset="0"/>
+              <a:buChar char="•"/>
+            </a:pPr>
+            <a:r>
+              <a:rPr lang="en-CA" dirty="0" smtClean="0"/>
+              <a:t>Examples </a:t>
+            </a:r>
+            <a:r>
+              <a:rPr lang="en-CA" dirty="0"/>
+              <a:t>			</a:t>
+            </a:r>
+            <a:r>
+              <a:rPr lang="en-CA" dirty="0" smtClean="0"/>
+              <a:t>..\</a:t>
+            </a:r>
+            <a:r>
+              <a:rPr lang="en-CA" dirty="0" err="1"/>
+              <a:t>epsych</a:t>
+            </a:r>
+            <a:r>
+              <a:rPr lang="en-CA" dirty="0"/>
+              <a:t>\.</a:t>
+            </a:r>
+            <a:r>
+              <a:rPr lang="en-CA" dirty="0" smtClean="0"/>
+              <a:t>examples</a:t>
+            </a:r>
+          </a:p>
+          <a:p>
+            <a:pPr marL="285750" indent="-285750">
+              <a:buFont typeface="Arial" panose="020B0604020202020204" pitchFamily="34" charset="0"/>
+              <a:buChar char="•"/>
+            </a:pPr>
+            <a:r>
+              <a:rPr lang="en-CA" dirty="0" err="1" smtClean="0"/>
+              <a:t>RPvds</a:t>
+            </a:r>
+            <a:r>
+              <a:rPr lang="en-CA" dirty="0"/>
+              <a:t> Macros			</a:t>
+            </a:r>
+            <a:r>
+              <a:rPr lang="en-CA" dirty="0" smtClean="0"/>
+              <a:t>..\</a:t>
+            </a:r>
+            <a:r>
+              <a:rPr lang="en-CA" dirty="0" err="1"/>
+              <a:t>epsych</a:t>
+            </a:r>
+            <a:r>
+              <a:rPr lang="en-CA" dirty="0"/>
+              <a:t>\.</a:t>
+            </a:r>
+            <a:r>
+              <a:rPr lang="en-CA" dirty="0" err="1" smtClean="0"/>
+              <a:t>circuit_macros</a:t>
+            </a:r>
+            <a:endParaRPr lang="en-CA" dirty="0" smtClean="0"/>
+          </a:p>
+          <a:p>
+            <a:pPr marL="285750" indent="-285750">
+              <a:buFont typeface="Arial" panose="020B0604020202020204" pitchFamily="34" charset="0"/>
+              <a:buChar char="•"/>
+            </a:pPr>
+            <a:endParaRPr lang="en-CA" dirty="0"/>
+          </a:p>
+          <a:p>
+            <a:r>
+              <a:rPr lang="en-CA" u="sng" dirty="0"/>
+              <a:t>Integration with MySQL Database </a:t>
+            </a:r>
+            <a:r>
+              <a:rPr lang="en-CA" dirty="0"/>
+              <a:t>	..\</a:t>
+            </a:r>
+            <a:r>
+              <a:rPr lang="en-CA" dirty="0" err="1"/>
+              <a:t>epsych</a:t>
+            </a:r>
+            <a:r>
+              <a:rPr lang="en-CA" dirty="0"/>
+              <a:t>\database</a:t>
+            </a:r>
+          </a:p>
+          <a:p>
+            <a:pPr marL="285750" indent="-285750">
+              <a:buFont typeface="Arial" panose="020B0604020202020204" pitchFamily="34" charset="0"/>
+              <a:buChar char="•"/>
+            </a:pPr>
+            <a:r>
+              <a:rPr lang="en-CA" dirty="0" smtClean="0"/>
+              <a:t>Uploading 		… 	</a:t>
+            </a:r>
+            <a:r>
+              <a:rPr lang="en-CA" dirty="0" err="1" smtClean="0">
+                <a:solidFill>
+                  <a:schemeClr val="accent1">
+                    <a:lumMod val="75000"/>
+                  </a:schemeClr>
+                </a:solidFill>
+                <a:latin typeface="Courier New" panose="02070309020205020404" pitchFamily="49" charset="0"/>
+                <a:cs typeface="Courier New" panose="02070309020205020404" pitchFamily="49" charset="0"/>
+              </a:rPr>
+              <a:t>DB_UploadUtility</a:t>
+            </a:r>
+            <a:endParaRPr lang="en-CA" dirty="0" smtClean="0">
+              <a:solidFill>
+                <a:schemeClr val="accent1">
+                  <a:lumMod val="75000"/>
+                </a:schemeClr>
+              </a:solidFill>
+              <a:latin typeface="Courier New" panose="02070309020205020404" pitchFamily="49" charset="0"/>
+              <a:cs typeface="Courier New" panose="02070309020205020404" pitchFamily="49" charset="0"/>
+            </a:endParaRPr>
+          </a:p>
+          <a:p>
+            <a:pPr marL="285750" indent="-285750">
+              <a:buFont typeface="Arial" panose="020B0604020202020204" pitchFamily="34" charset="0"/>
+              <a:buChar char="•"/>
+            </a:pPr>
+            <a:r>
+              <a:rPr lang="en-CA" dirty="0" smtClean="0"/>
+              <a:t>Accessing/Browsing 	…	</a:t>
+            </a:r>
+            <a:r>
+              <a:rPr lang="en-CA" dirty="0" err="1" smtClean="0">
+                <a:solidFill>
+                  <a:schemeClr val="accent1">
+                    <a:lumMod val="75000"/>
+                  </a:schemeClr>
+                </a:solidFill>
+                <a:latin typeface="Courier New" panose="02070309020205020404" pitchFamily="49" charset="0"/>
+                <a:cs typeface="Courier New" panose="02070309020205020404" pitchFamily="49" charset="0"/>
+              </a:rPr>
+              <a:t>DB_Browser</a:t>
+            </a:r>
+            <a:endParaRPr lang="en-CA" dirty="0">
+              <a:solidFill>
+                <a:schemeClr val="accent1">
+                  <a:lumMod val="75000"/>
+                </a:schemeClr>
+              </a:solidFill>
+              <a:latin typeface="Courier New" panose="02070309020205020404" pitchFamily="49" charset="0"/>
+              <a:cs typeface="Courier New" panose="02070309020205020404" pitchFamily="49" charset="0"/>
+            </a:endParaRPr>
+          </a:p>
+        </p:txBody>
+      </p:sp>
+      <p:sp>
+        <p:nvSpPr>
+          <p:cNvPr id="3" name="TextBox 2"/>
+          <p:cNvSpPr txBox="1"/>
+          <p:nvPr/>
+        </p:nvSpPr>
+        <p:spPr>
+          <a:xfrm>
+            <a:off x="685800" y="457200"/>
+            <a:ext cx="1612942" cy="461665"/>
+          </a:xfrm>
+          <a:prstGeom prst="rect">
+            <a:avLst/>
+          </a:prstGeom>
+          <a:noFill/>
+        </p:spPr>
+        <p:txBody>
+          <a:bodyPr wrap="none" rtlCol="0">
+            <a:spAutoFit/>
+          </a:bodyPr>
+          <a:lstStyle/>
+          <a:p>
+            <a:r>
+              <a:rPr lang="en-CA" sz="2400" b="1" dirty="0" smtClean="0"/>
+              <a:t>Other Stuff</a:t>
+            </a:r>
+            <a:endParaRPr lang="en-CA" sz="2400" b="1" dirty="0"/>
+          </a:p>
+        </p:txBody>
+      </p:sp>
+    </p:spTree>
+    <p:extLst>
+      <p:ext uri="{BB962C8B-B14F-4D97-AF65-F5344CB8AC3E}">
+        <p14:creationId xmlns:p14="http://schemas.microsoft.com/office/powerpoint/2010/main" val="3777478140"/>
+      </p:ext>
+    </p:extLst>
+  </p:cSld>
+  <p:clrMapOvr>
+    <a:masterClrMapping/>
+  </p:clrMapOvr>
+  <p:timing>
+    <p:tnLst>
+      <p:par>
+        <p:cTn id="1" dur="indefinite" restart="never" nodeType="tmRoot"/>
+      </p:par>
+    </p:tnLst>
+  </p:timing>
+</p:sld>
+</file>
+
+<file path=ppt/slides/slide41.xml><?xml version="1.0" encoding="utf-8"?>
+<p:sld xmlns:a="http://schemas.openxmlformats.org/drawingml/2006/main" xmlns:r="http://schemas.openxmlformats.org/officeDocument/2006/relationships" xmlns:p="http://schemas.openxmlformats.org/presentationml/2006/main">
+  <p:cSld>
+    <p:spTree>
+      <p:nvGrpSpPr>
+        <p:cNvPr id="1" name=""/>
+        <p:cNvGrpSpPr/>
+        <p:nvPr/>
+      </p:nvGrpSpPr>
+      <p:grpSpPr>
+        <a:xfrm>
+          <a:off x="0" y="0"/>
+          <a:ext cx="0" cy="0"/>
+          <a:chOff x="0" y="0"/>
+          <a:chExt cx="0" cy="0"/>
+        </a:xfrm>
+      </p:grpSpPr>
+      <p:sp>
+        <p:nvSpPr>
+          <p:cNvPr id="2" name="Flowchart: Process 1"/>
+          <p:cNvSpPr/>
+          <p:nvPr/>
+        </p:nvSpPr>
+        <p:spPr>
+          <a:xfrm>
+            <a:off x="1600200" y="3391230"/>
+            <a:ext cx="2209800" cy="918972"/>
+          </a:xfrm>
+          <a:prstGeom prst="flowChartProcess">
+            <a:avLst/>
+          </a:prstGeom>
+        </p:spPr>
+        <p:style>
+          <a:lnRef idx="1">
+            <a:schemeClr val="accent6"/>
+          </a:lnRef>
+          <a:fillRef idx="2">
+            <a:schemeClr val="accent6"/>
+          </a:fillRef>
+          <a:effectRef idx="1">
+            <a:schemeClr val="accent6"/>
+          </a:effectRef>
+          <a:fontRef idx="minor">
+            <a:schemeClr val="dk1"/>
+          </a:fontRef>
+        </p:style>
+        <p:txBody>
+          <a:bodyPr rtlCol="0" anchor="ctr"/>
+          <a:lstStyle/>
+          <a:p>
+            <a:pPr algn="ctr"/>
+            <a:r>
+              <a:rPr lang="en-US" dirty="0" smtClean="0"/>
+              <a:t>Spike Sorting</a:t>
+            </a:r>
+            <a:endParaRPr lang="en-US" sz="1400" dirty="0">
+              <a:latin typeface="Courier New" pitchFamily="49" charset="0"/>
+              <a:cs typeface="Courier New" pitchFamily="49" charset="0"/>
+            </a:endParaRPr>
+          </a:p>
+        </p:txBody>
+      </p:sp>
+      <p:sp>
+        <p:nvSpPr>
+          <p:cNvPr id="3" name="Flowchart: Magnetic Disk 2"/>
+          <p:cNvSpPr/>
+          <p:nvPr/>
+        </p:nvSpPr>
+        <p:spPr>
+          <a:xfrm>
+            <a:off x="579636" y="1662412"/>
+            <a:ext cx="914400" cy="1089168"/>
+          </a:xfrm>
+          <a:prstGeom prst="flowChartMagneticDisk">
+            <a:avLst/>
+          </a:prstGeom>
+        </p:spPr>
+        <p:style>
+          <a:lnRef idx="1">
+            <a:schemeClr val="accent3"/>
+          </a:lnRef>
+          <a:fillRef idx="2">
+            <a:schemeClr val="accent3"/>
+          </a:fillRef>
+          <a:effectRef idx="1">
+            <a:schemeClr val="accent3"/>
+          </a:effectRef>
+          <a:fontRef idx="minor">
+            <a:schemeClr val="dk1"/>
+          </a:fontRef>
+        </p:style>
+        <p:txBody>
+          <a:bodyPr rtlCol="0" anchor="ctr"/>
+          <a:lstStyle/>
+          <a:p>
+            <a:pPr algn="ctr"/>
+            <a:r>
+              <a:rPr lang="en-US" b="1" dirty="0" smtClean="0"/>
+              <a:t>TDT</a:t>
+            </a:r>
+          </a:p>
+          <a:p>
+            <a:pPr algn="ctr"/>
+            <a:r>
+              <a:rPr lang="en-US" b="1" dirty="0" smtClean="0"/>
+              <a:t>Tank</a:t>
+            </a:r>
+            <a:endParaRPr lang="en-US" b="1" dirty="0"/>
+          </a:p>
+        </p:txBody>
+      </p:sp>
+      <p:cxnSp>
+        <p:nvCxnSpPr>
+          <p:cNvPr id="4" name="Elbow Connector 3"/>
+          <p:cNvCxnSpPr>
+            <a:stCxn id="2" idx="2"/>
+            <a:endCxn id="3" idx="3"/>
+          </p:cNvCxnSpPr>
+          <p:nvPr/>
+        </p:nvCxnSpPr>
+        <p:spPr>
+          <a:xfrm rot="5400000" flipH="1">
+            <a:off x="1091657" y="2696759"/>
+            <a:ext cx="1558622" cy="1668264"/>
+          </a:xfrm>
+          <a:prstGeom prst="bentConnector3">
+            <a:avLst>
+              <a:gd name="adj1" fmla="val -14667"/>
+            </a:avLst>
+          </a:prstGeom>
+          <a:ln w="12700">
+            <a:headEnd type="none" w="med" len="med"/>
+            <a:tailEnd type="arrow" w="lg" len="lg"/>
+          </a:ln>
+        </p:spPr>
+        <p:style>
+          <a:lnRef idx="1">
+            <a:schemeClr val="accent6"/>
+          </a:lnRef>
+          <a:fillRef idx="2">
+            <a:schemeClr val="accent6"/>
+          </a:fillRef>
+          <a:effectRef idx="1">
+            <a:schemeClr val="accent6"/>
+          </a:effectRef>
+          <a:fontRef idx="minor">
+            <a:schemeClr val="dk1"/>
+          </a:fontRef>
+        </p:style>
+      </p:cxnSp>
+      <p:sp>
+        <p:nvSpPr>
+          <p:cNvPr id="5" name="Flowchart: Process 4"/>
+          <p:cNvSpPr/>
+          <p:nvPr/>
+        </p:nvSpPr>
+        <p:spPr>
+          <a:xfrm>
+            <a:off x="3352800" y="1178814"/>
+            <a:ext cx="2438400" cy="762000"/>
+          </a:xfrm>
+          <a:prstGeom prst="flowChartProcess">
+            <a:avLst/>
+          </a:prstGeom>
+        </p:spPr>
+        <p:style>
+          <a:lnRef idx="1">
+            <a:schemeClr val="accent5"/>
+          </a:lnRef>
+          <a:fillRef idx="2">
+            <a:schemeClr val="accent5"/>
+          </a:fillRef>
+          <a:effectRef idx="1">
+            <a:schemeClr val="accent5"/>
+          </a:effectRef>
+          <a:fontRef idx="minor">
+            <a:schemeClr val="dk1"/>
+          </a:fontRef>
+        </p:style>
+        <p:txBody>
+          <a:bodyPr rtlCol="0" anchor="ctr"/>
+          <a:lstStyle/>
+          <a:p>
+            <a:pPr algn="ctr"/>
+            <a:r>
+              <a:rPr lang="en-US" dirty="0" smtClean="0"/>
+              <a:t>Upload to Database</a:t>
+            </a:r>
+          </a:p>
+          <a:p>
+            <a:pPr algn="ctr"/>
+            <a:r>
+              <a:rPr lang="en-US" dirty="0" err="1" smtClean="0">
+                <a:latin typeface="Courier New" pitchFamily="49" charset="0"/>
+                <a:cs typeface="Courier New" pitchFamily="49" charset="0"/>
+              </a:rPr>
+              <a:t>DB_UploadUtility</a:t>
+            </a:r>
+            <a:endParaRPr lang="en-US" sz="1400" dirty="0">
+              <a:latin typeface="Courier New" pitchFamily="49" charset="0"/>
+              <a:cs typeface="Courier New" pitchFamily="49" charset="0"/>
+            </a:endParaRPr>
+          </a:p>
+        </p:txBody>
+      </p:sp>
+      <p:sp>
+        <p:nvSpPr>
+          <p:cNvPr id="6" name="Flowchart: Decision 5"/>
+          <p:cNvSpPr/>
+          <p:nvPr/>
+        </p:nvSpPr>
+        <p:spPr>
+          <a:xfrm rot="16200000">
+            <a:off x="2256036" y="1900673"/>
+            <a:ext cx="914400" cy="612648"/>
+          </a:xfrm>
+          <a:prstGeom prst="flowChartDecision">
+            <a:avLst/>
+          </a:prstGeom>
+        </p:spPr>
+        <p:style>
+          <a:lnRef idx="1">
+            <a:schemeClr val="accent3"/>
+          </a:lnRef>
+          <a:fillRef idx="2">
+            <a:schemeClr val="accent3"/>
+          </a:fillRef>
+          <a:effectRef idx="1">
+            <a:schemeClr val="accent3"/>
+          </a:effectRef>
+          <a:fontRef idx="minor">
+            <a:schemeClr val="dk1"/>
+          </a:fontRef>
+        </p:style>
+        <p:txBody>
+          <a:bodyPr rtlCol="0" anchor="ctr"/>
+          <a:lstStyle/>
+          <a:p>
+            <a:pPr algn="ctr"/>
+            <a:endParaRPr lang="en-US"/>
+          </a:p>
+        </p:txBody>
+      </p:sp>
+      <p:cxnSp>
+        <p:nvCxnSpPr>
+          <p:cNvPr id="7" name="Elbow Connector 6"/>
+          <p:cNvCxnSpPr>
+            <a:stCxn id="6" idx="3"/>
+            <a:endCxn id="5" idx="1"/>
+          </p:cNvCxnSpPr>
+          <p:nvPr/>
+        </p:nvCxnSpPr>
+        <p:spPr>
+          <a:xfrm rot="5400000" flipH="1" flipV="1">
+            <a:off x="2938027" y="1335024"/>
+            <a:ext cx="189983" cy="639564"/>
+          </a:xfrm>
+          <a:prstGeom prst="bentConnector2">
+            <a:avLst/>
+          </a:prstGeom>
+          <a:ln w="12700">
+            <a:headEnd type="none" w="med" len="med"/>
+            <a:tailEnd type="arrow" w="lg" len="lg"/>
+          </a:ln>
+        </p:spPr>
+        <p:style>
+          <a:lnRef idx="1">
+            <a:schemeClr val="accent3"/>
+          </a:lnRef>
+          <a:fillRef idx="2">
+            <a:schemeClr val="accent3"/>
+          </a:fillRef>
+          <a:effectRef idx="1">
+            <a:schemeClr val="accent3"/>
+          </a:effectRef>
+          <a:fontRef idx="minor">
+            <a:schemeClr val="dk1"/>
+          </a:fontRef>
+        </p:style>
+      </p:cxnSp>
+      <p:cxnSp>
+        <p:nvCxnSpPr>
+          <p:cNvPr id="8" name="Straight Arrow Connector 7"/>
+          <p:cNvCxnSpPr>
+            <a:stCxn id="3" idx="4"/>
+            <a:endCxn id="6" idx="0"/>
+          </p:cNvCxnSpPr>
+          <p:nvPr/>
+        </p:nvCxnSpPr>
+        <p:spPr>
+          <a:xfrm>
+            <a:off x="1494036" y="2206996"/>
+            <a:ext cx="912876" cy="1"/>
+          </a:xfrm>
+          <a:prstGeom prst="straightConnector1">
+            <a:avLst/>
+          </a:prstGeom>
+          <a:ln w="12700">
+            <a:headEnd type="none" w="med" len="med"/>
+            <a:tailEnd type="arrow" w="lg" len="lg"/>
+          </a:ln>
+        </p:spPr>
+        <p:style>
+          <a:lnRef idx="1">
+            <a:schemeClr val="accent3"/>
+          </a:lnRef>
+          <a:fillRef idx="2">
+            <a:schemeClr val="accent3"/>
+          </a:fillRef>
+          <a:effectRef idx="1">
+            <a:schemeClr val="accent3"/>
+          </a:effectRef>
+          <a:fontRef idx="minor">
+            <a:schemeClr val="dk1"/>
+          </a:fontRef>
+        </p:style>
+      </p:cxnSp>
+      <p:cxnSp>
+        <p:nvCxnSpPr>
+          <p:cNvPr id="9" name="Straight Arrow Connector 8"/>
+          <p:cNvCxnSpPr>
+            <a:stCxn id="6" idx="1"/>
+            <a:endCxn id="2" idx="0"/>
+          </p:cNvCxnSpPr>
+          <p:nvPr/>
+        </p:nvCxnSpPr>
+        <p:spPr>
+          <a:xfrm flipH="1">
+            <a:off x="2705100" y="2664197"/>
+            <a:ext cx="8136" cy="727033"/>
+          </a:xfrm>
+          <a:prstGeom prst="straightConnector1">
+            <a:avLst/>
+          </a:prstGeom>
+          <a:ln w="12700">
+            <a:headEnd type="none" w="med" len="med"/>
+            <a:tailEnd type="arrow" w="lg" len="lg"/>
+          </a:ln>
+        </p:spPr>
+        <p:style>
+          <a:lnRef idx="1">
+            <a:schemeClr val="accent3"/>
+          </a:lnRef>
+          <a:fillRef idx="2">
+            <a:schemeClr val="accent3"/>
+          </a:fillRef>
+          <a:effectRef idx="1">
+            <a:schemeClr val="accent3"/>
+          </a:effectRef>
+          <a:fontRef idx="minor">
+            <a:schemeClr val="dk1"/>
+          </a:fontRef>
+        </p:style>
+      </p:cxnSp>
+      <p:sp>
+        <p:nvSpPr>
+          <p:cNvPr id="10" name="Flowchart: Process 9"/>
+          <p:cNvSpPr/>
+          <p:nvPr/>
+        </p:nvSpPr>
+        <p:spPr>
+          <a:xfrm>
+            <a:off x="6477000" y="1138428"/>
+            <a:ext cx="2209800" cy="842772"/>
+          </a:xfrm>
+          <a:prstGeom prst="flowChartProcess">
+            <a:avLst/>
+          </a:prstGeom>
+        </p:spPr>
+        <p:style>
+          <a:lnRef idx="1">
+            <a:schemeClr val="accent5"/>
+          </a:lnRef>
+          <a:fillRef idx="2">
+            <a:schemeClr val="accent5"/>
+          </a:fillRef>
+          <a:effectRef idx="1">
+            <a:schemeClr val="accent5"/>
+          </a:effectRef>
+          <a:fontRef idx="minor">
+            <a:schemeClr val="dk1"/>
+          </a:fontRef>
+        </p:style>
+        <p:txBody>
+          <a:bodyPr rtlCol="0" anchor="ctr"/>
+          <a:lstStyle/>
+          <a:p>
+            <a:pPr algn="ctr"/>
+            <a:r>
+              <a:rPr lang="en-US" dirty="0" smtClean="0"/>
+              <a:t>Database Browser, Analysis, &amp; Export</a:t>
+            </a:r>
+          </a:p>
+          <a:p>
+            <a:pPr algn="ctr"/>
+            <a:r>
+              <a:rPr lang="en-US" dirty="0" err="1" smtClean="0">
+                <a:latin typeface="Courier New" pitchFamily="49" charset="0"/>
+                <a:cs typeface="Courier New" pitchFamily="49" charset="0"/>
+              </a:rPr>
+              <a:t>DB_Browser</a:t>
+            </a:r>
+            <a:endParaRPr lang="en-US" sz="1400" dirty="0">
+              <a:latin typeface="Courier New" pitchFamily="49" charset="0"/>
+              <a:cs typeface="Courier New" pitchFamily="49" charset="0"/>
+            </a:endParaRPr>
+          </a:p>
+        </p:txBody>
+      </p:sp>
+      <p:sp>
+        <p:nvSpPr>
+          <p:cNvPr id="11" name="TextBox 10"/>
+          <p:cNvSpPr txBox="1"/>
+          <p:nvPr/>
+        </p:nvSpPr>
+        <p:spPr>
+          <a:xfrm>
+            <a:off x="714444" y="262833"/>
+            <a:ext cx="2352439" cy="461665"/>
+          </a:xfrm>
+          <a:prstGeom prst="rect">
+            <a:avLst/>
+          </a:prstGeom>
+          <a:noFill/>
+        </p:spPr>
+        <p:txBody>
+          <a:bodyPr wrap="none" rtlCol="0">
+            <a:spAutoFit/>
+          </a:bodyPr>
+          <a:lstStyle/>
+          <a:p>
+            <a:r>
+              <a:rPr lang="en-CA" sz="2400" b="1" dirty="0" smtClean="0"/>
+              <a:t>MySQL Database</a:t>
+            </a:r>
+            <a:endParaRPr lang="en-CA" sz="2400" b="1" dirty="0"/>
+          </a:p>
+        </p:txBody>
+      </p:sp>
+      <p:sp>
+        <p:nvSpPr>
+          <p:cNvPr id="12" name="TextBox 11"/>
+          <p:cNvSpPr txBox="1"/>
+          <p:nvPr/>
+        </p:nvSpPr>
+        <p:spPr>
+          <a:xfrm>
+            <a:off x="2660880" y="2825518"/>
+            <a:ext cx="1149674" cy="369332"/>
+          </a:xfrm>
+          <a:prstGeom prst="rect">
+            <a:avLst/>
+          </a:prstGeom>
+          <a:noFill/>
+        </p:spPr>
+        <p:txBody>
+          <a:bodyPr wrap="none" rtlCol="0">
+            <a:spAutoFit/>
+          </a:bodyPr>
+          <a:lstStyle/>
+          <a:p>
+            <a:r>
+              <a:rPr lang="en-CA" dirty="0" smtClean="0">
+                <a:latin typeface="Courier New" panose="02070309020205020404" pitchFamily="49" charset="0"/>
+                <a:cs typeface="Courier New" panose="02070309020205020404" pitchFamily="49" charset="0"/>
+              </a:rPr>
+              <a:t>TDT2PLX</a:t>
+            </a:r>
+            <a:endParaRPr lang="en-CA" dirty="0">
+              <a:latin typeface="Courier New" panose="02070309020205020404" pitchFamily="49" charset="0"/>
+              <a:cs typeface="Courier New" panose="02070309020205020404" pitchFamily="49" charset="0"/>
+            </a:endParaRPr>
+          </a:p>
+        </p:txBody>
+      </p:sp>
+      <p:sp>
+        <p:nvSpPr>
+          <p:cNvPr id="13" name="TextBox 12"/>
+          <p:cNvSpPr txBox="1"/>
+          <p:nvPr/>
+        </p:nvSpPr>
+        <p:spPr>
+          <a:xfrm>
+            <a:off x="1295400" y="4481324"/>
+            <a:ext cx="1149674" cy="369332"/>
+          </a:xfrm>
+          <a:prstGeom prst="rect">
+            <a:avLst/>
+          </a:prstGeom>
+          <a:noFill/>
+        </p:spPr>
+        <p:txBody>
+          <a:bodyPr wrap="none" rtlCol="0">
+            <a:spAutoFit/>
+          </a:bodyPr>
+          <a:lstStyle/>
+          <a:p>
+            <a:r>
+              <a:rPr lang="en-CA" dirty="0" smtClean="0">
+                <a:latin typeface="Courier New" panose="02070309020205020404" pitchFamily="49" charset="0"/>
+                <a:cs typeface="Courier New" panose="02070309020205020404" pitchFamily="49" charset="0"/>
+              </a:rPr>
+              <a:t>PLX2TDT</a:t>
+            </a:r>
+            <a:endParaRPr lang="en-CA" dirty="0">
+              <a:latin typeface="Courier New" panose="02070309020205020404" pitchFamily="49" charset="0"/>
+              <a:cs typeface="Courier New" panose="02070309020205020404" pitchFamily="49" charset="0"/>
+            </a:endParaRPr>
+          </a:p>
+        </p:txBody>
+      </p:sp>
+      <p:cxnSp>
+        <p:nvCxnSpPr>
+          <p:cNvPr id="16" name="Straight Arrow Connector 15"/>
+          <p:cNvCxnSpPr>
+            <a:stCxn id="5" idx="3"/>
+            <a:endCxn id="10" idx="1"/>
+          </p:cNvCxnSpPr>
+          <p:nvPr/>
+        </p:nvCxnSpPr>
+        <p:spPr>
+          <a:xfrm>
+            <a:off x="5791200" y="1559814"/>
+            <a:ext cx="685800" cy="0"/>
+          </a:xfrm>
+          <a:prstGeom prst="straightConnector1">
+            <a:avLst/>
+          </a:prstGeom>
+          <a:ln w="12700">
+            <a:solidFill>
+              <a:srgbClr val="9FAFDB"/>
+            </a:solidFill>
+            <a:headEnd type="none" w="med" len="med"/>
+            <a:tailEnd type="arrow" w="lg" len="lg"/>
+          </a:ln>
+        </p:spPr>
+        <p:style>
+          <a:lnRef idx="1">
+            <a:schemeClr val="accent3"/>
+          </a:lnRef>
+          <a:fillRef idx="2">
+            <a:schemeClr val="accent3"/>
+          </a:fillRef>
+          <a:effectRef idx="1">
+            <a:schemeClr val="accent3"/>
+          </a:effectRef>
+          <a:fontRef idx="minor">
+            <a:schemeClr val="dk1"/>
+          </a:fontRef>
+        </p:style>
+      </p:cxnSp>
+    </p:spTree>
+    <p:extLst>
+      <p:ext uri="{BB962C8B-B14F-4D97-AF65-F5344CB8AC3E}">
+        <p14:creationId xmlns:p14="http://schemas.microsoft.com/office/powerpoint/2010/main" val="3690720341"/>
+      </p:ext>
+    </p:extLst>
+  </p:cSld>
+  <p:clrMapOvr>
+    <a:masterClrMapping/>
+  </p:clrMapOvr>
+  <p:timing>
+    <p:tnLst>
+      <p:par>
+        <p:cTn id="1" dur="indefinite" restart="never" nodeType="tmRoot"/>
+      </p:par>
+    </p:tnLst>
+  </p:timing>
+</p:sld>
+</file>
+
+<file path=ppt/slides/slide42.xml><?xml version="1.0" encoding="utf-8"?>
+<p:sld xmlns:a="http://schemas.openxmlformats.org/drawingml/2006/main" xmlns:r="http://schemas.openxmlformats.org/officeDocument/2006/relationships" xmlns:p="http://schemas.openxmlformats.org/presentationml/2006/main">
+  <p:cSld>
+    <p:spTree>
+      <p:nvGrpSpPr>
+        <p:cNvPr id="1" name=""/>
+        <p:cNvGrpSpPr/>
+        <p:nvPr/>
+      </p:nvGrpSpPr>
+      <p:grpSpPr>
+        <a:xfrm>
+          <a:off x="0" y="0"/>
+          <a:ext cx="0" cy="0"/>
+          <a:chOff x="0" y="0"/>
+          <a:chExt cx="0" cy="0"/>
+        </a:xfrm>
+      </p:grpSpPr>
+      <p:pic>
+        <p:nvPicPr>
+          <p:cNvPr id="3" name="Picture 2" descr="Screen Clipping"/>
+          <p:cNvPicPr>
+            <a:picLocks noChangeAspect="1"/>
+          </p:cNvPicPr>
+          <p:nvPr/>
+        </p:nvPicPr>
+        <p:blipFill>
+          <a:blip r:embed="rId2">
+            <a:extLst>
+              <a:ext uri="{28A0092B-C50C-407E-A947-70E740481C1C}">
+                <a14:useLocalDpi xmlns:a14="http://schemas.microsoft.com/office/drawing/2010/main" val="0"/>
+              </a:ext>
+            </a:extLst>
+          </a:blip>
+          <a:stretch>
+            <a:fillRect/>
+          </a:stretch>
+        </p:blipFill>
+        <p:spPr>
+          <a:xfrm>
+            <a:off x="1903719" y="0"/>
+            <a:ext cx="5336561" cy="6858000"/>
+          </a:xfrm>
+          <a:prstGeom prst="rect">
+            <a:avLst/>
+          </a:prstGeom>
+        </p:spPr>
+      </p:pic>
+      <p:sp>
+        <p:nvSpPr>
+          <p:cNvPr id="4" name="TextBox 3"/>
+          <p:cNvSpPr txBox="1"/>
+          <p:nvPr/>
+        </p:nvSpPr>
+        <p:spPr>
+          <a:xfrm>
+            <a:off x="714444" y="262833"/>
+            <a:ext cx="2352439" cy="461665"/>
+          </a:xfrm>
+          <a:prstGeom prst="rect">
+            <a:avLst/>
+          </a:prstGeom>
+          <a:noFill/>
+        </p:spPr>
+        <p:txBody>
+          <a:bodyPr wrap="none" rtlCol="0">
+            <a:spAutoFit/>
+          </a:bodyPr>
+          <a:lstStyle/>
+          <a:p>
+            <a:r>
+              <a:rPr lang="en-CA" sz="2400" b="1" dirty="0" smtClean="0"/>
+              <a:t>MySQL Database</a:t>
+            </a:r>
+            <a:endParaRPr lang="en-CA" sz="2400" b="1" dirty="0"/>
+          </a:p>
+        </p:txBody>
+      </p:sp>
+    </p:spTree>
+    <p:extLst>
+      <p:ext uri="{BB962C8B-B14F-4D97-AF65-F5344CB8AC3E}">
+        <p14:creationId xmlns:p14="http://schemas.microsoft.com/office/powerpoint/2010/main" val="1080734692"/>
       </p:ext>
     </p:extLst>
   </p:cSld>

--- a/trunk/Intro_to_ElectroPsych_Toolbox.pptx
+++ b/trunk/Intro_to_ElectroPsych_Toolbox.pptx
@@ -335,7 +335,7 @@
           <a:p>
             <a:fld id="{5B1F1AE8-169A-448B-8F06-14A9CDED5B93}" type="datetimeFigureOut">
               <a:rPr lang="en-CA" smtClean="0"/>
-              <a:t>2014-10-20</a:t>
+              <a:t>30/10/2014</a:t>
             </a:fld>
             <a:endParaRPr lang="en-CA"/>
           </a:p>
@@ -1070,7 +1070,7 @@
           <a:p>
             <a:fld id="{BD11ADD5-E14D-449A-83D5-794C8D646EDC}" type="datetimeFigureOut">
               <a:rPr lang="en-CA" smtClean="0"/>
-              <a:t>2014-10-20</a:t>
+              <a:t>30/10/2014</a:t>
             </a:fld>
             <a:endParaRPr lang="en-CA"/>
           </a:p>
@@ -1240,7 +1240,7 @@
           <a:p>
             <a:fld id="{BD11ADD5-E14D-449A-83D5-794C8D646EDC}" type="datetimeFigureOut">
               <a:rPr lang="en-CA" smtClean="0"/>
-              <a:t>2014-10-20</a:t>
+              <a:t>30/10/2014</a:t>
             </a:fld>
             <a:endParaRPr lang="en-CA"/>
           </a:p>
@@ -1420,7 +1420,7 @@
           <a:p>
             <a:fld id="{BD11ADD5-E14D-449A-83D5-794C8D646EDC}" type="datetimeFigureOut">
               <a:rPr lang="en-CA" smtClean="0"/>
-              <a:t>2014-10-20</a:t>
+              <a:t>30/10/2014</a:t>
             </a:fld>
             <a:endParaRPr lang="en-CA"/>
           </a:p>
@@ -1590,7 +1590,7 @@
           <a:p>
             <a:fld id="{BD11ADD5-E14D-449A-83D5-794C8D646EDC}" type="datetimeFigureOut">
               <a:rPr lang="en-CA" smtClean="0"/>
-              <a:t>2014-10-20</a:t>
+              <a:t>30/10/2014</a:t>
             </a:fld>
             <a:endParaRPr lang="en-CA"/>
           </a:p>
@@ -1836,7 +1836,7 @@
           <a:p>
             <a:fld id="{BD11ADD5-E14D-449A-83D5-794C8D646EDC}" type="datetimeFigureOut">
               <a:rPr lang="en-CA" smtClean="0"/>
-              <a:t>2014-10-20</a:t>
+              <a:t>30/10/2014</a:t>
             </a:fld>
             <a:endParaRPr lang="en-CA"/>
           </a:p>
@@ -2068,7 +2068,7 @@
           <a:p>
             <a:fld id="{BD11ADD5-E14D-449A-83D5-794C8D646EDC}" type="datetimeFigureOut">
               <a:rPr lang="en-CA" smtClean="0"/>
-              <a:t>2014-10-20</a:t>
+              <a:t>30/10/2014</a:t>
             </a:fld>
             <a:endParaRPr lang="en-CA"/>
           </a:p>
@@ -2435,7 +2435,7 @@
           <a:p>
             <a:fld id="{BD11ADD5-E14D-449A-83D5-794C8D646EDC}" type="datetimeFigureOut">
               <a:rPr lang="en-CA" smtClean="0"/>
-              <a:t>2014-10-20</a:t>
+              <a:t>30/10/2014</a:t>
             </a:fld>
             <a:endParaRPr lang="en-CA"/>
           </a:p>
@@ -2553,7 +2553,7 @@
           <a:p>
             <a:fld id="{BD11ADD5-E14D-449A-83D5-794C8D646EDC}" type="datetimeFigureOut">
               <a:rPr lang="en-CA" smtClean="0"/>
-              <a:t>2014-10-20</a:t>
+              <a:t>30/10/2014</a:t>
             </a:fld>
             <a:endParaRPr lang="en-CA"/>
           </a:p>
@@ -2648,7 +2648,7 @@
           <a:p>
             <a:fld id="{BD11ADD5-E14D-449A-83D5-794C8D646EDC}" type="datetimeFigureOut">
               <a:rPr lang="en-CA" smtClean="0"/>
-              <a:t>2014-10-20</a:t>
+              <a:t>30/10/2014</a:t>
             </a:fld>
             <a:endParaRPr lang="en-CA"/>
           </a:p>
@@ -2925,7 +2925,7 @@
           <a:p>
             <a:fld id="{BD11ADD5-E14D-449A-83D5-794C8D646EDC}" type="datetimeFigureOut">
               <a:rPr lang="en-CA" smtClean="0"/>
-              <a:t>2014-10-20</a:t>
+              <a:t>30/10/2014</a:t>
             </a:fld>
             <a:endParaRPr lang="en-CA"/>
           </a:p>
@@ -3178,7 +3178,7 @@
           <a:p>
             <a:fld id="{BD11ADD5-E14D-449A-83D5-794C8D646EDC}" type="datetimeFigureOut">
               <a:rPr lang="en-CA" smtClean="0"/>
-              <a:t>2014-10-20</a:t>
+              <a:t>30/10/2014</a:t>
             </a:fld>
             <a:endParaRPr lang="en-CA"/>
           </a:p>
@@ -3391,7 +3391,7 @@
           <a:p>
             <a:fld id="{BD11ADD5-E14D-449A-83D5-794C8D646EDC}" type="datetimeFigureOut">
               <a:rPr lang="en-CA" smtClean="0"/>
-              <a:t>2014-10-20</a:t>
+              <a:t>30/10/2014</a:t>
             </a:fld>
             <a:endParaRPr lang="en-CA"/>
           </a:p>
@@ -20568,8 +20568,13 @@
             </a:pPr>
             <a:r>
               <a:rPr lang="en-CA" dirty="0" smtClean="0"/>
-              <a:t>Recommended: ‘c:/MATLAB/work/’</a:t>
-            </a:r>
+              <a:t>Recommended: </a:t>
+            </a:r>
+            <a:r>
+              <a:rPr lang="en-CA" dirty="0" smtClean="0"/>
+              <a:t>‘C:/’</a:t>
+            </a:r>
+            <a:endParaRPr lang="en-CA" dirty="0" smtClean="0"/>
           </a:p>
           <a:p>
             <a:pPr marL="342900" indent="-342900">
@@ -20633,7 +20638,15 @@
             </a:pPr>
             <a:r>
               <a:rPr lang="en-CA" dirty="0"/>
-              <a:t>Checkout Directory:   C:\MATLAB\work\epsych     (or wherever)</a:t>
+              <a:t>Checkout Directory:   C</a:t>
+            </a:r>
+            <a:r>
+              <a:rPr lang="en-CA" dirty="0" smtClean="0"/>
+              <a:t>:\epsych     </a:t>
+            </a:r>
+            <a:r>
+              <a:rPr lang="en-CA" dirty="0"/>
+              <a:t>(or wherever)</a:t>
             </a:r>
           </a:p>
           <a:p>
@@ -21217,7 +21230,7 @@
         <p:spPr>
           <a:xfrm>
             <a:off x="1653573" y="5279764"/>
-            <a:ext cx="5836854" cy="646331"/>
+            <a:ext cx="4182555" cy="646331"/>
           </a:xfrm>
           <a:prstGeom prst="rect">
             <a:avLst/>
@@ -21248,10 +21261,20 @@
                 <a:latin typeface="Courier New" panose="02070309020205020404" pitchFamily="49" charset="0"/>
                 <a:cs typeface="Courier New" panose="02070309020205020404" pitchFamily="49" charset="0"/>
               </a:rPr>
-              <a:t>('C:\MATLAB\work\</a:t>
-            </a:r>
-            <a:r>
-              <a:rPr lang="en-CA" dirty="0" err="1">
+              <a:t>('C</a:t>
+            </a:r>
+            <a:r>
+              <a:rPr lang="en-CA" dirty="0" smtClean="0">
+                <a:solidFill>
+                  <a:srgbClr val="0070C0"/>
+                </a:solidFill>
+                <a:latin typeface="Courier New" panose="02070309020205020404" pitchFamily="49" charset="0"/>
+                <a:cs typeface="Courier New" panose="02070309020205020404" pitchFamily="49" charset="0"/>
+              </a:rPr>
+              <a:t>:\</a:t>
+            </a:r>
+            <a:r>
+              <a:rPr lang="en-CA" dirty="0" err="1" smtClean="0">
                 <a:solidFill>
                   <a:srgbClr val="0070C0"/>
                 </a:solidFill>
@@ -21290,10 +21313,20 @@
                 <a:latin typeface="Courier New" panose="02070309020205020404" pitchFamily="49" charset="0"/>
                 <a:cs typeface="Courier New" panose="02070309020205020404" pitchFamily="49" charset="0"/>
               </a:rPr>
-              <a:t>('C:\MATLAB\work\</a:t>
-            </a:r>
-            <a:r>
-              <a:rPr lang="en-CA" dirty="0" err="1">
+              <a:t>('C</a:t>
+            </a:r>
+            <a:r>
+              <a:rPr lang="en-CA" dirty="0" smtClean="0">
+                <a:solidFill>
+                  <a:srgbClr val="0070C0"/>
+                </a:solidFill>
+                <a:latin typeface="Courier New" panose="02070309020205020404" pitchFamily="49" charset="0"/>
+                <a:cs typeface="Courier New" panose="02070309020205020404" pitchFamily="49" charset="0"/>
+              </a:rPr>
+              <a:t>:\</a:t>
+            </a:r>
+            <a:r>
+              <a:rPr lang="en-CA" dirty="0" err="1" smtClean="0">
                 <a:solidFill>
                   <a:srgbClr val="0070C0"/>
                 </a:solidFill>

--- a/trunk/Intro_to_ElectroPsych_Toolbox.pptx
+++ b/trunk/Intro_to_ElectroPsych_Toolbox.pptx
@@ -335,7 +335,7 @@
           <a:p>
             <a:fld id="{5B1F1AE8-169A-448B-8F06-14A9CDED5B93}" type="datetimeFigureOut">
               <a:rPr lang="en-CA" smtClean="0"/>
-              <a:t>30/10/2014</a:t>
+              <a:t>2014-10-26</a:t>
             </a:fld>
             <a:endParaRPr lang="en-CA"/>
           </a:p>
@@ -1070,7 +1070,7 @@
           <a:p>
             <a:fld id="{BD11ADD5-E14D-449A-83D5-794C8D646EDC}" type="datetimeFigureOut">
               <a:rPr lang="en-CA" smtClean="0"/>
-              <a:t>30/10/2014</a:t>
+              <a:t>2014-10-26</a:t>
             </a:fld>
             <a:endParaRPr lang="en-CA"/>
           </a:p>
@@ -1240,7 +1240,7 @@
           <a:p>
             <a:fld id="{BD11ADD5-E14D-449A-83D5-794C8D646EDC}" type="datetimeFigureOut">
               <a:rPr lang="en-CA" smtClean="0"/>
-              <a:t>30/10/2014</a:t>
+              <a:t>2014-10-26</a:t>
             </a:fld>
             <a:endParaRPr lang="en-CA"/>
           </a:p>
@@ -1420,7 +1420,7 @@
           <a:p>
             <a:fld id="{BD11ADD5-E14D-449A-83D5-794C8D646EDC}" type="datetimeFigureOut">
               <a:rPr lang="en-CA" smtClean="0"/>
-              <a:t>30/10/2014</a:t>
+              <a:t>2014-10-26</a:t>
             </a:fld>
             <a:endParaRPr lang="en-CA"/>
           </a:p>
@@ -1590,7 +1590,7 @@
           <a:p>
             <a:fld id="{BD11ADD5-E14D-449A-83D5-794C8D646EDC}" type="datetimeFigureOut">
               <a:rPr lang="en-CA" smtClean="0"/>
-              <a:t>30/10/2014</a:t>
+              <a:t>2014-10-26</a:t>
             </a:fld>
             <a:endParaRPr lang="en-CA"/>
           </a:p>
@@ -1836,7 +1836,7 @@
           <a:p>
             <a:fld id="{BD11ADD5-E14D-449A-83D5-794C8D646EDC}" type="datetimeFigureOut">
               <a:rPr lang="en-CA" smtClean="0"/>
-              <a:t>30/10/2014</a:t>
+              <a:t>2014-10-26</a:t>
             </a:fld>
             <a:endParaRPr lang="en-CA"/>
           </a:p>
@@ -2068,7 +2068,7 @@
           <a:p>
             <a:fld id="{BD11ADD5-E14D-449A-83D5-794C8D646EDC}" type="datetimeFigureOut">
               <a:rPr lang="en-CA" smtClean="0"/>
-              <a:t>30/10/2014</a:t>
+              <a:t>2014-10-26</a:t>
             </a:fld>
             <a:endParaRPr lang="en-CA"/>
           </a:p>
@@ -2435,7 +2435,7 @@
           <a:p>
             <a:fld id="{BD11ADD5-E14D-449A-83D5-794C8D646EDC}" type="datetimeFigureOut">
               <a:rPr lang="en-CA" smtClean="0"/>
-              <a:t>30/10/2014</a:t>
+              <a:t>2014-10-26</a:t>
             </a:fld>
             <a:endParaRPr lang="en-CA"/>
           </a:p>
@@ -2553,7 +2553,7 @@
           <a:p>
             <a:fld id="{BD11ADD5-E14D-449A-83D5-794C8D646EDC}" type="datetimeFigureOut">
               <a:rPr lang="en-CA" smtClean="0"/>
-              <a:t>30/10/2014</a:t>
+              <a:t>2014-10-26</a:t>
             </a:fld>
             <a:endParaRPr lang="en-CA"/>
           </a:p>
@@ -2648,7 +2648,7 @@
           <a:p>
             <a:fld id="{BD11ADD5-E14D-449A-83D5-794C8D646EDC}" type="datetimeFigureOut">
               <a:rPr lang="en-CA" smtClean="0"/>
-              <a:t>30/10/2014</a:t>
+              <a:t>2014-10-26</a:t>
             </a:fld>
             <a:endParaRPr lang="en-CA"/>
           </a:p>
@@ -2925,7 +2925,7 @@
           <a:p>
             <a:fld id="{BD11ADD5-E14D-449A-83D5-794C8D646EDC}" type="datetimeFigureOut">
               <a:rPr lang="en-CA" smtClean="0"/>
-              <a:t>30/10/2014</a:t>
+              <a:t>2014-10-26</a:t>
             </a:fld>
             <a:endParaRPr lang="en-CA"/>
           </a:p>
@@ -3178,7 +3178,7 @@
           <a:p>
             <a:fld id="{BD11ADD5-E14D-449A-83D5-794C8D646EDC}" type="datetimeFigureOut">
               <a:rPr lang="en-CA" smtClean="0"/>
-              <a:t>30/10/2014</a:t>
+              <a:t>2014-10-26</a:t>
             </a:fld>
             <a:endParaRPr lang="en-CA"/>
           </a:p>
@@ -3391,7 +3391,7 @@
           <a:p>
             <a:fld id="{BD11ADD5-E14D-449A-83D5-794C8D646EDC}" type="datetimeFigureOut">
               <a:rPr lang="en-CA" smtClean="0"/>
-              <a:t>30/10/2014</a:t>
+              <a:t>2014-10-26</a:t>
             </a:fld>
             <a:endParaRPr lang="en-CA"/>
           </a:p>
@@ -3910,9 +3910,51 @@
           </a:p>
         </p:txBody>
       </p:sp>
+      <p:sp>
+        <p:nvSpPr>
+          <p:cNvPr id="7" name="TextBox 6"/>
+          <p:cNvSpPr txBox="1"/>
+          <p:nvPr/>
+        </p:nvSpPr>
+        <p:spPr>
+          <a:xfrm>
+            <a:off x="27709" y="6400800"/>
+            <a:ext cx="704039" cy="400110"/>
+          </a:xfrm>
+          <a:prstGeom prst="rect">
+            <a:avLst/>
+          </a:prstGeom>
+          <a:noFill/>
+        </p:spPr>
+        <p:txBody>
+          <a:bodyPr wrap="none" rtlCol="0">
+            <a:spAutoFit/>
+          </a:bodyPr>
+          <a:lstStyle/>
+          <a:p>
+            <a:r>
+              <a:rPr lang="en-CA" sz="2000" i="1" dirty="0" smtClean="0">
+                <a:solidFill>
+                  <a:schemeClr val="bg1">
+                    <a:lumMod val="50000"/>
+                  </a:schemeClr>
+                </a:solidFill>
+              </a:rPr>
+              <a:t>2014</a:t>
+            </a:r>
+            <a:endParaRPr lang="en-CA" sz="2000" i="1" dirty="0">
+              <a:solidFill>
+                <a:schemeClr val="bg1">
+                  <a:lumMod val="50000"/>
+                </a:schemeClr>
+              </a:solidFill>
+            </a:endParaRPr>
+          </a:p>
+        </p:txBody>
+      </p:sp>
       <p:pic>
         <p:nvPicPr>
-          <p:cNvPr id="6" name="Picture 5"/>
+          <p:cNvPr id="5" name="Picture 4"/>
           <p:cNvPicPr>
             <a:picLocks noChangeAspect="1"/>
           </p:cNvPicPr>
@@ -3920,16 +3962,6 @@
         </p:nvPicPr>
         <p:blipFill>
           <a:blip r:embed="rId3">
-            <a:clrChange>
-              <a:clrFrom>
-                <a:srgbClr val="FFFFFF"/>
-              </a:clrFrom>
-              <a:clrTo>
-                <a:srgbClr val="FFFFFF">
-                  <a:alpha val="0"/>
-                </a:srgbClr>
-              </a:clrTo>
-            </a:clrChange>
             <a:extLst>
               <a:ext uri="{28A0092B-C50C-407E-A947-70E740481C1C}">
                 <a14:useLocalDpi xmlns:a14="http://schemas.microsoft.com/office/drawing/2010/main" val="0"/>
@@ -3942,68 +3974,14 @@
         </p:blipFill>
         <p:spPr>
           <a:xfrm>
-            <a:off x="3601917" y="3427321"/>
-            <a:ext cx="4908671" cy="2213158"/>
+            <a:off x="3581400" y="2693988"/>
+            <a:ext cx="4575724" cy="2063043"/>
           </a:xfrm>
           <a:prstGeom prst="rect">
             <a:avLst/>
           </a:prstGeom>
-          <a:effectLst>
-            <a:outerShdw blurRad="266700" dist="127000" dir="5400000" sx="102000" sy="102000" algn="t" rotWithShape="0">
-              <a:prstClr val="black">
-                <a:alpha val="40000"/>
-              </a:prstClr>
-            </a:outerShdw>
-          </a:effectLst>
-          <a:scene3d>
-            <a:camera prst="orthographicFront"/>
-            <a:lightRig rig="threePt" dir="t"/>
-          </a:scene3d>
-          <a:sp3d prstMaterial="dkEdge"/>
         </p:spPr>
       </p:pic>
-      <p:sp>
-        <p:nvSpPr>
-          <p:cNvPr id="7" name="TextBox 6"/>
-          <p:cNvSpPr txBox="1"/>
-          <p:nvPr/>
-        </p:nvSpPr>
-        <p:spPr>
-          <a:xfrm>
-            <a:off x="27709" y="6400800"/>
-            <a:ext cx="704039" cy="400110"/>
-          </a:xfrm>
-          <a:prstGeom prst="rect">
-            <a:avLst/>
-          </a:prstGeom>
-          <a:noFill/>
-        </p:spPr>
-        <p:txBody>
-          <a:bodyPr wrap="none" rtlCol="0">
-            <a:spAutoFit/>
-          </a:bodyPr>
-          <a:lstStyle/>
-          <a:p>
-            <a:r>
-              <a:rPr lang="en-CA" sz="2000" i="1" dirty="0" smtClean="0">
-                <a:solidFill>
-                  <a:schemeClr val="bg1">
-                    <a:lumMod val="50000"/>
-                  </a:schemeClr>
-                </a:solidFill>
-              </a:rPr>
-              <a:t>2014</a:t>
-            </a:r>
-            <a:endParaRPr lang="en-CA" sz="2000" i="1" dirty="0">
-              <a:solidFill>
-                <a:schemeClr val="bg1">
-                  <a:lumMod val="50000"/>
-                </a:schemeClr>
-              </a:solidFill>
-            </a:endParaRPr>
-          </a:p>
-        </p:txBody>
-      </p:sp>
     </p:spTree>
     <p:extLst>
       <p:ext uri="{BB962C8B-B14F-4D97-AF65-F5344CB8AC3E}">
@@ -7769,6 +7747,123 @@
           </a:p>
         </p:txBody>
       </p:sp>
+      <p:sp>
+        <p:nvSpPr>
+          <p:cNvPr id="2" name="Freeform 1"/>
+          <p:cNvSpPr/>
+          <p:nvPr/>
+        </p:nvSpPr>
+        <p:spPr>
+          <a:xfrm>
+            <a:off x="685800" y="2729347"/>
+            <a:ext cx="2863477" cy="575996"/>
+          </a:xfrm>
+          <a:custGeom>
+            <a:avLst/>
+            <a:gdLst>
+              <a:gd name="connsiteX0" fmla="*/ 0 w 2473036"/>
+              <a:gd name="connsiteY0" fmla="*/ 0 h 471857"/>
+              <a:gd name="connsiteX1" fmla="*/ 1413163 w 2473036"/>
+              <a:gd name="connsiteY1" fmla="*/ 471055 h 471857"/>
+              <a:gd name="connsiteX2" fmla="*/ 2473036 w 2473036"/>
+              <a:gd name="connsiteY2" fmla="*/ 90055 h 471857"/>
+              <a:gd name="connsiteX0" fmla="*/ 0 w 2473036"/>
+              <a:gd name="connsiteY0" fmla="*/ 0 h 575502"/>
+              <a:gd name="connsiteX1" fmla="*/ 1281545 w 2473036"/>
+              <a:gd name="connsiteY1" fmla="*/ 574964 h 575502"/>
+              <a:gd name="connsiteX2" fmla="*/ 2473036 w 2473036"/>
+              <a:gd name="connsiteY2" fmla="*/ 90055 h 575502"/>
+              <a:gd name="connsiteX0" fmla="*/ 0 w 2473036"/>
+              <a:gd name="connsiteY0" fmla="*/ 0 h 575502"/>
+              <a:gd name="connsiteX1" fmla="*/ 1281545 w 2473036"/>
+              <a:gd name="connsiteY1" fmla="*/ 574964 h 575502"/>
+              <a:gd name="connsiteX2" fmla="*/ 2473036 w 2473036"/>
+              <a:gd name="connsiteY2" fmla="*/ 90055 h 575502"/>
+              <a:gd name="connsiteX0" fmla="*/ 0 w 2473036"/>
+              <a:gd name="connsiteY0" fmla="*/ 0 h 575502"/>
+              <a:gd name="connsiteX1" fmla="*/ 1281545 w 2473036"/>
+              <a:gd name="connsiteY1" fmla="*/ 574964 h 575502"/>
+              <a:gd name="connsiteX2" fmla="*/ 2473036 w 2473036"/>
+              <a:gd name="connsiteY2" fmla="*/ 90055 h 575502"/>
+              <a:gd name="connsiteX0" fmla="*/ 0 w 2473036"/>
+              <a:gd name="connsiteY0" fmla="*/ 0 h 575721"/>
+              <a:gd name="connsiteX1" fmla="*/ 1281545 w 2473036"/>
+              <a:gd name="connsiteY1" fmla="*/ 574964 h 575721"/>
+              <a:gd name="connsiteX2" fmla="*/ 2473036 w 2473036"/>
+              <a:gd name="connsiteY2" fmla="*/ 90055 h 575721"/>
+              <a:gd name="connsiteX0" fmla="*/ 0 w 2473036"/>
+              <a:gd name="connsiteY0" fmla="*/ 0 h 575996"/>
+              <a:gd name="connsiteX1" fmla="*/ 1281545 w 2473036"/>
+              <a:gd name="connsiteY1" fmla="*/ 574964 h 575996"/>
+              <a:gd name="connsiteX2" fmla="*/ 2473036 w 2473036"/>
+              <a:gd name="connsiteY2" fmla="*/ 90055 h 575996"/>
+            </a:gdLst>
+            <a:ahLst/>
+            <a:cxnLst>
+              <a:cxn ang="0">
+                <a:pos x="connsiteX0" y="connsiteY0"/>
+              </a:cxn>
+              <a:cxn ang="0">
+                <a:pos x="connsiteX1" y="connsiteY1"/>
+              </a:cxn>
+              <a:cxn ang="0">
+                <a:pos x="connsiteX2" y="connsiteY2"/>
+              </a:cxn>
+            </a:cxnLst>
+            <a:rect l="l" t="t" r="r" b="b"/>
+            <a:pathLst>
+              <a:path w="2473036" h="575996">
+                <a:moveTo>
+                  <a:pt x="0" y="0"/>
+                </a:moveTo>
+                <a:cubicBezTo>
+                  <a:pt x="438150" y="331932"/>
+                  <a:pt x="529935" y="594592"/>
+                  <a:pt x="1281545" y="574964"/>
+                </a:cubicBezTo>
+                <a:cubicBezTo>
+                  <a:pt x="2033155" y="555336"/>
+                  <a:pt x="2149186" y="288059"/>
+                  <a:pt x="2473036" y="90055"/>
+                </a:cubicBezTo>
+              </a:path>
+            </a:pathLst>
+          </a:custGeom>
+          <a:noFill/>
+          <a:ln w="38100">
+            <a:solidFill>
+              <a:srgbClr val="FF0000"/>
+            </a:solidFill>
+            <a:prstDash val="dash"/>
+            <a:headEnd type="arrow" w="med" len="med"/>
+            <a:tailEnd type="arrow" w="med" len="med"/>
+          </a:ln>
+        </p:spPr>
+        <p:style>
+          <a:lnRef idx="2">
+            <a:schemeClr val="accent1">
+              <a:shade val="50000"/>
+            </a:schemeClr>
+          </a:lnRef>
+          <a:fillRef idx="1">
+            <a:schemeClr val="accent1"/>
+          </a:fillRef>
+          <a:effectRef idx="0">
+            <a:schemeClr val="accent1"/>
+          </a:effectRef>
+          <a:fontRef idx="minor">
+            <a:schemeClr val="lt1"/>
+          </a:fontRef>
+        </p:style>
+        <p:txBody>
+          <a:bodyPr rtlCol="0" anchor="ctr"/>
+          <a:lstStyle/>
+          <a:p>
+            <a:pPr algn="ctr"/>
+            <a:endParaRPr lang="en-CA"/>
+          </a:p>
+        </p:txBody>
+      </p:sp>
     </p:spTree>
     <p:extLst>
       <p:ext uri="{BB962C8B-B14F-4D97-AF65-F5344CB8AC3E}">
@@ -9556,7 +9651,19 @@
             </a:pPr>
             <a:r>
               <a:rPr lang="en-CA" dirty="0" smtClean="0"/>
-              <a:t>Begin with “$” to prompt for values when beginning an experiment.  ex:   $</a:t>
+              <a:t>Use </a:t>
+            </a:r>
+            <a:r>
+              <a:rPr lang="en-CA" dirty="0" smtClean="0"/>
+              <a:t>“$” </a:t>
+            </a:r>
+            <a:r>
+              <a:rPr lang="en-CA" dirty="0" smtClean="0"/>
+              <a:t>prefix to </a:t>
+            </a:r>
+            <a:r>
+              <a:rPr lang="en-CA" dirty="0" smtClean="0"/>
+              <a:t>prompt for values when beginning an experiment.  ex:   $</a:t>
             </a:r>
             <a:r>
               <a:rPr lang="en-CA" dirty="0" err="1" smtClean="0"/>
@@ -9578,8 +9685,21 @@
             </a:pPr>
             <a:r>
               <a:rPr lang="en-CA" dirty="0" smtClean="0"/>
-              <a:t>Begin with “*” to have the parameter be ignored by the updater during runtime.  ex:   *Tag</a:t>
-            </a:r>
+              <a:t>Use “*” prefix to </a:t>
+            </a:r>
+            <a:r>
+              <a:rPr lang="en-CA" dirty="0" smtClean="0"/>
+              <a:t>have the parameter be ignored by the updater during runtime.  ex:   </a:t>
+            </a:r>
+            <a:r>
+              <a:rPr lang="en-CA" dirty="0" smtClean="0"/>
+              <a:t>*</a:t>
+            </a:r>
+            <a:r>
+              <a:rPr lang="en-CA" dirty="0" err="1" smtClean="0"/>
+              <a:t>SomeParameter</a:t>
+            </a:r>
+            <a:endParaRPr lang="en-CA" dirty="0" smtClean="0"/>
           </a:p>
           <a:p>
             <a:pPr marL="742950" lvl="1" indent="-285750">
@@ -10595,8 +10715,8 @@
         </p:nvSpPr>
         <p:spPr>
           <a:xfrm>
-            <a:off x="930057" y="4679427"/>
-            <a:ext cx="4724400" cy="923330"/>
+            <a:off x="930056" y="4679427"/>
+            <a:ext cx="7528143" cy="1754326"/>
           </a:xfrm>
           <a:prstGeom prst="rect">
             <a:avLst/>
@@ -10620,7 +10740,32 @@
           <a:p>
             <a:r>
               <a:rPr lang="en-CA" dirty="0" smtClean="0"/>
-              <a:t>Typically “Write/Read” is appropriate.</a:t>
+              <a:t>Typically “Write/Read” is appropriate</a:t>
+            </a:r>
+            <a:r>
+              <a:rPr lang="en-CA" dirty="0" smtClean="0"/>
+              <a:t>.</a:t>
+            </a:r>
+          </a:p>
+          <a:p>
+            <a:endParaRPr lang="en-CA" dirty="0"/>
+          </a:p>
+          <a:p>
+            <a:pPr marL="285750" indent="-285750">
+              <a:buFont typeface="Arial" panose="020B0604020202020204" pitchFamily="34" charset="0"/>
+              <a:buChar char="•"/>
+            </a:pPr>
+            <a:r>
+              <a:rPr lang="en-CA" dirty="0" smtClean="0"/>
+              <a:t>In this example, the parameter “</a:t>
+            </a:r>
+            <a:r>
+              <a:rPr lang="en-CA" dirty="0" err="1" smtClean="0"/>
+              <a:t>RespLatency</a:t>
+            </a:r>
+            <a:r>
+              <a:rPr lang="en-CA" dirty="0" smtClean="0"/>
+              <a:t>” is “Read” only because the value will be determined during the experiment.</a:t>
             </a:r>
             <a:endParaRPr lang="en-CA" dirty="0"/>
           </a:p>
@@ -10854,8 +10999,8 @@
         </p:nvSpPr>
         <p:spPr>
           <a:xfrm>
-            <a:off x="127000" y="4400490"/>
-            <a:ext cx="8686800" cy="1754326"/>
+            <a:off x="127000" y="4289654"/>
+            <a:ext cx="8686800" cy="2585323"/>
           </a:xfrm>
           <a:prstGeom prst="rect">
             <a:avLst/>
@@ -10891,8 +11036,48 @@
             </a:pPr>
             <a:r>
               <a:rPr lang="en-CA" dirty="0" smtClean="0"/>
-              <a:t>Express as a number, numbers, or Matlab expression</a:t>
-            </a:r>
+              <a:t>Express as a </a:t>
+            </a:r>
+            <a:r>
+              <a:rPr lang="en-CA" dirty="0" smtClean="0"/>
+              <a:t>scalar, vector, </a:t>
+            </a:r>
+            <a:r>
+              <a:rPr lang="en-CA" dirty="0" smtClean="0"/>
+              <a:t>or </a:t>
+            </a:r>
+            <a:r>
+              <a:rPr lang="en-CA" dirty="0" smtClean="0"/>
+              <a:t>any Matlab expression that evaluates in the command </a:t>
+            </a:r>
+            <a:r>
+              <a:rPr lang="en-CA" dirty="0" smtClean="0"/>
+              <a:t>window </a:t>
+            </a:r>
+            <a:r>
+              <a:rPr lang="en-CA" dirty="0"/>
+              <a:t>including function calls</a:t>
+            </a:r>
+            <a:endParaRPr lang="en-CA" dirty="0" smtClean="0"/>
+          </a:p>
+          <a:p>
+            <a:pPr marL="742950" lvl="1" indent="-285750">
+              <a:buFont typeface="Arial" panose="020B0604020202020204" pitchFamily="34" charset="0"/>
+              <a:buChar char="•"/>
+            </a:pPr>
+            <a:r>
+              <a:rPr lang="en-CA" dirty="0" smtClean="0"/>
+              <a:t>ex: </a:t>
+            </a:r>
+            <a:r>
+              <a:rPr lang="en-CA" dirty="0" err="1" smtClean="0"/>
+              <a:t>randn</a:t>
+            </a:r>
+            <a:r>
+              <a:rPr lang="en-CA" dirty="0" smtClean="0"/>
+              <a:t>(1,5) which would generate 5 normally distributed random values between -1 and 1.</a:t>
+            </a:r>
+            <a:endParaRPr lang="en-CA" dirty="0" smtClean="0"/>
           </a:p>
           <a:p>
             <a:pPr marL="285750" indent="-285750">
@@ -11315,6 +11500,57 @@
           <a:p>
             <a:pPr algn="ctr"/>
             <a:endParaRPr lang="en-CA"/>
+          </a:p>
+        </p:txBody>
+      </p:sp>
+      <p:sp>
+        <p:nvSpPr>
+          <p:cNvPr id="3" name="TextBox 2"/>
+          <p:cNvSpPr txBox="1"/>
+          <p:nvPr/>
+        </p:nvSpPr>
+        <p:spPr>
+          <a:xfrm>
+            <a:off x="381000" y="5181600"/>
+            <a:ext cx="8001000" cy="923330"/>
+          </a:xfrm>
+          <a:prstGeom prst="rect">
+            <a:avLst/>
+          </a:prstGeom>
+          <a:noFill/>
+        </p:spPr>
+        <p:txBody>
+          <a:bodyPr wrap="square" rtlCol="0">
+            <a:spAutoFit/>
+          </a:bodyPr>
+          <a:lstStyle/>
+          <a:p>
+            <a:pPr marL="285750" indent="-285750">
+              <a:buFont typeface="Arial" panose="020B0604020202020204" pitchFamily="34" charset="0"/>
+              <a:buChar char="•"/>
+            </a:pPr>
+            <a:r>
+              <a:rPr lang="en-CA" dirty="0" smtClean="0"/>
+              <a:t>Click dropdown menu and select “Add New” and enter an arbitrary string</a:t>
+            </a:r>
+          </a:p>
+          <a:p>
+            <a:pPr marL="285750" indent="-285750">
+              <a:buFont typeface="Arial" panose="020B0604020202020204" pitchFamily="34" charset="0"/>
+              <a:buChar char="•"/>
+            </a:pPr>
+            <a:endParaRPr lang="en-CA" dirty="0"/>
+          </a:p>
+          <a:p>
+            <a:pPr marL="285750" indent="-285750">
+              <a:buFont typeface="Arial" panose="020B0604020202020204" pitchFamily="34" charset="0"/>
+              <a:buChar char="•"/>
+            </a:pPr>
+            <a:r>
+              <a:rPr lang="en-CA" dirty="0" smtClean="0"/>
+              <a:t>Parameters can be “buddied” across modules</a:t>
+            </a:r>
+            <a:endParaRPr lang="en-CA" dirty="0"/>
           </a:p>
         </p:txBody>
       </p:sp>
@@ -15495,7 +15731,7 @@
       </p:sp>
       <p:pic>
         <p:nvPicPr>
-          <p:cNvPr id="5" name="Picture 4" descr="Screen Clipping"/>
+          <p:cNvPr id="6" name="Picture 5" descr="Screen Clipping"/>
           <p:cNvPicPr>
             <a:picLocks noChangeAspect="1"/>
           </p:cNvPicPr>
@@ -15515,8 +15751,8 @@
         </p:blipFill>
         <p:spPr>
           <a:xfrm>
-            <a:off x="942109" y="1295400"/>
-            <a:ext cx="7337649" cy="5235079"/>
+            <a:off x="1305281" y="1371600"/>
+            <a:ext cx="7223351" cy="5155816"/>
           </a:xfrm>
           <a:prstGeom prst="rect">
             <a:avLst/>
@@ -15590,16 +15826,817 @@
           </a:p>
         </p:txBody>
       </p:sp>
-      <p:sp>
-        <p:nvSpPr>
-          <p:cNvPr id="3" name="TextBox 2"/>
+      <p:grpSp>
+        <p:nvGrpSpPr>
+          <p:cNvPr id="5" name="Group 4"/>
+          <p:cNvGrpSpPr/>
+          <p:nvPr/>
+        </p:nvGrpSpPr>
+        <p:grpSpPr>
+          <a:xfrm>
+            <a:off x="1828800" y="1295400"/>
+            <a:ext cx="4682127" cy="3891119"/>
+            <a:chOff x="952736" y="1356288"/>
+            <a:chExt cx="4682127" cy="3891119"/>
+          </a:xfrm>
+        </p:grpSpPr>
+        <p:sp>
+          <p:nvSpPr>
+            <p:cNvPr id="3" name="TextBox 2"/>
+            <p:cNvSpPr txBox="1"/>
+            <p:nvPr/>
+          </p:nvSpPr>
+          <p:spPr>
+            <a:xfrm>
+              <a:off x="952736" y="3486605"/>
+              <a:ext cx="859531" cy="369332"/>
+            </a:xfrm>
+            <a:prstGeom prst="rect">
+              <a:avLst/>
+            </a:prstGeom>
+            <a:noFill/>
+          </p:spPr>
+          <p:txBody>
+            <a:bodyPr wrap="none" rtlCol="0">
+              <a:spAutoFit/>
+            </a:bodyPr>
+            <a:lstStyle/>
+            <a:p>
+              <a:r>
+                <a:rPr lang="en-CA" dirty="0" smtClean="0"/>
+                <a:t>0 (OFF)</a:t>
+              </a:r>
+              <a:endParaRPr lang="en-CA" dirty="0"/>
+            </a:p>
+          </p:txBody>
+        </p:sp>
+        <p:sp>
+          <p:nvSpPr>
+            <p:cNvPr id="4" name="TextBox 3"/>
+            <p:cNvSpPr txBox="1"/>
+            <p:nvPr/>
+          </p:nvSpPr>
+          <p:spPr>
+            <a:xfrm>
+              <a:off x="952736" y="2743200"/>
+              <a:ext cx="797013" cy="369332"/>
+            </a:xfrm>
+            <a:prstGeom prst="rect">
+              <a:avLst/>
+            </a:prstGeom>
+            <a:noFill/>
+          </p:spPr>
+          <p:txBody>
+            <a:bodyPr wrap="none" rtlCol="0">
+              <a:spAutoFit/>
+            </a:bodyPr>
+            <a:lstStyle/>
+            <a:p>
+              <a:r>
+                <a:rPr lang="en-CA" dirty="0" smtClean="0"/>
+                <a:t>1 (ON)</a:t>
+              </a:r>
+              <a:endParaRPr lang="en-CA" dirty="0"/>
+            </a:p>
+          </p:txBody>
+        </p:sp>
+        <p:cxnSp>
+          <p:nvCxnSpPr>
+            <p:cNvPr id="6" name="Straight Connector 5"/>
+            <p:cNvCxnSpPr/>
+            <p:nvPr/>
+          </p:nvCxnSpPr>
+          <p:spPr>
+            <a:xfrm>
+              <a:off x="2019525" y="3673733"/>
+              <a:ext cx="533400" cy="0"/>
+            </a:xfrm>
+            <a:prstGeom prst="line">
+              <a:avLst/>
+            </a:prstGeom>
+            <a:ln w="76200">
+              <a:headEnd type="none" w="med" len="med"/>
+              <a:tailEnd type="none" w="med" len="med"/>
+            </a:ln>
+          </p:spPr>
+          <p:style>
+            <a:lnRef idx="1">
+              <a:schemeClr val="dk1"/>
+            </a:lnRef>
+            <a:fillRef idx="0">
+              <a:schemeClr val="dk1"/>
+            </a:fillRef>
+            <a:effectRef idx="0">
+              <a:schemeClr val="dk1"/>
+            </a:effectRef>
+            <a:fontRef idx="minor">
+              <a:schemeClr val="tx1"/>
+            </a:fontRef>
+          </p:style>
+        </p:cxnSp>
+        <p:cxnSp>
+          <p:nvCxnSpPr>
+            <p:cNvPr id="7" name="Straight Connector 6"/>
+            <p:cNvCxnSpPr/>
+            <p:nvPr/>
+          </p:nvCxnSpPr>
+          <p:spPr>
+            <a:xfrm>
+              <a:off x="2743425" y="3673733"/>
+              <a:ext cx="533400" cy="0"/>
+            </a:xfrm>
+            <a:prstGeom prst="line">
+              <a:avLst/>
+            </a:prstGeom>
+            <a:ln w="76200">
+              <a:headEnd type="none" w="med" len="med"/>
+              <a:tailEnd type="none" w="med" len="med"/>
+            </a:ln>
+          </p:spPr>
+          <p:style>
+            <a:lnRef idx="1">
+              <a:schemeClr val="dk1"/>
+            </a:lnRef>
+            <a:fillRef idx="0">
+              <a:schemeClr val="dk1"/>
+            </a:fillRef>
+            <a:effectRef idx="0">
+              <a:schemeClr val="dk1"/>
+            </a:effectRef>
+            <a:fontRef idx="minor">
+              <a:schemeClr val="tx1"/>
+            </a:fontRef>
+          </p:style>
+        </p:cxnSp>
+        <p:cxnSp>
+          <p:nvCxnSpPr>
+            <p:cNvPr id="8" name="Straight Connector 7"/>
+            <p:cNvCxnSpPr/>
+            <p:nvPr/>
+          </p:nvCxnSpPr>
+          <p:spPr>
+            <a:xfrm>
+              <a:off x="3467325" y="2895508"/>
+              <a:ext cx="533400" cy="0"/>
+            </a:xfrm>
+            <a:prstGeom prst="line">
+              <a:avLst/>
+            </a:prstGeom>
+            <a:ln w="76200">
+              <a:headEnd type="none" w="med" len="med"/>
+              <a:tailEnd type="none" w="med" len="med"/>
+            </a:ln>
+          </p:spPr>
+          <p:style>
+            <a:lnRef idx="1">
+              <a:schemeClr val="dk1"/>
+            </a:lnRef>
+            <a:fillRef idx="0">
+              <a:schemeClr val="dk1"/>
+            </a:fillRef>
+            <a:effectRef idx="0">
+              <a:schemeClr val="dk1"/>
+            </a:effectRef>
+            <a:fontRef idx="minor">
+              <a:schemeClr val="tx1"/>
+            </a:fontRef>
+          </p:style>
+        </p:cxnSp>
+        <p:cxnSp>
+          <p:nvCxnSpPr>
+            <p:cNvPr id="9" name="Straight Connector 8"/>
+            <p:cNvCxnSpPr/>
+            <p:nvPr/>
+          </p:nvCxnSpPr>
+          <p:spPr>
+            <a:xfrm>
+              <a:off x="4191225" y="3673733"/>
+              <a:ext cx="533400" cy="0"/>
+            </a:xfrm>
+            <a:prstGeom prst="line">
+              <a:avLst/>
+            </a:prstGeom>
+            <a:ln w="76200">
+              <a:headEnd type="none" w="med" len="med"/>
+              <a:tailEnd type="none" w="med" len="med"/>
+            </a:ln>
+          </p:spPr>
+          <p:style>
+            <a:lnRef idx="1">
+              <a:schemeClr val="dk1"/>
+            </a:lnRef>
+            <a:fillRef idx="0">
+              <a:schemeClr val="dk1"/>
+            </a:fillRef>
+            <a:effectRef idx="0">
+              <a:schemeClr val="dk1"/>
+            </a:effectRef>
+            <a:fontRef idx="minor">
+              <a:schemeClr val="tx1"/>
+            </a:fontRef>
+          </p:style>
+        </p:cxnSp>
+        <p:cxnSp>
+          <p:nvCxnSpPr>
+            <p:cNvPr id="10" name="Straight Connector 9"/>
+            <p:cNvCxnSpPr/>
+            <p:nvPr/>
+          </p:nvCxnSpPr>
+          <p:spPr>
+            <a:xfrm>
+              <a:off x="4915125" y="2895508"/>
+              <a:ext cx="533400" cy="0"/>
+            </a:xfrm>
+            <a:prstGeom prst="line">
+              <a:avLst/>
+            </a:prstGeom>
+            <a:ln w="76200">
+              <a:headEnd type="none" w="med" len="med"/>
+              <a:tailEnd type="none" w="med" len="med"/>
+            </a:ln>
+          </p:spPr>
+          <p:style>
+            <a:lnRef idx="1">
+              <a:schemeClr val="dk1"/>
+            </a:lnRef>
+            <a:fillRef idx="0">
+              <a:schemeClr val="dk1"/>
+            </a:fillRef>
+            <a:effectRef idx="0">
+              <a:schemeClr val="dk1"/>
+            </a:effectRef>
+            <a:fontRef idx="minor">
+              <a:schemeClr val="tx1"/>
+            </a:fontRef>
+          </p:style>
+        </p:cxnSp>
+        <p:sp>
+          <p:nvSpPr>
+            <p:cNvPr id="11" name="TextBox 10"/>
+            <p:cNvSpPr txBox="1"/>
+            <p:nvPr/>
+          </p:nvSpPr>
+          <p:spPr>
+            <a:xfrm>
+              <a:off x="2130711" y="2348254"/>
+              <a:ext cx="301686" cy="369332"/>
+            </a:xfrm>
+            <a:prstGeom prst="rect">
+              <a:avLst/>
+            </a:prstGeom>
+            <a:noFill/>
+          </p:spPr>
+          <p:txBody>
+            <a:bodyPr wrap="none" rtlCol="0">
+              <a:spAutoFit/>
+            </a:bodyPr>
+            <a:lstStyle/>
+            <a:p>
+              <a:r>
+                <a:rPr lang="en-CA" dirty="0" smtClean="0"/>
+                <a:t>4</a:t>
+              </a:r>
+              <a:endParaRPr lang="en-CA" dirty="0"/>
+            </a:p>
+          </p:txBody>
+        </p:sp>
+        <p:sp>
+          <p:nvSpPr>
+            <p:cNvPr id="12" name="TextBox 11"/>
+            <p:cNvSpPr txBox="1"/>
+            <p:nvPr/>
+          </p:nvSpPr>
+          <p:spPr>
+            <a:xfrm>
+              <a:off x="2855779" y="2348254"/>
+              <a:ext cx="301686" cy="369332"/>
+            </a:xfrm>
+            <a:prstGeom prst="rect">
+              <a:avLst/>
+            </a:prstGeom>
+            <a:noFill/>
+          </p:spPr>
+          <p:txBody>
+            <a:bodyPr wrap="none" rtlCol="0">
+              <a:spAutoFit/>
+            </a:bodyPr>
+            <a:lstStyle/>
+            <a:p>
+              <a:r>
+                <a:rPr lang="en-CA" dirty="0" smtClean="0"/>
+                <a:t>3</a:t>
+              </a:r>
+              <a:endParaRPr lang="en-CA" dirty="0"/>
+            </a:p>
+          </p:txBody>
+        </p:sp>
+        <p:sp>
+          <p:nvSpPr>
+            <p:cNvPr id="13" name="TextBox 12"/>
+            <p:cNvSpPr txBox="1"/>
+            <p:nvPr/>
+          </p:nvSpPr>
+          <p:spPr>
+            <a:xfrm>
+              <a:off x="3580847" y="2348254"/>
+              <a:ext cx="301686" cy="369332"/>
+            </a:xfrm>
+            <a:prstGeom prst="rect">
+              <a:avLst/>
+            </a:prstGeom>
+            <a:noFill/>
+          </p:spPr>
+          <p:txBody>
+            <a:bodyPr wrap="none" rtlCol="0">
+              <a:spAutoFit/>
+            </a:bodyPr>
+            <a:lstStyle/>
+            <a:p>
+              <a:r>
+                <a:rPr lang="en-CA" dirty="0" smtClean="0"/>
+                <a:t>2</a:t>
+              </a:r>
+              <a:endParaRPr lang="en-CA" dirty="0"/>
+            </a:p>
+          </p:txBody>
+        </p:sp>
+        <p:sp>
+          <p:nvSpPr>
+            <p:cNvPr id="14" name="TextBox 13"/>
+            <p:cNvSpPr txBox="1"/>
+            <p:nvPr/>
+          </p:nvSpPr>
+          <p:spPr>
+            <a:xfrm>
+              <a:off x="4305915" y="2348254"/>
+              <a:ext cx="301686" cy="369332"/>
+            </a:xfrm>
+            <a:prstGeom prst="rect">
+              <a:avLst/>
+            </a:prstGeom>
+            <a:noFill/>
+          </p:spPr>
+          <p:txBody>
+            <a:bodyPr wrap="none" rtlCol="0">
+              <a:spAutoFit/>
+            </a:bodyPr>
+            <a:lstStyle/>
+            <a:p>
+              <a:r>
+                <a:rPr lang="en-CA" dirty="0" smtClean="0"/>
+                <a:t>1</a:t>
+              </a:r>
+              <a:endParaRPr lang="en-CA" dirty="0"/>
+            </a:p>
+          </p:txBody>
+        </p:sp>
+        <p:sp>
+          <p:nvSpPr>
+            <p:cNvPr id="15" name="TextBox 14"/>
+            <p:cNvSpPr txBox="1"/>
+            <p:nvPr/>
+          </p:nvSpPr>
+          <p:spPr>
+            <a:xfrm>
+              <a:off x="5030982" y="2348254"/>
+              <a:ext cx="301686" cy="369332"/>
+            </a:xfrm>
+            <a:prstGeom prst="rect">
+              <a:avLst/>
+            </a:prstGeom>
+            <a:noFill/>
+          </p:spPr>
+          <p:txBody>
+            <a:bodyPr wrap="none" rtlCol="0">
+              <a:spAutoFit/>
+            </a:bodyPr>
+            <a:lstStyle/>
+            <a:p>
+              <a:r>
+                <a:rPr lang="en-CA" dirty="0" smtClean="0"/>
+                <a:t>0</a:t>
+              </a:r>
+              <a:endParaRPr lang="en-CA" dirty="0"/>
+            </a:p>
+          </p:txBody>
+        </p:sp>
+        <p:sp>
+          <p:nvSpPr>
+            <p:cNvPr id="16" name="TextBox 15"/>
+            <p:cNvSpPr txBox="1"/>
+            <p:nvPr/>
+          </p:nvSpPr>
+          <p:spPr>
+            <a:xfrm>
+              <a:off x="1409925" y="2348254"/>
+              <a:ext cx="614271" cy="369332"/>
+            </a:xfrm>
+            <a:prstGeom prst="rect">
+              <a:avLst/>
+            </a:prstGeom>
+            <a:noFill/>
+          </p:spPr>
+          <p:txBody>
+            <a:bodyPr wrap="none" rtlCol="0">
+              <a:spAutoFit/>
+            </a:bodyPr>
+            <a:lstStyle/>
+            <a:p>
+              <a:r>
+                <a:rPr lang="en-CA" dirty="0" smtClean="0"/>
+                <a:t>Bit n</a:t>
+              </a:r>
+              <a:endParaRPr lang="en-CA" dirty="0"/>
+            </a:p>
+          </p:txBody>
+        </p:sp>
+        <p:sp>
+          <p:nvSpPr>
+            <p:cNvPr id="17" name="TextBox 16"/>
+            <p:cNvSpPr txBox="1"/>
+            <p:nvPr/>
+          </p:nvSpPr>
+          <p:spPr>
+            <a:xfrm>
+              <a:off x="1621349" y="4082443"/>
+              <a:ext cx="381836" cy="369332"/>
+            </a:xfrm>
+            <a:prstGeom prst="rect">
+              <a:avLst/>
+            </a:prstGeom>
+            <a:noFill/>
+          </p:spPr>
+          <p:txBody>
+            <a:bodyPr wrap="none" rtlCol="0">
+              <a:spAutoFit/>
+            </a:bodyPr>
+            <a:lstStyle/>
+            <a:p>
+              <a:r>
+                <a:rPr lang="en-CA" dirty="0" smtClean="0"/>
+                <a:t>2</a:t>
+              </a:r>
+              <a:r>
+                <a:rPr lang="en-CA" baseline="30000" dirty="0" smtClean="0"/>
+                <a:t>n</a:t>
+              </a:r>
+              <a:endParaRPr lang="en-CA" dirty="0"/>
+            </a:p>
+          </p:txBody>
+        </p:sp>
+        <p:sp>
+          <p:nvSpPr>
+            <p:cNvPr id="27" name="TextBox 26"/>
+            <p:cNvSpPr txBox="1"/>
+            <p:nvPr/>
+          </p:nvSpPr>
+          <p:spPr>
+            <a:xfrm>
+              <a:off x="2130711" y="4082443"/>
+              <a:ext cx="301686" cy="369332"/>
+            </a:xfrm>
+            <a:prstGeom prst="rect">
+              <a:avLst/>
+            </a:prstGeom>
+            <a:noFill/>
+          </p:spPr>
+          <p:txBody>
+            <a:bodyPr wrap="none" rtlCol="0">
+              <a:spAutoFit/>
+            </a:bodyPr>
+            <a:lstStyle/>
+            <a:p>
+              <a:r>
+                <a:rPr lang="en-CA" dirty="0" smtClean="0"/>
+                <a:t>0</a:t>
+              </a:r>
+              <a:endParaRPr lang="en-CA" dirty="0"/>
+            </a:p>
+          </p:txBody>
+        </p:sp>
+        <p:sp>
+          <p:nvSpPr>
+            <p:cNvPr id="28" name="TextBox 27"/>
+            <p:cNvSpPr txBox="1"/>
+            <p:nvPr/>
+          </p:nvSpPr>
+          <p:spPr>
+            <a:xfrm>
+              <a:off x="2855779" y="4082443"/>
+              <a:ext cx="301686" cy="369332"/>
+            </a:xfrm>
+            <a:prstGeom prst="rect">
+              <a:avLst/>
+            </a:prstGeom>
+            <a:noFill/>
+          </p:spPr>
+          <p:txBody>
+            <a:bodyPr wrap="none" rtlCol="0">
+              <a:spAutoFit/>
+            </a:bodyPr>
+            <a:lstStyle/>
+            <a:p>
+              <a:r>
+                <a:rPr lang="en-CA" dirty="0" smtClean="0"/>
+                <a:t>0</a:t>
+              </a:r>
+              <a:endParaRPr lang="en-CA" dirty="0"/>
+            </a:p>
+          </p:txBody>
+        </p:sp>
+        <p:sp>
+          <p:nvSpPr>
+            <p:cNvPr id="29" name="TextBox 28"/>
+            <p:cNvSpPr txBox="1"/>
+            <p:nvPr/>
+          </p:nvSpPr>
+          <p:spPr>
+            <a:xfrm>
+              <a:off x="3580847" y="4082443"/>
+              <a:ext cx="301686" cy="369332"/>
+            </a:xfrm>
+            <a:prstGeom prst="rect">
+              <a:avLst/>
+            </a:prstGeom>
+            <a:noFill/>
+          </p:spPr>
+          <p:txBody>
+            <a:bodyPr wrap="none" rtlCol="0">
+              <a:spAutoFit/>
+            </a:bodyPr>
+            <a:lstStyle/>
+            <a:p>
+              <a:r>
+                <a:rPr lang="en-CA" dirty="0" smtClean="0"/>
+                <a:t>4</a:t>
+              </a:r>
+              <a:endParaRPr lang="en-CA" dirty="0"/>
+            </a:p>
+          </p:txBody>
+        </p:sp>
+        <p:sp>
+          <p:nvSpPr>
+            <p:cNvPr id="30" name="TextBox 29"/>
+            <p:cNvSpPr txBox="1"/>
+            <p:nvPr/>
+          </p:nvSpPr>
+          <p:spPr>
+            <a:xfrm>
+              <a:off x="4305915" y="4082443"/>
+              <a:ext cx="301686" cy="369332"/>
+            </a:xfrm>
+            <a:prstGeom prst="rect">
+              <a:avLst/>
+            </a:prstGeom>
+            <a:noFill/>
+          </p:spPr>
+          <p:txBody>
+            <a:bodyPr wrap="none" rtlCol="0">
+              <a:spAutoFit/>
+            </a:bodyPr>
+            <a:lstStyle/>
+            <a:p>
+              <a:r>
+                <a:rPr lang="en-CA" dirty="0" smtClean="0"/>
+                <a:t>0</a:t>
+              </a:r>
+              <a:endParaRPr lang="en-CA" dirty="0"/>
+            </a:p>
+          </p:txBody>
+        </p:sp>
+        <p:sp>
+          <p:nvSpPr>
+            <p:cNvPr id="31" name="TextBox 30"/>
+            <p:cNvSpPr txBox="1"/>
+            <p:nvPr/>
+          </p:nvSpPr>
+          <p:spPr>
+            <a:xfrm>
+              <a:off x="5030982" y="4082443"/>
+              <a:ext cx="301686" cy="369332"/>
+            </a:xfrm>
+            <a:prstGeom prst="rect">
+              <a:avLst/>
+            </a:prstGeom>
+            <a:noFill/>
+          </p:spPr>
+          <p:txBody>
+            <a:bodyPr wrap="none" rtlCol="0">
+              <a:spAutoFit/>
+            </a:bodyPr>
+            <a:lstStyle/>
+            <a:p>
+              <a:r>
+                <a:rPr lang="en-CA" dirty="0" smtClean="0"/>
+                <a:t>1</a:t>
+              </a:r>
+              <a:endParaRPr lang="en-CA" dirty="0"/>
+            </a:p>
+          </p:txBody>
+        </p:sp>
+        <p:sp>
+          <p:nvSpPr>
+            <p:cNvPr id="33" name="TextBox 32"/>
+            <p:cNvSpPr txBox="1"/>
+            <p:nvPr/>
+          </p:nvSpPr>
+          <p:spPr>
+            <a:xfrm>
+              <a:off x="2894214" y="4878075"/>
+              <a:ext cx="1257075" cy="369332"/>
+            </a:xfrm>
+            <a:prstGeom prst="rect">
+              <a:avLst/>
+            </a:prstGeom>
+            <a:noFill/>
+          </p:spPr>
+          <p:txBody>
+            <a:bodyPr wrap="none" rtlCol="0">
+              <a:spAutoFit/>
+            </a:bodyPr>
+            <a:lstStyle/>
+            <a:p>
+              <a:r>
+                <a:rPr lang="en-CA" dirty="0" smtClean="0"/>
+                <a:t>sum(2</a:t>
+              </a:r>
+              <a:r>
+                <a:rPr lang="en-CA" baseline="30000" dirty="0" smtClean="0"/>
+                <a:t>n</a:t>
+              </a:r>
+              <a:r>
+                <a:rPr lang="en-CA" dirty="0" smtClean="0"/>
+                <a:t>) = </a:t>
+              </a:r>
+              <a:r>
+                <a:rPr lang="en-CA" b="1" dirty="0" smtClean="0"/>
+                <a:t>5</a:t>
+              </a:r>
+              <a:endParaRPr lang="en-CA" b="1" dirty="0"/>
+            </a:p>
+          </p:txBody>
+        </p:sp>
+        <p:sp>
+          <p:nvSpPr>
+            <p:cNvPr id="35" name="TextBox 34"/>
+            <p:cNvSpPr txBox="1"/>
+            <p:nvPr/>
+          </p:nvSpPr>
+          <p:spPr>
+            <a:xfrm rot="18513059">
+              <a:off x="4304035" y="1930775"/>
+              <a:ext cx="912429" cy="338554"/>
+            </a:xfrm>
+            <a:prstGeom prst="rect">
+              <a:avLst/>
+            </a:prstGeom>
+            <a:noFill/>
+          </p:spPr>
+          <p:txBody>
+            <a:bodyPr wrap="none" rtlCol="0">
+              <a:spAutoFit/>
+            </a:bodyPr>
+            <a:lstStyle/>
+            <a:p>
+              <a:r>
+                <a:rPr lang="en-CA" sz="1600" dirty="0" smtClean="0"/>
+                <a:t>“Punish”</a:t>
+              </a:r>
+              <a:endParaRPr lang="en-CA" sz="1600" dirty="0"/>
+            </a:p>
+          </p:txBody>
+        </p:sp>
+        <p:sp>
+          <p:nvSpPr>
+            <p:cNvPr id="36" name="TextBox 35"/>
+            <p:cNvSpPr txBox="1"/>
+            <p:nvPr/>
+          </p:nvSpPr>
+          <p:spPr>
+            <a:xfrm rot="18513059">
+              <a:off x="4971764" y="1901364"/>
+              <a:ext cx="987643" cy="338554"/>
+            </a:xfrm>
+            <a:prstGeom prst="rect">
+              <a:avLst/>
+            </a:prstGeom>
+            <a:noFill/>
+          </p:spPr>
+          <p:txBody>
+            <a:bodyPr wrap="none" rtlCol="0">
+              <a:spAutoFit/>
+            </a:bodyPr>
+            <a:lstStyle/>
+            <a:p>
+              <a:r>
+                <a:rPr lang="en-CA" sz="1600" dirty="0" smtClean="0"/>
+                <a:t>“Reward”</a:t>
+              </a:r>
+              <a:endParaRPr lang="en-CA" sz="1600" dirty="0"/>
+            </a:p>
+          </p:txBody>
+        </p:sp>
+        <p:sp>
+          <p:nvSpPr>
+            <p:cNvPr id="37" name="TextBox 36"/>
+            <p:cNvSpPr txBox="1"/>
+            <p:nvPr/>
+          </p:nvSpPr>
+          <p:spPr>
+            <a:xfrm rot="18513059">
+              <a:off x="3561259" y="2049594"/>
+              <a:ext cx="608565" cy="338554"/>
+            </a:xfrm>
+            <a:prstGeom prst="rect">
+              <a:avLst/>
+            </a:prstGeom>
+            <a:noFill/>
+          </p:spPr>
+          <p:txBody>
+            <a:bodyPr wrap="none" rtlCol="0">
+              <a:spAutoFit/>
+            </a:bodyPr>
+            <a:lstStyle/>
+            <a:p>
+              <a:r>
+                <a:rPr lang="en-CA" sz="1600" dirty="0" smtClean="0"/>
+                <a:t>“Hit”</a:t>
+              </a:r>
+              <a:endParaRPr lang="en-CA" sz="1600" dirty="0"/>
+            </a:p>
+          </p:txBody>
+        </p:sp>
+        <p:sp>
+          <p:nvSpPr>
+            <p:cNvPr id="38" name="TextBox 37"/>
+            <p:cNvSpPr txBox="1"/>
+            <p:nvPr/>
+          </p:nvSpPr>
+          <p:spPr>
+            <a:xfrm rot="18513059">
+              <a:off x="2887317" y="1998471"/>
+              <a:ext cx="739305" cy="338554"/>
+            </a:xfrm>
+            <a:prstGeom prst="rect">
+              <a:avLst/>
+            </a:prstGeom>
+            <a:noFill/>
+          </p:spPr>
+          <p:txBody>
+            <a:bodyPr wrap="none" rtlCol="0">
+              <a:spAutoFit/>
+            </a:bodyPr>
+            <a:lstStyle/>
+            <a:p>
+              <a:r>
+                <a:rPr lang="en-CA" sz="1600" dirty="0" smtClean="0"/>
+                <a:t>“Miss”</a:t>
+              </a:r>
+              <a:endParaRPr lang="en-CA" sz="1600" dirty="0"/>
+            </a:p>
+          </p:txBody>
+        </p:sp>
+        <p:sp>
+          <p:nvSpPr>
+            <p:cNvPr id="39" name="TextBox 38"/>
+            <p:cNvSpPr txBox="1"/>
+            <p:nvPr/>
+          </p:nvSpPr>
+          <p:spPr>
+            <a:xfrm rot="18513059">
+              <a:off x="2026669" y="1804584"/>
+              <a:ext cx="1235146" cy="338554"/>
+            </a:xfrm>
+            <a:prstGeom prst="rect">
+              <a:avLst/>
+            </a:prstGeom>
+            <a:noFill/>
+          </p:spPr>
+          <p:txBody>
+            <a:bodyPr wrap="none" rtlCol="0">
+              <a:spAutoFit/>
+            </a:bodyPr>
+            <a:lstStyle/>
+            <a:p>
+              <a:r>
+                <a:rPr lang="en-CA" sz="1600" dirty="0" smtClean="0"/>
+                <a:t>“Catch-Trial”</a:t>
+              </a:r>
+              <a:endParaRPr lang="en-CA" sz="1600" dirty="0"/>
+            </a:p>
+          </p:txBody>
+        </p:sp>
+      </p:grpSp>
+      <p:sp>
+        <p:nvSpPr>
+          <p:cNvPr id="18" name="TextBox 17"/>
           <p:cNvSpPr txBox="1"/>
           <p:nvPr/>
         </p:nvSpPr>
         <p:spPr>
           <a:xfrm>
-            <a:off x="952736" y="3486605"/>
-            <a:ext cx="859531" cy="369332"/>
+            <a:off x="1828800" y="895658"/>
+            <a:ext cx="4906600" cy="369332"/>
           </a:xfrm>
           <a:prstGeom prst="rect">
             <a:avLst/>
@@ -15612,767 +16649,15 @@
           </a:bodyPr>
           <a:lstStyle/>
           <a:p>
+            <a:pPr marL="285750" indent="-285750">
+              <a:buFont typeface="Arial" panose="020B0604020202020204" pitchFamily="34" charset="0"/>
+              <a:buChar char="•"/>
+            </a:pPr>
             <a:r>
               <a:rPr lang="en-CA" dirty="0" smtClean="0"/>
-              <a:t>0 (OFF)</a:t>
+              <a:t>Define a bitmask for each program contingency</a:t>
             </a:r>
             <a:endParaRPr lang="en-CA" dirty="0"/>
-          </a:p>
-        </p:txBody>
-      </p:sp>
-      <p:sp>
-        <p:nvSpPr>
-          <p:cNvPr id="4" name="TextBox 3"/>
-          <p:cNvSpPr txBox="1"/>
-          <p:nvPr/>
-        </p:nvSpPr>
-        <p:spPr>
-          <a:xfrm>
-            <a:off x="952736" y="2743200"/>
-            <a:ext cx="797013" cy="369332"/>
-          </a:xfrm>
-          <a:prstGeom prst="rect">
-            <a:avLst/>
-          </a:prstGeom>
-          <a:noFill/>
-        </p:spPr>
-        <p:txBody>
-          <a:bodyPr wrap="none" rtlCol="0">
-            <a:spAutoFit/>
-          </a:bodyPr>
-          <a:lstStyle/>
-          <a:p>
-            <a:r>
-              <a:rPr lang="en-CA" dirty="0" smtClean="0"/>
-              <a:t>1 (ON)</a:t>
-            </a:r>
-            <a:endParaRPr lang="en-CA" dirty="0"/>
-          </a:p>
-        </p:txBody>
-      </p:sp>
-      <p:cxnSp>
-        <p:nvCxnSpPr>
-          <p:cNvPr id="6" name="Straight Connector 5"/>
-          <p:cNvCxnSpPr/>
-          <p:nvPr/>
-        </p:nvCxnSpPr>
-        <p:spPr>
-          <a:xfrm>
-            <a:off x="2019525" y="3673733"/>
-            <a:ext cx="533400" cy="0"/>
-          </a:xfrm>
-          <a:prstGeom prst="line">
-            <a:avLst/>
-          </a:prstGeom>
-          <a:ln w="76200">
-            <a:headEnd type="none" w="med" len="med"/>
-            <a:tailEnd type="none" w="med" len="med"/>
-          </a:ln>
-        </p:spPr>
-        <p:style>
-          <a:lnRef idx="1">
-            <a:schemeClr val="dk1"/>
-          </a:lnRef>
-          <a:fillRef idx="0">
-            <a:schemeClr val="dk1"/>
-          </a:fillRef>
-          <a:effectRef idx="0">
-            <a:schemeClr val="dk1"/>
-          </a:effectRef>
-          <a:fontRef idx="minor">
-            <a:schemeClr val="tx1"/>
-          </a:fontRef>
-        </p:style>
-      </p:cxnSp>
-      <p:cxnSp>
-        <p:nvCxnSpPr>
-          <p:cNvPr id="7" name="Straight Connector 6"/>
-          <p:cNvCxnSpPr/>
-          <p:nvPr/>
-        </p:nvCxnSpPr>
-        <p:spPr>
-          <a:xfrm>
-            <a:off x="2743425" y="3673733"/>
-            <a:ext cx="533400" cy="0"/>
-          </a:xfrm>
-          <a:prstGeom prst="line">
-            <a:avLst/>
-          </a:prstGeom>
-          <a:ln w="76200">
-            <a:headEnd type="none" w="med" len="med"/>
-            <a:tailEnd type="none" w="med" len="med"/>
-          </a:ln>
-        </p:spPr>
-        <p:style>
-          <a:lnRef idx="1">
-            <a:schemeClr val="dk1"/>
-          </a:lnRef>
-          <a:fillRef idx="0">
-            <a:schemeClr val="dk1"/>
-          </a:fillRef>
-          <a:effectRef idx="0">
-            <a:schemeClr val="dk1"/>
-          </a:effectRef>
-          <a:fontRef idx="minor">
-            <a:schemeClr val="tx1"/>
-          </a:fontRef>
-        </p:style>
-      </p:cxnSp>
-      <p:cxnSp>
-        <p:nvCxnSpPr>
-          <p:cNvPr id="8" name="Straight Connector 7"/>
-          <p:cNvCxnSpPr/>
-          <p:nvPr/>
-        </p:nvCxnSpPr>
-        <p:spPr>
-          <a:xfrm>
-            <a:off x="3467325" y="2895508"/>
-            <a:ext cx="533400" cy="0"/>
-          </a:xfrm>
-          <a:prstGeom prst="line">
-            <a:avLst/>
-          </a:prstGeom>
-          <a:ln w="76200">
-            <a:headEnd type="none" w="med" len="med"/>
-            <a:tailEnd type="none" w="med" len="med"/>
-          </a:ln>
-        </p:spPr>
-        <p:style>
-          <a:lnRef idx="1">
-            <a:schemeClr val="dk1"/>
-          </a:lnRef>
-          <a:fillRef idx="0">
-            <a:schemeClr val="dk1"/>
-          </a:fillRef>
-          <a:effectRef idx="0">
-            <a:schemeClr val="dk1"/>
-          </a:effectRef>
-          <a:fontRef idx="minor">
-            <a:schemeClr val="tx1"/>
-          </a:fontRef>
-        </p:style>
-      </p:cxnSp>
-      <p:cxnSp>
-        <p:nvCxnSpPr>
-          <p:cNvPr id="9" name="Straight Connector 8"/>
-          <p:cNvCxnSpPr/>
-          <p:nvPr/>
-        </p:nvCxnSpPr>
-        <p:spPr>
-          <a:xfrm>
-            <a:off x="4191225" y="3673733"/>
-            <a:ext cx="533400" cy="0"/>
-          </a:xfrm>
-          <a:prstGeom prst="line">
-            <a:avLst/>
-          </a:prstGeom>
-          <a:ln w="76200">
-            <a:headEnd type="none" w="med" len="med"/>
-            <a:tailEnd type="none" w="med" len="med"/>
-          </a:ln>
-        </p:spPr>
-        <p:style>
-          <a:lnRef idx="1">
-            <a:schemeClr val="dk1"/>
-          </a:lnRef>
-          <a:fillRef idx="0">
-            <a:schemeClr val="dk1"/>
-          </a:fillRef>
-          <a:effectRef idx="0">
-            <a:schemeClr val="dk1"/>
-          </a:effectRef>
-          <a:fontRef idx="minor">
-            <a:schemeClr val="tx1"/>
-          </a:fontRef>
-        </p:style>
-      </p:cxnSp>
-      <p:cxnSp>
-        <p:nvCxnSpPr>
-          <p:cNvPr id="10" name="Straight Connector 9"/>
-          <p:cNvCxnSpPr/>
-          <p:nvPr/>
-        </p:nvCxnSpPr>
-        <p:spPr>
-          <a:xfrm>
-            <a:off x="4915125" y="2895508"/>
-            <a:ext cx="533400" cy="0"/>
-          </a:xfrm>
-          <a:prstGeom prst="line">
-            <a:avLst/>
-          </a:prstGeom>
-          <a:ln w="76200">
-            <a:headEnd type="none" w="med" len="med"/>
-            <a:tailEnd type="none" w="med" len="med"/>
-          </a:ln>
-        </p:spPr>
-        <p:style>
-          <a:lnRef idx="1">
-            <a:schemeClr val="dk1"/>
-          </a:lnRef>
-          <a:fillRef idx="0">
-            <a:schemeClr val="dk1"/>
-          </a:fillRef>
-          <a:effectRef idx="0">
-            <a:schemeClr val="dk1"/>
-          </a:effectRef>
-          <a:fontRef idx="minor">
-            <a:schemeClr val="tx1"/>
-          </a:fontRef>
-        </p:style>
-      </p:cxnSp>
-      <p:sp>
-        <p:nvSpPr>
-          <p:cNvPr id="11" name="TextBox 10"/>
-          <p:cNvSpPr txBox="1"/>
-          <p:nvPr/>
-        </p:nvSpPr>
-        <p:spPr>
-          <a:xfrm>
-            <a:off x="2130711" y="2348254"/>
-            <a:ext cx="301686" cy="369332"/>
-          </a:xfrm>
-          <a:prstGeom prst="rect">
-            <a:avLst/>
-          </a:prstGeom>
-          <a:noFill/>
-        </p:spPr>
-        <p:txBody>
-          <a:bodyPr wrap="none" rtlCol="0">
-            <a:spAutoFit/>
-          </a:bodyPr>
-          <a:lstStyle/>
-          <a:p>
-            <a:r>
-              <a:rPr lang="en-CA" dirty="0" smtClean="0"/>
-              <a:t>4</a:t>
-            </a:r>
-            <a:endParaRPr lang="en-CA" dirty="0"/>
-          </a:p>
-        </p:txBody>
-      </p:sp>
-      <p:sp>
-        <p:nvSpPr>
-          <p:cNvPr id="12" name="TextBox 11"/>
-          <p:cNvSpPr txBox="1"/>
-          <p:nvPr/>
-        </p:nvSpPr>
-        <p:spPr>
-          <a:xfrm>
-            <a:off x="2855779" y="2348254"/>
-            <a:ext cx="301686" cy="369332"/>
-          </a:xfrm>
-          <a:prstGeom prst="rect">
-            <a:avLst/>
-          </a:prstGeom>
-          <a:noFill/>
-        </p:spPr>
-        <p:txBody>
-          <a:bodyPr wrap="none" rtlCol="0">
-            <a:spAutoFit/>
-          </a:bodyPr>
-          <a:lstStyle/>
-          <a:p>
-            <a:r>
-              <a:rPr lang="en-CA" dirty="0" smtClean="0"/>
-              <a:t>3</a:t>
-            </a:r>
-            <a:endParaRPr lang="en-CA" dirty="0"/>
-          </a:p>
-        </p:txBody>
-      </p:sp>
-      <p:sp>
-        <p:nvSpPr>
-          <p:cNvPr id="13" name="TextBox 12"/>
-          <p:cNvSpPr txBox="1"/>
-          <p:nvPr/>
-        </p:nvSpPr>
-        <p:spPr>
-          <a:xfrm>
-            <a:off x="3580847" y="2348254"/>
-            <a:ext cx="301686" cy="369332"/>
-          </a:xfrm>
-          <a:prstGeom prst="rect">
-            <a:avLst/>
-          </a:prstGeom>
-          <a:noFill/>
-        </p:spPr>
-        <p:txBody>
-          <a:bodyPr wrap="none" rtlCol="0">
-            <a:spAutoFit/>
-          </a:bodyPr>
-          <a:lstStyle/>
-          <a:p>
-            <a:r>
-              <a:rPr lang="en-CA" dirty="0" smtClean="0"/>
-              <a:t>2</a:t>
-            </a:r>
-            <a:endParaRPr lang="en-CA" dirty="0"/>
-          </a:p>
-        </p:txBody>
-      </p:sp>
-      <p:sp>
-        <p:nvSpPr>
-          <p:cNvPr id="14" name="TextBox 13"/>
-          <p:cNvSpPr txBox="1"/>
-          <p:nvPr/>
-        </p:nvSpPr>
-        <p:spPr>
-          <a:xfrm>
-            <a:off x="4305915" y="2348254"/>
-            <a:ext cx="301686" cy="369332"/>
-          </a:xfrm>
-          <a:prstGeom prst="rect">
-            <a:avLst/>
-          </a:prstGeom>
-          <a:noFill/>
-        </p:spPr>
-        <p:txBody>
-          <a:bodyPr wrap="none" rtlCol="0">
-            <a:spAutoFit/>
-          </a:bodyPr>
-          <a:lstStyle/>
-          <a:p>
-            <a:r>
-              <a:rPr lang="en-CA" dirty="0" smtClean="0"/>
-              <a:t>1</a:t>
-            </a:r>
-            <a:endParaRPr lang="en-CA" dirty="0"/>
-          </a:p>
-        </p:txBody>
-      </p:sp>
-      <p:sp>
-        <p:nvSpPr>
-          <p:cNvPr id="15" name="TextBox 14"/>
-          <p:cNvSpPr txBox="1"/>
-          <p:nvPr/>
-        </p:nvSpPr>
-        <p:spPr>
-          <a:xfrm>
-            <a:off x="5030982" y="2348254"/>
-            <a:ext cx="301686" cy="369332"/>
-          </a:xfrm>
-          <a:prstGeom prst="rect">
-            <a:avLst/>
-          </a:prstGeom>
-          <a:noFill/>
-        </p:spPr>
-        <p:txBody>
-          <a:bodyPr wrap="none" rtlCol="0">
-            <a:spAutoFit/>
-          </a:bodyPr>
-          <a:lstStyle/>
-          <a:p>
-            <a:r>
-              <a:rPr lang="en-CA" dirty="0" smtClean="0"/>
-              <a:t>0</a:t>
-            </a:r>
-            <a:endParaRPr lang="en-CA" dirty="0"/>
-          </a:p>
-        </p:txBody>
-      </p:sp>
-      <p:sp>
-        <p:nvSpPr>
-          <p:cNvPr id="16" name="TextBox 15"/>
-          <p:cNvSpPr txBox="1"/>
-          <p:nvPr/>
-        </p:nvSpPr>
-        <p:spPr>
-          <a:xfrm>
-            <a:off x="1409925" y="2348254"/>
-            <a:ext cx="614271" cy="369332"/>
-          </a:xfrm>
-          <a:prstGeom prst="rect">
-            <a:avLst/>
-          </a:prstGeom>
-          <a:noFill/>
-        </p:spPr>
-        <p:txBody>
-          <a:bodyPr wrap="none" rtlCol="0">
-            <a:spAutoFit/>
-          </a:bodyPr>
-          <a:lstStyle/>
-          <a:p>
-            <a:r>
-              <a:rPr lang="en-CA" dirty="0" smtClean="0"/>
-              <a:t>Bit n</a:t>
-            </a:r>
-            <a:endParaRPr lang="en-CA" dirty="0"/>
-          </a:p>
-        </p:txBody>
-      </p:sp>
-      <p:sp>
-        <p:nvSpPr>
-          <p:cNvPr id="17" name="TextBox 16"/>
-          <p:cNvSpPr txBox="1"/>
-          <p:nvPr/>
-        </p:nvSpPr>
-        <p:spPr>
-          <a:xfrm>
-            <a:off x="1621349" y="4082443"/>
-            <a:ext cx="381836" cy="369332"/>
-          </a:xfrm>
-          <a:prstGeom prst="rect">
-            <a:avLst/>
-          </a:prstGeom>
-          <a:noFill/>
-        </p:spPr>
-        <p:txBody>
-          <a:bodyPr wrap="none" rtlCol="0">
-            <a:spAutoFit/>
-          </a:bodyPr>
-          <a:lstStyle/>
-          <a:p>
-            <a:r>
-              <a:rPr lang="en-CA" dirty="0" smtClean="0"/>
-              <a:t>2</a:t>
-            </a:r>
-            <a:r>
-              <a:rPr lang="en-CA" baseline="30000" dirty="0" smtClean="0"/>
-              <a:t>n</a:t>
-            </a:r>
-            <a:endParaRPr lang="en-CA" dirty="0"/>
-          </a:p>
-        </p:txBody>
-      </p:sp>
-      <p:sp>
-        <p:nvSpPr>
-          <p:cNvPr id="27" name="TextBox 26"/>
-          <p:cNvSpPr txBox="1"/>
-          <p:nvPr/>
-        </p:nvSpPr>
-        <p:spPr>
-          <a:xfrm>
-            <a:off x="2130711" y="4082443"/>
-            <a:ext cx="301686" cy="369332"/>
-          </a:xfrm>
-          <a:prstGeom prst="rect">
-            <a:avLst/>
-          </a:prstGeom>
-          <a:noFill/>
-        </p:spPr>
-        <p:txBody>
-          <a:bodyPr wrap="none" rtlCol="0">
-            <a:spAutoFit/>
-          </a:bodyPr>
-          <a:lstStyle/>
-          <a:p>
-            <a:r>
-              <a:rPr lang="en-CA" dirty="0" smtClean="0"/>
-              <a:t>0</a:t>
-            </a:r>
-            <a:endParaRPr lang="en-CA" dirty="0"/>
-          </a:p>
-        </p:txBody>
-      </p:sp>
-      <p:sp>
-        <p:nvSpPr>
-          <p:cNvPr id="28" name="TextBox 27"/>
-          <p:cNvSpPr txBox="1"/>
-          <p:nvPr/>
-        </p:nvSpPr>
-        <p:spPr>
-          <a:xfrm>
-            <a:off x="2855779" y="4082443"/>
-            <a:ext cx="301686" cy="369332"/>
-          </a:xfrm>
-          <a:prstGeom prst="rect">
-            <a:avLst/>
-          </a:prstGeom>
-          <a:noFill/>
-        </p:spPr>
-        <p:txBody>
-          <a:bodyPr wrap="none" rtlCol="0">
-            <a:spAutoFit/>
-          </a:bodyPr>
-          <a:lstStyle/>
-          <a:p>
-            <a:r>
-              <a:rPr lang="en-CA" dirty="0" smtClean="0"/>
-              <a:t>0</a:t>
-            </a:r>
-            <a:endParaRPr lang="en-CA" dirty="0"/>
-          </a:p>
-        </p:txBody>
-      </p:sp>
-      <p:sp>
-        <p:nvSpPr>
-          <p:cNvPr id="29" name="TextBox 28"/>
-          <p:cNvSpPr txBox="1"/>
-          <p:nvPr/>
-        </p:nvSpPr>
-        <p:spPr>
-          <a:xfrm>
-            <a:off x="3580847" y="4082443"/>
-            <a:ext cx="301686" cy="369332"/>
-          </a:xfrm>
-          <a:prstGeom prst="rect">
-            <a:avLst/>
-          </a:prstGeom>
-          <a:noFill/>
-        </p:spPr>
-        <p:txBody>
-          <a:bodyPr wrap="none" rtlCol="0">
-            <a:spAutoFit/>
-          </a:bodyPr>
-          <a:lstStyle/>
-          <a:p>
-            <a:r>
-              <a:rPr lang="en-CA" dirty="0" smtClean="0"/>
-              <a:t>4</a:t>
-            </a:r>
-            <a:endParaRPr lang="en-CA" dirty="0"/>
-          </a:p>
-        </p:txBody>
-      </p:sp>
-      <p:sp>
-        <p:nvSpPr>
-          <p:cNvPr id="30" name="TextBox 29"/>
-          <p:cNvSpPr txBox="1"/>
-          <p:nvPr/>
-        </p:nvSpPr>
-        <p:spPr>
-          <a:xfrm>
-            <a:off x="4305915" y="4082443"/>
-            <a:ext cx="301686" cy="369332"/>
-          </a:xfrm>
-          <a:prstGeom prst="rect">
-            <a:avLst/>
-          </a:prstGeom>
-          <a:noFill/>
-        </p:spPr>
-        <p:txBody>
-          <a:bodyPr wrap="none" rtlCol="0">
-            <a:spAutoFit/>
-          </a:bodyPr>
-          <a:lstStyle/>
-          <a:p>
-            <a:r>
-              <a:rPr lang="en-CA" dirty="0" smtClean="0"/>
-              <a:t>0</a:t>
-            </a:r>
-            <a:endParaRPr lang="en-CA" dirty="0"/>
-          </a:p>
-        </p:txBody>
-      </p:sp>
-      <p:sp>
-        <p:nvSpPr>
-          <p:cNvPr id="31" name="TextBox 30"/>
-          <p:cNvSpPr txBox="1"/>
-          <p:nvPr/>
-        </p:nvSpPr>
-        <p:spPr>
-          <a:xfrm>
-            <a:off x="5030982" y="4082443"/>
-            <a:ext cx="301686" cy="369332"/>
-          </a:xfrm>
-          <a:prstGeom prst="rect">
-            <a:avLst/>
-          </a:prstGeom>
-          <a:noFill/>
-        </p:spPr>
-        <p:txBody>
-          <a:bodyPr wrap="none" rtlCol="0">
-            <a:spAutoFit/>
-          </a:bodyPr>
-          <a:lstStyle/>
-          <a:p>
-            <a:r>
-              <a:rPr lang="en-CA" dirty="0" smtClean="0"/>
-              <a:t>1</a:t>
-            </a:r>
-            <a:endParaRPr lang="en-CA" dirty="0"/>
-          </a:p>
-        </p:txBody>
-      </p:sp>
-      <p:sp>
-        <p:nvSpPr>
-          <p:cNvPr id="33" name="TextBox 32"/>
-          <p:cNvSpPr txBox="1"/>
-          <p:nvPr/>
-        </p:nvSpPr>
-        <p:spPr>
-          <a:xfrm>
-            <a:off x="6058125" y="4082443"/>
-            <a:ext cx="1257075" cy="369332"/>
-          </a:xfrm>
-          <a:prstGeom prst="rect">
-            <a:avLst/>
-          </a:prstGeom>
-          <a:noFill/>
-        </p:spPr>
-        <p:txBody>
-          <a:bodyPr wrap="none" rtlCol="0">
-            <a:spAutoFit/>
-          </a:bodyPr>
-          <a:lstStyle/>
-          <a:p>
-            <a:r>
-              <a:rPr lang="en-CA" dirty="0" smtClean="0"/>
-              <a:t>sum(2</a:t>
-            </a:r>
-            <a:r>
-              <a:rPr lang="en-CA" baseline="30000" dirty="0" smtClean="0"/>
-              <a:t>n</a:t>
-            </a:r>
-            <a:r>
-              <a:rPr lang="en-CA" dirty="0" smtClean="0"/>
-              <a:t>) = </a:t>
-            </a:r>
-            <a:r>
-              <a:rPr lang="en-CA" b="1" dirty="0" smtClean="0"/>
-              <a:t>5</a:t>
-            </a:r>
-            <a:endParaRPr lang="en-CA" b="1" dirty="0"/>
-          </a:p>
-        </p:txBody>
-      </p:sp>
-      <p:sp>
-        <p:nvSpPr>
-          <p:cNvPr id="35" name="TextBox 34"/>
-          <p:cNvSpPr txBox="1"/>
-          <p:nvPr/>
-        </p:nvSpPr>
-        <p:spPr>
-          <a:xfrm rot="18513059">
-            <a:off x="4304035" y="1930775"/>
-            <a:ext cx="912429" cy="338554"/>
-          </a:xfrm>
-          <a:prstGeom prst="rect">
-            <a:avLst/>
-          </a:prstGeom>
-          <a:noFill/>
-        </p:spPr>
-        <p:txBody>
-          <a:bodyPr wrap="none" rtlCol="0">
-            <a:spAutoFit/>
-          </a:bodyPr>
-          <a:lstStyle/>
-          <a:p>
-            <a:r>
-              <a:rPr lang="en-CA" sz="1600" dirty="0" smtClean="0"/>
-              <a:t>“Punish”</a:t>
-            </a:r>
-            <a:endParaRPr lang="en-CA" sz="1600" dirty="0"/>
-          </a:p>
-        </p:txBody>
-      </p:sp>
-      <p:sp>
-        <p:nvSpPr>
-          <p:cNvPr id="36" name="TextBox 35"/>
-          <p:cNvSpPr txBox="1"/>
-          <p:nvPr/>
-        </p:nvSpPr>
-        <p:spPr>
-          <a:xfrm rot="18513059">
-            <a:off x="4971764" y="1901364"/>
-            <a:ext cx="987643" cy="338554"/>
-          </a:xfrm>
-          <a:prstGeom prst="rect">
-            <a:avLst/>
-          </a:prstGeom>
-          <a:noFill/>
-        </p:spPr>
-        <p:txBody>
-          <a:bodyPr wrap="none" rtlCol="0">
-            <a:spAutoFit/>
-          </a:bodyPr>
-          <a:lstStyle/>
-          <a:p>
-            <a:r>
-              <a:rPr lang="en-CA" sz="1600" dirty="0" smtClean="0"/>
-              <a:t>“Reward”</a:t>
-            </a:r>
-            <a:endParaRPr lang="en-CA" sz="1600" dirty="0"/>
-          </a:p>
-        </p:txBody>
-      </p:sp>
-      <p:sp>
-        <p:nvSpPr>
-          <p:cNvPr id="37" name="TextBox 36"/>
-          <p:cNvSpPr txBox="1"/>
-          <p:nvPr/>
-        </p:nvSpPr>
-        <p:spPr>
-          <a:xfrm rot="18513059">
-            <a:off x="3561259" y="2049594"/>
-            <a:ext cx="608565" cy="338554"/>
-          </a:xfrm>
-          <a:prstGeom prst="rect">
-            <a:avLst/>
-          </a:prstGeom>
-          <a:noFill/>
-        </p:spPr>
-        <p:txBody>
-          <a:bodyPr wrap="none" rtlCol="0">
-            <a:spAutoFit/>
-          </a:bodyPr>
-          <a:lstStyle/>
-          <a:p>
-            <a:r>
-              <a:rPr lang="en-CA" sz="1600" dirty="0" smtClean="0"/>
-              <a:t>“Hit”</a:t>
-            </a:r>
-            <a:endParaRPr lang="en-CA" sz="1600" dirty="0"/>
-          </a:p>
-        </p:txBody>
-      </p:sp>
-      <p:sp>
-        <p:nvSpPr>
-          <p:cNvPr id="38" name="TextBox 37"/>
-          <p:cNvSpPr txBox="1"/>
-          <p:nvPr/>
-        </p:nvSpPr>
-        <p:spPr>
-          <a:xfrm rot="18513059">
-            <a:off x="2887317" y="1998471"/>
-            <a:ext cx="739305" cy="338554"/>
-          </a:xfrm>
-          <a:prstGeom prst="rect">
-            <a:avLst/>
-          </a:prstGeom>
-          <a:noFill/>
-        </p:spPr>
-        <p:txBody>
-          <a:bodyPr wrap="none" rtlCol="0">
-            <a:spAutoFit/>
-          </a:bodyPr>
-          <a:lstStyle/>
-          <a:p>
-            <a:r>
-              <a:rPr lang="en-CA" sz="1600" dirty="0" smtClean="0"/>
-              <a:t>“Miss”</a:t>
-            </a:r>
-            <a:endParaRPr lang="en-CA" sz="1600" dirty="0"/>
-          </a:p>
-        </p:txBody>
-      </p:sp>
-      <p:sp>
-        <p:nvSpPr>
-          <p:cNvPr id="39" name="TextBox 38"/>
-          <p:cNvSpPr txBox="1"/>
-          <p:nvPr/>
-        </p:nvSpPr>
-        <p:spPr>
-          <a:xfrm rot="18513059">
-            <a:off x="2026669" y="1804584"/>
-            <a:ext cx="1235146" cy="338554"/>
-          </a:xfrm>
-          <a:prstGeom prst="rect">
-            <a:avLst/>
-          </a:prstGeom>
-          <a:noFill/>
-        </p:spPr>
-        <p:txBody>
-          <a:bodyPr wrap="none" rtlCol="0">
-            <a:spAutoFit/>
-          </a:bodyPr>
-          <a:lstStyle/>
-          <a:p>
-            <a:r>
-              <a:rPr lang="en-CA" sz="1600" dirty="0" smtClean="0"/>
-              <a:t>“Catch-Trial”</a:t>
-            </a:r>
-            <a:endParaRPr lang="en-CA" sz="1600" dirty="0"/>
           </a:p>
         </p:txBody>
       </p:sp>
@@ -16413,6 +16698,36 @@
           <a:chExt cx="0" cy="0"/>
         </a:xfrm>
       </p:grpSpPr>
+      <p:pic>
+        <p:nvPicPr>
+          <p:cNvPr id="9" name="Picture 8" descr="Screen Clipping"/>
+          <p:cNvPicPr>
+            <a:picLocks noChangeAspect="1"/>
+          </p:cNvPicPr>
+          <p:nvPr/>
+        </p:nvPicPr>
+        <p:blipFill>
+          <a:blip r:embed="rId2">
+            <a:extLst>
+              <a:ext uri="{28A0092B-C50C-407E-A947-70E740481C1C}">
+                <a14:useLocalDpi xmlns:a14="http://schemas.microsoft.com/office/drawing/2010/main" val="0"/>
+              </a:ext>
+            </a:extLst>
+          </a:blip>
+          <a:stretch>
+            <a:fillRect/>
+          </a:stretch>
+        </p:blipFill>
+        <p:spPr>
+          <a:xfrm>
+            <a:off x="1790698" y="914400"/>
+            <a:ext cx="7223351" cy="5155816"/>
+          </a:xfrm>
+          <a:prstGeom prst="rect">
+            <a:avLst/>
+          </a:prstGeom>
+        </p:spPr>
+      </p:pic>
       <p:sp>
         <p:nvSpPr>
           <p:cNvPr id="4" name="TextBox 3"/>
@@ -16443,175 +16758,130 @@
           </a:p>
         </p:txBody>
       </p:sp>
-      <p:grpSp>
-        <p:nvGrpSpPr>
-          <p:cNvPr id="11" name="Group 10"/>
-          <p:cNvGrpSpPr/>
-          <p:nvPr/>
-        </p:nvGrpSpPr>
-        <p:grpSpPr>
+      <p:sp>
+        <p:nvSpPr>
+          <p:cNvPr id="10" name="Freeform 9"/>
+          <p:cNvSpPr/>
+          <p:nvPr/>
+        </p:nvSpPr>
+        <p:spPr>
           <a:xfrm>
             <a:off x="1676400" y="914400"/>
             <a:ext cx="7337649" cy="5235079"/>
-            <a:chOff x="942109" y="1295400"/>
-            <a:chExt cx="7337649" cy="5235079"/>
-          </a:xfrm>
-        </p:grpSpPr>
-        <p:pic>
-          <p:nvPicPr>
-            <p:cNvPr id="7" name="Picture 6" descr="Screen Clipping"/>
-            <p:cNvPicPr>
-              <a:picLocks noChangeAspect="1"/>
-            </p:cNvPicPr>
-            <p:nvPr/>
-          </p:nvPicPr>
-          <p:blipFill>
-            <a:blip r:embed="rId2">
-              <a:extLst>
-                <a:ext uri="{28A0092B-C50C-407E-A947-70E740481C1C}">
-                  <a14:useLocalDpi xmlns:a14="http://schemas.microsoft.com/office/drawing/2010/main" val="0"/>
-                </a:ext>
-              </a:extLst>
-            </a:blip>
-            <a:stretch>
-              <a:fillRect/>
-            </a:stretch>
-          </p:blipFill>
-          <p:spPr>
-            <a:xfrm>
-              <a:off x="942109" y="1295400"/>
-              <a:ext cx="7337649" cy="5235079"/>
-            </a:xfrm>
-            <a:prstGeom prst="rect">
-              <a:avLst/>
-            </a:prstGeom>
-          </p:spPr>
-        </p:pic>
-        <p:sp>
-          <p:nvSpPr>
-            <p:cNvPr id="10" name="Freeform 9"/>
-            <p:cNvSpPr/>
-            <p:nvPr/>
-          </p:nvSpPr>
-          <p:spPr>
-            <a:xfrm>
-              <a:off x="942109" y="1295400"/>
-              <a:ext cx="7337649" cy="5235079"/>
-            </a:xfrm>
-            <a:custGeom>
-              <a:avLst/>
-              <a:gdLst>
-                <a:gd name="connsiteX0" fmla="*/ 3477491 w 7337649"/>
-                <a:gd name="connsiteY0" fmla="*/ 457200 h 5235079"/>
-                <a:gd name="connsiteX1" fmla="*/ 3477491 w 7337649"/>
-                <a:gd name="connsiteY1" fmla="*/ 3124200 h 5235079"/>
-                <a:gd name="connsiteX2" fmla="*/ 7211291 w 7337649"/>
-                <a:gd name="connsiteY2" fmla="*/ 3124200 h 5235079"/>
-                <a:gd name="connsiteX3" fmla="*/ 7211291 w 7337649"/>
-                <a:gd name="connsiteY3" fmla="*/ 457200 h 5235079"/>
-                <a:gd name="connsiteX4" fmla="*/ 0 w 7337649"/>
-                <a:gd name="connsiteY4" fmla="*/ 0 h 5235079"/>
-                <a:gd name="connsiteX5" fmla="*/ 7337649 w 7337649"/>
-                <a:gd name="connsiteY5" fmla="*/ 0 h 5235079"/>
-                <a:gd name="connsiteX6" fmla="*/ 7337649 w 7337649"/>
-                <a:gd name="connsiteY6" fmla="*/ 5235079 h 5235079"/>
-                <a:gd name="connsiteX7" fmla="*/ 0 w 7337649"/>
-                <a:gd name="connsiteY7" fmla="*/ 5235079 h 5235079"/>
-              </a:gdLst>
-              <a:ahLst/>
-              <a:cxnLst>
-                <a:cxn ang="0">
-                  <a:pos x="connsiteX0" y="connsiteY0"/>
-                </a:cxn>
-                <a:cxn ang="0">
-                  <a:pos x="connsiteX1" y="connsiteY1"/>
-                </a:cxn>
-                <a:cxn ang="0">
-                  <a:pos x="connsiteX2" y="connsiteY2"/>
-                </a:cxn>
-                <a:cxn ang="0">
-                  <a:pos x="connsiteX3" y="connsiteY3"/>
-                </a:cxn>
-                <a:cxn ang="0">
-                  <a:pos x="connsiteX4" y="connsiteY4"/>
-                </a:cxn>
-                <a:cxn ang="0">
-                  <a:pos x="connsiteX5" y="connsiteY5"/>
-                </a:cxn>
-                <a:cxn ang="0">
-                  <a:pos x="connsiteX6" y="connsiteY6"/>
-                </a:cxn>
-                <a:cxn ang="0">
-                  <a:pos x="connsiteX7" y="connsiteY7"/>
-                </a:cxn>
-              </a:cxnLst>
-              <a:rect l="l" t="t" r="r" b="b"/>
-              <a:pathLst>
-                <a:path w="7337649" h="5235079">
-                  <a:moveTo>
-                    <a:pt x="3477491" y="457200"/>
-                  </a:moveTo>
-                  <a:lnTo>
-                    <a:pt x="3477491" y="3124200"/>
-                  </a:lnTo>
-                  <a:lnTo>
-                    <a:pt x="7211291" y="3124200"/>
-                  </a:lnTo>
-                  <a:lnTo>
-                    <a:pt x="7211291" y="457200"/>
-                  </a:lnTo>
-                  <a:close/>
-                  <a:moveTo>
-                    <a:pt x="0" y="0"/>
-                  </a:moveTo>
-                  <a:lnTo>
-                    <a:pt x="7337649" y="0"/>
-                  </a:lnTo>
-                  <a:lnTo>
-                    <a:pt x="7337649" y="5235079"/>
-                  </a:lnTo>
-                  <a:lnTo>
-                    <a:pt x="0" y="5235079"/>
-                  </a:lnTo>
-                  <a:close/>
-                </a:path>
-              </a:pathLst>
-            </a:custGeom>
-            <a:solidFill>
-              <a:schemeClr val="bg1">
-                <a:alpha val="70000"/>
-              </a:schemeClr>
-            </a:solidFill>
-            <a:ln>
-              <a:noFill/>
-            </a:ln>
-          </p:spPr>
-          <p:style>
-            <a:lnRef idx="2">
-              <a:schemeClr val="accent1">
-                <a:shade val="50000"/>
-              </a:schemeClr>
-            </a:lnRef>
-            <a:fillRef idx="1">
-              <a:schemeClr val="accent1"/>
-            </a:fillRef>
-            <a:effectRef idx="0">
-              <a:schemeClr val="accent1"/>
-            </a:effectRef>
-            <a:fontRef idx="minor">
-              <a:schemeClr val="lt1"/>
-            </a:fontRef>
-          </p:style>
-          <p:txBody>
-            <a:bodyPr rtlCol="0" anchor="ctr"/>
-            <a:lstStyle/>
-            <a:p>
-              <a:pPr algn="ctr"/>
-              <a:endParaRPr lang="en-CA"/>
-            </a:p>
-          </p:txBody>
-        </p:sp>
-      </p:grpSp>
+          </a:xfrm>
+          <a:custGeom>
+            <a:avLst/>
+            <a:gdLst>
+              <a:gd name="connsiteX0" fmla="*/ 3477491 w 7337649"/>
+              <a:gd name="connsiteY0" fmla="*/ 457200 h 5235079"/>
+              <a:gd name="connsiteX1" fmla="*/ 3477491 w 7337649"/>
+              <a:gd name="connsiteY1" fmla="*/ 3124200 h 5235079"/>
+              <a:gd name="connsiteX2" fmla="*/ 7211291 w 7337649"/>
+              <a:gd name="connsiteY2" fmla="*/ 3124200 h 5235079"/>
+              <a:gd name="connsiteX3" fmla="*/ 7211291 w 7337649"/>
+              <a:gd name="connsiteY3" fmla="*/ 457200 h 5235079"/>
+              <a:gd name="connsiteX4" fmla="*/ 0 w 7337649"/>
+              <a:gd name="connsiteY4" fmla="*/ 0 h 5235079"/>
+              <a:gd name="connsiteX5" fmla="*/ 7337649 w 7337649"/>
+              <a:gd name="connsiteY5" fmla="*/ 0 h 5235079"/>
+              <a:gd name="connsiteX6" fmla="*/ 7337649 w 7337649"/>
+              <a:gd name="connsiteY6" fmla="*/ 5235079 h 5235079"/>
+              <a:gd name="connsiteX7" fmla="*/ 0 w 7337649"/>
+              <a:gd name="connsiteY7" fmla="*/ 5235079 h 5235079"/>
+            </a:gdLst>
+            <a:ahLst/>
+            <a:cxnLst>
+              <a:cxn ang="0">
+                <a:pos x="connsiteX0" y="connsiteY0"/>
+              </a:cxn>
+              <a:cxn ang="0">
+                <a:pos x="connsiteX1" y="connsiteY1"/>
+              </a:cxn>
+              <a:cxn ang="0">
+                <a:pos x="connsiteX2" y="connsiteY2"/>
+              </a:cxn>
+              <a:cxn ang="0">
+                <a:pos x="connsiteX3" y="connsiteY3"/>
+              </a:cxn>
+              <a:cxn ang="0">
+                <a:pos x="connsiteX4" y="connsiteY4"/>
+              </a:cxn>
+              <a:cxn ang="0">
+                <a:pos x="connsiteX5" y="connsiteY5"/>
+              </a:cxn>
+              <a:cxn ang="0">
+                <a:pos x="connsiteX6" y="connsiteY6"/>
+              </a:cxn>
+              <a:cxn ang="0">
+                <a:pos x="connsiteX7" y="connsiteY7"/>
+              </a:cxn>
+            </a:cxnLst>
+            <a:rect l="l" t="t" r="r" b="b"/>
+            <a:pathLst>
+              <a:path w="7337649" h="5235079">
+                <a:moveTo>
+                  <a:pt x="3477491" y="457200"/>
+                </a:moveTo>
+                <a:lnTo>
+                  <a:pt x="3477491" y="3124200"/>
+                </a:lnTo>
+                <a:lnTo>
+                  <a:pt x="7211291" y="3124200"/>
+                </a:lnTo>
+                <a:lnTo>
+                  <a:pt x="7211291" y="457200"/>
+                </a:lnTo>
+                <a:close/>
+                <a:moveTo>
+                  <a:pt x="0" y="0"/>
+                </a:moveTo>
+                <a:lnTo>
+                  <a:pt x="7337649" y="0"/>
+                </a:lnTo>
+                <a:lnTo>
+                  <a:pt x="7337649" y="5235079"/>
+                </a:lnTo>
+                <a:lnTo>
+                  <a:pt x="0" y="5235079"/>
+                </a:lnTo>
+                <a:close/>
+              </a:path>
+            </a:pathLst>
+          </a:custGeom>
+          <a:solidFill>
+            <a:schemeClr val="bg1">
+              <a:alpha val="70000"/>
+            </a:schemeClr>
+          </a:solidFill>
+          <a:ln>
+            <a:noFill/>
+          </a:ln>
+        </p:spPr>
+        <p:style>
+          <a:lnRef idx="2">
+            <a:schemeClr val="accent1">
+              <a:shade val="50000"/>
+            </a:schemeClr>
+          </a:lnRef>
+          <a:fillRef idx="1">
+            <a:schemeClr val="accent1"/>
+          </a:fillRef>
+          <a:effectRef idx="0">
+            <a:schemeClr val="accent1"/>
+          </a:effectRef>
+          <a:fontRef idx="minor">
+            <a:schemeClr val="lt1"/>
+          </a:fontRef>
+        </p:style>
+        <p:txBody>
+          <a:bodyPr rtlCol="0" anchor="ctr"/>
+          <a:lstStyle/>
+          <a:p>
+            <a:pPr algn="ctr"/>
+            <a:endParaRPr lang="en-CA"/>
+          </a:p>
+        </p:txBody>
+      </p:sp>
       <p:pic>
         <p:nvPicPr>
           <p:cNvPr id="6" name="Picture 5" descr="Screen Clipping"/>
@@ -16674,7 +16944,7 @@
         </p:blipFill>
         <p:spPr>
           <a:xfrm>
-            <a:off x="2438400" y="2889606"/>
+            <a:off x="2932071" y="2743200"/>
             <a:ext cx="4940603" cy="3902173"/>
           </a:xfrm>
           <a:prstGeom prst="rect">
@@ -16827,8 +17097,8 @@
         </p:blipFill>
         <p:spPr>
           <a:xfrm>
-            <a:off x="1066800" y="1600200"/>
-            <a:ext cx="6781800" cy="4549458"/>
+            <a:off x="457200" y="1295400"/>
+            <a:ext cx="8077200" cy="5418456"/>
           </a:xfrm>
           <a:prstGeom prst="rect">
             <a:avLst/>
@@ -16873,7 +17143,7 @@
         </p:nvSpPr>
         <p:spPr>
           <a:xfrm>
-            <a:off x="914400" y="637218"/>
+            <a:off x="381000" y="637218"/>
             <a:ext cx="3962400" cy="461665"/>
           </a:xfrm>
           <a:prstGeom prst="rect">
@@ -16904,6 +17174,80 @@
               <a:latin typeface="Courier New" panose="02070309020205020404" pitchFamily="49" charset="0"/>
               <a:cs typeface="Courier New" panose="02070309020205020404" pitchFamily="49" charset="0"/>
             </a:endParaRPr>
+          </a:p>
+        </p:txBody>
+      </p:sp>
+      <p:sp>
+        <p:nvSpPr>
+          <p:cNvPr id="2" name="TextBox 1"/>
+          <p:cNvSpPr txBox="1"/>
+          <p:nvPr/>
+        </p:nvSpPr>
+        <p:spPr>
+          <a:xfrm>
+            <a:off x="4343400" y="76200"/>
+            <a:ext cx="4800600" cy="2031325"/>
+          </a:xfrm>
+          <a:prstGeom prst="rect">
+            <a:avLst/>
+          </a:prstGeom>
+          <a:solidFill>
+            <a:schemeClr val="bg1">
+              <a:alpha val="82000"/>
+            </a:schemeClr>
+          </a:solidFill>
+        </p:spPr>
+        <p:txBody>
+          <a:bodyPr wrap="square" rtlCol="0">
+            <a:spAutoFit/>
+          </a:bodyPr>
+          <a:lstStyle/>
+          <a:p>
+            <a:r>
+              <a:rPr lang="en-CA" dirty="0" smtClean="0"/>
+              <a:t>Basic Calibration</a:t>
+            </a:r>
+          </a:p>
+          <a:p>
+            <a:pPr marL="342900" indent="-342900">
+              <a:buFont typeface="+mj-lt"/>
+              <a:buAutoNum type="arabicPeriod"/>
+            </a:pPr>
+            <a:r>
+              <a:rPr lang="en-CA" dirty="0" smtClean="0"/>
+              <a:t>Setup hardware</a:t>
+            </a:r>
+          </a:p>
+          <a:p>
+            <a:pPr marL="342900" indent="-342900">
+              <a:buFont typeface="+mj-lt"/>
+              <a:buAutoNum type="arabicPeriod"/>
+            </a:pPr>
+            <a:r>
+              <a:rPr lang="en-CA" dirty="0" smtClean="0"/>
+              <a:t>Enter reference data or reference a calibrated sound source (ex: piston phone)</a:t>
+            </a:r>
+          </a:p>
+          <a:p>
+            <a:pPr marL="342900" indent="-342900">
+              <a:buFont typeface="+mj-lt"/>
+              <a:buAutoNum type="arabicPeriod"/>
+            </a:pPr>
+            <a:r>
+              <a:rPr lang="en-CA" dirty="0" smtClean="0"/>
+              <a:t>Select stimulus type and enter stimuli to calibrate</a:t>
+            </a:r>
+          </a:p>
+          <a:p>
+            <a:pPr marL="342900" indent="-342900">
+              <a:buFont typeface="+mj-lt"/>
+              <a:buAutoNum type="arabicPeriod"/>
+            </a:pPr>
+            <a:r>
+              <a:rPr lang="en-CA" dirty="0" smtClean="0"/>
+              <a:t>Click “Run”</a:t>
+            </a:r>
+            <a:endParaRPr lang="en-CA" dirty="0"/>
           </a:p>
         </p:txBody>
       </p:sp>
@@ -17803,7 +18147,7 @@
         </p:nvSpPr>
         <p:spPr>
           <a:xfrm>
-            <a:off x="914400" y="3776396"/>
+            <a:off x="914400" y="2743200"/>
             <a:ext cx="7695889" cy="646331"/>
           </a:xfrm>
           <a:prstGeom prst="rect">
@@ -17832,7 +18176,7 @@
         </p:nvSpPr>
         <p:spPr>
           <a:xfrm>
-            <a:off x="2286000" y="4535273"/>
+            <a:off x="2286000" y="3502077"/>
             <a:ext cx="3703319" cy="646331"/>
           </a:xfrm>
           <a:prstGeom prst="rect">
@@ -17863,6 +18207,57 @@
               <a:latin typeface="Courier New" panose="02070309020205020404" pitchFamily="49" charset="0"/>
               <a:cs typeface="Courier New" panose="02070309020205020404" pitchFamily="49" charset="0"/>
             </a:endParaRPr>
+          </a:p>
+        </p:txBody>
+      </p:sp>
+      <p:sp>
+        <p:nvSpPr>
+          <p:cNvPr id="6" name="TextBox 5"/>
+          <p:cNvSpPr txBox="1"/>
+          <p:nvPr/>
+        </p:nvSpPr>
+        <p:spPr>
+          <a:xfrm>
+            <a:off x="792481" y="4876800"/>
+            <a:ext cx="6827519" cy="923330"/>
+          </a:xfrm>
+          <a:prstGeom prst="rect">
+            <a:avLst/>
+          </a:prstGeom>
+        </p:spPr>
+        <p:style>
+          <a:lnRef idx="2">
+            <a:schemeClr val="accent2"/>
+          </a:lnRef>
+          <a:fillRef idx="1">
+            <a:schemeClr val="lt1"/>
+          </a:fillRef>
+          <a:effectRef idx="0">
+            <a:schemeClr val="accent2"/>
+          </a:effectRef>
+          <a:fontRef idx="minor">
+            <a:schemeClr val="dk1"/>
+          </a:fontRef>
+        </p:style>
+        <p:txBody>
+          <a:bodyPr wrap="square" rtlCol="0">
+            <a:spAutoFit/>
+          </a:bodyPr>
+          <a:lstStyle/>
+          <a:p>
+            <a:r>
+              <a:rPr lang="en-CA" dirty="0" smtClean="0"/>
+              <a:t>Note: TDT’s </a:t>
+            </a:r>
+            <a:r>
+              <a:rPr lang="en-CA" dirty="0" err="1" smtClean="0"/>
+              <a:t>OpenEx</a:t>
+            </a:r>
+            <a:r>
+              <a:rPr lang="en-CA" dirty="0" smtClean="0"/>
+              <a:t> software must be open and in “Idle” mode whenever running a “electrophysiology” experiment (with or without behavior) </a:t>
+            </a:r>
+            <a:endParaRPr lang="en-CA" dirty="0"/>
           </a:p>
         </p:txBody>
       </p:sp>
@@ -20568,13 +20963,8 @@
             </a:pPr>
             <a:r>
               <a:rPr lang="en-CA" dirty="0" smtClean="0"/>
-              <a:t>Recommended: </a:t>
-            </a:r>
-            <a:r>
-              <a:rPr lang="en-CA" dirty="0" smtClean="0"/>
-              <a:t>‘C:/’</a:t>
-            </a:r>
-            <a:endParaRPr lang="en-CA" dirty="0" smtClean="0"/>
+              <a:t>Recommended: ‘c:/MATLAB/work/’</a:t>
+            </a:r>
           </a:p>
           <a:p>
             <a:pPr marL="342900" indent="-342900">
@@ -20638,15 +21028,7 @@
             </a:pPr>
             <a:r>
               <a:rPr lang="en-CA" dirty="0"/>
-              <a:t>Checkout Directory:   C</a:t>
-            </a:r>
-            <a:r>
-              <a:rPr lang="en-CA" dirty="0" smtClean="0"/>
-              <a:t>:\epsych     </a:t>
-            </a:r>
-            <a:r>
-              <a:rPr lang="en-CA" dirty="0"/>
-              <a:t>(or wherever)</a:t>
+              <a:t>Checkout Directory:   C:\MATLAB\work\epsych     (or wherever)</a:t>
             </a:r>
           </a:p>
           <a:p>
@@ -21230,7 +21612,7 @@
         <p:spPr>
           <a:xfrm>
             <a:off x="1653573" y="5279764"/>
-            <a:ext cx="4182555" cy="646331"/>
+            <a:ext cx="5836854" cy="646331"/>
           </a:xfrm>
           <a:prstGeom prst="rect">
             <a:avLst/>
@@ -21261,20 +21643,10 @@
                 <a:latin typeface="Courier New" panose="02070309020205020404" pitchFamily="49" charset="0"/>
                 <a:cs typeface="Courier New" panose="02070309020205020404" pitchFamily="49" charset="0"/>
               </a:rPr>
-              <a:t>('C</a:t>
-            </a:r>
-            <a:r>
-              <a:rPr lang="en-CA" dirty="0" smtClean="0">
-                <a:solidFill>
-                  <a:srgbClr val="0070C0"/>
-                </a:solidFill>
-                <a:latin typeface="Courier New" panose="02070309020205020404" pitchFamily="49" charset="0"/>
-                <a:cs typeface="Courier New" panose="02070309020205020404" pitchFamily="49" charset="0"/>
-              </a:rPr>
-              <a:t>:\</a:t>
-            </a:r>
-            <a:r>
-              <a:rPr lang="en-CA" dirty="0" err="1" smtClean="0">
+              <a:t>('C:\MATLAB\work\</a:t>
+            </a:r>
+            <a:r>
+              <a:rPr lang="en-CA" dirty="0" err="1">
                 <a:solidFill>
                   <a:srgbClr val="0070C0"/>
                 </a:solidFill>
@@ -21313,20 +21685,10 @@
                 <a:latin typeface="Courier New" panose="02070309020205020404" pitchFamily="49" charset="0"/>
                 <a:cs typeface="Courier New" panose="02070309020205020404" pitchFamily="49" charset="0"/>
               </a:rPr>
-              <a:t>('C</a:t>
-            </a:r>
-            <a:r>
-              <a:rPr lang="en-CA" dirty="0" smtClean="0">
-                <a:solidFill>
-                  <a:srgbClr val="0070C0"/>
-                </a:solidFill>
-                <a:latin typeface="Courier New" panose="02070309020205020404" pitchFamily="49" charset="0"/>
-                <a:cs typeface="Courier New" panose="02070309020205020404" pitchFamily="49" charset="0"/>
-              </a:rPr>
-              <a:t>:\</a:t>
-            </a:r>
-            <a:r>
-              <a:rPr lang="en-CA" dirty="0" err="1" smtClean="0">
+              <a:t>('C:\MATLAB\work\</a:t>
+            </a:r>
+            <a:r>
+              <a:rPr lang="en-CA" dirty="0" err="1">
                 <a:solidFill>
                   <a:srgbClr val="0070C0"/>
                 </a:solidFill>
@@ -22446,8 +22808,8 @@
         </p:blipFill>
         <p:spPr>
           <a:xfrm>
-            <a:off x="1203314" y="1676400"/>
-            <a:ext cx="2463927" cy="2133710"/>
+            <a:off x="1203314" y="1516913"/>
+            <a:ext cx="2648097" cy="2293197"/>
           </a:xfrm>
           <a:prstGeom prst="rect">
             <a:avLst/>
@@ -22476,8 +22838,8 @@
         </p:blipFill>
         <p:spPr>
           <a:xfrm>
-            <a:off x="1203314" y="4114800"/>
-            <a:ext cx="2559182" cy="2381372"/>
+            <a:off x="1071619" y="3819798"/>
+            <a:ext cx="2911486" cy="2709198"/>
           </a:xfrm>
           <a:prstGeom prst="rect">
             <a:avLst/>
@@ -22486,7 +22848,7 @@
       </p:pic>
       <p:pic>
         <p:nvPicPr>
-          <p:cNvPr id="7" name="Picture 6" descr="Screen Clipping"/>
+          <p:cNvPr id="10" name="Picture 9" descr="Screen Clipping"/>
           <p:cNvPicPr>
             <a:picLocks noChangeAspect="1"/>
           </p:cNvPicPr>
@@ -22506,17 +22868,75 @@
         </p:blipFill>
         <p:spPr>
           <a:xfrm>
-            <a:off x="5071406" y="1828800"/>
-            <a:ext cx="2463927" cy="1181161"/>
+            <a:off x="7543800" y="263377"/>
+            <a:ext cx="848579" cy="980580"/>
           </a:xfrm>
           <a:prstGeom prst="rect">
             <a:avLst/>
           </a:prstGeom>
         </p:spPr>
       </p:pic>
+      <p:sp>
+        <p:nvSpPr>
+          <p:cNvPr id="11" name="Rectangle 10"/>
+          <p:cNvSpPr/>
+          <p:nvPr/>
+        </p:nvSpPr>
+        <p:spPr>
+          <a:xfrm>
+            <a:off x="1203314" y="1058952"/>
+            <a:ext cx="2648097" cy="461665"/>
+          </a:xfrm>
+          <a:prstGeom prst="rect">
+            <a:avLst/>
+          </a:prstGeom>
+        </p:spPr>
+        <p:txBody>
+          <a:bodyPr wrap="none">
+            <a:spAutoFit/>
+          </a:bodyPr>
+          <a:lstStyle/>
+          <a:p>
+            <a:r>
+              <a:rPr lang="en-CA" sz="2400" u="sng" dirty="0" smtClean="0"/>
+              <a:t>Behavior Paradigms</a:t>
+            </a:r>
+            <a:endParaRPr lang="en-CA" sz="2400" u="sng" dirty="0"/>
+          </a:p>
+        </p:txBody>
+      </p:sp>
+      <p:sp>
+        <p:nvSpPr>
+          <p:cNvPr id="12" name="Rectangle 11"/>
+          <p:cNvSpPr/>
+          <p:nvPr/>
+        </p:nvSpPr>
+        <p:spPr>
+          <a:xfrm>
+            <a:off x="5071406" y="1374062"/>
+            <a:ext cx="2345963" cy="461665"/>
+          </a:xfrm>
+          <a:prstGeom prst="rect">
+            <a:avLst/>
+          </a:prstGeom>
+        </p:spPr>
+        <p:txBody>
+          <a:bodyPr wrap="none">
+            <a:spAutoFit/>
+          </a:bodyPr>
+          <a:lstStyle/>
+          <a:p>
+            <a:r>
+              <a:rPr lang="en-CA" sz="2400" u="sng" dirty="0" smtClean="0"/>
+              <a:t>Signal Calibration</a:t>
+            </a:r>
+            <a:endParaRPr lang="en-CA" sz="2400" u="sng" dirty="0"/>
+          </a:p>
+        </p:txBody>
+      </p:sp>
       <p:pic>
         <p:nvPicPr>
-          <p:cNvPr id="10" name="Picture 9" descr="Screen Clipping"/>
+          <p:cNvPr id="14" name="Picture 13" descr="Screen Clipping"/>
           <p:cNvPicPr>
             <a:picLocks noChangeAspect="1"/>
           </p:cNvPicPr>
@@ -22536,8 +22956,8 @@
         </p:blipFill>
         <p:spPr>
           <a:xfrm>
-            <a:off x="7543800" y="263377"/>
-            <a:ext cx="848579" cy="980580"/>
+            <a:off x="5025124" y="5288553"/>
+            <a:ext cx="2438525" cy="920797"/>
           </a:xfrm>
           <a:prstGeom prst="rect">
             <a:avLst/>
@@ -22546,14 +22966,14 @@
       </p:pic>
       <p:sp>
         <p:nvSpPr>
-          <p:cNvPr id="11" name="Rectangle 10"/>
+          <p:cNvPr id="15" name="Rectangle 14"/>
           <p:cNvSpPr/>
           <p:nvPr/>
         </p:nvSpPr>
         <p:spPr>
           <a:xfrm>
-            <a:off x="1203314" y="1058952"/>
-            <a:ext cx="2648097" cy="461665"/>
+            <a:off x="4114800" y="4343400"/>
+            <a:ext cx="4501169" cy="830997"/>
           </a:xfrm>
           <a:prstGeom prst="rect">
             <a:avLst/>
@@ -22565,38 +22985,31 @@
           </a:bodyPr>
           <a:lstStyle/>
           <a:p>
+            <a:pPr algn="ctr"/>
             <a:r>
               <a:rPr lang="en-CA" sz="2400" u="sng" dirty="0" smtClean="0"/>
-              <a:t>Behavior Paradigms</a:t>
-            </a:r>
-            <a:endParaRPr lang="en-CA" sz="2400" u="sng" dirty="0"/>
-          </a:p>
-        </p:txBody>
-      </p:sp>
-      <p:sp>
-        <p:nvSpPr>
-          <p:cNvPr id="12" name="Rectangle 11"/>
-          <p:cNvSpPr/>
-          <p:nvPr/>
-        </p:nvSpPr>
-        <p:spPr>
-          <a:xfrm>
-            <a:off x="5071406" y="1374062"/>
-            <a:ext cx="2345963" cy="461665"/>
-          </a:xfrm>
-          <a:prstGeom prst="rect">
-            <a:avLst/>
-          </a:prstGeom>
-        </p:spPr>
-        <p:txBody>
-          <a:bodyPr wrap="none">
-            <a:spAutoFit/>
-          </a:bodyPr>
-          <a:lstStyle/>
-          <a:p>
+              <a:t>Cross-module Synchronous Trigger</a:t>
+            </a:r>
+          </a:p>
+          <a:p>
+            <a:pPr algn="ctr"/>
             <a:r>
               <a:rPr lang="en-CA" sz="2400" u="sng" dirty="0" smtClean="0"/>
-              <a:t>Signal Calibration</a:t>
+              <a:t>(</a:t>
+            </a:r>
+            <a:r>
+              <a:rPr lang="en-CA" sz="2400" u="sng" dirty="0" err="1" smtClean="0">
+                <a:solidFill>
+                  <a:schemeClr val="accent1"/>
+                </a:solidFill>
+                <a:latin typeface="Courier New" panose="02070309020205020404" pitchFamily="49" charset="0"/>
+                <a:cs typeface="Courier New" panose="02070309020205020404" pitchFamily="49" charset="0"/>
+              </a:rPr>
+              <a:t>ep_EPhys</a:t>
+            </a:r>
+            <a:r>
+              <a:rPr lang="en-CA" sz="2400" u="sng" dirty="0" smtClean="0"/>
+              <a:t>)</a:t>
             </a:r>
             <a:endParaRPr lang="en-CA" sz="2400" u="sng" dirty="0"/>
           </a:p>
@@ -22604,7 +23017,7 @@
       </p:sp>
       <p:pic>
         <p:nvPicPr>
-          <p:cNvPr id="14" name="Picture 13" descr="Screen Clipping"/>
+          <p:cNvPr id="2" name="Picture 1" descr="Screen Clipping"/>
           <p:cNvPicPr>
             <a:picLocks noChangeAspect="1"/>
           </p:cNvPicPr>
@@ -22624,65 +23037,14 @@
         </p:blipFill>
         <p:spPr>
           <a:xfrm>
-            <a:off x="5025124" y="5288553"/>
-            <a:ext cx="2438525" cy="920797"/>
+            <a:off x="4593390" y="2021579"/>
+            <a:ext cx="3395481" cy="1283863"/>
           </a:xfrm>
           <a:prstGeom prst="rect">
             <a:avLst/>
           </a:prstGeom>
         </p:spPr>
       </p:pic>
-      <p:sp>
-        <p:nvSpPr>
-          <p:cNvPr id="15" name="Rectangle 14"/>
-          <p:cNvSpPr/>
-          <p:nvPr/>
-        </p:nvSpPr>
-        <p:spPr>
-          <a:xfrm>
-            <a:off x="4114800" y="4343400"/>
-            <a:ext cx="4501169" cy="830997"/>
-          </a:xfrm>
-          <a:prstGeom prst="rect">
-            <a:avLst/>
-          </a:prstGeom>
-        </p:spPr>
-        <p:txBody>
-          <a:bodyPr wrap="none">
-            <a:spAutoFit/>
-          </a:bodyPr>
-          <a:lstStyle/>
-          <a:p>
-            <a:pPr algn="ctr"/>
-            <a:r>
-              <a:rPr lang="en-CA" sz="2400" u="sng" dirty="0" smtClean="0"/>
-              <a:t>Cross-module Synchronous Trigger</a:t>
-            </a:r>
-          </a:p>
-          <a:p>
-            <a:pPr algn="ctr"/>
-            <a:r>
-              <a:rPr lang="en-CA" sz="2400" u="sng" dirty="0" smtClean="0"/>
-              <a:t>(</a:t>
-            </a:r>
-            <a:r>
-              <a:rPr lang="en-CA" sz="2400" u="sng" dirty="0" err="1" smtClean="0">
-                <a:solidFill>
-                  <a:schemeClr val="accent1"/>
-                </a:solidFill>
-                <a:latin typeface="Courier New" panose="02070309020205020404" pitchFamily="49" charset="0"/>
-                <a:cs typeface="Courier New" panose="02070309020205020404" pitchFamily="49" charset="0"/>
-              </a:rPr>
-              <a:t>ep_EPhys</a:t>
-            </a:r>
-            <a:r>
-              <a:rPr lang="en-CA" sz="2400" u="sng" dirty="0" smtClean="0"/>
-              <a:t>)</a:t>
-            </a:r>
-            <a:endParaRPr lang="en-CA" sz="2400" u="sng" dirty="0"/>
-          </a:p>
-        </p:txBody>
-      </p:sp>
     </p:spTree>
     <p:extLst>
       <p:ext uri="{BB962C8B-B14F-4D97-AF65-F5344CB8AC3E}">
